--- a/documents/SystemFlow.pptx
+++ b/documents/SystemFlow.pptx
@@ -4936,7 +4936,19 @@
             </a:pPr>
             <a:r>
               <a:rPr lang="en-SG" sz="1400" dirty="0" smtClean="0"/>
-              <a:t>GPIO adaptor extract info and output to LED, Servo or </a:t>
+              <a:t>GPIO </a:t>
+            </a:r>
+            <a:r>
+              <a:rPr lang="en-SG" sz="1400" smtClean="0"/>
+              <a:t>plugin module</a:t>
+            </a:r>
+            <a:r>
+              <a:rPr lang="en-SG" sz="1400" smtClean="0"/>
+              <a:t> </a:t>
+            </a:r>
+            <a:r>
+              <a:rPr lang="en-SG" sz="1400" dirty="0" smtClean="0"/>
+              <a:t>extract info and output to LED, Servo or </a:t>
             </a:r>
             <a:r>
               <a:rPr lang="en-SG" sz="1400" dirty="0" err="1" smtClean="0"/>

--- a/documents/SystemFlow.pptx
+++ b/documents/SystemFlow.pptx
@@ -7,6 +7,11 @@
   <p:sldIdLst>
     <p:sldId id="256" r:id="rId2"/>
     <p:sldId id="258" r:id="rId3"/>
+    <p:sldId id="263" r:id="rId4"/>
+    <p:sldId id="260" r:id="rId5"/>
+    <p:sldId id="262" r:id="rId6"/>
+    <p:sldId id="261" r:id="rId7"/>
+    <p:sldId id="264" r:id="rId8"/>
   </p:sldIdLst>
   <p:sldSz cx="12192000" cy="6858000"/>
   <p:notesSz cx="6858000" cy="9144000"/>
@@ -244,7 +249,7 @@
           <a:p>
             <a:fld id="{03BF23B9-0273-4B87-80E3-205D9060DC01}" type="datetimeFigureOut">
               <a:rPr lang="en-SG" smtClean="0"/>
-              <a:t>14 Feb 2024</a:t>
+              <a:t>5 Mar 2024</a:t>
             </a:fld>
             <a:endParaRPr lang="en-SG"/>
           </a:p>
@@ -414,7 +419,7 @@
           <a:p>
             <a:fld id="{03BF23B9-0273-4B87-80E3-205D9060DC01}" type="datetimeFigureOut">
               <a:rPr lang="en-SG" smtClean="0"/>
-              <a:t>14 Feb 2024</a:t>
+              <a:t>5 Mar 2024</a:t>
             </a:fld>
             <a:endParaRPr lang="en-SG"/>
           </a:p>
@@ -594,7 +599,7 @@
           <a:p>
             <a:fld id="{03BF23B9-0273-4B87-80E3-205D9060DC01}" type="datetimeFigureOut">
               <a:rPr lang="en-SG" smtClean="0"/>
-              <a:t>14 Feb 2024</a:t>
+              <a:t>5 Mar 2024</a:t>
             </a:fld>
             <a:endParaRPr lang="en-SG"/>
           </a:p>
@@ -764,7 +769,7 @@
           <a:p>
             <a:fld id="{03BF23B9-0273-4B87-80E3-205D9060DC01}" type="datetimeFigureOut">
               <a:rPr lang="en-SG" smtClean="0"/>
-              <a:t>14 Feb 2024</a:t>
+              <a:t>5 Mar 2024</a:t>
             </a:fld>
             <a:endParaRPr lang="en-SG"/>
           </a:p>
@@ -1010,7 +1015,7 @@
           <a:p>
             <a:fld id="{03BF23B9-0273-4B87-80E3-205D9060DC01}" type="datetimeFigureOut">
               <a:rPr lang="en-SG" smtClean="0"/>
-              <a:t>14 Feb 2024</a:t>
+              <a:t>5 Mar 2024</a:t>
             </a:fld>
             <a:endParaRPr lang="en-SG"/>
           </a:p>
@@ -1242,7 +1247,7 @@
           <a:p>
             <a:fld id="{03BF23B9-0273-4B87-80E3-205D9060DC01}" type="datetimeFigureOut">
               <a:rPr lang="en-SG" smtClean="0"/>
-              <a:t>14 Feb 2024</a:t>
+              <a:t>5 Mar 2024</a:t>
             </a:fld>
             <a:endParaRPr lang="en-SG"/>
           </a:p>
@@ -1609,7 +1614,7 @@
           <a:p>
             <a:fld id="{03BF23B9-0273-4B87-80E3-205D9060DC01}" type="datetimeFigureOut">
               <a:rPr lang="en-SG" smtClean="0"/>
-              <a:t>14 Feb 2024</a:t>
+              <a:t>5 Mar 2024</a:t>
             </a:fld>
             <a:endParaRPr lang="en-SG"/>
           </a:p>
@@ -1727,7 +1732,7 @@
           <a:p>
             <a:fld id="{03BF23B9-0273-4B87-80E3-205D9060DC01}" type="datetimeFigureOut">
               <a:rPr lang="en-SG" smtClean="0"/>
-              <a:t>14 Feb 2024</a:t>
+              <a:t>5 Mar 2024</a:t>
             </a:fld>
             <a:endParaRPr lang="en-SG"/>
           </a:p>
@@ -1822,7 +1827,7 @@
           <a:p>
             <a:fld id="{03BF23B9-0273-4B87-80E3-205D9060DC01}" type="datetimeFigureOut">
               <a:rPr lang="en-SG" smtClean="0"/>
-              <a:t>14 Feb 2024</a:t>
+              <a:t>5 Mar 2024</a:t>
             </a:fld>
             <a:endParaRPr lang="en-SG"/>
           </a:p>
@@ -2099,7 +2104,7 @@
           <a:p>
             <a:fld id="{03BF23B9-0273-4B87-80E3-205D9060DC01}" type="datetimeFigureOut">
               <a:rPr lang="en-SG" smtClean="0"/>
-              <a:t>14 Feb 2024</a:t>
+              <a:t>5 Mar 2024</a:t>
             </a:fld>
             <a:endParaRPr lang="en-SG"/>
           </a:p>
@@ -2352,7 +2357,7 @@
           <a:p>
             <a:fld id="{03BF23B9-0273-4B87-80E3-205D9060DC01}" type="datetimeFigureOut">
               <a:rPr lang="en-SG" smtClean="0"/>
-              <a:t>14 Feb 2024</a:t>
+              <a:t>5 Mar 2024</a:t>
             </a:fld>
             <a:endParaRPr lang="en-SG"/>
           </a:p>
@@ -2565,7 +2570,7 @@
           <a:p>
             <a:fld id="{03BF23B9-0273-4B87-80E3-205D9060DC01}" type="datetimeFigureOut">
               <a:rPr lang="en-SG" smtClean="0"/>
-              <a:t>14 Feb 2024</a:t>
+              <a:t>5 Mar 2024</a:t>
             </a:fld>
             <a:endParaRPr lang="en-SG"/>
           </a:p>
@@ -4940,11 +4945,7 @@
             </a:r>
             <a:r>
               <a:rPr lang="en-SG" sz="1400" smtClean="0"/>
-              <a:t>plugin module</a:t>
-            </a:r>
-            <a:r>
-              <a:rPr lang="en-SG" sz="1400" smtClean="0"/>
-              <a:t> </a:t>
+              <a:t>plugin module </a:t>
             </a:r>
             <a:r>
               <a:rPr lang="en-SG" sz="1400" dirty="0" smtClean="0"/>
@@ -5024,6 +5025,9388 @@
     <p:extLst>
       <p:ext uri="{BB962C8B-B14F-4D97-AF65-F5344CB8AC3E}">
         <p14:creationId xmlns:p14="http://schemas.microsoft.com/office/powerpoint/2010/main" val="3766296721"/>
+      </p:ext>
+    </p:extLst>
+  </p:cSld>
+  <p:clrMapOvr>
+    <a:masterClrMapping/>
+  </p:clrMapOvr>
+</p:sld>
+</file>
+
+<file path=ppt/slides/slide3.xml><?xml version="1.0" encoding="utf-8"?>
+<p:sld xmlns:a="http://schemas.openxmlformats.org/drawingml/2006/main" xmlns:r="http://schemas.openxmlformats.org/officeDocument/2006/relationships" xmlns:p="http://schemas.openxmlformats.org/presentationml/2006/main">
+  <p:cSld>
+    <p:spTree>
+      <p:nvGrpSpPr>
+        <p:cNvPr id="1" name=""/>
+        <p:cNvGrpSpPr/>
+        <p:nvPr/>
+      </p:nvGrpSpPr>
+      <p:grpSpPr>
+        <a:xfrm>
+          <a:off x="0" y="0"/>
+          <a:ext cx="0" cy="0"/>
+          <a:chOff x="0" y="0"/>
+          <a:chExt cx="0" cy="0"/>
+        </a:xfrm>
+      </p:grpSpPr>
+      <p:pic>
+        <p:nvPicPr>
+          <p:cNvPr id="4" name="Picture 3"/>
+          <p:cNvPicPr>
+            <a:picLocks noChangeAspect="1"/>
+          </p:cNvPicPr>
+          <p:nvPr/>
+        </p:nvPicPr>
+        <p:blipFill>
+          <a:blip r:embed="rId2"/>
+          <a:stretch>
+            <a:fillRect/>
+          </a:stretch>
+        </p:blipFill>
+        <p:spPr>
+          <a:xfrm>
+            <a:off x="693504" y="265298"/>
+            <a:ext cx="10202239" cy="5965598"/>
+          </a:xfrm>
+          <a:prstGeom prst="rect">
+            <a:avLst/>
+          </a:prstGeom>
+        </p:spPr>
+      </p:pic>
+      <p:sp>
+        <p:nvSpPr>
+          <p:cNvPr id="5" name="TextBox 4"/>
+          <p:cNvSpPr txBox="1"/>
+          <p:nvPr/>
+        </p:nvSpPr>
+        <p:spPr>
+          <a:xfrm>
+            <a:off x="3137053" y="6302154"/>
+            <a:ext cx="5735322" cy="369332"/>
+          </a:xfrm>
+          <a:prstGeom prst="rect">
+            <a:avLst/>
+          </a:prstGeom>
+          <a:solidFill>
+            <a:schemeClr val="accent4"/>
+          </a:solidFill>
+          <a:ln>
+            <a:solidFill>
+              <a:schemeClr val="accent4">
+                <a:lumMod val="50000"/>
+              </a:schemeClr>
+            </a:solidFill>
+          </a:ln>
+        </p:spPr>
+        <p:txBody>
+          <a:bodyPr wrap="square" rtlCol="0">
+            <a:spAutoFit/>
+          </a:bodyPr>
+          <a:lstStyle/>
+          <a:p>
+            <a:pPr algn="ctr"/>
+            <a:r>
+              <a:rPr lang="en-SG" dirty="0" smtClean="0"/>
+              <a:t>Defined Flow by Partner</a:t>
+            </a:r>
+            <a:endParaRPr lang="en-SG" dirty="0"/>
+          </a:p>
+        </p:txBody>
+      </p:sp>
+    </p:spTree>
+    <p:extLst>
+      <p:ext uri="{BB962C8B-B14F-4D97-AF65-F5344CB8AC3E}">
+        <p14:creationId xmlns:p14="http://schemas.microsoft.com/office/powerpoint/2010/main" val="3921635172"/>
+      </p:ext>
+    </p:extLst>
+  </p:cSld>
+  <p:clrMapOvr>
+    <a:masterClrMapping/>
+  </p:clrMapOvr>
+</p:sld>
+</file>
+
+<file path=ppt/slides/slide4.xml><?xml version="1.0" encoding="utf-8"?>
+<p:sld xmlns:a="http://schemas.openxmlformats.org/drawingml/2006/main" xmlns:r="http://schemas.openxmlformats.org/officeDocument/2006/relationships" xmlns:p="http://schemas.openxmlformats.org/presentationml/2006/main">
+  <p:cSld>
+    <p:spTree>
+      <p:nvGrpSpPr>
+        <p:cNvPr id="1" name=""/>
+        <p:cNvGrpSpPr/>
+        <p:nvPr/>
+      </p:nvGrpSpPr>
+      <p:grpSpPr>
+        <a:xfrm>
+          <a:off x="0" y="0"/>
+          <a:ext cx="0" cy="0"/>
+          <a:chOff x="0" y="0"/>
+          <a:chExt cx="0" cy="0"/>
+        </a:xfrm>
+      </p:grpSpPr>
+      <p:sp>
+        <p:nvSpPr>
+          <p:cNvPr id="4" name="Rounded Rectangle 3"/>
+          <p:cNvSpPr/>
+          <p:nvPr/>
+        </p:nvSpPr>
+        <p:spPr>
+          <a:xfrm>
+            <a:off x="768553" y="366643"/>
+            <a:ext cx="1466574" cy="472661"/>
+          </a:xfrm>
+          <a:prstGeom prst="roundRect">
+            <a:avLst/>
+          </a:prstGeom>
+        </p:spPr>
+        <p:style>
+          <a:lnRef idx="0">
+            <a:schemeClr val="accent1"/>
+          </a:lnRef>
+          <a:fillRef idx="3">
+            <a:schemeClr val="accent1"/>
+          </a:fillRef>
+          <a:effectRef idx="3">
+            <a:schemeClr val="accent1"/>
+          </a:effectRef>
+          <a:fontRef idx="minor">
+            <a:schemeClr val="lt1"/>
+          </a:fontRef>
+        </p:style>
+        <p:txBody>
+          <a:bodyPr rtlCol="0" anchor="ctr"/>
+          <a:lstStyle/>
+          <a:p>
+            <a:pPr algn="ctr"/>
+            <a:r>
+              <a:rPr lang="en-SG" dirty="0" err="1" smtClean="0"/>
+              <a:t>Algo</a:t>
+            </a:r>
+            <a:endParaRPr lang="en-SG" dirty="0"/>
+          </a:p>
+        </p:txBody>
+      </p:sp>
+      <p:cxnSp>
+        <p:nvCxnSpPr>
+          <p:cNvPr id="5" name="Straight Arrow Connector 4"/>
+          <p:cNvCxnSpPr>
+            <a:stCxn id="4" idx="2"/>
+          </p:cNvCxnSpPr>
+          <p:nvPr/>
+        </p:nvCxnSpPr>
+        <p:spPr>
+          <a:xfrm flipH="1">
+            <a:off x="1464067" y="839304"/>
+            <a:ext cx="0" cy="5601253"/>
+          </a:xfrm>
+          <a:prstGeom prst="straightConnector1">
+            <a:avLst/>
+          </a:prstGeom>
+          <a:ln>
+            <a:tailEnd type="triangle"/>
+          </a:ln>
+        </p:spPr>
+        <p:style>
+          <a:lnRef idx="3">
+            <a:schemeClr val="accent1"/>
+          </a:lnRef>
+          <a:fillRef idx="0">
+            <a:schemeClr val="accent1"/>
+          </a:fillRef>
+          <a:effectRef idx="2">
+            <a:schemeClr val="accent1"/>
+          </a:effectRef>
+          <a:fontRef idx="minor">
+            <a:schemeClr val="tx1"/>
+          </a:fontRef>
+        </p:style>
+      </p:cxnSp>
+      <p:sp>
+        <p:nvSpPr>
+          <p:cNvPr id="6" name="Rounded Rectangle 5"/>
+          <p:cNvSpPr/>
+          <p:nvPr/>
+        </p:nvSpPr>
+        <p:spPr>
+          <a:xfrm>
+            <a:off x="3892475" y="366643"/>
+            <a:ext cx="1466574" cy="472661"/>
+          </a:xfrm>
+          <a:prstGeom prst="roundRect">
+            <a:avLst/>
+          </a:prstGeom>
+        </p:spPr>
+        <p:style>
+          <a:lnRef idx="0">
+            <a:schemeClr val="accent2"/>
+          </a:lnRef>
+          <a:fillRef idx="3">
+            <a:schemeClr val="accent2"/>
+          </a:fillRef>
+          <a:effectRef idx="3">
+            <a:schemeClr val="accent2"/>
+          </a:effectRef>
+          <a:fontRef idx="minor">
+            <a:schemeClr val="lt1"/>
+          </a:fontRef>
+        </p:style>
+        <p:txBody>
+          <a:bodyPr rtlCol="0" anchor="ctr"/>
+          <a:lstStyle/>
+          <a:p>
+            <a:pPr algn="ctr"/>
+            <a:r>
+              <a:rPr lang="en-SG" dirty="0" err="1" smtClean="0"/>
+              <a:t>Redis</a:t>
+            </a:r>
+            <a:endParaRPr lang="en-SG" dirty="0"/>
+          </a:p>
+        </p:txBody>
+      </p:sp>
+      <p:cxnSp>
+        <p:nvCxnSpPr>
+          <p:cNvPr id="7" name="Straight Arrow Connector 6"/>
+          <p:cNvCxnSpPr/>
+          <p:nvPr/>
+        </p:nvCxnSpPr>
+        <p:spPr>
+          <a:xfrm>
+            <a:off x="4625761" y="839304"/>
+            <a:ext cx="0" cy="5601253"/>
+          </a:xfrm>
+          <a:prstGeom prst="straightConnector1">
+            <a:avLst/>
+          </a:prstGeom>
+          <a:ln>
+            <a:tailEnd type="triangle"/>
+          </a:ln>
+        </p:spPr>
+        <p:style>
+          <a:lnRef idx="3">
+            <a:schemeClr val="accent2"/>
+          </a:lnRef>
+          <a:fillRef idx="0">
+            <a:schemeClr val="accent2"/>
+          </a:fillRef>
+          <a:effectRef idx="2">
+            <a:schemeClr val="accent2"/>
+          </a:effectRef>
+          <a:fontRef idx="minor">
+            <a:schemeClr val="tx1"/>
+          </a:fontRef>
+        </p:style>
+      </p:cxnSp>
+      <p:sp>
+        <p:nvSpPr>
+          <p:cNvPr id="8" name="Rounded Rectangle 7"/>
+          <p:cNvSpPr/>
+          <p:nvPr/>
+        </p:nvSpPr>
+        <p:spPr>
+          <a:xfrm>
+            <a:off x="10140319" y="366643"/>
+            <a:ext cx="1466574" cy="472661"/>
+          </a:xfrm>
+          <a:prstGeom prst="roundRect">
+            <a:avLst/>
+          </a:prstGeom>
+        </p:spPr>
+        <p:style>
+          <a:lnRef idx="0">
+            <a:schemeClr val="accent6"/>
+          </a:lnRef>
+          <a:fillRef idx="3">
+            <a:schemeClr val="accent6"/>
+          </a:fillRef>
+          <a:effectRef idx="3">
+            <a:schemeClr val="accent6"/>
+          </a:effectRef>
+          <a:fontRef idx="minor">
+            <a:schemeClr val="lt1"/>
+          </a:fontRef>
+        </p:style>
+        <p:txBody>
+          <a:bodyPr rtlCol="0" anchor="ctr"/>
+          <a:lstStyle/>
+          <a:p>
+            <a:pPr algn="ctr"/>
+            <a:r>
+              <a:rPr lang="en-SG" dirty="0" smtClean="0"/>
+              <a:t>MQTT</a:t>
+            </a:r>
+            <a:endParaRPr lang="en-SG" dirty="0"/>
+          </a:p>
+        </p:txBody>
+      </p:sp>
+      <p:cxnSp>
+        <p:nvCxnSpPr>
+          <p:cNvPr id="9" name="Straight Arrow Connector 8"/>
+          <p:cNvCxnSpPr>
+            <a:stCxn id="8" idx="2"/>
+          </p:cNvCxnSpPr>
+          <p:nvPr/>
+        </p:nvCxnSpPr>
+        <p:spPr>
+          <a:xfrm>
+            <a:off x="10873606" y="839304"/>
+            <a:ext cx="0" cy="5601253"/>
+          </a:xfrm>
+          <a:prstGeom prst="straightConnector1">
+            <a:avLst/>
+          </a:prstGeom>
+          <a:ln>
+            <a:tailEnd type="triangle"/>
+          </a:ln>
+        </p:spPr>
+        <p:style>
+          <a:lnRef idx="3">
+            <a:schemeClr val="accent6"/>
+          </a:lnRef>
+          <a:fillRef idx="0">
+            <a:schemeClr val="accent6"/>
+          </a:fillRef>
+          <a:effectRef idx="2">
+            <a:schemeClr val="accent6"/>
+          </a:effectRef>
+          <a:fontRef idx="minor">
+            <a:schemeClr val="tx1"/>
+          </a:fontRef>
+        </p:style>
+      </p:cxnSp>
+      <p:sp>
+        <p:nvSpPr>
+          <p:cNvPr id="10" name="Rounded Rectangle 9"/>
+          <p:cNvSpPr/>
+          <p:nvPr/>
+        </p:nvSpPr>
+        <p:spPr>
+          <a:xfrm>
+            <a:off x="7016396" y="366643"/>
+            <a:ext cx="1466574" cy="472661"/>
+          </a:xfrm>
+          <a:prstGeom prst="roundRect">
+            <a:avLst/>
+          </a:prstGeom>
+        </p:spPr>
+        <p:style>
+          <a:lnRef idx="0">
+            <a:schemeClr val="accent3"/>
+          </a:lnRef>
+          <a:fillRef idx="3">
+            <a:schemeClr val="accent3"/>
+          </a:fillRef>
+          <a:effectRef idx="3">
+            <a:schemeClr val="accent3"/>
+          </a:effectRef>
+          <a:fontRef idx="minor">
+            <a:schemeClr val="lt1"/>
+          </a:fontRef>
+        </p:style>
+        <p:txBody>
+          <a:bodyPr rtlCol="0" anchor="ctr"/>
+          <a:lstStyle/>
+          <a:p>
+            <a:pPr algn="ctr"/>
+            <a:r>
+              <a:rPr lang="en-SG" dirty="0" smtClean="0"/>
+              <a:t>GPIO</a:t>
+            </a:r>
+            <a:endParaRPr lang="en-SG" dirty="0"/>
+          </a:p>
+        </p:txBody>
+      </p:sp>
+      <p:cxnSp>
+        <p:nvCxnSpPr>
+          <p:cNvPr id="11" name="Straight Arrow Connector 10"/>
+          <p:cNvCxnSpPr>
+            <a:stCxn id="10" idx="2"/>
+          </p:cNvCxnSpPr>
+          <p:nvPr/>
+        </p:nvCxnSpPr>
+        <p:spPr>
+          <a:xfrm>
+            <a:off x="7749683" y="839304"/>
+            <a:ext cx="0" cy="5601253"/>
+          </a:xfrm>
+          <a:prstGeom prst="straightConnector1">
+            <a:avLst/>
+          </a:prstGeom>
+          <a:ln>
+            <a:tailEnd type="triangle"/>
+          </a:ln>
+        </p:spPr>
+        <p:style>
+          <a:lnRef idx="3">
+            <a:schemeClr val="accent3"/>
+          </a:lnRef>
+          <a:fillRef idx="0">
+            <a:schemeClr val="accent3"/>
+          </a:fillRef>
+          <a:effectRef idx="2">
+            <a:schemeClr val="accent3"/>
+          </a:effectRef>
+          <a:fontRef idx="minor">
+            <a:schemeClr val="tx1"/>
+          </a:fontRef>
+        </p:style>
+      </p:cxnSp>
+      <p:cxnSp>
+        <p:nvCxnSpPr>
+          <p:cNvPr id="13" name="Straight Arrow Connector 12"/>
+          <p:cNvCxnSpPr/>
+          <p:nvPr/>
+        </p:nvCxnSpPr>
+        <p:spPr>
+          <a:xfrm flipH="1" flipV="1">
+            <a:off x="1464067" y="2168973"/>
+            <a:ext cx="3168000" cy="0"/>
+          </a:xfrm>
+          <a:prstGeom prst="straightConnector1">
+            <a:avLst/>
+          </a:prstGeom>
+          <a:ln>
+            <a:tailEnd type="triangle"/>
+          </a:ln>
+        </p:spPr>
+        <p:style>
+          <a:lnRef idx="3">
+            <a:schemeClr val="accent2"/>
+          </a:lnRef>
+          <a:fillRef idx="0">
+            <a:schemeClr val="accent2"/>
+          </a:fillRef>
+          <a:effectRef idx="2">
+            <a:schemeClr val="accent2"/>
+          </a:effectRef>
+          <a:fontRef idx="minor">
+            <a:schemeClr val="tx1"/>
+          </a:fontRef>
+        </p:style>
+      </p:cxnSp>
+      <p:sp>
+        <p:nvSpPr>
+          <p:cNvPr id="14" name="TextBox 13"/>
+          <p:cNvSpPr txBox="1"/>
+          <p:nvPr/>
+        </p:nvSpPr>
+        <p:spPr>
+          <a:xfrm>
+            <a:off x="1744364" y="1734413"/>
+            <a:ext cx="2525323" cy="415498"/>
+          </a:xfrm>
+          <a:prstGeom prst="rect">
+            <a:avLst/>
+          </a:prstGeom>
+          <a:noFill/>
+        </p:spPr>
+        <p:txBody>
+          <a:bodyPr wrap="square" rtlCol="0">
+            <a:spAutoFit/>
+          </a:bodyPr>
+          <a:lstStyle/>
+          <a:p>
+            <a:r>
+              <a:rPr lang="en-SG" sz="1050" dirty="0" err="1" smtClean="0">
+                <a:ln w="0"/>
+                <a:solidFill>
+                  <a:schemeClr val="accent2">
+                    <a:lumMod val="75000"/>
+                  </a:schemeClr>
+                </a:solidFill>
+                <a:effectLst>
+                  <a:outerShdw blurRad="38100" dist="25400" dir="5400000" algn="ctr" rotWithShape="0">
+                    <a:srgbClr val="6E747A">
+                      <a:alpha val="43000"/>
+                    </a:srgbClr>
+                  </a:outerShdw>
+                </a:effectLst>
+              </a:rPr>
+              <a:t>tester.vid</a:t>
+            </a:r>
+            <a:r>
+              <a:rPr lang="en-SG" sz="1050" b="1" dirty="0" smtClean="0">
+                <a:ln w="0"/>
+                <a:solidFill>
+                  <a:schemeClr val="accent2">
+                    <a:lumMod val="75000"/>
+                  </a:schemeClr>
+                </a:solidFill>
+                <a:effectLst>
+                  <a:outerShdw blurRad="38100" dist="25400" dir="5400000" algn="ctr" rotWithShape="0">
+                    <a:srgbClr val="6E747A">
+                      <a:alpha val="43000"/>
+                    </a:srgbClr>
+                  </a:outerShdw>
+                </a:effectLst>
+              </a:rPr>
+              <a:t>&lt;ID</a:t>
+            </a:r>
+            <a:r>
+              <a:rPr lang="en-SG" sz="1050" b="1" dirty="0" smtClean="0">
+                <a:ln w="0"/>
+                <a:solidFill>
+                  <a:schemeClr val="accent2">
+                    <a:lumMod val="75000"/>
+                  </a:schemeClr>
+                </a:solidFill>
+                <a:effectLst>
+                  <a:outerShdw blurRad="38100" dist="25400" dir="5400000" algn="ctr" rotWithShape="0">
+                    <a:srgbClr val="6E747A">
+                      <a:alpha val="43000"/>
+                    </a:srgbClr>
+                  </a:outerShdw>
+                </a:effectLst>
+              </a:rPr>
+              <a:t>&gt;</a:t>
+            </a:r>
+            <a:r>
+              <a:rPr lang="en-SG" sz="1050" dirty="0" smtClean="0">
+                <a:ln w="0"/>
+                <a:solidFill>
+                  <a:schemeClr val="accent2">
+                    <a:lumMod val="75000"/>
+                  </a:schemeClr>
+                </a:solidFill>
+                <a:effectLst>
+                  <a:outerShdw blurRad="38100" dist="25400" dir="5400000" algn="ctr" rotWithShape="0">
+                    <a:srgbClr val="6E747A">
+                      <a:alpha val="43000"/>
+                    </a:srgbClr>
+                  </a:outerShdw>
+                </a:effectLst>
+              </a:rPr>
+              <a:t>.</a:t>
+            </a:r>
+            <a:r>
+              <a:rPr lang="en-SG" sz="1050" dirty="0" smtClean="0">
+                <a:ln w="0"/>
+                <a:solidFill>
+                  <a:schemeClr val="accent2">
+                    <a:lumMod val="75000"/>
+                  </a:schemeClr>
+                </a:solidFill>
+                <a:effectLst>
+                  <a:outerShdw blurRad="38100" dist="25400" dir="5400000" algn="ctr" rotWithShape="0">
+                    <a:srgbClr val="6E747A">
+                      <a:alpha val="43000"/>
+                    </a:srgbClr>
+                  </a:outerShdw>
+                </a:effectLst>
+              </a:rPr>
+              <a:t>response: {‘stage’: ‘</a:t>
+            </a:r>
+            <a:r>
+              <a:rPr lang="en-SG" sz="1050" dirty="0" err="1" smtClean="0">
+                <a:ln w="0"/>
+                <a:solidFill>
+                  <a:schemeClr val="accent2">
+                    <a:lumMod val="75000"/>
+                  </a:schemeClr>
+                </a:solidFill>
+                <a:effectLst>
+                  <a:outerShdw blurRad="38100" dist="25400" dir="5400000" algn="ctr" rotWithShape="0">
+                    <a:srgbClr val="6E747A">
+                      <a:alpha val="43000"/>
+                    </a:srgbClr>
+                  </a:outerShdw>
+                </a:effectLst>
+              </a:rPr>
+              <a:t>init</a:t>
+            </a:r>
+            <a:r>
+              <a:rPr lang="en-SG" sz="1050" dirty="0" smtClean="0">
+                <a:ln w="0"/>
+                <a:solidFill>
+                  <a:schemeClr val="accent2">
+                    <a:lumMod val="75000"/>
+                  </a:schemeClr>
+                </a:solidFill>
+                <a:effectLst>
+                  <a:outerShdw blurRad="38100" dist="25400" dir="5400000" algn="ctr" rotWithShape="0">
+                    <a:srgbClr val="6E747A">
+                      <a:alpha val="43000"/>
+                    </a:srgbClr>
+                  </a:outerShdw>
+                </a:effectLst>
+              </a:rPr>
+              <a:t>’, ‘status’: ‘</a:t>
+            </a:r>
+            <a:r>
+              <a:rPr lang="en-SG" sz="1050" dirty="0" err="1" smtClean="0">
+                <a:ln w="0"/>
+                <a:solidFill>
+                  <a:schemeClr val="accent2">
+                    <a:lumMod val="75000"/>
+                  </a:schemeClr>
+                </a:solidFill>
+                <a:effectLst>
+                  <a:outerShdw blurRad="38100" dist="25400" dir="5400000" algn="ctr" rotWithShape="0">
+                    <a:srgbClr val="6E747A">
+                      <a:alpha val="43000"/>
+                    </a:srgbClr>
+                  </a:outerShdw>
+                </a:effectLst>
+              </a:rPr>
+              <a:t>success|failed</a:t>
+            </a:r>
+            <a:r>
+              <a:rPr lang="en-SG" sz="1050" dirty="0" smtClean="0">
+                <a:ln w="0"/>
+                <a:solidFill>
+                  <a:schemeClr val="accent2">
+                    <a:lumMod val="75000"/>
+                  </a:schemeClr>
+                </a:solidFill>
+                <a:effectLst>
+                  <a:outerShdw blurRad="38100" dist="25400" dir="5400000" algn="ctr" rotWithShape="0">
+                    <a:srgbClr val="6E747A">
+                      <a:alpha val="43000"/>
+                    </a:srgbClr>
+                  </a:outerShdw>
+                </a:effectLst>
+              </a:rPr>
+              <a:t>}</a:t>
+            </a:r>
+            <a:endParaRPr lang="en-SG" sz="1050" dirty="0">
+              <a:ln w="0"/>
+              <a:solidFill>
+                <a:schemeClr val="accent2">
+                  <a:lumMod val="75000"/>
+                </a:schemeClr>
+              </a:solidFill>
+              <a:effectLst>
+                <a:outerShdw blurRad="38100" dist="25400" dir="5400000" algn="ctr" rotWithShape="0">
+                  <a:srgbClr val="6E747A">
+                    <a:alpha val="43000"/>
+                  </a:srgbClr>
+                </a:outerShdw>
+              </a:effectLst>
+            </a:endParaRPr>
+          </a:p>
+        </p:txBody>
+      </p:sp>
+      <p:cxnSp>
+        <p:nvCxnSpPr>
+          <p:cNvPr id="15" name="Straight Arrow Connector 14"/>
+          <p:cNvCxnSpPr/>
+          <p:nvPr/>
+        </p:nvCxnSpPr>
+        <p:spPr>
+          <a:xfrm flipV="1">
+            <a:off x="1464067" y="2943563"/>
+            <a:ext cx="3168000" cy="0"/>
+          </a:xfrm>
+          <a:prstGeom prst="straightConnector1">
+            <a:avLst/>
+          </a:prstGeom>
+          <a:ln>
+            <a:tailEnd type="triangle"/>
+          </a:ln>
+        </p:spPr>
+        <p:style>
+          <a:lnRef idx="3">
+            <a:schemeClr val="accent1"/>
+          </a:lnRef>
+          <a:fillRef idx="0">
+            <a:schemeClr val="accent1"/>
+          </a:fillRef>
+          <a:effectRef idx="2">
+            <a:schemeClr val="accent1"/>
+          </a:effectRef>
+          <a:fontRef idx="minor">
+            <a:schemeClr val="tx1"/>
+          </a:fontRef>
+        </p:style>
+      </p:cxnSp>
+      <p:sp>
+        <p:nvSpPr>
+          <p:cNvPr id="55" name="TextBox 54"/>
+          <p:cNvSpPr txBox="1"/>
+          <p:nvPr/>
+        </p:nvSpPr>
+        <p:spPr>
+          <a:xfrm>
+            <a:off x="1600700" y="2527647"/>
+            <a:ext cx="2979982" cy="415498"/>
+          </a:xfrm>
+          <a:prstGeom prst="rect">
+            <a:avLst/>
+          </a:prstGeom>
+          <a:noFill/>
+        </p:spPr>
+        <p:txBody>
+          <a:bodyPr wrap="square" rtlCol="0">
+            <a:spAutoFit/>
+          </a:bodyPr>
+          <a:lstStyle/>
+          <a:p>
+            <a:r>
+              <a:rPr lang="en-SG" sz="1050" dirty="0" err="1" smtClean="0">
+                <a:ln w="0"/>
+                <a:solidFill>
+                  <a:schemeClr val="accent1">
+                    <a:lumMod val="75000"/>
+                  </a:schemeClr>
+                </a:solidFill>
+                <a:effectLst>
+                  <a:outerShdw blurRad="38100" dist="25400" dir="5400000" algn="ctr" rotWithShape="0">
+                    <a:srgbClr val="6E747A">
+                      <a:alpha val="43000"/>
+                    </a:srgbClr>
+                  </a:outerShdw>
+                </a:effectLst>
+              </a:rPr>
+              <a:t>tester.vid</a:t>
+            </a:r>
+            <a:r>
+              <a:rPr lang="en-SG" sz="1050" b="1" dirty="0">
+                <a:ln w="0"/>
+                <a:solidFill>
+                  <a:schemeClr val="accent1">
+                    <a:lumMod val="75000"/>
+                  </a:schemeClr>
+                </a:solidFill>
+                <a:effectLst>
+                  <a:outerShdw blurRad="38100" dist="25400" dir="5400000" algn="ctr" rotWithShape="0">
+                    <a:srgbClr val="6E747A">
+                      <a:alpha val="43000"/>
+                    </a:srgbClr>
+                  </a:outerShdw>
+                </a:effectLst>
+              </a:rPr>
+              <a:t>&lt;ID&gt;</a:t>
+            </a:r>
+            <a:r>
+              <a:rPr lang="en-SG" sz="1050" dirty="0" smtClean="0">
+                <a:ln w="0"/>
+                <a:solidFill>
+                  <a:schemeClr val="accent1">
+                    <a:lumMod val="75000"/>
+                  </a:schemeClr>
+                </a:solidFill>
+                <a:effectLst>
+                  <a:outerShdw blurRad="38100" dist="25400" dir="5400000" algn="ctr" rotWithShape="0">
+                    <a:srgbClr val="6E747A">
+                      <a:alpha val="43000"/>
+                    </a:srgbClr>
+                  </a:outerShdw>
+                </a:effectLst>
+              </a:rPr>
+              <a:t>.result: </a:t>
+            </a:r>
+            <a:r>
+              <a:rPr lang="en-SG" sz="1050" dirty="0" smtClean="0">
+                <a:ln w="0"/>
+                <a:solidFill>
+                  <a:schemeClr val="accent1">
+                    <a:lumMod val="75000"/>
+                  </a:schemeClr>
+                </a:solidFill>
+                <a:effectLst>
+                  <a:outerShdw blurRad="38100" dist="25400" dir="5400000" algn="ctr" rotWithShape="0">
+                    <a:srgbClr val="6E747A">
+                      <a:alpha val="43000"/>
+                    </a:srgbClr>
+                  </a:outerShdw>
+                </a:effectLst>
+              </a:rPr>
+              <a:t>{‘</a:t>
+            </a:r>
+            <a:r>
+              <a:rPr lang="en-SG" sz="1050" dirty="0" smtClean="0">
+                <a:ln w="0"/>
+                <a:solidFill>
+                  <a:schemeClr val="accent1">
+                    <a:lumMod val="75000"/>
+                  </a:schemeClr>
+                </a:solidFill>
+                <a:effectLst>
+                  <a:outerShdw blurRad="38100" dist="25400" dir="5400000" algn="ctr" rotWithShape="0">
+                    <a:srgbClr val="6E747A">
+                      <a:alpha val="43000"/>
+                    </a:srgbClr>
+                  </a:outerShdw>
+                </a:effectLst>
+              </a:rPr>
+              <a:t>stage</a:t>
+            </a:r>
+            <a:r>
+              <a:rPr lang="en-SG" sz="1050" dirty="0" smtClean="0">
+                <a:ln w="0"/>
+                <a:solidFill>
+                  <a:schemeClr val="accent1">
+                    <a:lumMod val="75000"/>
+                  </a:schemeClr>
+                </a:solidFill>
+                <a:effectLst>
+                  <a:outerShdw blurRad="38100" dist="25400" dir="5400000" algn="ctr" rotWithShape="0">
+                    <a:srgbClr val="6E747A">
+                      <a:alpha val="43000"/>
+                    </a:srgbClr>
+                  </a:outerShdw>
+                </a:effectLst>
+              </a:rPr>
+              <a:t>’: ‘</a:t>
+            </a:r>
+            <a:r>
+              <a:rPr lang="en-SG" sz="1050" dirty="0" err="1" smtClean="0">
+                <a:ln w="0"/>
+                <a:solidFill>
+                  <a:schemeClr val="accent1">
+                    <a:lumMod val="75000"/>
+                  </a:schemeClr>
+                </a:solidFill>
+                <a:effectLst>
+                  <a:outerShdw blurRad="38100" dist="25400" dir="5400000" algn="ctr" rotWithShape="0">
+                    <a:srgbClr val="6E747A">
+                      <a:alpha val="43000"/>
+                    </a:srgbClr>
+                  </a:outerShdw>
+                </a:effectLst>
+              </a:rPr>
+              <a:t>beginCapture</a:t>
+            </a:r>
+            <a:r>
+              <a:rPr lang="en-SG" sz="1050" dirty="0" smtClean="0">
+                <a:ln w="0"/>
+                <a:solidFill>
+                  <a:schemeClr val="accent1">
+                    <a:lumMod val="75000"/>
+                  </a:schemeClr>
+                </a:solidFill>
+                <a:effectLst>
+                  <a:outerShdw blurRad="38100" dist="25400" dir="5400000" algn="ctr" rotWithShape="0">
+                    <a:srgbClr val="6E747A">
+                      <a:alpha val="43000"/>
+                    </a:srgbClr>
+                  </a:outerShdw>
+                </a:effectLst>
+              </a:rPr>
+              <a:t>’, ‘status’: ‘success’&gt;</a:t>
+            </a:r>
+            <a:endParaRPr lang="en-SG" sz="1050" dirty="0">
+              <a:ln w="0"/>
+              <a:solidFill>
+                <a:schemeClr val="accent1">
+                  <a:lumMod val="75000"/>
+                </a:schemeClr>
+              </a:solidFill>
+              <a:effectLst>
+                <a:outerShdw blurRad="38100" dist="25400" dir="5400000" algn="ctr" rotWithShape="0">
+                  <a:srgbClr val="6E747A">
+                    <a:alpha val="43000"/>
+                  </a:srgbClr>
+                </a:outerShdw>
+              </a:effectLst>
+            </a:endParaRPr>
+          </a:p>
+        </p:txBody>
+      </p:sp>
+      <p:sp>
+        <p:nvSpPr>
+          <p:cNvPr id="2" name="TextBox 1"/>
+          <p:cNvSpPr txBox="1"/>
+          <p:nvPr/>
+        </p:nvSpPr>
+        <p:spPr>
+          <a:xfrm>
+            <a:off x="7728548" y="3396475"/>
+            <a:ext cx="1672985" cy="261610"/>
+          </a:xfrm>
+          <a:prstGeom prst="rect">
+            <a:avLst/>
+          </a:prstGeom>
+          <a:noFill/>
+        </p:spPr>
+        <p:txBody>
+          <a:bodyPr wrap="square" rtlCol="0">
+            <a:spAutoFit/>
+            <a:scene3d>
+              <a:camera prst="orthographicFront"/>
+              <a:lightRig rig="soft" dir="t">
+                <a:rot lat="0" lon="0" rev="15600000"/>
+              </a:lightRig>
+            </a:scene3d>
+            <a:sp3d extrusionH="57150" prstMaterial="softEdge">
+              <a:bevelT w="25400" h="38100"/>
+            </a:sp3d>
+          </a:bodyPr>
+          <a:lstStyle/>
+          <a:p>
+            <a:r>
+              <a:rPr lang="en-SG" sz="1100" b="1" dirty="0" smtClean="0">
+                <a:ln/>
+                <a:solidFill>
+                  <a:schemeClr val="accent4"/>
+                </a:solidFill>
+              </a:rPr>
+              <a:t>GPIO23, 24, 25 to Low</a:t>
+            </a:r>
+            <a:endParaRPr lang="en-SG" sz="1100" b="1" dirty="0">
+              <a:ln/>
+              <a:solidFill>
+                <a:schemeClr val="accent4"/>
+              </a:solidFill>
+            </a:endParaRPr>
+          </a:p>
+        </p:txBody>
+      </p:sp>
+      <p:cxnSp>
+        <p:nvCxnSpPr>
+          <p:cNvPr id="61" name="Straight Arrow Connector 60"/>
+          <p:cNvCxnSpPr/>
+          <p:nvPr/>
+        </p:nvCxnSpPr>
+        <p:spPr>
+          <a:xfrm flipV="1">
+            <a:off x="4625761" y="2538764"/>
+            <a:ext cx="6235330" cy="0"/>
+          </a:xfrm>
+          <a:prstGeom prst="straightConnector1">
+            <a:avLst/>
+          </a:prstGeom>
+          <a:ln>
+            <a:tailEnd type="triangle"/>
+          </a:ln>
+        </p:spPr>
+        <p:style>
+          <a:lnRef idx="3">
+            <a:schemeClr val="accent2"/>
+          </a:lnRef>
+          <a:fillRef idx="0">
+            <a:schemeClr val="accent2"/>
+          </a:fillRef>
+          <a:effectRef idx="2">
+            <a:schemeClr val="accent2"/>
+          </a:effectRef>
+          <a:fontRef idx="minor">
+            <a:schemeClr val="tx1"/>
+          </a:fontRef>
+        </p:style>
+      </p:cxnSp>
+      <p:cxnSp>
+        <p:nvCxnSpPr>
+          <p:cNvPr id="63" name="Straight Arrow Connector 62"/>
+          <p:cNvCxnSpPr/>
+          <p:nvPr/>
+        </p:nvCxnSpPr>
+        <p:spPr>
+          <a:xfrm flipH="1" flipV="1">
+            <a:off x="4620920" y="1906156"/>
+            <a:ext cx="3132000" cy="0"/>
+          </a:xfrm>
+          <a:prstGeom prst="straightConnector1">
+            <a:avLst/>
+          </a:prstGeom>
+          <a:ln>
+            <a:tailEnd type="triangle"/>
+          </a:ln>
+        </p:spPr>
+        <p:style>
+          <a:lnRef idx="3">
+            <a:schemeClr val="accent3"/>
+          </a:lnRef>
+          <a:fillRef idx="0">
+            <a:schemeClr val="accent3"/>
+          </a:fillRef>
+          <a:effectRef idx="2">
+            <a:schemeClr val="accent3"/>
+          </a:effectRef>
+          <a:fontRef idx="minor">
+            <a:schemeClr val="tx1"/>
+          </a:fontRef>
+        </p:style>
+      </p:cxnSp>
+      <p:sp>
+        <p:nvSpPr>
+          <p:cNvPr id="64" name="TextBox 63"/>
+          <p:cNvSpPr txBox="1"/>
+          <p:nvPr/>
+        </p:nvSpPr>
+        <p:spPr>
+          <a:xfrm>
+            <a:off x="4811792" y="1485309"/>
+            <a:ext cx="2952737" cy="415498"/>
+          </a:xfrm>
+          <a:prstGeom prst="rect">
+            <a:avLst/>
+          </a:prstGeom>
+          <a:noFill/>
+        </p:spPr>
+        <p:txBody>
+          <a:bodyPr wrap="square" rtlCol="0">
+            <a:spAutoFit/>
+          </a:bodyPr>
+          <a:lstStyle/>
+          <a:p>
+            <a:r>
+              <a:rPr lang="en-SG" sz="1050" dirty="0" err="1" smtClean="0">
+                <a:ln w="0"/>
+                <a:solidFill>
+                  <a:schemeClr val="bg1">
+                    <a:lumMod val="50000"/>
+                  </a:schemeClr>
+                </a:solidFill>
+                <a:effectLst>
+                  <a:outerShdw blurRad="38100" dist="25400" dir="5400000" algn="ctr" rotWithShape="0">
+                    <a:srgbClr val="6E747A">
+                      <a:alpha val="43000"/>
+                    </a:srgbClr>
+                  </a:outerShdw>
+                </a:effectLst>
+              </a:rPr>
+              <a:t>tester.vid</a:t>
+            </a:r>
+            <a:r>
+              <a:rPr lang="en-SG" sz="1050" b="1" dirty="0">
+                <a:ln w="0"/>
+                <a:solidFill>
+                  <a:schemeClr val="bg1">
+                    <a:lumMod val="50000"/>
+                  </a:schemeClr>
+                </a:solidFill>
+                <a:effectLst>
+                  <a:outerShdw blurRad="38100" dist="25400" dir="5400000" algn="ctr" rotWithShape="0">
+                    <a:srgbClr val="6E747A">
+                      <a:alpha val="43000"/>
+                    </a:srgbClr>
+                  </a:outerShdw>
+                </a:effectLst>
+              </a:rPr>
+              <a:t>&lt;ID&gt;</a:t>
+            </a:r>
+            <a:r>
+              <a:rPr lang="en-SG" sz="1050" dirty="0" smtClean="0">
+                <a:ln w="0"/>
+                <a:solidFill>
+                  <a:schemeClr val="bg1">
+                    <a:lumMod val="50000"/>
+                  </a:schemeClr>
+                </a:solidFill>
+                <a:effectLst>
+                  <a:outerShdw blurRad="38100" dist="25400" dir="5400000" algn="ctr" rotWithShape="0">
+                    <a:srgbClr val="6E747A">
+                      <a:alpha val="43000"/>
+                    </a:srgbClr>
+                  </a:outerShdw>
+                </a:effectLst>
+              </a:rPr>
+              <a:t>.response: </a:t>
+            </a:r>
+            <a:r>
+              <a:rPr lang="en-SG" sz="1050" dirty="0" smtClean="0">
+                <a:ln w="0"/>
+                <a:solidFill>
+                  <a:schemeClr val="bg1">
+                    <a:lumMod val="50000"/>
+                  </a:schemeClr>
+                </a:solidFill>
+                <a:effectLst>
+                  <a:outerShdw blurRad="38100" dist="25400" dir="5400000" algn="ctr" rotWithShape="0">
+                    <a:srgbClr val="6E747A">
+                      <a:alpha val="43000"/>
+                    </a:srgbClr>
+                  </a:outerShdw>
+                </a:effectLst>
+              </a:rPr>
+              <a:t>{‘stage’: ‘</a:t>
+            </a:r>
+            <a:r>
+              <a:rPr lang="en-SG" sz="1050" dirty="0" err="1" smtClean="0">
+                <a:ln w="0"/>
+                <a:solidFill>
+                  <a:schemeClr val="bg1">
+                    <a:lumMod val="50000"/>
+                  </a:schemeClr>
+                </a:solidFill>
+                <a:effectLst>
+                  <a:outerShdw blurRad="38100" dist="25400" dir="5400000" algn="ctr" rotWithShape="0">
+                    <a:srgbClr val="6E747A">
+                      <a:alpha val="43000"/>
+                    </a:srgbClr>
+                  </a:outerShdw>
+                </a:effectLst>
+              </a:rPr>
+              <a:t>init</a:t>
+            </a:r>
+            <a:r>
+              <a:rPr lang="en-SG" sz="1050" dirty="0" smtClean="0">
+                <a:ln w="0"/>
+                <a:solidFill>
+                  <a:schemeClr val="bg1">
+                    <a:lumMod val="50000"/>
+                  </a:schemeClr>
+                </a:solidFill>
+                <a:effectLst>
+                  <a:outerShdw blurRad="38100" dist="25400" dir="5400000" algn="ctr" rotWithShape="0">
+                    <a:srgbClr val="6E747A">
+                      <a:alpha val="43000"/>
+                    </a:srgbClr>
+                  </a:outerShdw>
+                </a:effectLst>
+              </a:rPr>
+              <a:t>’, ‘status’: ‘</a:t>
+            </a:r>
+            <a:r>
+              <a:rPr lang="en-SG" sz="1050" dirty="0" err="1" smtClean="0">
+                <a:ln w="0"/>
+                <a:solidFill>
+                  <a:schemeClr val="bg1">
+                    <a:lumMod val="50000"/>
+                  </a:schemeClr>
+                </a:solidFill>
+                <a:effectLst>
+                  <a:outerShdw blurRad="38100" dist="25400" dir="5400000" algn="ctr" rotWithShape="0">
+                    <a:srgbClr val="6E747A">
+                      <a:alpha val="43000"/>
+                    </a:srgbClr>
+                  </a:outerShdw>
+                </a:effectLst>
+              </a:rPr>
+              <a:t>success|failed</a:t>
+            </a:r>
+            <a:r>
+              <a:rPr lang="en-SG" sz="1050" dirty="0" smtClean="0">
+                <a:ln w="0"/>
+                <a:solidFill>
+                  <a:schemeClr val="bg1">
+                    <a:lumMod val="50000"/>
+                  </a:schemeClr>
+                </a:solidFill>
+                <a:effectLst>
+                  <a:outerShdw blurRad="38100" dist="25400" dir="5400000" algn="ctr" rotWithShape="0">
+                    <a:srgbClr val="6E747A">
+                      <a:alpha val="43000"/>
+                    </a:srgbClr>
+                  </a:outerShdw>
+                </a:effectLst>
+              </a:rPr>
+              <a:t>’}</a:t>
+            </a:r>
+            <a:endParaRPr lang="en-SG" sz="1050" dirty="0">
+              <a:ln w="0"/>
+              <a:solidFill>
+                <a:schemeClr val="bg1">
+                  <a:lumMod val="50000"/>
+                </a:schemeClr>
+              </a:solidFill>
+              <a:effectLst>
+                <a:outerShdw blurRad="38100" dist="25400" dir="5400000" algn="ctr" rotWithShape="0">
+                  <a:srgbClr val="6E747A">
+                    <a:alpha val="43000"/>
+                  </a:srgbClr>
+                </a:outerShdw>
+              </a:effectLst>
+            </a:endParaRPr>
+          </a:p>
+        </p:txBody>
+      </p:sp>
+      <p:sp>
+        <p:nvSpPr>
+          <p:cNvPr id="3" name="TextBox 2"/>
+          <p:cNvSpPr txBox="1"/>
+          <p:nvPr/>
+        </p:nvSpPr>
+        <p:spPr>
+          <a:xfrm>
+            <a:off x="8306155" y="1612253"/>
+            <a:ext cx="1788932" cy="646331"/>
+          </a:xfrm>
+          <a:prstGeom prst="rect">
+            <a:avLst/>
+          </a:prstGeom>
+          <a:noFill/>
+        </p:spPr>
+        <p:txBody>
+          <a:bodyPr wrap="square" rtlCol="0">
+            <a:spAutoFit/>
+          </a:bodyPr>
+          <a:lstStyle/>
+          <a:p>
+            <a:pPr algn="ctr"/>
+            <a:r>
+              <a:rPr lang="en-SG" sz="1200" dirty="0" smtClean="0">
+                <a:solidFill>
+                  <a:srgbClr val="FF0000"/>
+                </a:solidFill>
+              </a:rPr>
+              <a:t>Log error &amp; stop script if failed to set GPIO26 to Low</a:t>
+            </a:r>
+            <a:endParaRPr lang="en-SG" sz="1200" dirty="0">
+              <a:solidFill>
+                <a:srgbClr val="FF0000"/>
+              </a:solidFill>
+            </a:endParaRPr>
+          </a:p>
+        </p:txBody>
+      </p:sp>
+      <p:cxnSp>
+        <p:nvCxnSpPr>
+          <p:cNvPr id="16" name="Elbow Connector 15"/>
+          <p:cNvCxnSpPr>
+            <a:endCxn id="3" idx="0"/>
+          </p:cNvCxnSpPr>
+          <p:nvPr/>
+        </p:nvCxnSpPr>
+        <p:spPr>
+          <a:xfrm>
+            <a:off x="7760250" y="1368814"/>
+            <a:ext cx="1440371" cy="243439"/>
+          </a:xfrm>
+          <a:prstGeom prst="bentConnector2">
+            <a:avLst/>
+          </a:prstGeom>
+          <a:ln>
+            <a:solidFill>
+              <a:srgbClr val="FF0000"/>
+            </a:solidFill>
+            <a:prstDash val="sysDash"/>
+            <a:tailEnd type="triangle"/>
+          </a:ln>
+        </p:spPr>
+        <p:style>
+          <a:lnRef idx="3">
+            <a:schemeClr val="accent3"/>
+          </a:lnRef>
+          <a:fillRef idx="0">
+            <a:schemeClr val="accent3"/>
+          </a:fillRef>
+          <a:effectRef idx="2">
+            <a:schemeClr val="accent3"/>
+          </a:effectRef>
+          <a:fontRef idx="minor">
+            <a:schemeClr val="tx1"/>
+          </a:fontRef>
+        </p:style>
+      </p:cxnSp>
+      <p:sp>
+        <p:nvSpPr>
+          <p:cNvPr id="28" name="TextBox 27"/>
+          <p:cNvSpPr txBox="1"/>
+          <p:nvPr/>
+        </p:nvSpPr>
+        <p:spPr>
+          <a:xfrm>
+            <a:off x="88564" y="2553600"/>
+            <a:ext cx="1095207" cy="646331"/>
+          </a:xfrm>
+          <a:prstGeom prst="rect">
+            <a:avLst/>
+          </a:prstGeom>
+          <a:noFill/>
+        </p:spPr>
+        <p:txBody>
+          <a:bodyPr wrap="square" rtlCol="0">
+            <a:spAutoFit/>
+          </a:bodyPr>
+          <a:lstStyle/>
+          <a:p>
+            <a:pPr algn="ctr"/>
+            <a:r>
+              <a:rPr lang="en-SG" sz="1200" dirty="0" smtClean="0">
+                <a:solidFill>
+                  <a:srgbClr val="FF0000"/>
+                </a:solidFill>
+              </a:rPr>
+              <a:t>Log error &amp; stop script </a:t>
+            </a:r>
+            <a:r>
+              <a:rPr lang="en-SG" sz="1200" dirty="0" err="1" smtClean="0">
+                <a:solidFill>
+                  <a:srgbClr val="FF0000"/>
+                </a:solidFill>
+              </a:rPr>
+              <a:t>init</a:t>
+            </a:r>
+            <a:r>
+              <a:rPr lang="en-SG" sz="1200" dirty="0" smtClean="0">
+                <a:solidFill>
+                  <a:srgbClr val="FF0000"/>
+                </a:solidFill>
+              </a:rPr>
+              <a:t> stage is failed</a:t>
+            </a:r>
+            <a:endParaRPr lang="en-SG" sz="1200" dirty="0">
+              <a:solidFill>
+                <a:srgbClr val="FF0000"/>
+              </a:solidFill>
+            </a:endParaRPr>
+          </a:p>
+        </p:txBody>
+      </p:sp>
+      <p:cxnSp>
+        <p:nvCxnSpPr>
+          <p:cNvPr id="29" name="Elbow Connector 28"/>
+          <p:cNvCxnSpPr>
+            <a:endCxn id="28" idx="0"/>
+          </p:cNvCxnSpPr>
+          <p:nvPr/>
+        </p:nvCxnSpPr>
+        <p:spPr>
+          <a:xfrm rot="10800000" flipV="1">
+            <a:off x="636169" y="2311684"/>
+            <a:ext cx="827899" cy="241915"/>
+          </a:xfrm>
+          <a:prstGeom prst="bentConnector2">
+            <a:avLst/>
+          </a:prstGeom>
+          <a:ln>
+            <a:solidFill>
+              <a:srgbClr val="FF0000"/>
+            </a:solidFill>
+            <a:prstDash val="sysDash"/>
+            <a:tailEnd type="triangle"/>
+          </a:ln>
+        </p:spPr>
+        <p:style>
+          <a:lnRef idx="3">
+            <a:schemeClr val="accent1"/>
+          </a:lnRef>
+          <a:fillRef idx="0">
+            <a:schemeClr val="accent1"/>
+          </a:fillRef>
+          <a:effectRef idx="2">
+            <a:schemeClr val="accent1"/>
+          </a:effectRef>
+          <a:fontRef idx="minor">
+            <a:schemeClr val="tx1"/>
+          </a:fontRef>
+        </p:style>
+      </p:cxnSp>
+      <p:sp>
+        <p:nvSpPr>
+          <p:cNvPr id="32" name="TextBox 31"/>
+          <p:cNvSpPr txBox="1"/>
+          <p:nvPr/>
+        </p:nvSpPr>
+        <p:spPr>
+          <a:xfrm>
+            <a:off x="4813778" y="2263034"/>
+            <a:ext cx="3807655" cy="253916"/>
+          </a:xfrm>
+          <a:prstGeom prst="rect">
+            <a:avLst/>
+          </a:prstGeom>
+          <a:noFill/>
+        </p:spPr>
+        <p:txBody>
+          <a:bodyPr wrap="square" rtlCol="0">
+            <a:spAutoFit/>
+          </a:bodyPr>
+          <a:lstStyle/>
+          <a:p>
+            <a:r>
+              <a:rPr lang="en-SG" sz="1050" dirty="0" err="1" smtClean="0">
+                <a:ln w="0"/>
+                <a:solidFill>
+                  <a:schemeClr val="accent2">
+                    <a:lumMod val="75000"/>
+                  </a:schemeClr>
+                </a:solidFill>
+                <a:effectLst>
+                  <a:outerShdw blurRad="38100" dist="25400" dir="5400000" algn="ctr" rotWithShape="0">
+                    <a:srgbClr val="6E747A">
+                      <a:alpha val="43000"/>
+                    </a:srgbClr>
+                  </a:outerShdw>
+                </a:effectLst>
+              </a:rPr>
+              <a:t>tester.vid</a:t>
+            </a:r>
+            <a:r>
+              <a:rPr lang="en-SG" sz="1050" b="1" dirty="0" smtClean="0">
+                <a:ln w="0"/>
+                <a:solidFill>
+                  <a:schemeClr val="accent2">
+                    <a:lumMod val="75000"/>
+                  </a:schemeClr>
+                </a:solidFill>
+                <a:effectLst>
+                  <a:outerShdw blurRad="38100" dist="25400" dir="5400000" algn="ctr" rotWithShape="0">
+                    <a:srgbClr val="6E747A">
+                      <a:alpha val="43000"/>
+                    </a:srgbClr>
+                  </a:outerShdw>
+                </a:effectLst>
+              </a:rPr>
+              <a:t>&lt;ID&gt;</a:t>
+            </a:r>
+            <a:r>
+              <a:rPr lang="en-SG" sz="1050" dirty="0" smtClean="0">
+                <a:ln w="0"/>
+                <a:solidFill>
+                  <a:schemeClr val="accent2">
+                    <a:lumMod val="75000"/>
+                  </a:schemeClr>
+                </a:solidFill>
+                <a:effectLst>
+                  <a:outerShdw blurRad="38100" dist="25400" dir="5400000" algn="ctr" rotWithShape="0">
+                    <a:srgbClr val="6E747A">
+                      <a:alpha val="43000"/>
+                    </a:srgbClr>
+                  </a:outerShdw>
+                </a:effectLst>
+              </a:rPr>
+              <a:t>.response: {‘stage’: ‘</a:t>
+            </a:r>
+            <a:r>
+              <a:rPr lang="en-SG" sz="1050" dirty="0" err="1" smtClean="0">
+                <a:ln w="0"/>
+                <a:solidFill>
+                  <a:schemeClr val="accent2">
+                    <a:lumMod val="75000"/>
+                  </a:schemeClr>
+                </a:solidFill>
+                <a:effectLst>
+                  <a:outerShdw blurRad="38100" dist="25400" dir="5400000" algn="ctr" rotWithShape="0">
+                    <a:srgbClr val="6E747A">
+                      <a:alpha val="43000"/>
+                    </a:srgbClr>
+                  </a:outerShdw>
+                </a:effectLst>
+              </a:rPr>
+              <a:t>init</a:t>
+            </a:r>
+            <a:r>
+              <a:rPr lang="en-SG" sz="1050" dirty="0" smtClean="0">
+                <a:ln w="0"/>
+                <a:solidFill>
+                  <a:schemeClr val="accent2">
+                    <a:lumMod val="75000"/>
+                  </a:schemeClr>
+                </a:solidFill>
+                <a:effectLst>
+                  <a:outerShdw blurRad="38100" dist="25400" dir="5400000" algn="ctr" rotWithShape="0">
+                    <a:srgbClr val="6E747A">
+                      <a:alpha val="43000"/>
+                    </a:srgbClr>
+                  </a:outerShdw>
+                </a:effectLst>
+              </a:rPr>
+              <a:t>’, ‘status’: ‘</a:t>
+            </a:r>
+            <a:r>
+              <a:rPr lang="en-SG" sz="1050" dirty="0" err="1" smtClean="0">
+                <a:ln w="0"/>
+                <a:solidFill>
+                  <a:schemeClr val="accent2">
+                    <a:lumMod val="75000"/>
+                  </a:schemeClr>
+                </a:solidFill>
+                <a:effectLst>
+                  <a:outerShdw blurRad="38100" dist="25400" dir="5400000" algn="ctr" rotWithShape="0">
+                    <a:srgbClr val="6E747A">
+                      <a:alpha val="43000"/>
+                    </a:srgbClr>
+                  </a:outerShdw>
+                </a:effectLst>
+              </a:rPr>
+              <a:t>success|failed</a:t>
+            </a:r>
+            <a:r>
+              <a:rPr lang="en-SG" sz="1050" dirty="0" smtClean="0">
+                <a:ln w="0"/>
+                <a:solidFill>
+                  <a:schemeClr val="accent2">
+                    <a:lumMod val="75000"/>
+                  </a:schemeClr>
+                </a:solidFill>
+                <a:effectLst>
+                  <a:outerShdw blurRad="38100" dist="25400" dir="5400000" algn="ctr" rotWithShape="0">
+                    <a:srgbClr val="6E747A">
+                      <a:alpha val="43000"/>
+                    </a:srgbClr>
+                  </a:outerShdw>
+                </a:effectLst>
+              </a:rPr>
+              <a:t>}</a:t>
+            </a:r>
+            <a:endParaRPr lang="en-SG" sz="1050" dirty="0">
+              <a:ln w="0"/>
+              <a:solidFill>
+                <a:schemeClr val="accent2">
+                  <a:lumMod val="75000"/>
+                </a:schemeClr>
+              </a:solidFill>
+              <a:effectLst>
+                <a:outerShdw blurRad="38100" dist="25400" dir="5400000" algn="ctr" rotWithShape="0">
+                  <a:srgbClr val="6E747A">
+                    <a:alpha val="43000"/>
+                  </a:srgbClr>
+                </a:outerShdw>
+              </a:effectLst>
+            </a:endParaRPr>
+          </a:p>
+        </p:txBody>
+      </p:sp>
+      <p:cxnSp>
+        <p:nvCxnSpPr>
+          <p:cNvPr id="33" name="Straight Arrow Connector 32"/>
+          <p:cNvCxnSpPr/>
+          <p:nvPr/>
+        </p:nvCxnSpPr>
+        <p:spPr>
+          <a:xfrm>
+            <a:off x="4635658" y="3285833"/>
+            <a:ext cx="3132000" cy="0"/>
+          </a:xfrm>
+          <a:prstGeom prst="straightConnector1">
+            <a:avLst/>
+          </a:prstGeom>
+          <a:ln>
+            <a:tailEnd type="triangle"/>
+          </a:ln>
+        </p:spPr>
+        <p:style>
+          <a:lnRef idx="3">
+            <a:schemeClr val="accent2"/>
+          </a:lnRef>
+          <a:fillRef idx="0">
+            <a:schemeClr val="accent2"/>
+          </a:fillRef>
+          <a:effectRef idx="2">
+            <a:schemeClr val="accent2"/>
+          </a:effectRef>
+          <a:fontRef idx="minor">
+            <a:schemeClr val="tx1"/>
+          </a:fontRef>
+        </p:style>
+      </p:cxnSp>
+      <p:sp>
+        <p:nvSpPr>
+          <p:cNvPr id="34" name="TextBox 33"/>
+          <p:cNvSpPr txBox="1"/>
+          <p:nvPr/>
+        </p:nvSpPr>
+        <p:spPr>
+          <a:xfrm>
+            <a:off x="4813778" y="2871748"/>
+            <a:ext cx="2979982" cy="415498"/>
+          </a:xfrm>
+          <a:prstGeom prst="rect">
+            <a:avLst/>
+          </a:prstGeom>
+          <a:noFill/>
+        </p:spPr>
+        <p:txBody>
+          <a:bodyPr wrap="square" rtlCol="0">
+            <a:spAutoFit/>
+          </a:bodyPr>
+          <a:lstStyle/>
+          <a:p>
+            <a:r>
+              <a:rPr lang="en-SG" sz="1050" dirty="0" err="1" smtClean="0">
+                <a:ln w="0"/>
+                <a:solidFill>
+                  <a:schemeClr val="accent2">
+                    <a:lumMod val="75000"/>
+                  </a:schemeClr>
+                </a:solidFill>
+                <a:effectLst>
+                  <a:outerShdw blurRad="38100" dist="25400" dir="5400000" algn="ctr" rotWithShape="0">
+                    <a:srgbClr val="6E747A">
+                      <a:alpha val="43000"/>
+                    </a:srgbClr>
+                  </a:outerShdw>
+                </a:effectLst>
+              </a:rPr>
+              <a:t>tester.vid</a:t>
+            </a:r>
+            <a:r>
+              <a:rPr lang="en-SG" sz="1050" b="1" dirty="0">
+                <a:ln w="0"/>
+                <a:solidFill>
+                  <a:schemeClr val="accent2">
+                    <a:lumMod val="75000"/>
+                  </a:schemeClr>
+                </a:solidFill>
+                <a:effectLst>
+                  <a:outerShdw blurRad="38100" dist="25400" dir="5400000" algn="ctr" rotWithShape="0">
+                    <a:srgbClr val="6E747A">
+                      <a:alpha val="43000"/>
+                    </a:srgbClr>
+                  </a:outerShdw>
+                </a:effectLst>
+              </a:rPr>
+              <a:t>&lt;ID&gt;</a:t>
+            </a:r>
+            <a:r>
+              <a:rPr lang="en-SG" sz="1050" dirty="0" smtClean="0">
+                <a:ln w="0"/>
+                <a:solidFill>
+                  <a:schemeClr val="accent2">
+                    <a:lumMod val="75000"/>
+                  </a:schemeClr>
+                </a:solidFill>
+                <a:effectLst>
+                  <a:outerShdw blurRad="38100" dist="25400" dir="5400000" algn="ctr" rotWithShape="0">
+                    <a:srgbClr val="6E747A">
+                      <a:alpha val="43000"/>
+                    </a:srgbClr>
+                  </a:outerShdw>
+                </a:effectLst>
+              </a:rPr>
+              <a:t>.result: </a:t>
+            </a:r>
+            <a:r>
+              <a:rPr lang="en-SG" sz="1050" dirty="0" smtClean="0">
+                <a:ln w="0"/>
+                <a:solidFill>
+                  <a:schemeClr val="accent2">
+                    <a:lumMod val="75000"/>
+                  </a:schemeClr>
+                </a:solidFill>
+                <a:effectLst>
+                  <a:outerShdw blurRad="38100" dist="25400" dir="5400000" algn="ctr" rotWithShape="0">
+                    <a:srgbClr val="6E747A">
+                      <a:alpha val="43000"/>
+                    </a:srgbClr>
+                  </a:outerShdw>
+                </a:effectLst>
+              </a:rPr>
+              <a:t>{‘</a:t>
+            </a:r>
+            <a:r>
+              <a:rPr lang="en-SG" sz="1050" dirty="0" smtClean="0">
+                <a:ln w="0"/>
+                <a:solidFill>
+                  <a:schemeClr val="accent2">
+                    <a:lumMod val="75000"/>
+                  </a:schemeClr>
+                </a:solidFill>
+                <a:effectLst>
+                  <a:outerShdw blurRad="38100" dist="25400" dir="5400000" algn="ctr" rotWithShape="0">
+                    <a:srgbClr val="6E747A">
+                      <a:alpha val="43000"/>
+                    </a:srgbClr>
+                  </a:outerShdw>
+                </a:effectLst>
+              </a:rPr>
+              <a:t>stage</a:t>
+            </a:r>
+            <a:r>
+              <a:rPr lang="en-SG" sz="1050" dirty="0" smtClean="0">
+                <a:ln w="0"/>
+                <a:solidFill>
+                  <a:schemeClr val="accent2">
+                    <a:lumMod val="75000"/>
+                  </a:schemeClr>
+                </a:solidFill>
+                <a:effectLst>
+                  <a:outerShdw blurRad="38100" dist="25400" dir="5400000" algn="ctr" rotWithShape="0">
+                    <a:srgbClr val="6E747A">
+                      <a:alpha val="43000"/>
+                    </a:srgbClr>
+                  </a:outerShdw>
+                </a:effectLst>
+              </a:rPr>
+              <a:t>’: ‘</a:t>
+            </a:r>
+            <a:r>
+              <a:rPr lang="en-SG" sz="1050" dirty="0" err="1" smtClean="0">
+                <a:ln w="0"/>
+                <a:solidFill>
+                  <a:schemeClr val="accent2">
+                    <a:lumMod val="75000"/>
+                  </a:schemeClr>
+                </a:solidFill>
+                <a:effectLst>
+                  <a:outerShdw blurRad="38100" dist="25400" dir="5400000" algn="ctr" rotWithShape="0">
+                    <a:srgbClr val="6E747A">
+                      <a:alpha val="43000"/>
+                    </a:srgbClr>
+                  </a:outerShdw>
+                </a:effectLst>
+              </a:rPr>
+              <a:t>beginCapture</a:t>
+            </a:r>
+            <a:r>
+              <a:rPr lang="en-SG" sz="1050" dirty="0" smtClean="0">
+                <a:ln w="0"/>
+                <a:solidFill>
+                  <a:schemeClr val="accent2">
+                    <a:lumMod val="75000"/>
+                  </a:schemeClr>
+                </a:solidFill>
+                <a:effectLst>
+                  <a:outerShdw blurRad="38100" dist="25400" dir="5400000" algn="ctr" rotWithShape="0">
+                    <a:srgbClr val="6E747A">
+                      <a:alpha val="43000"/>
+                    </a:srgbClr>
+                  </a:outerShdw>
+                </a:effectLst>
+              </a:rPr>
+              <a:t>’, ‘status’: ‘success’&gt;</a:t>
+            </a:r>
+            <a:endParaRPr lang="en-SG" sz="1050" dirty="0">
+              <a:ln w="0"/>
+              <a:solidFill>
+                <a:schemeClr val="accent2">
+                  <a:lumMod val="75000"/>
+                </a:schemeClr>
+              </a:solidFill>
+              <a:effectLst>
+                <a:outerShdw blurRad="38100" dist="25400" dir="5400000" algn="ctr" rotWithShape="0">
+                  <a:srgbClr val="6E747A">
+                    <a:alpha val="43000"/>
+                  </a:srgbClr>
+                </a:outerShdw>
+              </a:effectLst>
+            </a:endParaRPr>
+          </a:p>
+        </p:txBody>
+      </p:sp>
+      <p:sp>
+        <p:nvSpPr>
+          <p:cNvPr id="35" name="TextBox 34"/>
+          <p:cNvSpPr txBox="1"/>
+          <p:nvPr/>
+        </p:nvSpPr>
+        <p:spPr>
+          <a:xfrm>
+            <a:off x="7747865" y="899037"/>
+            <a:ext cx="1672985" cy="430887"/>
+          </a:xfrm>
+          <a:prstGeom prst="rect">
+            <a:avLst/>
+          </a:prstGeom>
+          <a:noFill/>
+        </p:spPr>
+        <p:txBody>
+          <a:bodyPr wrap="square" rtlCol="0">
+            <a:spAutoFit/>
+            <a:scene3d>
+              <a:camera prst="orthographicFront"/>
+              <a:lightRig rig="soft" dir="t">
+                <a:rot lat="0" lon="0" rev="15600000"/>
+              </a:lightRig>
+            </a:scene3d>
+            <a:sp3d extrusionH="57150" prstMaterial="softEdge">
+              <a:bevelT w="25400" h="38100"/>
+            </a:sp3d>
+          </a:bodyPr>
+          <a:lstStyle/>
+          <a:p>
+            <a:r>
+              <a:rPr lang="en-SG" sz="1100" b="1" dirty="0" smtClean="0">
+                <a:ln/>
+                <a:solidFill>
+                  <a:schemeClr val="accent4"/>
+                </a:solidFill>
+              </a:rPr>
+              <a:t>GPIO </a:t>
+            </a:r>
+            <a:r>
+              <a:rPr lang="en-SG" sz="1100" b="1" dirty="0" smtClean="0">
+                <a:ln/>
+                <a:solidFill>
+                  <a:schemeClr val="accent4"/>
+                </a:solidFill>
+              </a:rPr>
+              <a:t>26 set to Low, GPIO23, 24, 25 to High</a:t>
+            </a:r>
+            <a:endParaRPr lang="en-SG" sz="1100" b="1" dirty="0">
+              <a:ln/>
+              <a:solidFill>
+                <a:schemeClr val="accent4"/>
+              </a:solidFill>
+            </a:endParaRPr>
+          </a:p>
+        </p:txBody>
+      </p:sp>
+      <p:cxnSp>
+        <p:nvCxnSpPr>
+          <p:cNvPr id="36" name="Straight Arrow Connector 35"/>
+          <p:cNvCxnSpPr/>
+          <p:nvPr/>
+        </p:nvCxnSpPr>
+        <p:spPr>
+          <a:xfrm flipH="1" flipV="1">
+            <a:off x="4615865" y="4607918"/>
+            <a:ext cx="3132000" cy="0"/>
+          </a:xfrm>
+          <a:prstGeom prst="straightConnector1">
+            <a:avLst/>
+          </a:prstGeom>
+          <a:ln>
+            <a:tailEnd type="triangle"/>
+          </a:ln>
+        </p:spPr>
+        <p:style>
+          <a:lnRef idx="3">
+            <a:schemeClr val="accent3"/>
+          </a:lnRef>
+          <a:fillRef idx="0">
+            <a:schemeClr val="accent3"/>
+          </a:fillRef>
+          <a:effectRef idx="2">
+            <a:schemeClr val="accent3"/>
+          </a:effectRef>
+          <a:fontRef idx="minor">
+            <a:schemeClr val="tx1"/>
+          </a:fontRef>
+        </p:style>
+      </p:cxnSp>
+      <p:sp>
+        <p:nvSpPr>
+          <p:cNvPr id="37" name="TextBox 36"/>
+          <p:cNvSpPr txBox="1"/>
+          <p:nvPr/>
+        </p:nvSpPr>
+        <p:spPr>
+          <a:xfrm>
+            <a:off x="4806737" y="4187071"/>
+            <a:ext cx="2952737" cy="415498"/>
+          </a:xfrm>
+          <a:prstGeom prst="rect">
+            <a:avLst/>
+          </a:prstGeom>
+          <a:noFill/>
+        </p:spPr>
+        <p:txBody>
+          <a:bodyPr wrap="square" rtlCol="0">
+            <a:spAutoFit/>
+          </a:bodyPr>
+          <a:lstStyle/>
+          <a:p>
+            <a:r>
+              <a:rPr lang="en-SG" sz="1050" dirty="0" err="1" smtClean="0">
+                <a:ln w="0"/>
+                <a:solidFill>
+                  <a:schemeClr val="bg1">
+                    <a:lumMod val="50000"/>
+                  </a:schemeClr>
+                </a:solidFill>
+                <a:effectLst>
+                  <a:outerShdw blurRad="38100" dist="25400" dir="5400000" algn="ctr" rotWithShape="0">
+                    <a:srgbClr val="6E747A">
+                      <a:alpha val="43000"/>
+                    </a:srgbClr>
+                  </a:outerShdw>
+                </a:effectLst>
+              </a:rPr>
+              <a:t>tester.vid</a:t>
+            </a:r>
+            <a:r>
+              <a:rPr lang="en-SG" sz="1050" b="1" dirty="0">
+                <a:ln w="0"/>
+                <a:solidFill>
+                  <a:schemeClr val="bg1">
+                    <a:lumMod val="50000"/>
+                  </a:schemeClr>
+                </a:solidFill>
+                <a:effectLst>
+                  <a:outerShdw blurRad="38100" dist="25400" dir="5400000" algn="ctr" rotWithShape="0">
+                    <a:srgbClr val="6E747A">
+                      <a:alpha val="43000"/>
+                    </a:srgbClr>
+                  </a:outerShdw>
+                </a:effectLst>
+              </a:rPr>
+              <a:t>&lt;ID&gt;</a:t>
+            </a:r>
+            <a:r>
+              <a:rPr lang="en-SG" sz="1050" dirty="0" smtClean="0">
+                <a:ln w="0"/>
+                <a:solidFill>
+                  <a:schemeClr val="bg1">
+                    <a:lumMod val="50000"/>
+                  </a:schemeClr>
+                </a:solidFill>
+                <a:effectLst>
+                  <a:outerShdw blurRad="38100" dist="25400" dir="5400000" algn="ctr" rotWithShape="0">
+                    <a:srgbClr val="6E747A">
+                      <a:alpha val="43000"/>
+                    </a:srgbClr>
+                  </a:outerShdw>
+                </a:effectLst>
+              </a:rPr>
+              <a:t>.response: {‘</a:t>
+            </a:r>
+            <a:r>
+              <a:rPr lang="en-SG" sz="1050" dirty="0" smtClean="0">
+                <a:ln w="0"/>
+                <a:solidFill>
+                  <a:schemeClr val="bg1">
+                    <a:lumMod val="50000"/>
+                  </a:schemeClr>
+                </a:solidFill>
+                <a:effectLst>
+                  <a:outerShdw blurRad="38100" dist="25400" dir="5400000" algn="ctr" rotWithShape="0">
+                    <a:srgbClr val="6E747A">
+                      <a:alpha val="43000"/>
+                    </a:srgbClr>
+                  </a:outerShdw>
+                </a:effectLst>
+              </a:rPr>
+              <a:t>stage’: ‘</a:t>
+            </a:r>
+            <a:r>
+              <a:rPr lang="en-SG" sz="1050" dirty="0" err="1" smtClean="0">
+                <a:ln w="0"/>
+                <a:solidFill>
+                  <a:schemeClr val="bg1">
+                    <a:lumMod val="50000"/>
+                  </a:schemeClr>
+                </a:solidFill>
+                <a:effectLst>
+                  <a:outerShdw blurRad="38100" dist="25400" dir="5400000" algn="ctr" rotWithShape="0">
+                    <a:srgbClr val="6E747A">
+                      <a:alpha val="43000"/>
+                    </a:srgbClr>
+                  </a:outerShdw>
+                </a:effectLst>
+              </a:rPr>
+              <a:t>beginCapture</a:t>
+            </a:r>
+            <a:r>
+              <a:rPr lang="en-SG" sz="1050" dirty="0" smtClean="0">
+                <a:ln w="0"/>
+                <a:solidFill>
+                  <a:schemeClr val="bg1">
+                    <a:lumMod val="50000"/>
+                  </a:schemeClr>
+                </a:solidFill>
+                <a:effectLst>
+                  <a:outerShdw blurRad="38100" dist="25400" dir="5400000" algn="ctr" rotWithShape="0">
+                    <a:srgbClr val="6E747A">
+                      <a:alpha val="43000"/>
+                    </a:srgbClr>
+                  </a:outerShdw>
+                </a:effectLst>
+              </a:rPr>
+              <a:t>’, ‘status’: ‘</a:t>
+            </a:r>
+            <a:r>
+              <a:rPr lang="en-SG" sz="1050" dirty="0" err="1" smtClean="0">
+                <a:ln w="0"/>
+                <a:solidFill>
+                  <a:schemeClr val="bg1">
+                    <a:lumMod val="50000"/>
+                  </a:schemeClr>
+                </a:solidFill>
+                <a:effectLst>
+                  <a:outerShdw blurRad="38100" dist="25400" dir="5400000" algn="ctr" rotWithShape="0">
+                    <a:srgbClr val="6E747A">
+                      <a:alpha val="43000"/>
+                    </a:srgbClr>
+                  </a:outerShdw>
+                </a:effectLst>
+              </a:rPr>
+              <a:t>success|failed</a:t>
+            </a:r>
+            <a:r>
+              <a:rPr lang="en-SG" sz="1050" dirty="0" smtClean="0">
+                <a:ln w="0"/>
+                <a:solidFill>
+                  <a:schemeClr val="bg1">
+                    <a:lumMod val="50000"/>
+                  </a:schemeClr>
+                </a:solidFill>
+                <a:effectLst>
+                  <a:outerShdw blurRad="38100" dist="25400" dir="5400000" algn="ctr" rotWithShape="0">
+                    <a:srgbClr val="6E747A">
+                      <a:alpha val="43000"/>
+                    </a:srgbClr>
+                  </a:outerShdw>
+                </a:effectLst>
+              </a:rPr>
+              <a:t>’}</a:t>
+            </a:r>
+            <a:endParaRPr lang="en-SG" sz="1050" dirty="0">
+              <a:ln w="0"/>
+              <a:solidFill>
+                <a:schemeClr val="bg1">
+                  <a:lumMod val="50000"/>
+                </a:schemeClr>
+              </a:solidFill>
+              <a:effectLst>
+                <a:outerShdw blurRad="38100" dist="25400" dir="5400000" algn="ctr" rotWithShape="0">
+                  <a:srgbClr val="6E747A">
+                    <a:alpha val="43000"/>
+                  </a:srgbClr>
+                </a:outerShdw>
+              </a:effectLst>
+            </a:endParaRPr>
+          </a:p>
+        </p:txBody>
+      </p:sp>
+      <p:cxnSp>
+        <p:nvCxnSpPr>
+          <p:cNvPr id="38" name="Straight Arrow Connector 37"/>
+          <p:cNvCxnSpPr/>
+          <p:nvPr/>
+        </p:nvCxnSpPr>
+        <p:spPr>
+          <a:xfrm flipV="1">
+            <a:off x="4635658" y="5100500"/>
+            <a:ext cx="6235330" cy="0"/>
+          </a:xfrm>
+          <a:prstGeom prst="straightConnector1">
+            <a:avLst/>
+          </a:prstGeom>
+          <a:ln>
+            <a:tailEnd type="triangle"/>
+          </a:ln>
+        </p:spPr>
+        <p:style>
+          <a:lnRef idx="3">
+            <a:schemeClr val="accent2"/>
+          </a:lnRef>
+          <a:fillRef idx="0">
+            <a:schemeClr val="accent2"/>
+          </a:fillRef>
+          <a:effectRef idx="2">
+            <a:schemeClr val="accent2"/>
+          </a:effectRef>
+          <a:fontRef idx="minor">
+            <a:schemeClr val="tx1"/>
+          </a:fontRef>
+        </p:style>
+      </p:cxnSp>
+      <p:sp>
+        <p:nvSpPr>
+          <p:cNvPr id="39" name="TextBox 38"/>
+          <p:cNvSpPr txBox="1"/>
+          <p:nvPr/>
+        </p:nvSpPr>
+        <p:spPr>
+          <a:xfrm>
+            <a:off x="4823675" y="4824770"/>
+            <a:ext cx="4279228" cy="253916"/>
+          </a:xfrm>
+          <a:prstGeom prst="rect">
+            <a:avLst/>
+          </a:prstGeom>
+          <a:noFill/>
+        </p:spPr>
+        <p:txBody>
+          <a:bodyPr wrap="square" rtlCol="0">
+            <a:spAutoFit/>
+          </a:bodyPr>
+          <a:lstStyle/>
+          <a:p>
+            <a:r>
+              <a:rPr lang="en-SG" sz="1050" dirty="0" err="1" smtClean="0">
+                <a:ln w="0"/>
+                <a:solidFill>
+                  <a:schemeClr val="accent2">
+                    <a:lumMod val="75000"/>
+                  </a:schemeClr>
+                </a:solidFill>
+                <a:effectLst>
+                  <a:outerShdw blurRad="38100" dist="25400" dir="5400000" algn="ctr" rotWithShape="0">
+                    <a:srgbClr val="6E747A">
+                      <a:alpha val="43000"/>
+                    </a:srgbClr>
+                  </a:outerShdw>
+                </a:effectLst>
+              </a:rPr>
+              <a:t>tester.vid</a:t>
+            </a:r>
+            <a:r>
+              <a:rPr lang="en-SG" sz="1050" b="1" dirty="0" smtClean="0">
+                <a:ln w="0"/>
+                <a:solidFill>
+                  <a:schemeClr val="accent2">
+                    <a:lumMod val="75000"/>
+                  </a:schemeClr>
+                </a:solidFill>
+                <a:effectLst>
+                  <a:outerShdw blurRad="38100" dist="25400" dir="5400000" algn="ctr" rotWithShape="0">
+                    <a:srgbClr val="6E747A">
+                      <a:alpha val="43000"/>
+                    </a:srgbClr>
+                  </a:outerShdw>
+                </a:effectLst>
+              </a:rPr>
+              <a:t>&lt;ID&gt;</a:t>
+            </a:r>
+            <a:r>
+              <a:rPr lang="en-SG" sz="1050" dirty="0" smtClean="0">
+                <a:ln w="0"/>
+                <a:solidFill>
+                  <a:schemeClr val="accent2">
+                    <a:lumMod val="75000"/>
+                  </a:schemeClr>
+                </a:solidFill>
+                <a:effectLst>
+                  <a:outerShdw blurRad="38100" dist="25400" dir="5400000" algn="ctr" rotWithShape="0">
+                    <a:srgbClr val="6E747A">
+                      <a:alpha val="43000"/>
+                    </a:srgbClr>
+                  </a:outerShdw>
+                </a:effectLst>
+              </a:rPr>
+              <a:t>.</a:t>
+            </a:r>
+            <a:r>
+              <a:rPr lang="en-SG" sz="1050" dirty="0" err="1" smtClean="0">
+                <a:ln w="0"/>
+                <a:solidFill>
+                  <a:schemeClr val="accent2">
+                    <a:lumMod val="75000"/>
+                  </a:schemeClr>
+                </a:solidFill>
+                <a:effectLst>
+                  <a:outerShdw blurRad="38100" dist="25400" dir="5400000" algn="ctr" rotWithShape="0">
+                    <a:srgbClr val="6E747A">
+                      <a:alpha val="43000"/>
+                    </a:srgbClr>
+                  </a:outerShdw>
+                </a:effectLst>
+              </a:rPr>
+              <a:t>respone</a:t>
+            </a:r>
+            <a:r>
+              <a:rPr lang="en-SG" sz="1050" dirty="0" smtClean="0">
+                <a:ln w="0"/>
+                <a:solidFill>
+                  <a:schemeClr val="accent2">
+                    <a:lumMod val="75000"/>
+                  </a:schemeClr>
+                </a:solidFill>
+                <a:effectLst>
+                  <a:outerShdw blurRad="38100" dist="25400" dir="5400000" algn="ctr" rotWithShape="0">
+                    <a:srgbClr val="6E747A">
+                      <a:alpha val="43000"/>
+                    </a:srgbClr>
+                  </a:outerShdw>
+                </a:effectLst>
+              </a:rPr>
+              <a:t>: {‘stage’: ‘</a:t>
+            </a:r>
+            <a:r>
+              <a:rPr lang="en-SG" sz="1050" dirty="0" err="1" smtClean="0">
+                <a:ln w="0"/>
+                <a:solidFill>
+                  <a:schemeClr val="accent2">
+                    <a:lumMod val="75000"/>
+                  </a:schemeClr>
+                </a:solidFill>
+                <a:effectLst>
+                  <a:outerShdw blurRad="38100" dist="25400" dir="5400000" algn="ctr" rotWithShape="0">
+                    <a:srgbClr val="6E747A">
+                      <a:alpha val="43000"/>
+                    </a:srgbClr>
+                  </a:outerShdw>
+                </a:effectLst>
+              </a:rPr>
+              <a:t>beginCapture</a:t>
+            </a:r>
+            <a:r>
+              <a:rPr lang="en-SG" sz="1050" dirty="0" smtClean="0">
+                <a:ln w="0"/>
+                <a:solidFill>
+                  <a:schemeClr val="accent2">
+                    <a:lumMod val="75000"/>
+                  </a:schemeClr>
+                </a:solidFill>
+                <a:effectLst>
+                  <a:outerShdw blurRad="38100" dist="25400" dir="5400000" algn="ctr" rotWithShape="0">
+                    <a:srgbClr val="6E747A">
+                      <a:alpha val="43000"/>
+                    </a:srgbClr>
+                  </a:outerShdw>
+                </a:effectLst>
+              </a:rPr>
+              <a:t>’, ‘status’: ‘</a:t>
+            </a:r>
+            <a:r>
+              <a:rPr lang="en-SG" sz="1050" dirty="0" err="1" smtClean="0">
+                <a:ln w="0"/>
+                <a:solidFill>
+                  <a:schemeClr val="accent2">
+                    <a:lumMod val="75000"/>
+                  </a:schemeClr>
+                </a:solidFill>
+                <a:effectLst>
+                  <a:outerShdw blurRad="38100" dist="25400" dir="5400000" algn="ctr" rotWithShape="0">
+                    <a:srgbClr val="6E747A">
+                      <a:alpha val="43000"/>
+                    </a:srgbClr>
+                  </a:outerShdw>
+                </a:effectLst>
+              </a:rPr>
+              <a:t>success|failed</a:t>
+            </a:r>
+            <a:r>
+              <a:rPr lang="en-SG" sz="1050" dirty="0" smtClean="0">
+                <a:ln w="0"/>
+                <a:solidFill>
+                  <a:schemeClr val="accent2">
+                    <a:lumMod val="75000"/>
+                  </a:schemeClr>
+                </a:solidFill>
+                <a:effectLst>
+                  <a:outerShdw blurRad="38100" dist="25400" dir="5400000" algn="ctr" rotWithShape="0">
+                    <a:srgbClr val="6E747A">
+                      <a:alpha val="43000"/>
+                    </a:srgbClr>
+                  </a:outerShdw>
+                </a:effectLst>
+              </a:rPr>
+              <a:t>}</a:t>
+            </a:r>
+            <a:endParaRPr lang="en-SG" sz="1050" dirty="0">
+              <a:ln w="0"/>
+              <a:solidFill>
+                <a:schemeClr val="accent2">
+                  <a:lumMod val="75000"/>
+                </a:schemeClr>
+              </a:solidFill>
+              <a:effectLst>
+                <a:outerShdw blurRad="38100" dist="25400" dir="5400000" algn="ctr" rotWithShape="0">
+                  <a:srgbClr val="6E747A">
+                    <a:alpha val="43000"/>
+                  </a:srgbClr>
+                </a:outerShdw>
+              </a:effectLst>
+            </a:endParaRPr>
+          </a:p>
+        </p:txBody>
+      </p:sp>
+      <p:cxnSp>
+        <p:nvCxnSpPr>
+          <p:cNvPr id="40" name="Straight Arrow Connector 39"/>
+          <p:cNvCxnSpPr/>
+          <p:nvPr/>
+        </p:nvCxnSpPr>
+        <p:spPr>
+          <a:xfrm flipH="1" flipV="1">
+            <a:off x="1462603" y="4869203"/>
+            <a:ext cx="3168000" cy="0"/>
+          </a:xfrm>
+          <a:prstGeom prst="straightConnector1">
+            <a:avLst/>
+          </a:prstGeom>
+          <a:ln>
+            <a:tailEnd type="triangle"/>
+          </a:ln>
+        </p:spPr>
+        <p:style>
+          <a:lnRef idx="3">
+            <a:schemeClr val="accent2"/>
+          </a:lnRef>
+          <a:fillRef idx="0">
+            <a:schemeClr val="accent2"/>
+          </a:fillRef>
+          <a:effectRef idx="2">
+            <a:schemeClr val="accent2"/>
+          </a:effectRef>
+          <a:fontRef idx="minor">
+            <a:schemeClr val="tx1"/>
+          </a:fontRef>
+        </p:style>
+      </p:cxnSp>
+      <p:sp>
+        <p:nvSpPr>
+          <p:cNvPr id="41" name="TextBox 40"/>
+          <p:cNvSpPr txBox="1"/>
+          <p:nvPr/>
+        </p:nvSpPr>
+        <p:spPr>
+          <a:xfrm>
+            <a:off x="1742900" y="4434643"/>
+            <a:ext cx="2525323" cy="415498"/>
+          </a:xfrm>
+          <a:prstGeom prst="rect">
+            <a:avLst/>
+          </a:prstGeom>
+          <a:noFill/>
+        </p:spPr>
+        <p:txBody>
+          <a:bodyPr wrap="square" rtlCol="0">
+            <a:spAutoFit/>
+          </a:bodyPr>
+          <a:lstStyle/>
+          <a:p>
+            <a:r>
+              <a:rPr lang="en-SG" sz="1050" dirty="0" err="1" smtClean="0">
+                <a:ln w="0"/>
+                <a:solidFill>
+                  <a:schemeClr val="accent2">
+                    <a:lumMod val="75000"/>
+                  </a:schemeClr>
+                </a:solidFill>
+                <a:effectLst>
+                  <a:outerShdw blurRad="38100" dist="25400" dir="5400000" algn="ctr" rotWithShape="0">
+                    <a:srgbClr val="6E747A">
+                      <a:alpha val="43000"/>
+                    </a:srgbClr>
+                  </a:outerShdw>
+                </a:effectLst>
+              </a:rPr>
+              <a:t>tester.vid</a:t>
+            </a:r>
+            <a:r>
+              <a:rPr lang="en-SG" sz="1050" b="1" dirty="0" smtClean="0">
+                <a:ln w="0"/>
+                <a:solidFill>
+                  <a:schemeClr val="accent2">
+                    <a:lumMod val="75000"/>
+                  </a:schemeClr>
+                </a:solidFill>
+                <a:effectLst>
+                  <a:outerShdw blurRad="38100" dist="25400" dir="5400000" algn="ctr" rotWithShape="0">
+                    <a:srgbClr val="6E747A">
+                      <a:alpha val="43000"/>
+                    </a:srgbClr>
+                  </a:outerShdw>
+                </a:effectLst>
+              </a:rPr>
+              <a:t>&lt;ID</a:t>
+            </a:r>
+            <a:r>
+              <a:rPr lang="en-SG" sz="1050" b="1" dirty="0" smtClean="0">
+                <a:ln w="0"/>
+                <a:solidFill>
+                  <a:schemeClr val="accent2">
+                    <a:lumMod val="75000"/>
+                  </a:schemeClr>
+                </a:solidFill>
+                <a:effectLst>
+                  <a:outerShdw blurRad="38100" dist="25400" dir="5400000" algn="ctr" rotWithShape="0">
+                    <a:srgbClr val="6E747A">
+                      <a:alpha val="43000"/>
+                    </a:srgbClr>
+                  </a:outerShdw>
+                </a:effectLst>
+              </a:rPr>
+              <a:t>&gt;</a:t>
+            </a:r>
+            <a:r>
+              <a:rPr lang="en-SG" sz="1050" dirty="0" smtClean="0">
+                <a:ln w="0"/>
+                <a:solidFill>
+                  <a:schemeClr val="accent2">
+                    <a:lumMod val="75000"/>
+                  </a:schemeClr>
+                </a:solidFill>
+                <a:effectLst>
+                  <a:outerShdw blurRad="38100" dist="25400" dir="5400000" algn="ctr" rotWithShape="0">
+                    <a:srgbClr val="6E747A">
+                      <a:alpha val="43000"/>
+                    </a:srgbClr>
+                  </a:outerShdw>
+                </a:effectLst>
+              </a:rPr>
+              <a:t>.</a:t>
+            </a:r>
+            <a:r>
+              <a:rPr lang="en-SG" sz="1050" dirty="0" smtClean="0">
+                <a:ln w="0"/>
+                <a:solidFill>
+                  <a:schemeClr val="accent2">
+                    <a:lumMod val="75000"/>
+                  </a:schemeClr>
+                </a:solidFill>
+                <a:effectLst>
+                  <a:outerShdw blurRad="38100" dist="25400" dir="5400000" algn="ctr" rotWithShape="0">
+                    <a:srgbClr val="6E747A">
+                      <a:alpha val="43000"/>
+                    </a:srgbClr>
+                  </a:outerShdw>
+                </a:effectLst>
+              </a:rPr>
+              <a:t>response: {‘stage’: ‘</a:t>
+            </a:r>
+            <a:r>
+              <a:rPr lang="en-SG" sz="1050" dirty="0" err="1" smtClean="0">
+                <a:ln w="0"/>
+                <a:solidFill>
+                  <a:schemeClr val="accent2">
+                    <a:lumMod val="75000"/>
+                  </a:schemeClr>
+                </a:solidFill>
+                <a:effectLst>
+                  <a:outerShdw blurRad="38100" dist="25400" dir="5400000" algn="ctr" rotWithShape="0">
+                    <a:srgbClr val="6E747A">
+                      <a:alpha val="43000"/>
+                    </a:srgbClr>
+                  </a:outerShdw>
+                </a:effectLst>
+              </a:rPr>
+              <a:t>beginCapture</a:t>
+            </a:r>
+            <a:r>
+              <a:rPr lang="en-SG" sz="1050" dirty="0" smtClean="0">
+                <a:ln w="0"/>
+                <a:solidFill>
+                  <a:schemeClr val="accent2">
+                    <a:lumMod val="75000"/>
+                  </a:schemeClr>
+                </a:solidFill>
+                <a:effectLst>
+                  <a:outerShdw blurRad="38100" dist="25400" dir="5400000" algn="ctr" rotWithShape="0">
+                    <a:srgbClr val="6E747A">
+                      <a:alpha val="43000"/>
+                    </a:srgbClr>
+                  </a:outerShdw>
+                </a:effectLst>
+              </a:rPr>
+              <a:t>’, ‘status’: ‘</a:t>
+            </a:r>
+            <a:r>
+              <a:rPr lang="en-SG" sz="1050" dirty="0" err="1" smtClean="0">
+                <a:ln w="0"/>
+                <a:solidFill>
+                  <a:schemeClr val="accent2">
+                    <a:lumMod val="75000"/>
+                  </a:schemeClr>
+                </a:solidFill>
+                <a:effectLst>
+                  <a:outerShdw blurRad="38100" dist="25400" dir="5400000" algn="ctr" rotWithShape="0">
+                    <a:srgbClr val="6E747A">
+                      <a:alpha val="43000"/>
+                    </a:srgbClr>
+                  </a:outerShdw>
+                </a:effectLst>
+              </a:rPr>
+              <a:t>success|failed</a:t>
+            </a:r>
+            <a:r>
+              <a:rPr lang="en-SG" sz="1050" dirty="0" smtClean="0">
+                <a:ln w="0"/>
+                <a:solidFill>
+                  <a:schemeClr val="accent2">
+                    <a:lumMod val="75000"/>
+                  </a:schemeClr>
+                </a:solidFill>
+                <a:effectLst>
+                  <a:outerShdw blurRad="38100" dist="25400" dir="5400000" algn="ctr" rotWithShape="0">
+                    <a:srgbClr val="6E747A">
+                      <a:alpha val="43000"/>
+                    </a:srgbClr>
+                  </a:outerShdw>
+                </a:effectLst>
+              </a:rPr>
+              <a:t>}</a:t>
+            </a:r>
+            <a:endParaRPr lang="en-SG" sz="1050" dirty="0">
+              <a:ln w="0"/>
+              <a:solidFill>
+                <a:schemeClr val="accent2">
+                  <a:lumMod val="75000"/>
+                </a:schemeClr>
+              </a:solidFill>
+              <a:effectLst>
+                <a:outerShdw blurRad="38100" dist="25400" dir="5400000" algn="ctr" rotWithShape="0">
+                  <a:srgbClr val="6E747A">
+                    <a:alpha val="43000"/>
+                  </a:srgbClr>
+                </a:outerShdw>
+              </a:effectLst>
+            </a:endParaRPr>
+          </a:p>
+        </p:txBody>
+      </p:sp>
+      <p:sp>
+        <p:nvSpPr>
+          <p:cNvPr id="42" name="TextBox 41"/>
+          <p:cNvSpPr txBox="1"/>
+          <p:nvPr/>
+        </p:nvSpPr>
+        <p:spPr>
+          <a:xfrm>
+            <a:off x="85510" y="5249749"/>
+            <a:ext cx="1095207" cy="830997"/>
+          </a:xfrm>
+          <a:prstGeom prst="rect">
+            <a:avLst/>
+          </a:prstGeom>
+          <a:noFill/>
+        </p:spPr>
+        <p:txBody>
+          <a:bodyPr wrap="square" rtlCol="0">
+            <a:spAutoFit/>
+          </a:bodyPr>
+          <a:lstStyle/>
+          <a:p>
+            <a:pPr algn="ctr"/>
+            <a:r>
+              <a:rPr lang="en-SG" sz="1200" dirty="0" smtClean="0">
+                <a:solidFill>
+                  <a:srgbClr val="FF0000"/>
+                </a:solidFill>
+              </a:rPr>
+              <a:t>Log error if </a:t>
+            </a:r>
+            <a:r>
+              <a:rPr lang="en-SG" sz="1200" dirty="0" err="1" smtClean="0">
+                <a:solidFill>
+                  <a:srgbClr val="FF0000"/>
+                </a:solidFill>
+              </a:rPr>
+              <a:t>beginCapture</a:t>
+            </a:r>
+            <a:r>
+              <a:rPr lang="en-SG" sz="1200" dirty="0" smtClean="0">
+                <a:solidFill>
+                  <a:srgbClr val="FF0000"/>
+                </a:solidFill>
+              </a:rPr>
+              <a:t> failed to initialize</a:t>
+            </a:r>
+            <a:endParaRPr lang="en-SG" sz="1200" dirty="0">
+              <a:solidFill>
+                <a:srgbClr val="FF0000"/>
+              </a:solidFill>
+            </a:endParaRPr>
+          </a:p>
+        </p:txBody>
+      </p:sp>
+      <p:cxnSp>
+        <p:nvCxnSpPr>
+          <p:cNvPr id="43" name="Elbow Connector 42"/>
+          <p:cNvCxnSpPr>
+            <a:endCxn id="42" idx="0"/>
+          </p:cNvCxnSpPr>
+          <p:nvPr/>
+        </p:nvCxnSpPr>
+        <p:spPr>
+          <a:xfrm rot="10800000" flipV="1">
+            <a:off x="633115" y="5007833"/>
+            <a:ext cx="827909" cy="241916"/>
+          </a:xfrm>
+          <a:prstGeom prst="bentConnector2">
+            <a:avLst/>
+          </a:prstGeom>
+          <a:ln>
+            <a:solidFill>
+              <a:srgbClr val="FF0000"/>
+            </a:solidFill>
+            <a:prstDash val="sysDash"/>
+            <a:tailEnd type="triangle"/>
+          </a:ln>
+        </p:spPr>
+        <p:style>
+          <a:lnRef idx="3">
+            <a:schemeClr val="accent1"/>
+          </a:lnRef>
+          <a:fillRef idx="0">
+            <a:schemeClr val="accent1"/>
+          </a:fillRef>
+          <a:effectRef idx="2">
+            <a:schemeClr val="accent1"/>
+          </a:effectRef>
+          <a:fontRef idx="minor">
+            <a:schemeClr val="tx1"/>
+          </a:fontRef>
+        </p:style>
+      </p:cxnSp>
+      <p:sp>
+        <p:nvSpPr>
+          <p:cNvPr id="44" name="TextBox 43"/>
+          <p:cNvSpPr txBox="1"/>
+          <p:nvPr/>
+        </p:nvSpPr>
+        <p:spPr>
+          <a:xfrm>
+            <a:off x="8013006" y="4078883"/>
+            <a:ext cx="2485479" cy="276999"/>
+          </a:xfrm>
+          <a:prstGeom prst="rect">
+            <a:avLst/>
+          </a:prstGeom>
+          <a:noFill/>
+        </p:spPr>
+        <p:txBody>
+          <a:bodyPr wrap="square" rtlCol="0">
+            <a:spAutoFit/>
+          </a:bodyPr>
+          <a:lstStyle/>
+          <a:p>
+            <a:pPr algn="ctr"/>
+            <a:r>
+              <a:rPr lang="en-SG" sz="1200" dirty="0" smtClean="0">
+                <a:solidFill>
+                  <a:srgbClr val="FF0000"/>
+                </a:solidFill>
+              </a:rPr>
+              <a:t>Log error if failed to set GPIO</a:t>
+            </a:r>
+            <a:endParaRPr lang="en-SG" sz="1200" dirty="0">
+              <a:solidFill>
+                <a:srgbClr val="FF0000"/>
+              </a:solidFill>
+            </a:endParaRPr>
+          </a:p>
+        </p:txBody>
+      </p:sp>
+      <p:cxnSp>
+        <p:nvCxnSpPr>
+          <p:cNvPr id="45" name="Elbow Connector 44"/>
+          <p:cNvCxnSpPr>
+            <a:endCxn id="44" idx="0"/>
+          </p:cNvCxnSpPr>
+          <p:nvPr/>
+        </p:nvCxnSpPr>
+        <p:spPr>
+          <a:xfrm>
+            <a:off x="7759474" y="3827578"/>
+            <a:ext cx="1496272" cy="251305"/>
+          </a:xfrm>
+          <a:prstGeom prst="bentConnector2">
+            <a:avLst/>
+          </a:prstGeom>
+          <a:ln>
+            <a:solidFill>
+              <a:srgbClr val="FF0000"/>
+            </a:solidFill>
+            <a:prstDash val="sysDash"/>
+            <a:tailEnd type="triangle"/>
+          </a:ln>
+        </p:spPr>
+        <p:style>
+          <a:lnRef idx="3">
+            <a:schemeClr val="accent3"/>
+          </a:lnRef>
+          <a:fillRef idx="0">
+            <a:schemeClr val="accent3"/>
+          </a:fillRef>
+          <a:effectRef idx="2">
+            <a:schemeClr val="accent3"/>
+          </a:effectRef>
+          <a:fontRef idx="minor">
+            <a:schemeClr val="tx1"/>
+          </a:fontRef>
+        </p:style>
+      </p:cxnSp>
+      <p:sp>
+        <p:nvSpPr>
+          <p:cNvPr id="53" name="TextBox 52"/>
+          <p:cNvSpPr txBox="1"/>
+          <p:nvPr/>
+        </p:nvSpPr>
+        <p:spPr>
+          <a:xfrm>
+            <a:off x="10861091" y="2553599"/>
+            <a:ext cx="1243735" cy="938719"/>
+          </a:xfrm>
+          <a:prstGeom prst="rect">
+            <a:avLst/>
+          </a:prstGeom>
+          <a:noFill/>
+        </p:spPr>
+        <p:txBody>
+          <a:bodyPr wrap="square" rtlCol="0">
+            <a:spAutoFit/>
+            <a:scene3d>
+              <a:camera prst="orthographicFront"/>
+              <a:lightRig rig="soft" dir="t">
+                <a:rot lat="0" lon="0" rev="15600000"/>
+              </a:lightRig>
+            </a:scene3d>
+            <a:sp3d extrusionH="57150" prstMaterial="softEdge">
+              <a:bevelT w="25400" h="38100"/>
+            </a:sp3d>
+          </a:bodyPr>
+          <a:lstStyle/>
+          <a:p>
+            <a:r>
+              <a:rPr lang="en-SG" sz="1100" b="1" dirty="0" smtClean="0">
+                <a:ln/>
+                <a:solidFill>
+                  <a:schemeClr val="accent4"/>
+                </a:solidFill>
+              </a:rPr>
+              <a:t>Extract:</a:t>
+            </a:r>
+          </a:p>
+          <a:p>
+            <a:r>
+              <a:rPr lang="en-SG" sz="1100" b="1" dirty="0" smtClean="0">
+                <a:ln/>
+                <a:solidFill>
+                  <a:schemeClr val="accent4"/>
+                </a:solidFill>
+              </a:rPr>
+              <a:t>ID: id</a:t>
+            </a:r>
+          </a:p>
+          <a:p>
+            <a:r>
+              <a:rPr lang="en-SG" sz="1100" b="1" dirty="0" smtClean="0">
+                <a:ln/>
+                <a:solidFill>
+                  <a:schemeClr val="accent4"/>
+                </a:solidFill>
+              </a:rPr>
+              <a:t>stage: ‘</a:t>
+            </a:r>
+            <a:r>
+              <a:rPr lang="en-SG" sz="1100" b="1" dirty="0" err="1" smtClean="0">
+                <a:ln/>
+                <a:solidFill>
+                  <a:schemeClr val="accent4"/>
+                </a:solidFill>
+              </a:rPr>
+              <a:t>init</a:t>
+            </a:r>
+            <a:r>
+              <a:rPr lang="en-SG" sz="1100" b="1" dirty="0" smtClean="0">
+                <a:ln/>
+                <a:solidFill>
+                  <a:schemeClr val="accent4"/>
+                </a:solidFill>
+              </a:rPr>
+              <a:t>’</a:t>
+            </a:r>
+          </a:p>
+          <a:p>
+            <a:r>
+              <a:rPr lang="en-SG" sz="1100" b="1" dirty="0" smtClean="0">
+                <a:ln/>
+                <a:solidFill>
+                  <a:schemeClr val="accent4"/>
+                </a:solidFill>
+              </a:rPr>
+              <a:t>status: ‘</a:t>
+            </a:r>
+            <a:r>
+              <a:rPr lang="en-SG" sz="1100" b="1" dirty="0" err="1" smtClean="0">
+                <a:ln/>
+                <a:solidFill>
+                  <a:schemeClr val="accent4"/>
+                </a:solidFill>
+              </a:rPr>
+              <a:t>success|failed</a:t>
+            </a:r>
+            <a:r>
+              <a:rPr lang="en-SG" sz="1100" b="1" dirty="0" smtClean="0">
+                <a:ln/>
+                <a:solidFill>
+                  <a:schemeClr val="accent4"/>
+                </a:solidFill>
+              </a:rPr>
+              <a:t>’</a:t>
+            </a:r>
+            <a:endParaRPr lang="en-SG" sz="1100" b="1" dirty="0">
+              <a:ln/>
+              <a:solidFill>
+                <a:schemeClr val="accent4"/>
+              </a:solidFill>
+            </a:endParaRPr>
+          </a:p>
+        </p:txBody>
+      </p:sp>
+      <p:sp>
+        <p:nvSpPr>
+          <p:cNvPr id="54" name="TextBox 53"/>
+          <p:cNvSpPr txBox="1"/>
+          <p:nvPr/>
+        </p:nvSpPr>
+        <p:spPr>
+          <a:xfrm>
+            <a:off x="10675693" y="5160317"/>
+            <a:ext cx="1429134" cy="938719"/>
+          </a:xfrm>
+          <a:prstGeom prst="rect">
+            <a:avLst/>
+          </a:prstGeom>
+          <a:noFill/>
+        </p:spPr>
+        <p:txBody>
+          <a:bodyPr wrap="square" rtlCol="0">
+            <a:spAutoFit/>
+            <a:scene3d>
+              <a:camera prst="orthographicFront"/>
+              <a:lightRig rig="soft" dir="t">
+                <a:rot lat="0" lon="0" rev="15600000"/>
+              </a:lightRig>
+            </a:scene3d>
+            <a:sp3d extrusionH="57150" prstMaterial="softEdge">
+              <a:bevelT w="25400" h="38100"/>
+            </a:sp3d>
+          </a:bodyPr>
+          <a:lstStyle/>
+          <a:p>
+            <a:r>
+              <a:rPr lang="en-SG" sz="1100" b="1" dirty="0" smtClean="0">
+                <a:ln/>
+                <a:solidFill>
+                  <a:schemeClr val="accent4"/>
+                </a:solidFill>
+              </a:rPr>
+              <a:t>Extract:</a:t>
+            </a:r>
+          </a:p>
+          <a:p>
+            <a:r>
+              <a:rPr lang="en-SG" sz="1100" b="1" dirty="0" smtClean="0">
+                <a:ln/>
+                <a:solidFill>
+                  <a:schemeClr val="accent4"/>
+                </a:solidFill>
+              </a:rPr>
+              <a:t>ID: id</a:t>
+            </a:r>
+          </a:p>
+          <a:p>
+            <a:r>
+              <a:rPr lang="en-SG" sz="1100" b="1" dirty="0" smtClean="0">
+                <a:ln/>
+                <a:solidFill>
+                  <a:schemeClr val="accent4"/>
+                </a:solidFill>
+              </a:rPr>
+              <a:t>stage: ‘</a:t>
+            </a:r>
+            <a:r>
+              <a:rPr lang="en-SG" sz="1100" b="1" dirty="0" err="1" smtClean="0">
+                <a:ln/>
+                <a:solidFill>
+                  <a:schemeClr val="accent4"/>
+                </a:solidFill>
+              </a:rPr>
+              <a:t>beginCapture</a:t>
+            </a:r>
+            <a:r>
+              <a:rPr lang="en-SG" sz="1100" b="1" dirty="0" smtClean="0">
+                <a:ln/>
+                <a:solidFill>
+                  <a:schemeClr val="accent4"/>
+                </a:solidFill>
+              </a:rPr>
+              <a:t>’</a:t>
+            </a:r>
+          </a:p>
+          <a:p>
+            <a:r>
+              <a:rPr lang="en-SG" sz="1100" b="1" dirty="0" smtClean="0">
+                <a:ln/>
+                <a:solidFill>
+                  <a:schemeClr val="accent4"/>
+                </a:solidFill>
+              </a:rPr>
+              <a:t>status: ‘</a:t>
+            </a:r>
+            <a:r>
+              <a:rPr lang="en-SG" sz="1100" b="1" dirty="0" err="1" smtClean="0">
+                <a:ln/>
+                <a:solidFill>
+                  <a:schemeClr val="accent4"/>
+                </a:solidFill>
+              </a:rPr>
+              <a:t>success|failed</a:t>
+            </a:r>
+            <a:r>
+              <a:rPr lang="en-SG" sz="1100" b="1" dirty="0" smtClean="0">
+                <a:ln/>
+                <a:solidFill>
+                  <a:schemeClr val="accent4"/>
+                </a:solidFill>
+              </a:rPr>
+              <a:t>’</a:t>
+            </a:r>
+            <a:endParaRPr lang="en-SG" sz="1100" b="1" dirty="0">
+              <a:ln/>
+              <a:solidFill>
+                <a:schemeClr val="accent4"/>
+              </a:solidFill>
+            </a:endParaRPr>
+          </a:p>
+        </p:txBody>
+      </p:sp>
+      <p:sp>
+        <p:nvSpPr>
+          <p:cNvPr id="30" name="TextBox 29"/>
+          <p:cNvSpPr txBox="1"/>
+          <p:nvPr/>
+        </p:nvSpPr>
+        <p:spPr>
+          <a:xfrm>
+            <a:off x="3137053" y="6302154"/>
+            <a:ext cx="5735322" cy="369332"/>
+          </a:xfrm>
+          <a:prstGeom prst="rect">
+            <a:avLst/>
+          </a:prstGeom>
+          <a:solidFill>
+            <a:schemeClr val="accent4"/>
+          </a:solidFill>
+          <a:ln>
+            <a:solidFill>
+              <a:schemeClr val="accent4">
+                <a:lumMod val="50000"/>
+              </a:schemeClr>
+            </a:solidFill>
+          </a:ln>
+        </p:spPr>
+        <p:txBody>
+          <a:bodyPr wrap="square" rtlCol="0">
+            <a:spAutoFit/>
+          </a:bodyPr>
+          <a:lstStyle/>
+          <a:p>
+            <a:pPr algn="ctr"/>
+            <a:r>
+              <a:rPr lang="en-SG" dirty="0" smtClean="0"/>
+              <a:t>Message flow for Initialization &amp; Output 1</a:t>
+            </a:r>
+            <a:endParaRPr lang="en-SG" dirty="0"/>
+          </a:p>
+        </p:txBody>
+      </p:sp>
+    </p:spTree>
+    <p:extLst>
+      <p:ext uri="{BB962C8B-B14F-4D97-AF65-F5344CB8AC3E}">
+        <p14:creationId xmlns:p14="http://schemas.microsoft.com/office/powerpoint/2010/main" val="1168493799"/>
+      </p:ext>
+    </p:extLst>
+  </p:cSld>
+  <p:clrMapOvr>
+    <a:masterClrMapping/>
+  </p:clrMapOvr>
+</p:sld>
+</file>
+
+<file path=ppt/slides/slide5.xml><?xml version="1.0" encoding="utf-8"?>
+<p:sld xmlns:a="http://schemas.openxmlformats.org/drawingml/2006/main" xmlns:r="http://schemas.openxmlformats.org/officeDocument/2006/relationships" xmlns:p="http://schemas.openxmlformats.org/presentationml/2006/main">
+  <p:cSld>
+    <p:spTree>
+      <p:nvGrpSpPr>
+        <p:cNvPr id="1" name=""/>
+        <p:cNvGrpSpPr/>
+        <p:nvPr/>
+      </p:nvGrpSpPr>
+      <p:grpSpPr>
+        <a:xfrm>
+          <a:off x="0" y="0"/>
+          <a:ext cx="0" cy="0"/>
+          <a:chOff x="0" y="0"/>
+          <a:chExt cx="0" cy="0"/>
+        </a:xfrm>
+      </p:grpSpPr>
+      <p:sp>
+        <p:nvSpPr>
+          <p:cNvPr id="4" name="Rounded Rectangle 3"/>
+          <p:cNvSpPr/>
+          <p:nvPr/>
+        </p:nvSpPr>
+        <p:spPr>
+          <a:xfrm>
+            <a:off x="768553" y="366643"/>
+            <a:ext cx="1466574" cy="472661"/>
+          </a:xfrm>
+          <a:prstGeom prst="roundRect">
+            <a:avLst/>
+          </a:prstGeom>
+        </p:spPr>
+        <p:style>
+          <a:lnRef idx="0">
+            <a:schemeClr val="accent1"/>
+          </a:lnRef>
+          <a:fillRef idx="3">
+            <a:schemeClr val="accent1"/>
+          </a:fillRef>
+          <a:effectRef idx="3">
+            <a:schemeClr val="accent1"/>
+          </a:effectRef>
+          <a:fontRef idx="minor">
+            <a:schemeClr val="lt1"/>
+          </a:fontRef>
+        </p:style>
+        <p:txBody>
+          <a:bodyPr rtlCol="0" anchor="ctr"/>
+          <a:lstStyle/>
+          <a:p>
+            <a:pPr algn="ctr"/>
+            <a:r>
+              <a:rPr lang="en-SG" dirty="0" err="1" smtClean="0"/>
+              <a:t>Algo</a:t>
+            </a:r>
+            <a:endParaRPr lang="en-SG" dirty="0"/>
+          </a:p>
+        </p:txBody>
+      </p:sp>
+      <p:cxnSp>
+        <p:nvCxnSpPr>
+          <p:cNvPr id="5" name="Straight Arrow Connector 4"/>
+          <p:cNvCxnSpPr>
+            <a:stCxn id="4" idx="2"/>
+          </p:cNvCxnSpPr>
+          <p:nvPr/>
+        </p:nvCxnSpPr>
+        <p:spPr>
+          <a:xfrm flipH="1">
+            <a:off x="1464067" y="839304"/>
+            <a:ext cx="0" cy="5601253"/>
+          </a:xfrm>
+          <a:prstGeom prst="straightConnector1">
+            <a:avLst/>
+          </a:prstGeom>
+          <a:ln>
+            <a:tailEnd type="triangle"/>
+          </a:ln>
+        </p:spPr>
+        <p:style>
+          <a:lnRef idx="3">
+            <a:schemeClr val="accent1"/>
+          </a:lnRef>
+          <a:fillRef idx="0">
+            <a:schemeClr val="accent1"/>
+          </a:fillRef>
+          <a:effectRef idx="2">
+            <a:schemeClr val="accent1"/>
+          </a:effectRef>
+          <a:fontRef idx="minor">
+            <a:schemeClr val="tx1"/>
+          </a:fontRef>
+        </p:style>
+      </p:cxnSp>
+      <p:sp>
+        <p:nvSpPr>
+          <p:cNvPr id="6" name="Rounded Rectangle 5"/>
+          <p:cNvSpPr/>
+          <p:nvPr/>
+        </p:nvSpPr>
+        <p:spPr>
+          <a:xfrm>
+            <a:off x="3892475" y="366643"/>
+            <a:ext cx="1466574" cy="472661"/>
+          </a:xfrm>
+          <a:prstGeom prst="roundRect">
+            <a:avLst/>
+          </a:prstGeom>
+        </p:spPr>
+        <p:style>
+          <a:lnRef idx="0">
+            <a:schemeClr val="accent2"/>
+          </a:lnRef>
+          <a:fillRef idx="3">
+            <a:schemeClr val="accent2"/>
+          </a:fillRef>
+          <a:effectRef idx="3">
+            <a:schemeClr val="accent2"/>
+          </a:effectRef>
+          <a:fontRef idx="minor">
+            <a:schemeClr val="lt1"/>
+          </a:fontRef>
+        </p:style>
+        <p:txBody>
+          <a:bodyPr rtlCol="0" anchor="ctr"/>
+          <a:lstStyle/>
+          <a:p>
+            <a:pPr algn="ctr"/>
+            <a:r>
+              <a:rPr lang="en-SG" dirty="0" err="1" smtClean="0"/>
+              <a:t>Redis</a:t>
+            </a:r>
+            <a:endParaRPr lang="en-SG" dirty="0"/>
+          </a:p>
+        </p:txBody>
+      </p:sp>
+      <p:cxnSp>
+        <p:nvCxnSpPr>
+          <p:cNvPr id="7" name="Straight Arrow Connector 6"/>
+          <p:cNvCxnSpPr/>
+          <p:nvPr/>
+        </p:nvCxnSpPr>
+        <p:spPr>
+          <a:xfrm>
+            <a:off x="4625761" y="839304"/>
+            <a:ext cx="0" cy="5601253"/>
+          </a:xfrm>
+          <a:prstGeom prst="straightConnector1">
+            <a:avLst/>
+          </a:prstGeom>
+          <a:ln>
+            <a:tailEnd type="triangle"/>
+          </a:ln>
+        </p:spPr>
+        <p:style>
+          <a:lnRef idx="3">
+            <a:schemeClr val="accent2"/>
+          </a:lnRef>
+          <a:fillRef idx="0">
+            <a:schemeClr val="accent2"/>
+          </a:fillRef>
+          <a:effectRef idx="2">
+            <a:schemeClr val="accent2"/>
+          </a:effectRef>
+          <a:fontRef idx="minor">
+            <a:schemeClr val="tx1"/>
+          </a:fontRef>
+        </p:style>
+      </p:cxnSp>
+      <p:sp>
+        <p:nvSpPr>
+          <p:cNvPr id="8" name="Rounded Rectangle 7"/>
+          <p:cNvSpPr/>
+          <p:nvPr/>
+        </p:nvSpPr>
+        <p:spPr>
+          <a:xfrm>
+            <a:off x="10140319" y="366643"/>
+            <a:ext cx="1466574" cy="472661"/>
+          </a:xfrm>
+          <a:prstGeom prst="roundRect">
+            <a:avLst/>
+          </a:prstGeom>
+        </p:spPr>
+        <p:style>
+          <a:lnRef idx="0">
+            <a:schemeClr val="accent6"/>
+          </a:lnRef>
+          <a:fillRef idx="3">
+            <a:schemeClr val="accent6"/>
+          </a:fillRef>
+          <a:effectRef idx="3">
+            <a:schemeClr val="accent6"/>
+          </a:effectRef>
+          <a:fontRef idx="minor">
+            <a:schemeClr val="lt1"/>
+          </a:fontRef>
+        </p:style>
+        <p:txBody>
+          <a:bodyPr rtlCol="0" anchor="ctr"/>
+          <a:lstStyle/>
+          <a:p>
+            <a:pPr algn="ctr"/>
+            <a:r>
+              <a:rPr lang="en-SG" dirty="0" smtClean="0"/>
+              <a:t>MQTT</a:t>
+            </a:r>
+            <a:endParaRPr lang="en-SG" dirty="0"/>
+          </a:p>
+        </p:txBody>
+      </p:sp>
+      <p:cxnSp>
+        <p:nvCxnSpPr>
+          <p:cNvPr id="9" name="Straight Arrow Connector 8"/>
+          <p:cNvCxnSpPr>
+            <a:stCxn id="8" idx="2"/>
+          </p:cNvCxnSpPr>
+          <p:nvPr/>
+        </p:nvCxnSpPr>
+        <p:spPr>
+          <a:xfrm>
+            <a:off x="10873606" y="839304"/>
+            <a:ext cx="0" cy="5601253"/>
+          </a:xfrm>
+          <a:prstGeom prst="straightConnector1">
+            <a:avLst/>
+          </a:prstGeom>
+          <a:ln>
+            <a:tailEnd type="triangle"/>
+          </a:ln>
+        </p:spPr>
+        <p:style>
+          <a:lnRef idx="3">
+            <a:schemeClr val="accent6"/>
+          </a:lnRef>
+          <a:fillRef idx="0">
+            <a:schemeClr val="accent6"/>
+          </a:fillRef>
+          <a:effectRef idx="2">
+            <a:schemeClr val="accent6"/>
+          </a:effectRef>
+          <a:fontRef idx="minor">
+            <a:schemeClr val="tx1"/>
+          </a:fontRef>
+        </p:style>
+      </p:cxnSp>
+      <p:sp>
+        <p:nvSpPr>
+          <p:cNvPr id="10" name="Rounded Rectangle 9"/>
+          <p:cNvSpPr/>
+          <p:nvPr/>
+        </p:nvSpPr>
+        <p:spPr>
+          <a:xfrm>
+            <a:off x="7016396" y="366643"/>
+            <a:ext cx="1466574" cy="472661"/>
+          </a:xfrm>
+          <a:prstGeom prst="roundRect">
+            <a:avLst/>
+          </a:prstGeom>
+        </p:spPr>
+        <p:style>
+          <a:lnRef idx="0">
+            <a:schemeClr val="accent3"/>
+          </a:lnRef>
+          <a:fillRef idx="3">
+            <a:schemeClr val="accent3"/>
+          </a:fillRef>
+          <a:effectRef idx="3">
+            <a:schemeClr val="accent3"/>
+          </a:effectRef>
+          <a:fontRef idx="minor">
+            <a:schemeClr val="lt1"/>
+          </a:fontRef>
+        </p:style>
+        <p:txBody>
+          <a:bodyPr rtlCol="0" anchor="ctr"/>
+          <a:lstStyle/>
+          <a:p>
+            <a:pPr algn="ctr"/>
+            <a:r>
+              <a:rPr lang="en-SG" dirty="0" smtClean="0"/>
+              <a:t>GPIO</a:t>
+            </a:r>
+            <a:endParaRPr lang="en-SG" dirty="0"/>
+          </a:p>
+        </p:txBody>
+      </p:sp>
+      <p:cxnSp>
+        <p:nvCxnSpPr>
+          <p:cNvPr id="11" name="Straight Arrow Connector 10"/>
+          <p:cNvCxnSpPr>
+            <a:stCxn id="10" idx="2"/>
+          </p:cNvCxnSpPr>
+          <p:nvPr/>
+        </p:nvCxnSpPr>
+        <p:spPr>
+          <a:xfrm>
+            <a:off x="7749683" y="839304"/>
+            <a:ext cx="0" cy="5601253"/>
+          </a:xfrm>
+          <a:prstGeom prst="straightConnector1">
+            <a:avLst/>
+          </a:prstGeom>
+          <a:ln>
+            <a:tailEnd type="triangle"/>
+          </a:ln>
+        </p:spPr>
+        <p:style>
+          <a:lnRef idx="3">
+            <a:schemeClr val="accent3"/>
+          </a:lnRef>
+          <a:fillRef idx="0">
+            <a:schemeClr val="accent3"/>
+          </a:fillRef>
+          <a:effectRef idx="2">
+            <a:schemeClr val="accent3"/>
+          </a:effectRef>
+          <a:fontRef idx="minor">
+            <a:schemeClr val="tx1"/>
+          </a:fontRef>
+        </p:style>
+      </p:cxnSp>
+      <p:cxnSp>
+        <p:nvCxnSpPr>
+          <p:cNvPr id="15" name="Straight Arrow Connector 14"/>
+          <p:cNvCxnSpPr/>
+          <p:nvPr/>
+        </p:nvCxnSpPr>
+        <p:spPr>
+          <a:xfrm flipV="1">
+            <a:off x="1461478" y="1330342"/>
+            <a:ext cx="3168000" cy="0"/>
+          </a:xfrm>
+          <a:prstGeom prst="straightConnector1">
+            <a:avLst/>
+          </a:prstGeom>
+          <a:ln>
+            <a:tailEnd type="triangle"/>
+          </a:ln>
+        </p:spPr>
+        <p:style>
+          <a:lnRef idx="3">
+            <a:schemeClr val="accent1"/>
+          </a:lnRef>
+          <a:fillRef idx="0">
+            <a:schemeClr val="accent1"/>
+          </a:fillRef>
+          <a:effectRef idx="2">
+            <a:schemeClr val="accent1"/>
+          </a:effectRef>
+          <a:fontRef idx="minor">
+            <a:schemeClr val="tx1"/>
+          </a:fontRef>
+        </p:style>
+      </p:cxnSp>
+      <p:sp>
+        <p:nvSpPr>
+          <p:cNvPr id="55" name="TextBox 54"/>
+          <p:cNvSpPr txBox="1"/>
+          <p:nvPr/>
+        </p:nvSpPr>
+        <p:spPr>
+          <a:xfrm>
+            <a:off x="1598111" y="914426"/>
+            <a:ext cx="2979982" cy="415498"/>
+          </a:xfrm>
+          <a:prstGeom prst="rect">
+            <a:avLst/>
+          </a:prstGeom>
+          <a:noFill/>
+        </p:spPr>
+        <p:txBody>
+          <a:bodyPr wrap="square" rtlCol="0">
+            <a:spAutoFit/>
+          </a:bodyPr>
+          <a:lstStyle/>
+          <a:p>
+            <a:r>
+              <a:rPr lang="en-SG" sz="1050" dirty="0" err="1" smtClean="0">
+                <a:ln w="0"/>
+                <a:solidFill>
+                  <a:schemeClr val="accent1">
+                    <a:lumMod val="75000"/>
+                  </a:schemeClr>
+                </a:solidFill>
+                <a:effectLst>
+                  <a:outerShdw blurRad="38100" dist="25400" dir="5400000" algn="ctr" rotWithShape="0">
+                    <a:srgbClr val="6E747A">
+                      <a:alpha val="43000"/>
+                    </a:srgbClr>
+                  </a:outerShdw>
+                </a:effectLst>
+              </a:rPr>
+              <a:t>tester.vid</a:t>
+            </a:r>
+            <a:r>
+              <a:rPr lang="en-SG" sz="1050" b="1" dirty="0">
+                <a:ln w="0"/>
+                <a:solidFill>
+                  <a:schemeClr val="accent1">
+                    <a:lumMod val="75000"/>
+                  </a:schemeClr>
+                </a:solidFill>
+                <a:effectLst>
+                  <a:outerShdw blurRad="38100" dist="25400" dir="5400000" algn="ctr" rotWithShape="0">
+                    <a:srgbClr val="6E747A">
+                      <a:alpha val="43000"/>
+                    </a:srgbClr>
+                  </a:outerShdw>
+                </a:effectLst>
+              </a:rPr>
+              <a:t>&lt;ID&gt;</a:t>
+            </a:r>
+            <a:r>
+              <a:rPr lang="en-SG" sz="1050" dirty="0" smtClean="0">
+                <a:ln w="0"/>
+                <a:solidFill>
+                  <a:schemeClr val="accent1">
+                    <a:lumMod val="75000"/>
+                  </a:schemeClr>
+                </a:solidFill>
+                <a:effectLst>
+                  <a:outerShdw blurRad="38100" dist="25400" dir="5400000" algn="ctr" rotWithShape="0">
+                    <a:srgbClr val="6E747A">
+                      <a:alpha val="43000"/>
+                    </a:srgbClr>
+                  </a:outerShdw>
+                </a:effectLst>
+              </a:rPr>
+              <a:t>.result: </a:t>
+            </a:r>
+            <a:r>
+              <a:rPr lang="en-SG" sz="1050" dirty="0" smtClean="0">
+                <a:ln w="0"/>
+                <a:solidFill>
+                  <a:schemeClr val="accent1">
+                    <a:lumMod val="75000"/>
+                  </a:schemeClr>
+                </a:solidFill>
+                <a:effectLst>
+                  <a:outerShdw blurRad="38100" dist="25400" dir="5400000" algn="ctr" rotWithShape="0">
+                    <a:srgbClr val="6E747A">
+                      <a:alpha val="43000"/>
+                    </a:srgbClr>
+                  </a:outerShdw>
+                </a:effectLst>
+              </a:rPr>
+              <a:t>{‘</a:t>
+            </a:r>
+            <a:r>
+              <a:rPr lang="en-SG" sz="1050" dirty="0" smtClean="0">
+                <a:ln w="0"/>
+                <a:solidFill>
+                  <a:schemeClr val="accent1">
+                    <a:lumMod val="75000"/>
+                  </a:schemeClr>
+                </a:solidFill>
+                <a:effectLst>
+                  <a:outerShdw blurRad="38100" dist="25400" dir="5400000" algn="ctr" rotWithShape="0">
+                    <a:srgbClr val="6E747A">
+                      <a:alpha val="43000"/>
+                    </a:srgbClr>
+                  </a:outerShdw>
+                </a:effectLst>
+              </a:rPr>
+              <a:t>stage</a:t>
+            </a:r>
+            <a:r>
+              <a:rPr lang="en-SG" sz="1050" dirty="0" smtClean="0">
+                <a:ln w="0"/>
+                <a:solidFill>
+                  <a:schemeClr val="accent1">
+                    <a:lumMod val="75000"/>
+                  </a:schemeClr>
+                </a:solidFill>
+                <a:effectLst>
+                  <a:outerShdw blurRad="38100" dist="25400" dir="5400000" algn="ctr" rotWithShape="0">
+                    <a:srgbClr val="6E747A">
+                      <a:alpha val="43000"/>
+                    </a:srgbClr>
+                  </a:outerShdw>
+                </a:effectLst>
+              </a:rPr>
+              <a:t>’: ‘</a:t>
+            </a:r>
+            <a:r>
+              <a:rPr lang="en-SG" sz="1050" dirty="0" err="1" smtClean="0">
+                <a:ln w="0"/>
+                <a:solidFill>
+                  <a:schemeClr val="accent1">
+                    <a:lumMod val="75000"/>
+                  </a:schemeClr>
+                </a:solidFill>
+                <a:effectLst>
+                  <a:outerShdw blurRad="38100" dist="25400" dir="5400000" algn="ctr" rotWithShape="0">
+                    <a:srgbClr val="6E747A">
+                      <a:alpha val="43000"/>
+                    </a:srgbClr>
+                  </a:outerShdw>
+                </a:effectLst>
+              </a:rPr>
+              <a:t>testScreen</a:t>
+            </a:r>
+            <a:r>
+              <a:rPr lang="en-SG" sz="1050" dirty="0" smtClean="0">
+                <a:ln w="0"/>
+                <a:solidFill>
+                  <a:schemeClr val="accent1">
+                    <a:lumMod val="75000"/>
+                  </a:schemeClr>
+                </a:solidFill>
+                <a:effectLst>
+                  <a:outerShdw blurRad="38100" dist="25400" dir="5400000" algn="ctr" rotWithShape="0">
+                    <a:srgbClr val="6E747A">
+                      <a:alpha val="43000"/>
+                    </a:srgbClr>
+                  </a:outerShdw>
+                </a:effectLst>
+              </a:rPr>
+              <a:t>’, ‘status’: ‘success’&gt;</a:t>
+            </a:r>
+            <a:endParaRPr lang="en-SG" sz="1050" dirty="0">
+              <a:ln w="0"/>
+              <a:solidFill>
+                <a:schemeClr val="accent1">
+                  <a:lumMod val="75000"/>
+                </a:schemeClr>
+              </a:solidFill>
+              <a:effectLst>
+                <a:outerShdw blurRad="38100" dist="25400" dir="5400000" algn="ctr" rotWithShape="0">
+                  <a:srgbClr val="6E747A">
+                    <a:alpha val="43000"/>
+                  </a:srgbClr>
+                </a:outerShdw>
+              </a:effectLst>
+            </a:endParaRPr>
+          </a:p>
+        </p:txBody>
+      </p:sp>
+      <p:cxnSp>
+        <p:nvCxnSpPr>
+          <p:cNvPr id="61" name="Straight Arrow Connector 60"/>
+          <p:cNvCxnSpPr/>
+          <p:nvPr/>
+        </p:nvCxnSpPr>
+        <p:spPr>
+          <a:xfrm flipV="1">
+            <a:off x="4607096" y="2889373"/>
+            <a:ext cx="6235330" cy="0"/>
+          </a:xfrm>
+          <a:prstGeom prst="straightConnector1">
+            <a:avLst/>
+          </a:prstGeom>
+          <a:ln>
+            <a:tailEnd type="triangle"/>
+          </a:ln>
+        </p:spPr>
+        <p:style>
+          <a:lnRef idx="3">
+            <a:schemeClr val="accent2"/>
+          </a:lnRef>
+          <a:fillRef idx="0">
+            <a:schemeClr val="accent2"/>
+          </a:fillRef>
+          <a:effectRef idx="2">
+            <a:schemeClr val="accent2"/>
+          </a:effectRef>
+          <a:fontRef idx="minor">
+            <a:schemeClr val="tx1"/>
+          </a:fontRef>
+        </p:style>
+      </p:cxnSp>
+      <p:cxnSp>
+        <p:nvCxnSpPr>
+          <p:cNvPr id="63" name="Straight Arrow Connector 62"/>
+          <p:cNvCxnSpPr/>
+          <p:nvPr/>
+        </p:nvCxnSpPr>
+        <p:spPr>
+          <a:xfrm flipV="1">
+            <a:off x="4620920" y="1587662"/>
+            <a:ext cx="3132000" cy="0"/>
+          </a:xfrm>
+          <a:prstGeom prst="straightConnector1">
+            <a:avLst/>
+          </a:prstGeom>
+          <a:ln>
+            <a:tailEnd type="triangle"/>
+          </a:ln>
+        </p:spPr>
+        <p:style>
+          <a:lnRef idx="3">
+            <a:schemeClr val="accent2"/>
+          </a:lnRef>
+          <a:fillRef idx="0">
+            <a:schemeClr val="accent2"/>
+          </a:fillRef>
+          <a:effectRef idx="2">
+            <a:schemeClr val="accent2"/>
+          </a:effectRef>
+          <a:fontRef idx="minor">
+            <a:schemeClr val="tx1"/>
+          </a:fontRef>
+        </p:style>
+      </p:cxnSp>
+      <p:sp>
+        <p:nvSpPr>
+          <p:cNvPr id="32" name="TextBox 31"/>
+          <p:cNvSpPr txBox="1"/>
+          <p:nvPr/>
+        </p:nvSpPr>
+        <p:spPr>
+          <a:xfrm>
+            <a:off x="4795113" y="2613643"/>
+            <a:ext cx="4230734" cy="253916"/>
+          </a:xfrm>
+          <a:prstGeom prst="rect">
+            <a:avLst/>
+          </a:prstGeom>
+          <a:noFill/>
+        </p:spPr>
+        <p:txBody>
+          <a:bodyPr wrap="square" rtlCol="0">
+            <a:spAutoFit/>
+          </a:bodyPr>
+          <a:lstStyle/>
+          <a:p>
+            <a:r>
+              <a:rPr lang="en-SG" sz="1050" dirty="0" err="1" smtClean="0">
+                <a:ln w="0"/>
+                <a:solidFill>
+                  <a:schemeClr val="accent2">
+                    <a:lumMod val="75000"/>
+                  </a:schemeClr>
+                </a:solidFill>
+                <a:effectLst>
+                  <a:outerShdw blurRad="38100" dist="25400" dir="5400000" algn="ctr" rotWithShape="0">
+                    <a:srgbClr val="6E747A">
+                      <a:alpha val="43000"/>
+                    </a:srgbClr>
+                  </a:outerShdw>
+                </a:effectLst>
+              </a:rPr>
+              <a:t>tester.vid</a:t>
+            </a:r>
+            <a:r>
+              <a:rPr lang="en-SG" sz="1050" b="1" dirty="0" smtClean="0">
+                <a:ln w="0"/>
+                <a:solidFill>
+                  <a:schemeClr val="accent2">
+                    <a:lumMod val="75000"/>
+                  </a:schemeClr>
+                </a:solidFill>
+                <a:effectLst>
+                  <a:outerShdw blurRad="38100" dist="25400" dir="5400000" algn="ctr" rotWithShape="0">
+                    <a:srgbClr val="6E747A">
+                      <a:alpha val="43000"/>
+                    </a:srgbClr>
+                  </a:outerShdw>
+                </a:effectLst>
+              </a:rPr>
+              <a:t>&lt;ID</a:t>
+            </a:r>
+            <a:r>
+              <a:rPr lang="en-SG" sz="1050" b="1" dirty="0" smtClean="0">
+                <a:ln w="0"/>
+                <a:solidFill>
+                  <a:schemeClr val="accent2">
+                    <a:lumMod val="75000"/>
+                  </a:schemeClr>
+                </a:solidFill>
+                <a:effectLst>
+                  <a:outerShdw blurRad="38100" dist="25400" dir="5400000" algn="ctr" rotWithShape="0">
+                    <a:srgbClr val="6E747A">
+                      <a:alpha val="43000"/>
+                    </a:srgbClr>
+                  </a:outerShdw>
+                </a:effectLst>
+              </a:rPr>
+              <a:t>&gt;</a:t>
+            </a:r>
+            <a:r>
+              <a:rPr lang="en-SG" sz="1050" dirty="0" smtClean="0">
+                <a:ln w="0"/>
+                <a:solidFill>
+                  <a:schemeClr val="accent2">
+                    <a:lumMod val="75000"/>
+                  </a:schemeClr>
+                </a:solidFill>
+                <a:effectLst>
+                  <a:outerShdw blurRad="38100" dist="25400" dir="5400000" algn="ctr" rotWithShape="0">
+                    <a:srgbClr val="6E747A">
+                      <a:alpha val="43000"/>
+                    </a:srgbClr>
+                  </a:outerShdw>
+                </a:effectLst>
+              </a:rPr>
+              <a:t>.</a:t>
+            </a:r>
+            <a:r>
+              <a:rPr lang="en-SG" sz="1050" dirty="0" smtClean="0">
+                <a:ln w="0"/>
+                <a:solidFill>
+                  <a:schemeClr val="accent2">
+                    <a:lumMod val="75000"/>
+                  </a:schemeClr>
+                </a:solidFill>
+                <a:effectLst>
+                  <a:outerShdw blurRad="38100" dist="25400" dir="5400000" algn="ctr" rotWithShape="0">
+                    <a:srgbClr val="6E747A">
+                      <a:alpha val="43000"/>
+                    </a:srgbClr>
+                  </a:outerShdw>
+                </a:effectLst>
+              </a:rPr>
+              <a:t>response: {‘stage’: ‘</a:t>
+            </a:r>
+            <a:r>
+              <a:rPr lang="en-SG" sz="1050" dirty="0" err="1" smtClean="0">
+                <a:ln w="0"/>
+                <a:solidFill>
+                  <a:schemeClr val="accent2">
+                    <a:lumMod val="75000"/>
+                  </a:schemeClr>
+                </a:solidFill>
+                <a:effectLst>
+                  <a:outerShdw blurRad="38100" dist="25400" dir="5400000" algn="ctr" rotWithShape="0">
+                    <a:srgbClr val="6E747A">
+                      <a:alpha val="43000"/>
+                    </a:srgbClr>
+                  </a:outerShdw>
+                </a:effectLst>
+              </a:rPr>
+              <a:t>testScreen</a:t>
+            </a:r>
+            <a:r>
+              <a:rPr lang="en-SG" sz="1050" dirty="0" smtClean="0">
+                <a:ln w="0"/>
+                <a:solidFill>
+                  <a:schemeClr val="accent2">
+                    <a:lumMod val="75000"/>
+                  </a:schemeClr>
+                </a:solidFill>
+                <a:effectLst>
+                  <a:outerShdw blurRad="38100" dist="25400" dir="5400000" algn="ctr" rotWithShape="0">
+                    <a:srgbClr val="6E747A">
+                      <a:alpha val="43000"/>
+                    </a:srgbClr>
+                  </a:outerShdw>
+                </a:effectLst>
+              </a:rPr>
+              <a:t>’, ‘status’: ‘</a:t>
+            </a:r>
+            <a:r>
+              <a:rPr lang="en-SG" sz="1050" dirty="0" err="1" smtClean="0">
+                <a:ln w="0"/>
+                <a:solidFill>
+                  <a:schemeClr val="accent2">
+                    <a:lumMod val="75000"/>
+                  </a:schemeClr>
+                </a:solidFill>
+                <a:effectLst>
+                  <a:outerShdw blurRad="38100" dist="25400" dir="5400000" algn="ctr" rotWithShape="0">
+                    <a:srgbClr val="6E747A">
+                      <a:alpha val="43000"/>
+                    </a:srgbClr>
+                  </a:outerShdw>
+                </a:effectLst>
+              </a:rPr>
+              <a:t>success|failed</a:t>
+            </a:r>
+            <a:r>
+              <a:rPr lang="en-SG" sz="1050" dirty="0" smtClean="0">
+                <a:ln w="0"/>
+                <a:solidFill>
+                  <a:schemeClr val="accent2">
+                    <a:lumMod val="75000"/>
+                  </a:schemeClr>
+                </a:solidFill>
+                <a:effectLst>
+                  <a:outerShdw blurRad="38100" dist="25400" dir="5400000" algn="ctr" rotWithShape="0">
+                    <a:srgbClr val="6E747A">
+                      <a:alpha val="43000"/>
+                    </a:srgbClr>
+                  </a:outerShdw>
+                </a:effectLst>
+              </a:rPr>
+              <a:t>}</a:t>
+            </a:r>
+            <a:endParaRPr lang="en-SG" sz="1050" dirty="0">
+              <a:ln w="0"/>
+              <a:solidFill>
+                <a:schemeClr val="accent2">
+                  <a:lumMod val="75000"/>
+                </a:schemeClr>
+              </a:solidFill>
+              <a:effectLst>
+                <a:outerShdw blurRad="38100" dist="25400" dir="5400000" algn="ctr" rotWithShape="0">
+                  <a:srgbClr val="6E747A">
+                    <a:alpha val="43000"/>
+                  </a:srgbClr>
+                </a:outerShdw>
+              </a:effectLst>
+            </a:endParaRPr>
+          </a:p>
+        </p:txBody>
+      </p:sp>
+      <p:sp>
+        <p:nvSpPr>
+          <p:cNvPr id="35" name="TextBox 34"/>
+          <p:cNvSpPr txBox="1"/>
+          <p:nvPr/>
+        </p:nvSpPr>
+        <p:spPr>
+          <a:xfrm>
+            <a:off x="7799661" y="1697014"/>
+            <a:ext cx="1672985" cy="261610"/>
+          </a:xfrm>
+          <a:prstGeom prst="rect">
+            <a:avLst/>
+          </a:prstGeom>
+          <a:noFill/>
+        </p:spPr>
+        <p:txBody>
+          <a:bodyPr wrap="square" rtlCol="0">
+            <a:spAutoFit/>
+            <a:scene3d>
+              <a:camera prst="orthographicFront"/>
+              <a:lightRig rig="soft" dir="t">
+                <a:rot lat="0" lon="0" rev="15600000"/>
+              </a:lightRig>
+            </a:scene3d>
+            <a:sp3d extrusionH="57150" prstMaterial="softEdge">
+              <a:bevelT w="25400" h="38100"/>
+            </a:sp3d>
+          </a:bodyPr>
+          <a:lstStyle/>
+          <a:p>
+            <a:r>
+              <a:rPr lang="en-SG" sz="1100" b="1" dirty="0" smtClean="0">
+                <a:ln/>
+                <a:solidFill>
+                  <a:schemeClr val="accent4"/>
+                </a:solidFill>
+              </a:rPr>
+              <a:t>GPIO </a:t>
+            </a:r>
+            <a:r>
+              <a:rPr lang="en-SG" sz="1100" b="1" dirty="0" smtClean="0">
+                <a:ln/>
+                <a:solidFill>
+                  <a:schemeClr val="accent4"/>
+                </a:solidFill>
+              </a:rPr>
+              <a:t>23 set to High</a:t>
+            </a:r>
+            <a:endParaRPr lang="en-SG" sz="1100" b="1" dirty="0">
+              <a:ln/>
+              <a:solidFill>
+                <a:schemeClr val="accent4"/>
+              </a:solidFill>
+            </a:endParaRPr>
+          </a:p>
+        </p:txBody>
+      </p:sp>
+      <p:cxnSp>
+        <p:nvCxnSpPr>
+          <p:cNvPr id="36" name="Straight Arrow Connector 35"/>
+          <p:cNvCxnSpPr/>
+          <p:nvPr/>
+        </p:nvCxnSpPr>
+        <p:spPr>
+          <a:xfrm flipH="1" flipV="1">
+            <a:off x="4630998" y="2246315"/>
+            <a:ext cx="3132000" cy="0"/>
+          </a:xfrm>
+          <a:prstGeom prst="straightConnector1">
+            <a:avLst/>
+          </a:prstGeom>
+          <a:ln>
+            <a:tailEnd type="triangle"/>
+          </a:ln>
+        </p:spPr>
+        <p:style>
+          <a:lnRef idx="3">
+            <a:schemeClr val="accent3"/>
+          </a:lnRef>
+          <a:fillRef idx="0">
+            <a:schemeClr val="accent3"/>
+          </a:fillRef>
+          <a:effectRef idx="2">
+            <a:schemeClr val="accent3"/>
+          </a:effectRef>
+          <a:fontRef idx="minor">
+            <a:schemeClr val="tx1"/>
+          </a:fontRef>
+        </p:style>
+      </p:cxnSp>
+      <p:sp>
+        <p:nvSpPr>
+          <p:cNvPr id="37" name="TextBox 36"/>
+          <p:cNvSpPr txBox="1"/>
+          <p:nvPr/>
+        </p:nvSpPr>
+        <p:spPr>
+          <a:xfrm>
+            <a:off x="4821870" y="1825468"/>
+            <a:ext cx="2952737" cy="415498"/>
+          </a:xfrm>
+          <a:prstGeom prst="rect">
+            <a:avLst/>
+          </a:prstGeom>
+          <a:noFill/>
+        </p:spPr>
+        <p:txBody>
+          <a:bodyPr wrap="square" rtlCol="0">
+            <a:spAutoFit/>
+          </a:bodyPr>
+          <a:lstStyle/>
+          <a:p>
+            <a:r>
+              <a:rPr lang="en-SG" sz="1050" dirty="0" err="1" smtClean="0">
+                <a:ln w="0"/>
+                <a:solidFill>
+                  <a:schemeClr val="bg1">
+                    <a:lumMod val="50000"/>
+                  </a:schemeClr>
+                </a:solidFill>
+                <a:effectLst>
+                  <a:outerShdw blurRad="38100" dist="25400" dir="5400000" algn="ctr" rotWithShape="0">
+                    <a:srgbClr val="6E747A">
+                      <a:alpha val="43000"/>
+                    </a:srgbClr>
+                  </a:outerShdw>
+                </a:effectLst>
+              </a:rPr>
+              <a:t>tester.vid</a:t>
+            </a:r>
+            <a:r>
+              <a:rPr lang="en-SG" sz="1050" b="1" dirty="0">
+                <a:ln w="0"/>
+                <a:solidFill>
+                  <a:schemeClr val="bg1">
+                    <a:lumMod val="50000"/>
+                  </a:schemeClr>
+                </a:solidFill>
+                <a:effectLst>
+                  <a:outerShdw blurRad="38100" dist="25400" dir="5400000" algn="ctr" rotWithShape="0">
+                    <a:srgbClr val="6E747A">
+                      <a:alpha val="43000"/>
+                    </a:srgbClr>
+                  </a:outerShdw>
+                </a:effectLst>
+              </a:rPr>
+              <a:t>&lt;ID&gt;</a:t>
+            </a:r>
+            <a:r>
+              <a:rPr lang="en-SG" sz="1050" dirty="0" smtClean="0">
+                <a:ln w="0"/>
+                <a:solidFill>
+                  <a:schemeClr val="bg1">
+                    <a:lumMod val="50000"/>
+                  </a:schemeClr>
+                </a:solidFill>
+                <a:effectLst>
+                  <a:outerShdw blurRad="38100" dist="25400" dir="5400000" algn="ctr" rotWithShape="0">
+                    <a:srgbClr val="6E747A">
+                      <a:alpha val="43000"/>
+                    </a:srgbClr>
+                  </a:outerShdw>
+                </a:effectLst>
+              </a:rPr>
+              <a:t>.response: {‘</a:t>
+            </a:r>
+            <a:r>
+              <a:rPr lang="en-SG" sz="1050" dirty="0" smtClean="0">
+                <a:ln w="0"/>
+                <a:solidFill>
+                  <a:schemeClr val="bg1">
+                    <a:lumMod val="50000"/>
+                  </a:schemeClr>
+                </a:solidFill>
+                <a:effectLst>
+                  <a:outerShdw blurRad="38100" dist="25400" dir="5400000" algn="ctr" rotWithShape="0">
+                    <a:srgbClr val="6E747A">
+                      <a:alpha val="43000"/>
+                    </a:srgbClr>
+                  </a:outerShdw>
+                </a:effectLst>
+              </a:rPr>
+              <a:t>stage’: ‘</a:t>
+            </a:r>
+            <a:r>
+              <a:rPr lang="en-SG" sz="1050" dirty="0" err="1" smtClean="0">
+                <a:ln w="0"/>
+                <a:solidFill>
+                  <a:schemeClr val="bg1">
+                    <a:lumMod val="50000"/>
+                  </a:schemeClr>
+                </a:solidFill>
+                <a:effectLst>
+                  <a:outerShdw blurRad="38100" dist="25400" dir="5400000" algn="ctr" rotWithShape="0">
+                    <a:srgbClr val="6E747A">
+                      <a:alpha val="43000"/>
+                    </a:srgbClr>
+                  </a:outerShdw>
+                </a:effectLst>
+              </a:rPr>
+              <a:t>testScreen</a:t>
+            </a:r>
+            <a:r>
+              <a:rPr lang="en-SG" sz="1050" dirty="0" smtClean="0">
+                <a:ln w="0"/>
+                <a:solidFill>
+                  <a:schemeClr val="bg1">
+                    <a:lumMod val="50000"/>
+                  </a:schemeClr>
+                </a:solidFill>
+                <a:effectLst>
+                  <a:outerShdw blurRad="38100" dist="25400" dir="5400000" algn="ctr" rotWithShape="0">
+                    <a:srgbClr val="6E747A">
+                      <a:alpha val="43000"/>
+                    </a:srgbClr>
+                  </a:outerShdw>
+                </a:effectLst>
+              </a:rPr>
+              <a:t>’, ‘status’: ‘</a:t>
+            </a:r>
+            <a:r>
+              <a:rPr lang="en-SG" sz="1050" dirty="0" err="1" smtClean="0">
+                <a:ln w="0"/>
+                <a:solidFill>
+                  <a:schemeClr val="bg1">
+                    <a:lumMod val="50000"/>
+                  </a:schemeClr>
+                </a:solidFill>
+                <a:effectLst>
+                  <a:outerShdw blurRad="38100" dist="25400" dir="5400000" algn="ctr" rotWithShape="0">
+                    <a:srgbClr val="6E747A">
+                      <a:alpha val="43000"/>
+                    </a:srgbClr>
+                  </a:outerShdw>
+                </a:effectLst>
+              </a:rPr>
+              <a:t>success|failed</a:t>
+            </a:r>
+            <a:r>
+              <a:rPr lang="en-SG" sz="1050" dirty="0" smtClean="0">
+                <a:ln w="0"/>
+                <a:solidFill>
+                  <a:schemeClr val="bg1">
+                    <a:lumMod val="50000"/>
+                  </a:schemeClr>
+                </a:solidFill>
+                <a:effectLst>
+                  <a:outerShdw blurRad="38100" dist="25400" dir="5400000" algn="ctr" rotWithShape="0">
+                    <a:srgbClr val="6E747A">
+                      <a:alpha val="43000"/>
+                    </a:srgbClr>
+                  </a:outerShdw>
+                </a:effectLst>
+              </a:rPr>
+              <a:t>’}</a:t>
+            </a:r>
+            <a:endParaRPr lang="en-SG" sz="1050" dirty="0">
+              <a:ln w="0"/>
+              <a:solidFill>
+                <a:schemeClr val="bg1">
+                  <a:lumMod val="50000"/>
+                </a:schemeClr>
+              </a:solidFill>
+              <a:effectLst>
+                <a:outerShdw blurRad="38100" dist="25400" dir="5400000" algn="ctr" rotWithShape="0">
+                  <a:srgbClr val="6E747A">
+                    <a:alpha val="43000"/>
+                  </a:srgbClr>
+                </a:outerShdw>
+              </a:effectLst>
+            </a:endParaRPr>
+          </a:p>
+        </p:txBody>
+      </p:sp>
+      <p:cxnSp>
+        <p:nvCxnSpPr>
+          <p:cNvPr id="40" name="Straight Arrow Connector 39"/>
+          <p:cNvCxnSpPr/>
+          <p:nvPr/>
+        </p:nvCxnSpPr>
+        <p:spPr>
+          <a:xfrm flipH="1" flipV="1">
+            <a:off x="1459947" y="2580702"/>
+            <a:ext cx="3168000" cy="0"/>
+          </a:xfrm>
+          <a:prstGeom prst="straightConnector1">
+            <a:avLst/>
+          </a:prstGeom>
+          <a:ln>
+            <a:tailEnd type="triangle"/>
+          </a:ln>
+        </p:spPr>
+        <p:style>
+          <a:lnRef idx="3">
+            <a:schemeClr val="accent2"/>
+          </a:lnRef>
+          <a:fillRef idx="0">
+            <a:schemeClr val="accent2"/>
+          </a:fillRef>
+          <a:effectRef idx="2">
+            <a:schemeClr val="accent2"/>
+          </a:effectRef>
+          <a:fontRef idx="minor">
+            <a:schemeClr val="tx1"/>
+          </a:fontRef>
+        </p:style>
+      </p:cxnSp>
+      <p:sp>
+        <p:nvSpPr>
+          <p:cNvPr id="41" name="TextBox 40"/>
+          <p:cNvSpPr txBox="1"/>
+          <p:nvPr/>
+        </p:nvSpPr>
+        <p:spPr>
+          <a:xfrm>
+            <a:off x="1740244" y="2146142"/>
+            <a:ext cx="2525323" cy="415498"/>
+          </a:xfrm>
+          <a:prstGeom prst="rect">
+            <a:avLst/>
+          </a:prstGeom>
+          <a:noFill/>
+        </p:spPr>
+        <p:txBody>
+          <a:bodyPr wrap="square" rtlCol="0">
+            <a:spAutoFit/>
+          </a:bodyPr>
+          <a:lstStyle/>
+          <a:p>
+            <a:r>
+              <a:rPr lang="en-SG" sz="1050" dirty="0" err="1" smtClean="0">
+                <a:ln w="0"/>
+                <a:solidFill>
+                  <a:schemeClr val="accent2">
+                    <a:lumMod val="75000"/>
+                  </a:schemeClr>
+                </a:solidFill>
+                <a:effectLst>
+                  <a:outerShdw blurRad="38100" dist="25400" dir="5400000" algn="ctr" rotWithShape="0">
+                    <a:srgbClr val="6E747A">
+                      <a:alpha val="43000"/>
+                    </a:srgbClr>
+                  </a:outerShdw>
+                </a:effectLst>
+              </a:rPr>
+              <a:t>tester.vid</a:t>
+            </a:r>
+            <a:r>
+              <a:rPr lang="en-SG" sz="1050" b="1" dirty="0" smtClean="0">
+                <a:ln w="0"/>
+                <a:solidFill>
+                  <a:schemeClr val="accent2">
+                    <a:lumMod val="75000"/>
+                  </a:schemeClr>
+                </a:solidFill>
+                <a:effectLst>
+                  <a:outerShdw blurRad="38100" dist="25400" dir="5400000" algn="ctr" rotWithShape="0">
+                    <a:srgbClr val="6E747A">
+                      <a:alpha val="43000"/>
+                    </a:srgbClr>
+                  </a:outerShdw>
+                </a:effectLst>
+              </a:rPr>
+              <a:t>&lt;ID</a:t>
+            </a:r>
+            <a:r>
+              <a:rPr lang="en-SG" sz="1050" b="1" dirty="0" smtClean="0">
+                <a:ln w="0"/>
+                <a:solidFill>
+                  <a:schemeClr val="accent2">
+                    <a:lumMod val="75000"/>
+                  </a:schemeClr>
+                </a:solidFill>
+                <a:effectLst>
+                  <a:outerShdw blurRad="38100" dist="25400" dir="5400000" algn="ctr" rotWithShape="0">
+                    <a:srgbClr val="6E747A">
+                      <a:alpha val="43000"/>
+                    </a:srgbClr>
+                  </a:outerShdw>
+                </a:effectLst>
+              </a:rPr>
+              <a:t>&gt;</a:t>
+            </a:r>
+            <a:r>
+              <a:rPr lang="en-SG" sz="1050" dirty="0" smtClean="0">
+                <a:ln w="0"/>
+                <a:solidFill>
+                  <a:schemeClr val="accent2">
+                    <a:lumMod val="75000"/>
+                  </a:schemeClr>
+                </a:solidFill>
+                <a:effectLst>
+                  <a:outerShdw blurRad="38100" dist="25400" dir="5400000" algn="ctr" rotWithShape="0">
+                    <a:srgbClr val="6E747A">
+                      <a:alpha val="43000"/>
+                    </a:srgbClr>
+                  </a:outerShdw>
+                </a:effectLst>
+              </a:rPr>
+              <a:t>.</a:t>
+            </a:r>
+            <a:r>
+              <a:rPr lang="en-SG" sz="1050" dirty="0" smtClean="0">
+                <a:ln w="0"/>
+                <a:solidFill>
+                  <a:schemeClr val="accent2">
+                    <a:lumMod val="75000"/>
+                  </a:schemeClr>
+                </a:solidFill>
+                <a:effectLst>
+                  <a:outerShdw blurRad="38100" dist="25400" dir="5400000" algn="ctr" rotWithShape="0">
+                    <a:srgbClr val="6E747A">
+                      <a:alpha val="43000"/>
+                    </a:srgbClr>
+                  </a:outerShdw>
+                </a:effectLst>
+              </a:rPr>
+              <a:t>result: {‘stage’: ‘</a:t>
+            </a:r>
+            <a:r>
+              <a:rPr lang="en-SG" sz="1050" dirty="0" err="1" smtClean="0">
+                <a:ln w="0"/>
+                <a:solidFill>
+                  <a:schemeClr val="accent2">
+                    <a:lumMod val="75000"/>
+                  </a:schemeClr>
+                </a:solidFill>
+                <a:effectLst>
+                  <a:outerShdw blurRad="38100" dist="25400" dir="5400000" algn="ctr" rotWithShape="0">
+                    <a:srgbClr val="6E747A">
+                      <a:alpha val="43000"/>
+                    </a:srgbClr>
+                  </a:outerShdw>
+                </a:effectLst>
+              </a:rPr>
+              <a:t>testScreen</a:t>
+            </a:r>
+            <a:r>
+              <a:rPr lang="en-SG" sz="1050" dirty="0" smtClean="0">
+                <a:ln w="0"/>
+                <a:solidFill>
+                  <a:schemeClr val="accent2">
+                    <a:lumMod val="75000"/>
+                  </a:schemeClr>
+                </a:solidFill>
+                <a:effectLst>
+                  <a:outerShdw blurRad="38100" dist="25400" dir="5400000" algn="ctr" rotWithShape="0">
+                    <a:srgbClr val="6E747A">
+                      <a:alpha val="43000"/>
+                    </a:srgbClr>
+                  </a:outerShdw>
+                </a:effectLst>
+              </a:rPr>
+              <a:t>’, ‘status’: ‘</a:t>
+            </a:r>
+            <a:r>
+              <a:rPr lang="en-SG" sz="1050" dirty="0" err="1" smtClean="0">
+                <a:ln w="0"/>
+                <a:solidFill>
+                  <a:schemeClr val="accent2">
+                    <a:lumMod val="75000"/>
+                  </a:schemeClr>
+                </a:solidFill>
+                <a:effectLst>
+                  <a:outerShdw blurRad="38100" dist="25400" dir="5400000" algn="ctr" rotWithShape="0">
+                    <a:srgbClr val="6E747A">
+                      <a:alpha val="43000"/>
+                    </a:srgbClr>
+                  </a:outerShdw>
+                </a:effectLst>
+              </a:rPr>
+              <a:t>success|failed</a:t>
+            </a:r>
+            <a:r>
+              <a:rPr lang="en-SG" sz="1050" dirty="0" smtClean="0">
+                <a:ln w="0"/>
+                <a:solidFill>
+                  <a:schemeClr val="accent2">
+                    <a:lumMod val="75000"/>
+                  </a:schemeClr>
+                </a:solidFill>
+                <a:effectLst>
+                  <a:outerShdw blurRad="38100" dist="25400" dir="5400000" algn="ctr" rotWithShape="0">
+                    <a:srgbClr val="6E747A">
+                      <a:alpha val="43000"/>
+                    </a:srgbClr>
+                  </a:outerShdw>
+                </a:effectLst>
+              </a:rPr>
+              <a:t>}</a:t>
+            </a:r>
+            <a:endParaRPr lang="en-SG" sz="1050" dirty="0">
+              <a:ln w="0"/>
+              <a:solidFill>
+                <a:schemeClr val="accent2">
+                  <a:lumMod val="75000"/>
+                </a:schemeClr>
+              </a:solidFill>
+              <a:effectLst>
+                <a:outerShdw blurRad="38100" dist="25400" dir="5400000" algn="ctr" rotWithShape="0">
+                  <a:srgbClr val="6E747A">
+                    <a:alpha val="43000"/>
+                  </a:srgbClr>
+                </a:outerShdw>
+              </a:effectLst>
+            </a:endParaRPr>
+          </a:p>
+        </p:txBody>
+      </p:sp>
+      <p:sp>
+        <p:nvSpPr>
+          <p:cNvPr id="42" name="TextBox 41"/>
+          <p:cNvSpPr txBox="1"/>
+          <p:nvPr/>
+        </p:nvSpPr>
+        <p:spPr>
+          <a:xfrm>
+            <a:off x="79035" y="2965309"/>
+            <a:ext cx="1095207" cy="646331"/>
+          </a:xfrm>
+          <a:prstGeom prst="rect">
+            <a:avLst/>
+          </a:prstGeom>
+          <a:noFill/>
+        </p:spPr>
+        <p:txBody>
+          <a:bodyPr wrap="square" rtlCol="0">
+            <a:spAutoFit/>
+          </a:bodyPr>
+          <a:lstStyle/>
+          <a:p>
+            <a:pPr algn="ctr"/>
+            <a:r>
+              <a:rPr lang="en-SG" sz="1200" dirty="0" smtClean="0">
+                <a:solidFill>
+                  <a:srgbClr val="FF0000"/>
+                </a:solidFill>
+              </a:rPr>
+              <a:t>Log error if </a:t>
+            </a:r>
+            <a:r>
+              <a:rPr lang="en-SG" sz="1200" dirty="0" err="1" smtClean="0">
+                <a:solidFill>
+                  <a:srgbClr val="FF0000"/>
+                </a:solidFill>
+              </a:rPr>
+              <a:t>testScreen</a:t>
+            </a:r>
+            <a:r>
+              <a:rPr lang="en-SG" sz="1200" dirty="0" smtClean="0">
+                <a:solidFill>
+                  <a:srgbClr val="FF0000"/>
+                </a:solidFill>
+              </a:rPr>
+              <a:t> failed initialize</a:t>
+            </a:r>
+            <a:endParaRPr lang="en-SG" sz="1200" dirty="0">
+              <a:solidFill>
+                <a:srgbClr val="FF0000"/>
+              </a:solidFill>
+            </a:endParaRPr>
+          </a:p>
+        </p:txBody>
+      </p:sp>
+      <p:cxnSp>
+        <p:nvCxnSpPr>
+          <p:cNvPr id="43" name="Elbow Connector 42"/>
+          <p:cNvCxnSpPr>
+            <a:endCxn id="42" idx="0"/>
+          </p:cNvCxnSpPr>
+          <p:nvPr/>
+        </p:nvCxnSpPr>
+        <p:spPr>
+          <a:xfrm rot="10800000" flipV="1">
+            <a:off x="626640" y="2723393"/>
+            <a:ext cx="827911" cy="241916"/>
+          </a:xfrm>
+          <a:prstGeom prst="bentConnector2">
+            <a:avLst/>
+          </a:prstGeom>
+          <a:ln>
+            <a:solidFill>
+              <a:srgbClr val="FF0000"/>
+            </a:solidFill>
+            <a:prstDash val="sysDash"/>
+            <a:tailEnd type="triangle"/>
+          </a:ln>
+        </p:spPr>
+        <p:style>
+          <a:lnRef idx="3">
+            <a:schemeClr val="accent1"/>
+          </a:lnRef>
+          <a:fillRef idx="0">
+            <a:schemeClr val="accent1"/>
+          </a:fillRef>
+          <a:effectRef idx="2">
+            <a:schemeClr val="accent1"/>
+          </a:effectRef>
+          <a:fontRef idx="minor">
+            <a:schemeClr val="tx1"/>
+          </a:fontRef>
+        </p:style>
+      </p:cxnSp>
+      <p:sp>
+        <p:nvSpPr>
+          <p:cNvPr id="44" name="TextBox 43"/>
+          <p:cNvSpPr txBox="1"/>
+          <p:nvPr/>
+        </p:nvSpPr>
+        <p:spPr>
+          <a:xfrm>
+            <a:off x="8006452" y="2239109"/>
+            <a:ext cx="2485479" cy="276999"/>
+          </a:xfrm>
+          <a:prstGeom prst="rect">
+            <a:avLst/>
+          </a:prstGeom>
+          <a:noFill/>
+        </p:spPr>
+        <p:txBody>
+          <a:bodyPr wrap="square" rtlCol="0">
+            <a:spAutoFit/>
+          </a:bodyPr>
+          <a:lstStyle/>
+          <a:p>
+            <a:pPr algn="ctr"/>
+            <a:r>
+              <a:rPr lang="en-SG" sz="1200" dirty="0" smtClean="0">
+                <a:solidFill>
+                  <a:srgbClr val="FF0000"/>
+                </a:solidFill>
+              </a:rPr>
+              <a:t>Log Error if failed to set GPIO</a:t>
+            </a:r>
+            <a:endParaRPr lang="en-SG" sz="1200" dirty="0">
+              <a:solidFill>
+                <a:srgbClr val="FF0000"/>
+              </a:solidFill>
+            </a:endParaRPr>
+          </a:p>
+        </p:txBody>
+      </p:sp>
+      <p:cxnSp>
+        <p:nvCxnSpPr>
+          <p:cNvPr id="45" name="Elbow Connector 44"/>
+          <p:cNvCxnSpPr>
+            <a:endCxn id="44" idx="0"/>
+          </p:cNvCxnSpPr>
+          <p:nvPr/>
+        </p:nvCxnSpPr>
+        <p:spPr>
+          <a:xfrm>
+            <a:off x="7752920" y="1987804"/>
+            <a:ext cx="1496272" cy="251305"/>
+          </a:xfrm>
+          <a:prstGeom prst="bentConnector2">
+            <a:avLst/>
+          </a:prstGeom>
+          <a:ln>
+            <a:solidFill>
+              <a:srgbClr val="FF0000"/>
+            </a:solidFill>
+            <a:prstDash val="sysDash"/>
+            <a:tailEnd type="triangle"/>
+          </a:ln>
+        </p:spPr>
+        <p:style>
+          <a:lnRef idx="3">
+            <a:schemeClr val="accent3"/>
+          </a:lnRef>
+          <a:fillRef idx="0">
+            <a:schemeClr val="accent3"/>
+          </a:fillRef>
+          <a:effectRef idx="2">
+            <a:schemeClr val="accent3"/>
+          </a:effectRef>
+          <a:fontRef idx="minor">
+            <a:schemeClr val="tx1"/>
+          </a:fontRef>
+        </p:style>
+      </p:cxnSp>
+      <p:sp>
+        <p:nvSpPr>
+          <p:cNvPr id="47" name="TextBox 46"/>
+          <p:cNvSpPr txBox="1"/>
+          <p:nvPr/>
+        </p:nvSpPr>
+        <p:spPr>
+          <a:xfrm>
+            <a:off x="4719724" y="1209867"/>
+            <a:ext cx="2979982" cy="415498"/>
+          </a:xfrm>
+          <a:prstGeom prst="rect">
+            <a:avLst/>
+          </a:prstGeom>
+          <a:noFill/>
+        </p:spPr>
+        <p:txBody>
+          <a:bodyPr wrap="square" rtlCol="0">
+            <a:spAutoFit/>
+          </a:bodyPr>
+          <a:lstStyle/>
+          <a:p>
+            <a:r>
+              <a:rPr lang="en-SG" sz="1050" dirty="0" err="1" smtClean="0">
+                <a:ln w="0"/>
+                <a:solidFill>
+                  <a:schemeClr val="accent2">
+                    <a:lumMod val="75000"/>
+                  </a:schemeClr>
+                </a:solidFill>
+                <a:effectLst>
+                  <a:outerShdw blurRad="38100" dist="25400" dir="5400000" algn="ctr" rotWithShape="0">
+                    <a:srgbClr val="6E747A">
+                      <a:alpha val="43000"/>
+                    </a:srgbClr>
+                  </a:outerShdw>
+                </a:effectLst>
+              </a:rPr>
+              <a:t>tester.vid</a:t>
+            </a:r>
+            <a:r>
+              <a:rPr lang="en-SG" sz="1050" b="1" dirty="0">
+                <a:ln w="0"/>
+                <a:solidFill>
+                  <a:schemeClr val="accent2">
+                    <a:lumMod val="75000"/>
+                  </a:schemeClr>
+                </a:solidFill>
+                <a:effectLst>
+                  <a:outerShdw blurRad="38100" dist="25400" dir="5400000" algn="ctr" rotWithShape="0">
+                    <a:srgbClr val="6E747A">
+                      <a:alpha val="43000"/>
+                    </a:srgbClr>
+                  </a:outerShdw>
+                </a:effectLst>
+              </a:rPr>
+              <a:t>&lt;ID&gt;</a:t>
+            </a:r>
+            <a:r>
+              <a:rPr lang="en-SG" sz="1050" dirty="0" smtClean="0">
+                <a:ln w="0"/>
+                <a:solidFill>
+                  <a:schemeClr val="accent2">
+                    <a:lumMod val="75000"/>
+                  </a:schemeClr>
+                </a:solidFill>
+                <a:effectLst>
+                  <a:outerShdw blurRad="38100" dist="25400" dir="5400000" algn="ctr" rotWithShape="0">
+                    <a:srgbClr val="6E747A">
+                      <a:alpha val="43000"/>
+                    </a:srgbClr>
+                  </a:outerShdw>
+                </a:effectLst>
+              </a:rPr>
+              <a:t>.result: </a:t>
+            </a:r>
+            <a:r>
+              <a:rPr lang="en-SG" sz="1050" dirty="0" smtClean="0">
+                <a:ln w="0"/>
+                <a:solidFill>
+                  <a:schemeClr val="accent2">
+                    <a:lumMod val="75000"/>
+                  </a:schemeClr>
+                </a:solidFill>
+                <a:effectLst>
+                  <a:outerShdw blurRad="38100" dist="25400" dir="5400000" algn="ctr" rotWithShape="0">
+                    <a:srgbClr val="6E747A">
+                      <a:alpha val="43000"/>
+                    </a:srgbClr>
+                  </a:outerShdw>
+                </a:effectLst>
+              </a:rPr>
+              <a:t>{‘</a:t>
+            </a:r>
+            <a:r>
+              <a:rPr lang="en-SG" sz="1050" dirty="0" smtClean="0">
+                <a:ln w="0"/>
+                <a:solidFill>
+                  <a:schemeClr val="accent2">
+                    <a:lumMod val="75000"/>
+                  </a:schemeClr>
+                </a:solidFill>
+                <a:effectLst>
+                  <a:outerShdw blurRad="38100" dist="25400" dir="5400000" algn="ctr" rotWithShape="0">
+                    <a:srgbClr val="6E747A">
+                      <a:alpha val="43000"/>
+                    </a:srgbClr>
+                  </a:outerShdw>
+                </a:effectLst>
+              </a:rPr>
+              <a:t>stage</a:t>
+            </a:r>
+            <a:r>
+              <a:rPr lang="en-SG" sz="1050" dirty="0" smtClean="0">
+                <a:ln w="0"/>
+                <a:solidFill>
+                  <a:schemeClr val="accent2">
+                    <a:lumMod val="75000"/>
+                  </a:schemeClr>
+                </a:solidFill>
+                <a:effectLst>
+                  <a:outerShdw blurRad="38100" dist="25400" dir="5400000" algn="ctr" rotWithShape="0">
+                    <a:srgbClr val="6E747A">
+                      <a:alpha val="43000"/>
+                    </a:srgbClr>
+                  </a:outerShdw>
+                </a:effectLst>
+              </a:rPr>
+              <a:t>’: ‘</a:t>
+            </a:r>
+            <a:r>
+              <a:rPr lang="en-SG" sz="1050" dirty="0" err="1" smtClean="0">
+                <a:ln w="0"/>
+                <a:solidFill>
+                  <a:schemeClr val="accent2">
+                    <a:lumMod val="75000"/>
+                  </a:schemeClr>
+                </a:solidFill>
+                <a:effectLst>
+                  <a:outerShdw blurRad="38100" dist="25400" dir="5400000" algn="ctr" rotWithShape="0">
+                    <a:srgbClr val="6E747A">
+                      <a:alpha val="43000"/>
+                    </a:srgbClr>
+                  </a:outerShdw>
+                </a:effectLst>
+              </a:rPr>
+              <a:t>testScreen</a:t>
+            </a:r>
+            <a:r>
+              <a:rPr lang="en-SG" sz="1050" dirty="0" smtClean="0">
+                <a:ln w="0"/>
+                <a:solidFill>
+                  <a:schemeClr val="accent2">
+                    <a:lumMod val="75000"/>
+                  </a:schemeClr>
+                </a:solidFill>
+                <a:effectLst>
+                  <a:outerShdw blurRad="38100" dist="25400" dir="5400000" algn="ctr" rotWithShape="0">
+                    <a:srgbClr val="6E747A">
+                      <a:alpha val="43000"/>
+                    </a:srgbClr>
+                  </a:outerShdw>
+                </a:effectLst>
+              </a:rPr>
+              <a:t>’, ‘status’: ‘success’&gt;</a:t>
+            </a:r>
+            <a:endParaRPr lang="en-SG" sz="1050" dirty="0">
+              <a:ln w="0"/>
+              <a:solidFill>
+                <a:schemeClr val="accent2">
+                  <a:lumMod val="75000"/>
+                </a:schemeClr>
+              </a:solidFill>
+              <a:effectLst>
+                <a:outerShdw blurRad="38100" dist="25400" dir="5400000" algn="ctr" rotWithShape="0">
+                  <a:srgbClr val="6E747A">
+                    <a:alpha val="43000"/>
+                  </a:srgbClr>
+                </a:outerShdw>
+              </a:effectLst>
+            </a:endParaRPr>
+          </a:p>
+        </p:txBody>
+      </p:sp>
+      <p:sp>
+        <p:nvSpPr>
+          <p:cNvPr id="48" name="TextBox 47"/>
+          <p:cNvSpPr txBox="1"/>
+          <p:nvPr/>
+        </p:nvSpPr>
+        <p:spPr>
+          <a:xfrm>
+            <a:off x="1454552" y="2889019"/>
+            <a:ext cx="1672985" cy="261610"/>
+          </a:xfrm>
+          <a:prstGeom prst="rect">
+            <a:avLst/>
+          </a:prstGeom>
+          <a:noFill/>
+        </p:spPr>
+        <p:txBody>
+          <a:bodyPr wrap="square" rtlCol="0">
+            <a:spAutoFit/>
+            <a:scene3d>
+              <a:camera prst="orthographicFront"/>
+              <a:lightRig rig="soft" dir="t">
+                <a:rot lat="0" lon="0" rev="15600000"/>
+              </a:lightRig>
+            </a:scene3d>
+            <a:sp3d extrusionH="57150" prstMaterial="softEdge">
+              <a:bevelT w="25400" h="38100"/>
+            </a:sp3d>
+          </a:bodyPr>
+          <a:lstStyle/>
+          <a:p>
+            <a:r>
+              <a:rPr lang="en-SG" sz="1100" b="1" dirty="0" smtClean="0">
+                <a:ln/>
+                <a:solidFill>
+                  <a:schemeClr val="accent4"/>
+                </a:solidFill>
+              </a:rPr>
+              <a:t>Mask Image</a:t>
+            </a:r>
+            <a:endParaRPr lang="en-SG" sz="1100" b="1" dirty="0">
+              <a:ln/>
+              <a:solidFill>
+                <a:schemeClr val="accent4"/>
+              </a:solidFill>
+            </a:endParaRPr>
+          </a:p>
+        </p:txBody>
+      </p:sp>
+      <p:sp>
+        <p:nvSpPr>
+          <p:cNvPr id="49" name="TextBox 48"/>
+          <p:cNvSpPr txBox="1"/>
+          <p:nvPr/>
+        </p:nvSpPr>
+        <p:spPr>
+          <a:xfrm>
+            <a:off x="1454551" y="3229685"/>
+            <a:ext cx="1672985" cy="261610"/>
+          </a:xfrm>
+          <a:prstGeom prst="rect">
+            <a:avLst/>
+          </a:prstGeom>
+          <a:noFill/>
+        </p:spPr>
+        <p:txBody>
+          <a:bodyPr wrap="square" rtlCol="0">
+            <a:spAutoFit/>
+            <a:scene3d>
+              <a:camera prst="orthographicFront"/>
+              <a:lightRig rig="soft" dir="t">
+                <a:rot lat="0" lon="0" rev="15600000"/>
+              </a:lightRig>
+            </a:scene3d>
+            <a:sp3d extrusionH="57150" prstMaterial="softEdge">
+              <a:bevelT w="25400" h="38100"/>
+            </a:sp3d>
+          </a:bodyPr>
+          <a:lstStyle/>
+          <a:p>
+            <a:r>
+              <a:rPr lang="en-SG" sz="1100" b="1" dirty="0" smtClean="0">
+                <a:ln/>
+                <a:solidFill>
+                  <a:schemeClr val="accent4"/>
+                </a:solidFill>
+              </a:rPr>
+              <a:t>Compare Image</a:t>
+            </a:r>
+            <a:endParaRPr lang="en-SG" sz="1100" b="1" dirty="0">
+              <a:ln/>
+              <a:solidFill>
+                <a:schemeClr val="accent4"/>
+              </a:solidFill>
+            </a:endParaRPr>
+          </a:p>
+        </p:txBody>
+      </p:sp>
+      <p:cxnSp>
+        <p:nvCxnSpPr>
+          <p:cNvPr id="50" name="Straight Arrow Connector 49"/>
+          <p:cNvCxnSpPr/>
+          <p:nvPr/>
+        </p:nvCxnSpPr>
+        <p:spPr>
+          <a:xfrm flipV="1">
+            <a:off x="1471713" y="4045175"/>
+            <a:ext cx="3168000" cy="0"/>
+          </a:xfrm>
+          <a:prstGeom prst="straightConnector1">
+            <a:avLst/>
+          </a:prstGeom>
+          <a:ln>
+            <a:tailEnd type="triangle"/>
+          </a:ln>
+        </p:spPr>
+        <p:style>
+          <a:lnRef idx="3">
+            <a:schemeClr val="accent1"/>
+          </a:lnRef>
+          <a:fillRef idx="0">
+            <a:schemeClr val="accent1"/>
+          </a:fillRef>
+          <a:effectRef idx="2">
+            <a:schemeClr val="accent1"/>
+          </a:effectRef>
+          <a:fontRef idx="minor">
+            <a:schemeClr val="tx1"/>
+          </a:fontRef>
+        </p:style>
+      </p:cxnSp>
+      <p:sp>
+        <p:nvSpPr>
+          <p:cNvPr id="51" name="TextBox 50"/>
+          <p:cNvSpPr txBox="1"/>
+          <p:nvPr/>
+        </p:nvSpPr>
+        <p:spPr>
+          <a:xfrm>
+            <a:off x="1608346" y="3629259"/>
+            <a:ext cx="2979982" cy="415498"/>
+          </a:xfrm>
+          <a:prstGeom prst="rect">
+            <a:avLst/>
+          </a:prstGeom>
+          <a:noFill/>
+        </p:spPr>
+        <p:txBody>
+          <a:bodyPr wrap="square" rtlCol="0">
+            <a:spAutoFit/>
+          </a:bodyPr>
+          <a:lstStyle/>
+          <a:p>
+            <a:r>
+              <a:rPr lang="en-SG" sz="1050" dirty="0" err="1" smtClean="0">
+                <a:ln w="0"/>
+                <a:solidFill>
+                  <a:schemeClr val="accent1">
+                    <a:lumMod val="75000"/>
+                  </a:schemeClr>
+                </a:solidFill>
+                <a:effectLst>
+                  <a:outerShdw blurRad="38100" dist="25400" dir="5400000" algn="ctr" rotWithShape="0">
+                    <a:srgbClr val="6E747A">
+                      <a:alpha val="43000"/>
+                    </a:srgbClr>
+                  </a:outerShdw>
+                </a:effectLst>
+              </a:rPr>
+              <a:t>tester.vid</a:t>
+            </a:r>
+            <a:r>
+              <a:rPr lang="en-SG" sz="1050" b="1" dirty="0">
+                <a:ln w="0"/>
+                <a:solidFill>
+                  <a:schemeClr val="accent1">
+                    <a:lumMod val="75000"/>
+                  </a:schemeClr>
+                </a:solidFill>
+                <a:effectLst>
+                  <a:outerShdw blurRad="38100" dist="25400" dir="5400000" algn="ctr" rotWithShape="0">
+                    <a:srgbClr val="6E747A">
+                      <a:alpha val="43000"/>
+                    </a:srgbClr>
+                  </a:outerShdw>
+                </a:effectLst>
+              </a:rPr>
+              <a:t>&lt;ID&gt;</a:t>
+            </a:r>
+            <a:r>
+              <a:rPr lang="en-SG" sz="1050" dirty="0" smtClean="0">
+                <a:ln w="0"/>
+                <a:solidFill>
+                  <a:schemeClr val="accent1">
+                    <a:lumMod val="75000"/>
+                  </a:schemeClr>
+                </a:solidFill>
+                <a:effectLst>
+                  <a:outerShdw blurRad="38100" dist="25400" dir="5400000" algn="ctr" rotWithShape="0">
+                    <a:srgbClr val="6E747A">
+                      <a:alpha val="43000"/>
+                    </a:srgbClr>
+                  </a:outerShdw>
+                </a:effectLst>
+              </a:rPr>
+              <a:t>.result: </a:t>
+            </a:r>
+            <a:r>
+              <a:rPr lang="en-SG" sz="1050" dirty="0" smtClean="0">
+                <a:ln w="0"/>
+                <a:solidFill>
+                  <a:schemeClr val="accent1">
+                    <a:lumMod val="75000"/>
+                  </a:schemeClr>
+                </a:solidFill>
+                <a:effectLst>
+                  <a:outerShdw blurRad="38100" dist="25400" dir="5400000" algn="ctr" rotWithShape="0">
+                    <a:srgbClr val="6E747A">
+                      <a:alpha val="43000"/>
+                    </a:srgbClr>
+                  </a:outerShdw>
+                </a:effectLst>
+              </a:rPr>
+              <a:t>{‘</a:t>
+            </a:r>
+            <a:r>
+              <a:rPr lang="en-SG" sz="1050" dirty="0" smtClean="0">
+                <a:ln w="0"/>
+                <a:solidFill>
+                  <a:schemeClr val="accent1">
+                    <a:lumMod val="75000"/>
+                  </a:schemeClr>
+                </a:solidFill>
+                <a:effectLst>
+                  <a:outerShdw blurRad="38100" dist="25400" dir="5400000" algn="ctr" rotWithShape="0">
+                    <a:srgbClr val="6E747A">
+                      <a:alpha val="43000"/>
+                    </a:srgbClr>
+                  </a:outerShdw>
+                </a:effectLst>
+              </a:rPr>
+              <a:t>stage</a:t>
+            </a:r>
+            <a:r>
+              <a:rPr lang="en-SG" sz="1050" dirty="0" smtClean="0">
+                <a:ln w="0"/>
+                <a:solidFill>
+                  <a:schemeClr val="accent1">
+                    <a:lumMod val="75000"/>
+                  </a:schemeClr>
+                </a:solidFill>
+                <a:effectLst>
+                  <a:outerShdw blurRad="38100" dist="25400" dir="5400000" algn="ctr" rotWithShape="0">
+                    <a:srgbClr val="6E747A">
+                      <a:alpha val="43000"/>
+                    </a:srgbClr>
+                  </a:outerShdw>
+                </a:effectLst>
+              </a:rPr>
+              <a:t>’: ‘</a:t>
+            </a:r>
+            <a:r>
+              <a:rPr lang="en-SG" sz="1050" dirty="0" err="1" smtClean="0">
+                <a:ln w="0"/>
+                <a:solidFill>
+                  <a:schemeClr val="accent1">
+                    <a:lumMod val="75000"/>
+                  </a:schemeClr>
+                </a:solidFill>
+                <a:effectLst>
+                  <a:outerShdw blurRad="38100" dist="25400" dir="5400000" algn="ctr" rotWithShape="0">
+                    <a:srgbClr val="6E747A">
+                      <a:alpha val="43000"/>
+                    </a:srgbClr>
+                  </a:outerShdw>
+                </a:effectLst>
+              </a:rPr>
+              <a:t>popUp</a:t>
+            </a:r>
+            <a:r>
+              <a:rPr lang="en-SG" sz="1050" dirty="0" smtClean="0">
+                <a:ln w="0"/>
+                <a:solidFill>
+                  <a:schemeClr val="accent1">
+                    <a:lumMod val="75000"/>
+                  </a:schemeClr>
+                </a:solidFill>
+                <a:effectLst>
+                  <a:outerShdw blurRad="38100" dist="25400" dir="5400000" algn="ctr" rotWithShape="0">
+                    <a:srgbClr val="6E747A">
+                      <a:alpha val="43000"/>
+                    </a:srgbClr>
+                  </a:outerShdw>
+                </a:effectLst>
+              </a:rPr>
+              <a:t>’, ‘status’: ‘success’&gt;</a:t>
+            </a:r>
+            <a:endParaRPr lang="en-SG" sz="1050" dirty="0">
+              <a:ln w="0"/>
+              <a:solidFill>
+                <a:schemeClr val="accent1">
+                  <a:lumMod val="75000"/>
+                </a:schemeClr>
+              </a:solidFill>
+              <a:effectLst>
+                <a:outerShdw blurRad="38100" dist="25400" dir="5400000" algn="ctr" rotWithShape="0">
+                  <a:srgbClr val="6E747A">
+                    <a:alpha val="43000"/>
+                  </a:srgbClr>
+                </a:outerShdw>
+              </a:effectLst>
+            </a:endParaRPr>
+          </a:p>
+        </p:txBody>
+      </p:sp>
+      <p:cxnSp>
+        <p:nvCxnSpPr>
+          <p:cNvPr id="52" name="Straight Arrow Connector 51"/>
+          <p:cNvCxnSpPr/>
+          <p:nvPr/>
+        </p:nvCxnSpPr>
+        <p:spPr>
+          <a:xfrm flipV="1">
+            <a:off x="4617572" y="5515625"/>
+            <a:ext cx="6235330" cy="0"/>
+          </a:xfrm>
+          <a:prstGeom prst="straightConnector1">
+            <a:avLst/>
+          </a:prstGeom>
+          <a:ln>
+            <a:tailEnd type="triangle"/>
+          </a:ln>
+        </p:spPr>
+        <p:style>
+          <a:lnRef idx="3">
+            <a:schemeClr val="accent2"/>
+          </a:lnRef>
+          <a:fillRef idx="0">
+            <a:schemeClr val="accent2"/>
+          </a:fillRef>
+          <a:effectRef idx="2">
+            <a:schemeClr val="accent2"/>
+          </a:effectRef>
+          <a:fontRef idx="minor">
+            <a:schemeClr val="tx1"/>
+          </a:fontRef>
+        </p:style>
+      </p:cxnSp>
+      <p:cxnSp>
+        <p:nvCxnSpPr>
+          <p:cNvPr id="53" name="Straight Arrow Connector 52"/>
+          <p:cNvCxnSpPr/>
+          <p:nvPr/>
+        </p:nvCxnSpPr>
+        <p:spPr>
+          <a:xfrm flipV="1">
+            <a:off x="4631396" y="4213914"/>
+            <a:ext cx="3132000" cy="0"/>
+          </a:xfrm>
+          <a:prstGeom prst="straightConnector1">
+            <a:avLst/>
+          </a:prstGeom>
+          <a:ln>
+            <a:tailEnd type="triangle"/>
+          </a:ln>
+        </p:spPr>
+        <p:style>
+          <a:lnRef idx="3">
+            <a:schemeClr val="accent2"/>
+          </a:lnRef>
+          <a:fillRef idx="0">
+            <a:schemeClr val="accent2"/>
+          </a:fillRef>
+          <a:effectRef idx="2">
+            <a:schemeClr val="accent2"/>
+          </a:effectRef>
+          <a:fontRef idx="minor">
+            <a:schemeClr val="tx1"/>
+          </a:fontRef>
+        </p:style>
+      </p:cxnSp>
+      <p:sp>
+        <p:nvSpPr>
+          <p:cNvPr id="54" name="TextBox 53"/>
+          <p:cNvSpPr txBox="1"/>
+          <p:nvPr/>
+        </p:nvSpPr>
+        <p:spPr>
+          <a:xfrm>
+            <a:off x="4805589" y="5239895"/>
+            <a:ext cx="4230734" cy="253916"/>
+          </a:xfrm>
+          <a:prstGeom prst="rect">
+            <a:avLst/>
+          </a:prstGeom>
+          <a:noFill/>
+        </p:spPr>
+        <p:txBody>
+          <a:bodyPr wrap="square" rtlCol="0">
+            <a:spAutoFit/>
+          </a:bodyPr>
+          <a:lstStyle/>
+          <a:p>
+            <a:r>
+              <a:rPr lang="en-SG" sz="1050" dirty="0" err="1" smtClean="0">
+                <a:ln w="0"/>
+                <a:solidFill>
+                  <a:schemeClr val="accent2">
+                    <a:lumMod val="75000"/>
+                  </a:schemeClr>
+                </a:solidFill>
+                <a:effectLst>
+                  <a:outerShdw blurRad="38100" dist="25400" dir="5400000" algn="ctr" rotWithShape="0">
+                    <a:srgbClr val="6E747A">
+                      <a:alpha val="43000"/>
+                    </a:srgbClr>
+                  </a:outerShdw>
+                </a:effectLst>
+              </a:rPr>
+              <a:t>tester.vid</a:t>
+            </a:r>
+            <a:r>
+              <a:rPr lang="en-SG" sz="1050" b="1" dirty="0" smtClean="0">
+                <a:ln w="0"/>
+                <a:solidFill>
+                  <a:schemeClr val="accent2">
+                    <a:lumMod val="75000"/>
+                  </a:schemeClr>
+                </a:solidFill>
+                <a:effectLst>
+                  <a:outerShdw blurRad="38100" dist="25400" dir="5400000" algn="ctr" rotWithShape="0">
+                    <a:srgbClr val="6E747A">
+                      <a:alpha val="43000"/>
+                    </a:srgbClr>
+                  </a:outerShdw>
+                </a:effectLst>
+              </a:rPr>
+              <a:t>&lt;ID</a:t>
+            </a:r>
+            <a:r>
+              <a:rPr lang="en-SG" sz="1050" b="1" dirty="0" smtClean="0">
+                <a:ln w="0"/>
+                <a:solidFill>
+                  <a:schemeClr val="accent2">
+                    <a:lumMod val="75000"/>
+                  </a:schemeClr>
+                </a:solidFill>
+                <a:effectLst>
+                  <a:outerShdw blurRad="38100" dist="25400" dir="5400000" algn="ctr" rotWithShape="0">
+                    <a:srgbClr val="6E747A">
+                      <a:alpha val="43000"/>
+                    </a:srgbClr>
+                  </a:outerShdw>
+                </a:effectLst>
+              </a:rPr>
+              <a:t>&gt;</a:t>
+            </a:r>
+            <a:r>
+              <a:rPr lang="en-SG" sz="1050" dirty="0" smtClean="0">
+                <a:ln w="0"/>
+                <a:solidFill>
+                  <a:schemeClr val="accent2">
+                    <a:lumMod val="75000"/>
+                  </a:schemeClr>
+                </a:solidFill>
+                <a:effectLst>
+                  <a:outerShdw blurRad="38100" dist="25400" dir="5400000" algn="ctr" rotWithShape="0">
+                    <a:srgbClr val="6E747A">
+                      <a:alpha val="43000"/>
+                    </a:srgbClr>
+                  </a:outerShdw>
+                </a:effectLst>
+              </a:rPr>
+              <a:t>.</a:t>
+            </a:r>
+            <a:r>
+              <a:rPr lang="en-SG" sz="1050" dirty="0" smtClean="0">
+                <a:ln w="0"/>
+                <a:solidFill>
+                  <a:schemeClr val="accent2">
+                    <a:lumMod val="75000"/>
+                  </a:schemeClr>
+                </a:solidFill>
+                <a:effectLst>
+                  <a:outerShdw blurRad="38100" dist="25400" dir="5400000" algn="ctr" rotWithShape="0">
+                    <a:srgbClr val="6E747A">
+                      <a:alpha val="43000"/>
+                    </a:srgbClr>
+                  </a:outerShdw>
+                </a:effectLst>
+              </a:rPr>
+              <a:t>response: {‘stage’: ‘</a:t>
+            </a:r>
+            <a:r>
+              <a:rPr lang="en-SG" sz="1050" dirty="0" err="1" smtClean="0">
+                <a:ln w="0"/>
+                <a:solidFill>
+                  <a:schemeClr val="accent2">
+                    <a:lumMod val="75000"/>
+                  </a:schemeClr>
+                </a:solidFill>
+                <a:effectLst>
+                  <a:outerShdw blurRad="38100" dist="25400" dir="5400000" algn="ctr" rotWithShape="0">
+                    <a:srgbClr val="6E747A">
+                      <a:alpha val="43000"/>
+                    </a:srgbClr>
+                  </a:outerShdw>
+                </a:effectLst>
+              </a:rPr>
+              <a:t>popUp</a:t>
+            </a:r>
+            <a:r>
+              <a:rPr lang="en-SG" sz="1050" dirty="0" smtClean="0">
+                <a:ln w="0"/>
+                <a:solidFill>
+                  <a:schemeClr val="accent2">
+                    <a:lumMod val="75000"/>
+                  </a:schemeClr>
+                </a:solidFill>
+                <a:effectLst>
+                  <a:outerShdw blurRad="38100" dist="25400" dir="5400000" algn="ctr" rotWithShape="0">
+                    <a:srgbClr val="6E747A">
+                      <a:alpha val="43000"/>
+                    </a:srgbClr>
+                  </a:outerShdw>
+                </a:effectLst>
+              </a:rPr>
+              <a:t>’, ‘status’: ‘</a:t>
+            </a:r>
+            <a:r>
+              <a:rPr lang="en-SG" sz="1050" dirty="0" err="1" smtClean="0">
+                <a:ln w="0"/>
+                <a:solidFill>
+                  <a:schemeClr val="accent2">
+                    <a:lumMod val="75000"/>
+                  </a:schemeClr>
+                </a:solidFill>
+                <a:effectLst>
+                  <a:outerShdw blurRad="38100" dist="25400" dir="5400000" algn="ctr" rotWithShape="0">
+                    <a:srgbClr val="6E747A">
+                      <a:alpha val="43000"/>
+                    </a:srgbClr>
+                  </a:outerShdw>
+                </a:effectLst>
+              </a:rPr>
+              <a:t>success|failed</a:t>
+            </a:r>
+            <a:r>
+              <a:rPr lang="en-SG" sz="1050" dirty="0" smtClean="0">
+                <a:ln w="0"/>
+                <a:solidFill>
+                  <a:schemeClr val="accent2">
+                    <a:lumMod val="75000"/>
+                  </a:schemeClr>
+                </a:solidFill>
+                <a:effectLst>
+                  <a:outerShdw blurRad="38100" dist="25400" dir="5400000" algn="ctr" rotWithShape="0">
+                    <a:srgbClr val="6E747A">
+                      <a:alpha val="43000"/>
+                    </a:srgbClr>
+                  </a:outerShdw>
+                </a:effectLst>
+              </a:rPr>
+              <a:t>}</a:t>
+            </a:r>
+            <a:endParaRPr lang="en-SG" sz="1050" dirty="0">
+              <a:ln w="0"/>
+              <a:solidFill>
+                <a:schemeClr val="accent2">
+                  <a:lumMod val="75000"/>
+                </a:schemeClr>
+              </a:solidFill>
+              <a:effectLst>
+                <a:outerShdw blurRad="38100" dist="25400" dir="5400000" algn="ctr" rotWithShape="0">
+                  <a:srgbClr val="6E747A">
+                    <a:alpha val="43000"/>
+                  </a:srgbClr>
+                </a:outerShdw>
+              </a:effectLst>
+            </a:endParaRPr>
+          </a:p>
+        </p:txBody>
+      </p:sp>
+      <p:sp>
+        <p:nvSpPr>
+          <p:cNvPr id="56" name="TextBox 55"/>
+          <p:cNvSpPr txBox="1"/>
+          <p:nvPr/>
+        </p:nvSpPr>
+        <p:spPr>
+          <a:xfrm>
+            <a:off x="7810137" y="4323266"/>
+            <a:ext cx="1672985" cy="261610"/>
+          </a:xfrm>
+          <a:prstGeom prst="rect">
+            <a:avLst/>
+          </a:prstGeom>
+          <a:noFill/>
+        </p:spPr>
+        <p:txBody>
+          <a:bodyPr wrap="square" rtlCol="0">
+            <a:spAutoFit/>
+            <a:scene3d>
+              <a:camera prst="orthographicFront"/>
+              <a:lightRig rig="soft" dir="t">
+                <a:rot lat="0" lon="0" rev="15600000"/>
+              </a:lightRig>
+            </a:scene3d>
+            <a:sp3d extrusionH="57150" prstMaterial="softEdge">
+              <a:bevelT w="25400" h="38100"/>
+            </a:sp3d>
+          </a:bodyPr>
+          <a:lstStyle/>
+          <a:p>
+            <a:r>
+              <a:rPr lang="en-SG" sz="1100" b="1" dirty="0" smtClean="0">
+                <a:ln/>
+                <a:solidFill>
+                  <a:schemeClr val="accent4"/>
+                </a:solidFill>
+              </a:rPr>
+              <a:t>GPIO </a:t>
+            </a:r>
+            <a:r>
+              <a:rPr lang="en-SG" sz="1100" b="1" dirty="0" smtClean="0">
+                <a:ln/>
+                <a:solidFill>
+                  <a:schemeClr val="accent4"/>
+                </a:solidFill>
+              </a:rPr>
+              <a:t>25 set to High</a:t>
+            </a:r>
+            <a:endParaRPr lang="en-SG" sz="1100" b="1" dirty="0">
+              <a:ln/>
+              <a:solidFill>
+                <a:schemeClr val="accent4"/>
+              </a:solidFill>
+            </a:endParaRPr>
+          </a:p>
+        </p:txBody>
+      </p:sp>
+      <p:cxnSp>
+        <p:nvCxnSpPr>
+          <p:cNvPr id="57" name="Straight Arrow Connector 56"/>
+          <p:cNvCxnSpPr/>
+          <p:nvPr/>
+        </p:nvCxnSpPr>
+        <p:spPr>
+          <a:xfrm flipH="1" flipV="1">
+            <a:off x="4641474" y="4872567"/>
+            <a:ext cx="3132000" cy="0"/>
+          </a:xfrm>
+          <a:prstGeom prst="straightConnector1">
+            <a:avLst/>
+          </a:prstGeom>
+          <a:ln>
+            <a:tailEnd type="triangle"/>
+          </a:ln>
+        </p:spPr>
+        <p:style>
+          <a:lnRef idx="3">
+            <a:schemeClr val="accent3"/>
+          </a:lnRef>
+          <a:fillRef idx="0">
+            <a:schemeClr val="accent3"/>
+          </a:fillRef>
+          <a:effectRef idx="2">
+            <a:schemeClr val="accent3"/>
+          </a:effectRef>
+          <a:fontRef idx="minor">
+            <a:schemeClr val="tx1"/>
+          </a:fontRef>
+        </p:style>
+      </p:cxnSp>
+      <p:sp>
+        <p:nvSpPr>
+          <p:cNvPr id="58" name="TextBox 57"/>
+          <p:cNvSpPr txBox="1"/>
+          <p:nvPr/>
+        </p:nvSpPr>
+        <p:spPr>
+          <a:xfrm>
+            <a:off x="4832346" y="4451720"/>
+            <a:ext cx="2952737" cy="415498"/>
+          </a:xfrm>
+          <a:prstGeom prst="rect">
+            <a:avLst/>
+          </a:prstGeom>
+          <a:noFill/>
+        </p:spPr>
+        <p:txBody>
+          <a:bodyPr wrap="square" rtlCol="0">
+            <a:spAutoFit/>
+          </a:bodyPr>
+          <a:lstStyle/>
+          <a:p>
+            <a:r>
+              <a:rPr lang="en-SG" sz="1050" dirty="0" err="1" smtClean="0">
+                <a:ln w="0"/>
+                <a:solidFill>
+                  <a:schemeClr val="bg1">
+                    <a:lumMod val="50000"/>
+                  </a:schemeClr>
+                </a:solidFill>
+                <a:effectLst>
+                  <a:outerShdw blurRad="38100" dist="25400" dir="5400000" algn="ctr" rotWithShape="0">
+                    <a:srgbClr val="6E747A">
+                      <a:alpha val="43000"/>
+                    </a:srgbClr>
+                  </a:outerShdw>
+                </a:effectLst>
+              </a:rPr>
+              <a:t>tester.vid</a:t>
+            </a:r>
+            <a:r>
+              <a:rPr lang="en-SG" sz="1050" b="1" dirty="0">
+                <a:ln w="0"/>
+                <a:solidFill>
+                  <a:schemeClr val="bg1">
+                    <a:lumMod val="50000"/>
+                  </a:schemeClr>
+                </a:solidFill>
+                <a:effectLst>
+                  <a:outerShdw blurRad="38100" dist="25400" dir="5400000" algn="ctr" rotWithShape="0">
+                    <a:srgbClr val="6E747A">
+                      <a:alpha val="43000"/>
+                    </a:srgbClr>
+                  </a:outerShdw>
+                </a:effectLst>
+              </a:rPr>
+              <a:t>&lt;ID&gt;</a:t>
+            </a:r>
+            <a:r>
+              <a:rPr lang="en-SG" sz="1050" dirty="0" smtClean="0">
+                <a:ln w="0"/>
+                <a:solidFill>
+                  <a:schemeClr val="bg1">
+                    <a:lumMod val="50000"/>
+                  </a:schemeClr>
+                </a:solidFill>
+                <a:effectLst>
+                  <a:outerShdw blurRad="38100" dist="25400" dir="5400000" algn="ctr" rotWithShape="0">
+                    <a:srgbClr val="6E747A">
+                      <a:alpha val="43000"/>
+                    </a:srgbClr>
+                  </a:outerShdw>
+                </a:effectLst>
+              </a:rPr>
+              <a:t>.response: {‘</a:t>
+            </a:r>
+            <a:r>
+              <a:rPr lang="en-SG" sz="1050" dirty="0" smtClean="0">
+                <a:ln w="0"/>
+                <a:solidFill>
+                  <a:schemeClr val="bg1">
+                    <a:lumMod val="50000"/>
+                  </a:schemeClr>
+                </a:solidFill>
+                <a:effectLst>
+                  <a:outerShdw blurRad="38100" dist="25400" dir="5400000" algn="ctr" rotWithShape="0">
+                    <a:srgbClr val="6E747A">
+                      <a:alpha val="43000"/>
+                    </a:srgbClr>
+                  </a:outerShdw>
+                </a:effectLst>
+              </a:rPr>
+              <a:t>stage’: ‘</a:t>
+            </a:r>
+            <a:r>
+              <a:rPr lang="en-SG" sz="1050" dirty="0" err="1" smtClean="0">
+                <a:ln w="0"/>
+                <a:solidFill>
+                  <a:schemeClr val="bg1">
+                    <a:lumMod val="50000"/>
+                  </a:schemeClr>
+                </a:solidFill>
+                <a:effectLst>
+                  <a:outerShdw blurRad="38100" dist="25400" dir="5400000" algn="ctr" rotWithShape="0">
+                    <a:srgbClr val="6E747A">
+                      <a:alpha val="43000"/>
+                    </a:srgbClr>
+                  </a:outerShdw>
+                </a:effectLst>
+              </a:rPr>
+              <a:t>popUp</a:t>
+            </a:r>
+            <a:r>
+              <a:rPr lang="en-SG" sz="1050" dirty="0" smtClean="0">
+                <a:ln w="0"/>
+                <a:solidFill>
+                  <a:schemeClr val="bg1">
+                    <a:lumMod val="50000"/>
+                  </a:schemeClr>
+                </a:solidFill>
+                <a:effectLst>
+                  <a:outerShdw blurRad="38100" dist="25400" dir="5400000" algn="ctr" rotWithShape="0">
+                    <a:srgbClr val="6E747A">
+                      <a:alpha val="43000"/>
+                    </a:srgbClr>
+                  </a:outerShdw>
+                </a:effectLst>
+              </a:rPr>
+              <a:t>’, ‘status’: ‘</a:t>
+            </a:r>
+            <a:r>
+              <a:rPr lang="en-SG" sz="1050" dirty="0" err="1" smtClean="0">
+                <a:ln w="0"/>
+                <a:solidFill>
+                  <a:schemeClr val="bg1">
+                    <a:lumMod val="50000"/>
+                  </a:schemeClr>
+                </a:solidFill>
+                <a:effectLst>
+                  <a:outerShdw blurRad="38100" dist="25400" dir="5400000" algn="ctr" rotWithShape="0">
+                    <a:srgbClr val="6E747A">
+                      <a:alpha val="43000"/>
+                    </a:srgbClr>
+                  </a:outerShdw>
+                </a:effectLst>
+              </a:rPr>
+              <a:t>success|failed</a:t>
+            </a:r>
+            <a:r>
+              <a:rPr lang="en-SG" sz="1050" dirty="0" smtClean="0">
+                <a:ln w="0"/>
+                <a:solidFill>
+                  <a:schemeClr val="bg1">
+                    <a:lumMod val="50000"/>
+                  </a:schemeClr>
+                </a:solidFill>
+                <a:effectLst>
+                  <a:outerShdw blurRad="38100" dist="25400" dir="5400000" algn="ctr" rotWithShape="0">
+                    <a:srgbClr val="6E747A">
+                      <a:alpha val="43000"/>
+                    </a:srgbClr>
+                  </a:outerShdw>
+                </a:effectLst>
+              </a:rPr>
+              <a:t>’}</a:t>
+            </a:r>
+            <a:endParaRPr lang="en-SG" sz="1050" dirty="0">
+              <a:ln w="0"/>
+              <a:solidFill>
+                <a:schemeClr val="bg1">
+                  <a:lumMod val="50000"/>
+                </a:schemeClr>
+              </a:solidFill>
+              <a:effectLst>
+                <a:outerShdw blurRad="38100" dist="25400" dir="5400000" algn="ctr" rotWithShape="0">
+                  <a:srgbClr val="6E747A">
+                    <a:alpha val="43000"/>
+                  </a:srgbClr>
+                </a:outerShdw>
+              </a:effectLst>
+            </a:endParaRPr>
+          </a:p>
+        </p:txBody>
+      </p:sp>
+      <p:sp>
+        <p:nvSpPr>
+          <p:cNvPr id="59" name="TextBox 58"/>
+          <p:cNvSpPr txBox="1"/>
+          <p:nvPr/>
+        </p:nvSpPr>
+        <p:spPr>
+          <a:xfrm>
+            <a:off x="8016928" y="4865361"/>
+            <a:ext cx="2485479" cy="276999"/>
+          </a:xfrm>
+          <a:prstGeom prst="rect">
+            <a:avLst/>
+          </a:prstGeom>
+          <a:noFill/>
+        </p:spPr>
+        <p:txBody>
+          <a:bodyPr wrap="square" rtlCol="0">
+            <a:spAutoFit/>
+          </a:bodyPr>
+          <a:lstStyle/>
+          <a:p>
+            <a:pPr algn="ctr"/>
+            <a:r>
+              <a:rPr lang="en-SG" sz="1200" dirty="0" smtClean="0">
+                <a:solidFill>
+                  <a:srgbClr val="FF0000"/>
+                </a:solidFill>
+              </a:rPr>
+              <a:t>Log Error if failed to set GPIO</a:t>
+            </a:r>
+            <a:endParaRPr lang="en-SG" sz="1200" dirty="0">
+              <a:solidFill>
+                <a:srgbClr val="FF0000"/>
+              </a:solidFill>
+            </a:endParaRPr>
+          </a:p>
+        </p:txBody>
+      </p:sp>
+      <p:cxnSp>
+        <p:nvCxnSpPr>
+          <p:cNvPr id="60" name="Elbow Connector 59"/>
+          <p:cNvCxnSpPr>
+            <a:endCxn id="59" idx="0"/>
+          </p:cNvCxnSpPr>
+          <p:nvPr/>
+        </p:nvCxnSpPr>
+        <p:spPr>
+          <a:xfrm>
+            <a:off x="7763396" y="4614056"/>
+            <a:ext cx="1496272" cy="251305"/>
+          </a:xfrm>
+          <a:prstGeom prst="bentConnector2">
+            <a:avLst/>
+          </a:prstGeom>
+          <a:ln>
+            <a:solidFill>
+              <a:srgbClr val="FF0000"/>
+            </a:solidFill>
+            <a:prstDash val="sysDash"/>
+            <a:tailEnd type="triangle"/>
+          </a:ln>
+        </p:spPr>
+        <p:style>
+          <a:lnRef idx="3">
+            <a:schemeClr val="accent3"/>
+          </a:lnRef>
+          <a:fillRef idx="0">
+            <a:schemeClr val="accent3"/>
+          </a:fillRef>
+          <a:effectRef idx="2">
+            <a:schemeClr val="accent3"/>
+          </a:effectRef>
+          <a:fontRef idx="minor">
+            <a:schemeClr val="tx1"/>
+          </a:fontRef>
+        </p:style>
+      </p:cxnSp>
+      <p:sp>
+        <p:nvSpPr>
+          <p:cNvPr id="62" name="TextBox 61"/>
+          <p:cNvSpPr txBox="1"/>
+          <p:nvPr/>
+        </p:nvSpPr>
+        <p:spPr>
+          <a:xfrm>
+            <a:off x="4730200" y="3836119"/>
+            <a:ext cx="2979982" cy="415498"/>
+          </a:xfrm>
+          <a:prstGeom prst="rect">
+            <a:avLst/>
+          </a:prstGeom>
+          <a:noFill/>
+        </p:spPr>
+        <p:txBody>
+          <a:bodyPr wrap="square" rtlCol="0">
+            <a:spAutoFit/>
+          </a:bodyPr>
+          <a:lstStyle/>
+          <a:p>
+            <a:r>
+              <a:rPr lang="en-SG" sz="1050" dirty="0" err="1" smtClean="0">
+                <a:ln w="0"/>
+                <a:solidFill>
+                  <a:schemeClr val="accent2">
+                    <a:lumMod val="75000"/>
+                  </a:schemeClr>
+                </a:solidFill>
+                <a:effectLst>
+                  <a:outerShdw blurRad="38100" dist="25400" dir="5400000" algn="ctr" rotWithShape="0">
+                    <a:srgbClr val="6E747A">
+                      <a:alpha val="43000"/>
+                    </a:srgbClr>
+                  </a:outerShdw>
+                </a:effectLst>
+              </a:rPr>
+              <a:t>tester.vid</a:t>
+            </a:r>
+            <a:r>
+              <a:rPr lang="en-SG" sz="1050" b="1" dirty="0">
+                <a:ln w="0"/>
+                <a:solidFill>
+                  <a:schemeClr val="accent2">
+                    <a:lumMod val="75000"/>
+                  </a:schemeClr>
+                </a:solidFill>
+                <a:effectLst>
+                  <a:outerShdw blurRad="38100" dist="25400" dir="5400000" algn="ctr" rotWithShape="0">
+                    <a:srgbClr val="6E747A">
+                      <a:alpha val="43000"/>
+                    </a:srgbClr>
+                  </a:outerShdw>
+                </a:effectLst>
+              </a:rPr>
+              <a:t>&lt;ID&gt;</a:t>
+            </a:r>
+            <a:r>
+              <a:rPr lang="en-SG" sz="1050" dirty="0" smtClean="0">
+                <a:ln w="0"/>
+                <a:solidFill>
+                  <a:schemeClr val="accent2">
+                    <a:lumMod val="75000"/>
+                  </a:schemeClr>
+                </a:solidFill>
+                <a:effectLst>
+                  <a:outerShdw blurRad="38100" dist="25400" dir="5400000" algn="ctr" rotWithShape="0">
+                    <a:srgbClr val="6E747A">
+                      <a:alpha val="43000"/>
+                    </a:srgbClr>
+                  </a:outerShdw>
+                </a:effectLst>
+              </a:rPr>
+              <a:t>.result: </a:t>
+            </a:r>
+            <a:r>
+              <a:rPr lang="en-SG" sz="1050" dirty="0" smtClean="0">
+                <a:ln w="0"/>
+                <a:solidFill>
+                  <a:schemeClr val="accent2">
+                    <a:lumMod val="75000"/>
+                  </a:schemeClr>
+                </a:solidFill>
+                <a:effectLst>
+                  <a:outerShdw blurRad="38100" dist="25400" dir="5400000" algn="ctr" rotWithShape="0">
+                    <a:srgbClr val="6E747A">
+                      <a:alpha val="43000"/>
+                    </a:srgbClr>
+                  </a:outerShdw>
+                </a:effectLst>
+              </a:rPr>
+              <a:t>{‘</a:t>
+            </a:r>
+            <a:r>
+              <a:rPr lang="en-SG" sz="1050" dirty="0" smtClean="0">
+                <a:ln w="0"/>
+                <a:solidFill>
+                  <a:schemeClr val="accent2">
+                    <a:lumMod val="75000"/>
+                  </a:schemeClr>
+                </a:solidFill>
+                <a:effectLst>
+                  <a:outerShdw blurRad="38100" dist="25400" dir="5400000" algn="ctr" rotWithShape="0">
+                    <a:srgbClr val="6E747A">
+                      <a:alpha val="43000"/>
+                    </a:srgbClr>
+                  </a:outerShdw>
+                </a:effectLst>
+              </a:rPr>
+              <a:t>stage</a:t>
+            </a:r>
+            <a:r>
+              <a:rPr lang="en-SG" sz="1050" dirty="0" smtClean="0">
+                <a:ln w="0"/>
+                <a:solidFill>
+                  <a:schemeClr val="accent2">
+                    <a:lumMod val="75000"/>
+                  </a:schemeClr>
+                </a:solidFill>
+                <a:effectLst>
+                  <a:outerShdw blurRad="38100" dist="25400" dir="5400000" algn="ctr" rotWithShape="0">
+                    <a:srgbClr val="6E747A">
+                      <a:alpha val="43000"/>
+                    </a:srgbClr>
+                  </a:outerShdw>
+                </a:effectLst>
+              </a:rPr>
+              <a:t>’: ‘</a:t>
+            </a:r>
+            <a:r>
+              <a:rPr lang="en-SG" sz="1050" dirty="0" err="1" smtClean="0">
+                <a:ln w="0"/>
+                <a:solidFill>
+                  <a:schemeClr val="accent2">
+                    <a:lumMod val="75000"/>
+                  </a:schemeClr>
+                </a:solidFill>
+                <a:effectLst>
+                  <a:outerShdw blurRad="38100" dist="25400" dir="5400000" algn="ctr" rotWithShape="0">
+                    <a:srgbClr val="6E747A">
+                      <a:alpha val="43000"/>
+                    </a:srgbClr>
+                  </a:outerShdw>
+                </a:effectLst>
+              </a:rPr>
+              <a:t>popUp</a:t>
+            </a:r>
+            <a:r>
+              <a:rPr lang="en-SG" sz="1050" dirty="0" smtClean="0">
+                <a:ln w="0"/>
+                <a:solidFill>
+                  <a:schemeClr val="accent2">
+                    <a:lumMod val="75000"/>
+                  </a:schemeClr>
+                </a:solidFill>
+                <a:effectLst>
+                  <a:outerShdw blurRad="38100" dist="25400" dir="5400000" algn="ctr" rotWithShape="0">
+                    <a:srgbClr val="6E747A">
+                      <a:alpha val="43000"/>
+                    </a:srgbClr>
+                  </a:outerShdw>
+                </a:effectLst>
+              </a:rPr>
+              <a:t>’, ‘status’: ‘success’&gt;</a:t>
+            </a:r>
+            <a:endParaRPr lang="en-SG" sz="1050" dirty="0">
+              <a:ln w="0"/>
+              <a:solidFill>
+                <a:schemeClr val="accent2">
+                  <a:lumMod val="75000"/>
+                </a:schemeClr>
+              </a:solidFill>
+              <a:effectLst>
+                <a:outerShdw blurRad="38100" dist="25400" dir="5400000" algn="ctr" rotWithShape="0">
+                  <a:srgbClr val="6E747A">
+                    <a:alpha val="43000"/>
+                  </a:srgbClr>
+                </a:outerShdw>
+              </a:effectLst>
+            </a:endParaRPr>
+          </a:p>
+        </p:txBody>
+      </p:sp>
+      <p:sp>
+        <p:nvSpPr>
+          <p:cNvPr id="65" name="TextBox 64"/>
+          <p:cNvSpPr txBox="1"/>
+          <p:nvPr/>
+        </p:nvSpPr>
+        <p:spPr>
+          <a:xfrm>
+            <a:off x="10677498" y="2965309"/>
+            <a:ext cx="1419140" cy="938719"/>
+          </a:xfrm>
+          <a:prstGeom prst="rect">
+            <a:avLst/>
+          </a:prstGeom>
+          <a:noFill/>
+        </p:spPr>
+        <p:txBody>
+          <a:bodyPr wrap="square" rtlCol="0">
+            <a:spAutoFit/>
+            <a:scene3d>
+              <a:camera prst="orthographicFront"/>
+              <a:lightRig rig="soft" dir="t">
+                <a:rot lat="0" lon="0" rev="15600000"/>
+              </a:lightRig>
+            </a:scene3d>
+            <a:sp3d extrusionH="57150" prstMaterial="softEdge">
+              <a:bevelT w="25400" h="38100"/>
+            </a:sp3d>
+          </a:bodyPr>
+          <a:lstStyle/>
+          <a:p>
+            <a:r>
+              <a:rPr lang="en-SG" sz="1100" b="1" dirty="0" smtClean="0">
+                <a:ln/>
+                <a:solidFill>
+                  <a:schemeClr val="accent4"/>
+                </a:solidFill>
+              </a:rPr>
+              <a:t>Extract:</a:t>
+            </a:r>
+          </a:p>
+          <a:p>
+            <a:r>
+              <a:rPr lang="en-SG" sz="1100" b="1" dirty="0" smtClean="0">
+                <a:ln/>
+                <a:solidFill>
+                  <a:schemeClr val="accent4"/>
+                </a:solidFill>
+              </a:rPr>
+              <a:t>ID: id</a:t>
+            </a:r>
+          </a:p>
+          <a:p>
+            <a:r>
+              <a:rPr lang="en-SG" sz="1100" b="1" dirty="0" smtClean="0">
+                <a:ln/>
+                <a:solidFill>
+                  <a:schemeClr val="accent4"/>
+                </a:solidFill>
+              </a:rPr>
+              <a:t>stage: ‘</a:t>
+            </a:r>
+            <a:r>
+              <a:rPr lang="en-SG" sz="1100" b="1" dirty="0" err="1" smtClean="0">
+                <a:ln/>
+                <a:solidFill>
+                  <a:schemeClr val="accent4"/>
+                </a:solidFill>
+              </a:rPr>
+              <a:t>testScreen</a:t>
+            </a:r>
+            <a:r>
+              <a:rPr lang="en-SG" sz="1100" b="1" dirty="0" smtClean="0">
+                <a:ln/>
+                <a:solidFill>
+                  <a:schemeClr val="accent4"/>
+                </a:solidFill>
+              </a:rPr>
+              <a:t>’</a:t>
+            </a:r>
+          </a:p>
+          <a:p>
+            <a:r>
+              <a:rPr lang="en-SG" sz="1100" b="1" dirty="0" smtClean="0">
+                <a:ln/>
+                <a:solidFill>
+                  <a:schemeClr val="accent4"/>
+                </a:solidFill>
+              </a:rPr>
+              <a:t>status: ‘</a:t>
+            </a:r>
+            <a:r>
+              <a:rPr lang="en-SG" sz="1100" b="1" dirty="0" err="1" smtClean="0">
+                <a:ln/>
+                <a:solidFill>
+                  <a:schemeClr val="accent4"/>
+                </a:solidFill>
+              </a:rPr>
+              <a:t>success|failed</a:t>
+            </a:r>
+            <a:r>
+              <a:rPr lang="en-SG" sz="1100" b="1" dirty="0" smtClean="0">
+                <a:ln/>
+                <a:solidFill>
+                  <a:schemeClr val="accent4"/>
+                </a:solidFill>
+              </a:rPr>
+              <a:t>’</a:t>
+            </a:r>
+            <a:endParaRPr lang="en-SG" sz="1100" b="1" dirty="0">
+              <a:ln/>
+              <a:solidFill>
+                <a:schemeClr val="accent4"/>
+              </a:solidFill>
+            </a:endParaRPr>
+          </a:p>
+        </p:txBody>
+      </p:sp>
+      <p:sp>
+        <p:nvSpPr>
+          <p:cNvPr id="66" name="TextBox 65"/>
+          <p:cNvSpPr txBox="1"/>
+          <p:nvPr/>
+        </p:nvSpPr>
+        <p:spPr>
+          <a:xfrm>
+            <a:off x="10890334" y="5515625"/>
+            <a:ext cx="1222583" cy="938719"/>
+          </a:xfrm>
+          <a:prstGeom prst="rect">
+            <a:avLst/>
+          </a:prstGeom>
+          <a:noFill/>
+        </p:spPr>
+        <p:txBody>
+          <a:bodyPr wrap="square" rtlCol="0">
+            <a:spAutoFit/>
+            <a:scene3d>
+              <a:camera prst="orthographicFront"/>
+              <a:lightRig rig="soft" dir="t">
+                <a:rot lat="0" lon="0" rev="15600000"/>
+              </a:lightRig>
+            </a:scene3d>
+            <a:sp3d extrusionH="57150" prstMaterial="softEdge">
+              <a:bevelT w="25400" h="38100"/>
+            </a:sp3d>
+          </a:bodyPr>
+          <a:lstStyle/>
+          <a:p>
+            <a:r>
+              <a:rPr lang="en-SG" sz="1100" b="1" dirty="0" smtClean="0">
+                <a:ln/>
+                <a:solidFill>
+                  <a:schemeClr val="accent4"/>
+                </a:solidFill>
+              </a:rPr>
+              <a:t>Extract:</a:t>
+            </a:r>
+          </a:p>
+          <a:p>
+            <a:r>
+              <a:rPr lang="en-SG" sz="1100" b="1" dirty="0" smtClean="0">
+                <a:ln/>
+                <a:solidFill>
+                  <a:schemeClr val="accent4"/>
+                </a:solidFill>
+              </a:rPr>
+              <a:t>ID: id</a:t>
+            </a:r>
+          </a:p>
+          <a:p>
+            <a:r>
+              <a:rPr lang="en-SG" sz="1100" b="1" dirty="0" smtClean="0">
+                <a:ln/>
+                <a:solidFill>
+                  <a:schemeClr val="accent4"/>
+                </a:solidFill>
+              </a:rPr>
+              <a:t>stage: ‘</a:t>
+            </a:r>
+            <a:r>
+              <a:rPr lang="en-SG" sz="1100" b="1" dirty="0" err="1" smtClean="0">
+                <a:ln/>
+                <a:solidFill>
+                  <a:schemeClr val="accent4"/>
+                </a:solidFill>
+              </a:rPr>
+              <a:t>popUp</a:t>
+            </a:r>
+            <a:r>
+              <a:rPr lang="en-SG" sz="1100" b="1" dirty="0" smtClean="0">
+                <a:ln/>
+                <a:solidFill>
+                  <a:schemeClr val="accent4"/>
+                </a:solidFill>
+              </a:rPr>
+              <a:t>’</a:t>
+            </a:r>
+          </a:p>
+          <a:p>
+            <a:r>
+              <a:rPr lang="en-SG" sz="1100" b="1" dirty="0" smtClean="0">
+                <a:ln/>
+                <a:solidFill>
+                  <a:schemeClr val="accent4"/>
+                </a:solidFill>
+              </a:rPr>
+              <a:t>status: ‘</a:t>
+            </a:r>
+            <a:r>
+              <a:rPr lang="en-SG" sz="1100" b="1" dirty="0" err="1" smtClean="0">
+                <a:ln/>
+                <a:solidFill>
+                  <a:schemeClr val="accent4"/>
+                </a:solidFill>
+              </a:rPr>
+              <a:t>success|failed</a:t>
+            </a:r>
+            <a:r>
+              <a:rPr lang="en-SG" sz="1100" b="1" dirty="0" smtClean="0">
+                <a:ln/>
+                <a:solidFill>
+                  <a:schemeClr val="accent4"/>
+                </a:solidFill>
+              </a:rPr>
+              <a:t>’</a:t>
+            </a:r>
+            <a:endParaRPr lang="en-SG" sz="1100" b="1" dirty="0">
+              <a:ln/>
+              <a:solidFill>
+                <a:schemeClr val="accent4"/>
+              </a:solidFill>
+            </a:endParaRPr>
+          </a:p>
+        </p:txBody>
+      </p:sp>
+      <p:sp>
+        <p:nvSpPr>
+          <p:cNvPr id="46" name="TextBox 45"/>
+          <p:cNvSpPr txBox="1"/>
+          <p:nvPr/>
+        </p:nvSpPr>
+        <p:spPr>
+          <a:xfrm>
+            <a:off x="3098337" y="6265422"/>
+            <a:ext cx="5735322" cy="369332"/>
+          </a:xfrm>
+          <a:prstGeom prst="rect">
+            <a:avLst/>
+          </a:prstGeom>
+          <a:solidFill>
+            <a:schemeClr val="accent4"/>
+          </a:solidFill>
+          <a:ln>
+            <a:solidFill>
+              <a:schemeClr val="accent4">
+                <a:lumMod val="50000"/>
+              </a:schemeClr>
+            </a:solidFill>
+          </a:ln>
+        </p:spPr>
+        <p:txBody>
+          <a:bodyPr wrap="square" rtlCol="0">
+            <a:spAutoFit/>
+          </a:bodyPr>
+          <a:lstStyle/>
+          <a:p>
+            <a:pPr algn="ctr"/>
+            <a:r>
+              <a:rPr lang="en-SG" dirty="0" smtClean="0"/>
+              <a:t>Message flow for Output 2 &amp; Output 3 </a:t>
+            </a:r>
+            <a:endParaRPr lang="en-SG" dirty="0"/>
+          </a:p>
+        </p:txBody>
+      </p:sp>
+    </p:spTree>
+    <p:extLst>
+      <p:ext uri="{BB962C8B-B14F-4D97-AF65-F5344CB8AC3E}">
+        <p14:creationId xmlns:p14="http://schemas.microsoft.com/office/powerpoint/2010/main" val="1144187936"/>
+      </p:ext>
+    </p:extLst>
+  </p:cSld>
+  <p:clrMapOvr>
+    <a:masterClrMapping/>
+  </p:clrMapOvr>
+</p:sld>
+</file>
+
+<file path=ppt/slides/slide6.xml><?xml version="1.0" encoding="utf-8"?>
+<p:sld xmlns:a="http://schemas.openxmlformats.org/drawingml/2006/main" xmlns:r="http://schemas.openxmlformats.org/officeDocument/2006/relationships" xmlns:p="http://schemas.openxmlformats.org/presentationml/2006/main">
+  <p:cSld>
+    <p:spTree>
+      <p:nvGrpSpPr>
+        <p:cNvPr id="1" name=""/>
+        <p:cNvGrpSpPr/>
+        <p:nvPr/>
+      </p:nvGrpSpPr>
+      <p:grpSpPr>
+        <a:xfrm>
+          <a:off x="0" y="0"/>
+          <a:ext cx="0" cy="0"/>
+          <a:chOff x="0" y="0"/>
+          <a:chExt cx="0" cy="0"/>
+        </a:xfrm>
+      </p:grpSpPr>
+      <p:sp>
+        <p:nvSpPr>
+          <p:cNvPr id="4" name="Rounded Rectangle 3"/>
+          <p:cNvSpPr/>
+          <p:nvPr/>
+        </p:nvSpPr>
+        <p:spPr>
+          <a:xfrm>
+            <a:off x="768553" y="366643"/>
+            <a:ext cx="1466574" cy="472661"/>
+          </a:xfrm>
+          <a:prstGeom prst="roundRect">
+            <a:avLst/>
+          </a:prstGeom>
+        </p:spPr>
+        <p:style>
+          <a:lnRef idx="0">
+            <a:schemeClr val="accent1"/>
+          </a:lnRef>
+          <a:fillRef idx="3">
+            <a:schemeClr val="accent1"/>
+          </a:fillRef>
+          <a:effectRef idx="3">
+            <a:schemeClr val="accent1"/>
+          </a:effectRef>
+          <a:fontRef idx="minor">
+            <a:schemeClr val="lt1"/>
+          </a:fontRef>
+        </p:style>
+        <p:txBody>
+          <a:bodyPr rtlCol="0" anchor="ctr"/>
+          <a:lstStyle/>
+          <a:p>
+            <a:pPr algn="ctr"/>
+            <a:r>
+              <a:rPr lang="en-SG" dirty="0" err="1" smtClean="0"/>
+              <a:t>Algo</a:t>
+            </a:r>
+            <a:endParaRPr lang="en-SG" dirty="0"/>
+          </a:p>
+        </p:txBody>
+      </p:sp>
+      <p:cxnSp>
+        <p:nvCxnSpPr>
+          <p:cNvPr id="5" name="Straight Arrow Connector 4"/>
+          <p:cNvCxnSpPr>
+            <a:stCxn id="4" idx="2"/>
+          </p:cNvCxnSpPr>
+          <p:nvPr/>
+        </p:nvCxnSpPr>
+        <p:spPr>
+          <a:xfrm flipH="1">
+            <a:off x="1464067" y="839304"/>
+            <a:ext cx="0" cy="5601253"/>
+          </a:xfrm>
+          <a:prstGeom prst="straightConnector1">
+            <a:avLst/>
+          </a:prstGeom>
+          <a:ln>
+            <a:tailEnd type="triangle"/>
+          </a:ln>
+        </p:spPr>
+        <p:style>
+          <a:lnRef idx="3">
+            <a:schemeClr val="accent1"/>
+          </a:lnRef>
+          <a:fillRef idx="0">
+            <a:schemeClr val="accent1"/>
+          </a:fillRef>
+          <a:effectRef idx="2">
+            <a:schemeClr val="accent1"/>
+          </a:effectRef>
+          <a:fontRef idx="minor">
+            <a:schemeClr val="tx1"/>
+          </a:fontRef>
+        </p:style>
+      </p:cxnSp>
+      <p:sp>
+        <p:nvSpPr>
+          <p:cNvPr id="6" name="Rounded Rectangle 5"/>
+          <p:cNvSpPr/>
+          <p:nvPr/>
+        </p:nvSpPr>
+        <p:spPr>
+          <a:xfrm>
+            <a:off x="3892475" y="366643"/>
+            <a:ext cx="1466574" cy="472661"/>
+          </a:xfrm>
+          <a:prstGeom prst="roundRect">
+            <a:avLst/>
+          </a:prstGeom>
+        </p:spPr>
+        <p:style>
+          <a:lnRef idx="0">
+            <a:schemeClr val="accent2"/>
+          </a:lnRef>
+          <a:fillRef idx="3">
+            <a:schemeClr val="accent2"/>
+          </a:fillRef>
+          <a:effectRef idx="3">
+            <a:schemeClr val="accent2"/>
+          </a:effectRef>
+          <a:fontRef idx="minor">
+            <a:schemeClr val="lt1"/>
+          </a:fontRef>
+        </p:style>
+        <p:txBody>
+          <a:bodyPr rtlCol="0" anchor="ctr"/>
+          <a:lstStyle/>
+          <a:p>
+            <a:pPr algn="ctr"/>
+            <a:r>
+              <a:rPr lang="en-SG" dirty="0" err="1" smtClean="0"/>
+              <a:t>Redis</a:t>
+            </a:r>
+            <a:endParaRPr lang="en-SG" dirty="0"/>
+          </a:p>
+        </p:txBody>
+      </p:sp>
+      <p:cxnSp>
+        <p:nvCxnSpPr>
+          <p:cNvPr id="7" name="Straight Arrow Connector 6"/>
+          <p:cNvCxnSpPr/>
+          <p:nvPr/>
+        </p:nvCxnSpPr>
+        <p:spPr>
+          <a:xfrm>
+            <a:off x="4625761" y="839304"/>
+            <a:ext cx="0" cy="5601253"/>
+          </a:xfrm>
+          <a:prstGeom prst="straightConnector1">
+            <a:avLst/>
+          </a:prstGeom>
+          <a:ln>
+            <a:tailEnd type="triangle"/>
+          </a:ln>
+        </p:spPr>
+        <p:style>
+          <a:lnRef idx="3">
+            <a:schemeClr val="accent2"/>
+          </a:lnRef>
+          <a:fillRef idx="0">
+            <a:schemeClr val="accent2"/>
+          </a:fillRef>
+          <a:effectRef idx="2">
+            <a:schemeClr val="accent2"/>
+          </a:effectRef>
+          <a:fontRef idx="minor">
+            <a:schemeClr val="tx1"/>
+          </a:fontRef>
+        </p:style>
+      </p:cxnSp>
+      <p:sp>
+        <p:nvSpPr>
+          <p:cNvPr id="8" name="Rounded Rectangle 7"/>
+          <p:cNvSpPr/>
+          <p:nvPr/>
+        </p:nvSpPr>
+        <p:spPr>
+          <a:xfrm>
+            <a:off x="10140319" y="366643"/>
+            <a:ext cx="1466574" cy="472661"/>
+          </a:xfrm>
+          <a:prstGeom prst="roundRect">
+            <a:avLst/>
+          </a:prstGeom>
+        </p:spPr>
+        <p:style>
+          <a:lnRef idx="0">
+            <a:schemeClr val="accent6"/>
+          </a:lnRef>
+          <a:fillRef idx="3">
+            <a:schemeClr val="accent6"/>
+          </a:fillRef>
+          <a:effectRef idx="3">
+            <a:schemeClr val="accent6"/>
+          </a:effectRef>
+          <a:fontRef idx="minor">
+            <a:schemeClr val="lt1"/>
+          </a:fontRef>
+        </p:style>
+        <p:txBody>
+          <a:bodyPr rtlCol="0" anchor="ctr"/>
+          <a:lstStyle/>
+          <a:p>
+            <a:pPr algn="ctr"/>
+            <a:r>
+              <a:rPr lang="en-SG" dirty="0" smtClean="0"/>
+              <a:t>MQTT</a:t>
+            </a:r>
+            <a:endParaRPr lang="en-SG" dirty="0"/>
+          </a:p>
+        </p:txBody>
+      </p:sp>
+      <p:cxnSp>
+        <p:nvCxnSpPr>
+          <p:cNvPr id="9" name="Straight Arrow Connector 8"/>
+          <p:cNvCxnSpPr>
+            <a:stCxn id="8" idx="2"/>
+          </p:cNvCxnSpPr>
+          <p:nvPr/>
+        </p:nvCxnSpPr>
+        <p:spPr>
+          <a:xfrm>
+            <a:off x="10873606" y="839304"/>
+            <a:ext cx="0" cy="5601253"/>
+          </a:xfrm>
+          <a:prstGeom prst="straightConnector1">
+            <a:avLst/>
+          </a:prstGeom>
+          <a:ln>
+            <a:tailEnd type="triangle"/>
+          </a:ln>
+        </p:spPr>
+        <p:style>
+          <a:lnRef idx="3">
+            <a:schemeClr val="accent6"/>
+          </a:lnRef>
+          <a:fillRef idx="0">
+            <a:schemeClr val="accent6"/>
+          </a:fillRef>
+          <a:effectRef idx="2">
+            <a:schemeClr val="accent6"/>
+          </a:effectRef>
+          <a:fontRef idx="minor">
+            <a:schemeClr val="tx1"/>
+          </a:fontRef>
+        </p:style>
+      </p:cxnSp>
+      <p:sp>
+        <p:nvSpPr>
+          <p:cNvPr id="10" name="Rounded Rectangle 9"/>
+          <p:cNvSpPr/>
+          <p:nvPr/>
+        </p:nvSpPr>
+        <p:spPr>
+          <a:xfrm>
+            <a:off x="7016396" y="366643"/>
+            <a:ext cx="1466574" cy="472661"/>
+          </a:xfrm>
+          <a:prstGeom prst="roundRect">
+            <a:avLst/>
+          </a:prstGeom>
+        </p:spPr>
+        <p:style>
+          <a:lnRef idx="0">
+            <a:schemeClr val="accent3"/>
+          </a:lnRef>
+          <a:fillRef idx="3">
+            <a:schemeClr val="accent3"/>
+          </a:fillRef>
+          <a:effectRef idx="3">
+            <a:schemeClr val="accent3"/>
+          </a:effectRef>
+          <a:fontRef idx="minor">
+            <a:schemeClr val="lt1"/>
+          </a:fontRef>
+        </p:style>
+        <p:txBody>
+          <a:bodyPr rtlCol="0" anchor="ctr"/>
+          <a:lstStyle/>
+          <a:p>
+            <a:pPr algn="ctr"/>
+            <a:r>
+              <a:rPr lang="en-SG" dirty="0" smtClean="0"/>
+              <a:t>GPIO</a:t>
+            </a:r>
+            <a:endParaRPr lang="en-SG" dirty="0"/>
+          </a:p>
+        </p:txBody>
+      </p:sp>
+      <p:cxnSp>
+        <p:nvCxnSpPr>
+          <p:cNvPr id="11" name="Straight Arrow Connector 10"/>
+          <p:cNvCxnSpPr>
+            <a:stCxn id="10" idx="2"/>
+          </p:cNvCxnSpPr>
+          <p:nvPr/>
+        </p:nvCxnSpPr>
+        <p:spPr>
+          <a:xfrm>
+            <a:off x="7749683" y="839304"/>
+            <a:ext cx="0" cy="5601253"/>
+          </a:xfrm>
+          <a:prstGeom prst="straightConnector1">
+            <a:avLst/>
+          </a:prstGeom>
+          <a:ln>
+            <a:tailEnd type="triangle"/>
+          </a:ln>
+        </p:spPr>
+        <p:style>
+          <a:lnRef idx="3">
+            <a:schemeClr val="accent3"/>
+          </a:lnRef>
+          <a:fillRef idx="0">
+            <a:schemeClr val="accent3"/>
+          </a:fillRef>
+          <a:effectRef idx="2">
+            <a:schemeClr val="accent3"/>
+          </a:effectRef>
+          <a:fontRef idx="minor">
+            <a:schemeClr val="tx1"/>
+          </a:fontRef>
+        </p:style>
+      </p:cxnSp>
+      <p:sp>
+        <p:nvSpPr>
+          <p:cNvPr id="48" name="TextBox 47"/>
+          <p:cNvSpPr txBox="1"/>
+          <p:nvPr/>
+        </p:nvSpPr>
+        <p:spPr>
+          <a:xfrm>
+            <a:off x="1451343" y="952951"/>
+            <a:ext cx="1672985" cy="430887"/>
+          </a:xfrm>
+          <a:prstGeom prst="rect">
+            <a:avLst/>
+          </a:prstGeom>
+          <a:noFill/>
+        </p:spPr>
+        <p:txBody>
+          <a:bodyPr wrap="square" rtlCol="0">
+            <a:spAutoFit/>
+            <a:scene3d>
+              <a:camera prst="orthographicFront"/>
+              <a:lightRig rig="soft" dir="t">
+                <a:rot lat="0" lon="0" rev="15600000"/>
+              </a:lightRig>
+            </a:scene3d>
+            <a:sp3d extrusionH="57150" prstMaterial="softEdge">
+              <a:bevelT w="25400" h="38100"/>
+            </a:sp3d>
+          </a:bodyPr>
+          <a:lstStyle/>
+          <a:p>
+            <a:r>
+              <a:rPr lang="en-SG" sz="1100" b="1" dirty="0" smtClean="0">
+                <a:ln/>
+                <a:solidFill>
+                  <a:schemeClr val="accent4"/>
+                </a:solidFill>
+              </a:rPr>
+              <a:t>Wait 5s if no interaction to pop up</a:t>
+            </a:r>
+            <a:endParaRPr lang="en-SG" sz="1100" b="1" dirty="0">
+              <a:ln/>
+              <a:solidFill>
+                <a:schemeClr val="accent4"/>
+              </a:solidFill>
+            </a:endParaRPr>
+          </a:p>
+        </p:txBody>
+      </p:sp>
+      <p:cxnSp>
+        <p:nvCxnSpPr>
+          <p:cNvPr id="50" name="Straight Arrow Connector 49"/>
+          <p:cNvCxnSpPr/>
+          <p:nvPr/>
+        </p:nvCxnSpPr>
+        <p:spPr>
+          <a:xfrm flipV="1">
+            <a:off x="1462536" y="1799754"/>
+            <a:ext cx="3168000" cy="0"/>
+          </a:xfrm>
+          <a:prstGeom prst="straightConnector1">
+            <a:avLst/>
+          </a:prstGeom>
+          <a:ln>
+            <a:tailEnd type="triangle"/>
+          </a:ln>
+        </p:spPr>
+        <p:style>
+          <a:lnRef idx="3">
+            <a:schemeClr val="accent1"/>
+          </a:lnRef>
+          <a:fillRef idx="0">
+            <a:schemeClr val="accent1"/>
+          </a:fillRef>
+          <a:effectRef idx="2">
+            <a:schemeClr val="accent1"/>
+          </a:effectRef>
+          <a:fontRef idx="minor">
+            <a:schemeClr val="tx1"/>
+          </a:fontRef>
+        </p:style>
+      </p:cxnSp>
+      <p:sp>
+        <p:nvSpPr>
+          <p:cNvPr id="51" name="TextBox 50"/>
+          <p:cNvSpPr txBox="1"/>
+          <p:nvPr/>
+        </p:nvSpPr>
+        <p:spPr>
+          <a:xfrm>
+            <a:off x="1614580" y="1383838"/>
+            <a:ext cx="2979982" cy="415498"/>
+          </a:xfrm>
+          <a:prstGeom prst="rect">
+            <a:avLst/>
+          </a:prstGeom>
+          <a:noFill/>
+        </p:spPr>
+        <p:txBody>
+          <a:bodyPr wrap="square" rtlCol="0">
+            <a:spAutoFit/>
+          </a:bodyPr>
+          <a:lstStyle/>
+          <a:p>
+            <a:r>
+              <a:rPr lang="en-SG" sz="1050" dirty="0" err="1" smtClean="0">
+                <a:ln w="0"/>
+                <a:solidFill>
+                  <a:schemeClr val="accent1">
+                    <a:lumMod val="75000"/>
+                  </a:schemeClr>
+                </a:solidFill>
+                <a:effectLst>
+                  <a:outerShdw blurRad="38100" dist="25400" dir="5400000" algn="ctr" rotWithShape="0">
+                    <a:srgbClr val="6E747A">
+                      <a:alpha val="43000"/>
+                    </a:srgbClr>
+                  </a:outerShdw>
+                </a:effectLst>
+              </a:rPr>
+              <a:t>tester.vid</a:t>
+            </a:r>
+            <a:r>
+              <a:rPr lang="en-SG" sz="1050" b="1" dirty="0">
+                <a:ln w="0"/>
+                <a:solidFill>
+                  <a:schemeClr val="accent1">
+                    <a:lumMod val="75000"/>
+                  </a:schemeClr>
+                </a:solidFill>
+                <a:effectLst>
+                  <a:outerShdw blurRad="38100" dist="25400" dir="5400000" algn="ctr" rotWithShape="0">
+                    <a:srgbClr val="6E747A">
+                      <a:alpha val="43000"/>
+                    </a:srgbClr>
+                  </a:outerShdw>
+                </a:effectLst>
+              </a:rPr>
+              <a:t>&lt;ID</a:t>
+            </a:r>
+            <a:r>
+              <a:rPr lang="en-SG" sz="1050" b="1" dirty="0" smtClean="0">
+                <a:ln w="0"/>
+                <a:solidFill>
+                  <a:schemeClr val="accent1">
+                    <a:lumMod val="75000"/>
+                  </a:schemeClr>
+                </a:solidFill>
+                <a:effectLst>
+                  <a:outerShdw blurRad="38100" dist="25400" dir="5400000" algn="ctr" rotWithShape="0">
+                    <a:srgbClr val="6E747A">
+                      <a:alpha val="43000"/>
+                    </a:srgbClr>
+                  </a:outerShdw>
+                </a:effectLst>
+              </a:rPr>
+              <a:t>&gt;</a:t>
+            </a:r>
+            <a:r>
+              <a:rPr lang="en-SG" sz="1050" dirty="0" smtClean="0">
+                <a:ln w="0"/>
+                <a:solidFill>
+                  <a:schemeClr val="accent1">
+                    <a:lumMod val="75000"/>
+                  </a:schemeClr>
+                </a:solidFill>
+                <a:effectLst>
+                  <a:outerShdw blurRad="38100" dist="25400" dir="5400000" algn="ctr" rotWithShape="0">
+                    <a:srgbClr val="6E747A">
+                      <a:alpha val="43000"/>
+                    </a:srgbClr>
+                  </a:outerShdw>
+                </a:effectLst>
+              </a:rPr>
+              <a:t>.</a:t>
+            </a:r>
+            <a:r>
+              <a:rPr lang="en-SG" sz="1050" dirty="0" smtClean="0">
+                <a:ln w="0"/>
+                <a:solidFill>
+                  <a:schemeClr val="accent1">
+                    <a:lumMod val="75000"/>
+                  </a:schemeClr>
+                </a:solidFill>
+                <a:effectLst>
+                  <a:outerShdw blurRad="38100" dist="25400" dir="5400000" algn="ctr" rotWithShape="0">
+                    <a:srgbClr val="6E747A">
+                      <a:alpha val="43000"/>
+                    </a:srgbClr>
+                  </a:outerShdw>
+                </a:effectLst>
+              </a:rPr>
+              <a:t>alert</a:t>
+            </a:r>
+            <a:r>
+              <a:rPr lang="en-SG" sz="1050" dirty="0" smtClean="0">
+                <a:ln w="0"/>
+                <a:solidFill>
+                  <a:schemeClr val="accent1">
+                    <a:lumMod val="75000"/>
+                  </a:schemeClr>
+                </a:solidFill>
+                <a:effectLst>
+                  <a:outerShdw blurRad="38100" dist="25400" dir="5400000" algn="ctr" rotWithShape="0">
+                    <a:srgbClr val="6E747A">
+                      <a:alpha val="43000"/>
+                    </a:srgbClr>
+                  </a:outerShdw>
+                </a:effectLst>
+              </a:rPr>
+              <a:t>: {‘</a:t>
+            </a:r>
+            <a:r>
+              <a:rPr lang="en-SG" sz="1050" dirty="0" smtClean="0">
+                <a:ln w="0"/>
+                <a:solidFill>
+                  <a:schemeClr val="accent1">
+                    <a:lumMod val="75000"/>
+                  </a:schemeClr>
+                </a:solidFill>
+                <a:effectLst>
+                  <a:outerShdw blurRad="38100" dist="25400" dir="5400000" algn="ctr" rotWithShape="0">
+                    <a:srgbClr val="6E747A">
+                      <a:alpha val="43000"/>
+                    </a:srgbClr>
+                  </a:outerShdw>
+                </a:effectLst>
+              </a:rPr>
+              <a:t>stage</a:t>
+            </a:r>
+            <a:r>
+              <a:rPr lang="en-SG" sz="1050" dirty="0" smtClean="0">
+                <a:ln w="0"/>
+                <a:solidFill>
+                  <a:schemeClr val="accent1">
+                    <a:lumMod val="75000"/>
+                  </a:schemeClr>
+                </a:solidFill>
+                <a:effectLst>
+                  <a:outerShdw blurRad="38100" dist="25400" dir="5400000" algn="ctr" rotWithShape="0">
+                    <a:srgbClr val="6E747A">
+                      <a:alpha val="43000"/>
+                    </a:srgbClr>
+                  </a:outerShdw>
+                </a:effectLst>
+              </a:rPr>
+              <a:t>’: ‘alert’, ‘status’: ‘activated’&gt;</a:t>
+            </a:r>
+            <a:endParaRPr lang="en-SG" sz="1050" dirty="0">
+              <a:ln w="0"/>
+              <a:solidFill>
+                <a:schemeClr val="accent1">
+                  <a:lumMod val="75000"/>
+                </a:schemeClr>
+              </a:solidFill>
+              <a:effectLst>
+                <a:outerShdw blurRad="38100" dist="25400" dir="5400000" algn="ctr" rotWithShape="0">
+                  <a:srgbClr val="6E747A">
+                    <a:alpha val="43000"/>
+                  </a:srgbClr>
+                </a:outerShdw>
+              </a:effectLst>
+            </a:endParaRPr>
+          </a:p>
+        </p:txBody>
+      </p:sp>
+      <p:cxnSp>
+        <p:nvCxnSpPr>
+          <p:cNvPr id="52" name="Straight Arrow Connector 51"/>
+          <p:cNvCxnSpPr/>
+          <p:nvPr/>
+        </p:nvCxnSpPr>
+        <p:spPr>
+          <a:xfrm flipV="1">
+            <a:off x="4640594" y="4575834"/>
+            <a:ext cx="6235330" cy="0"/>
+          </a:xfrm>
+          <a:prstGeom prst="straightConnector1">
+            <a:avLst/>
+          </a:prstGeom>
+          <a:ln>
+            <a:tailEnd type="triangle"/>
+          </a:ln>
+        </p:spPr>
+        <p:style>
+          <a:lnRef idx="3">
+            <a:schemeClr val="accent2"/>
+          </a:lnRef>
+          <a:fillRef idx="0">
+            <a:schemeClr val="accent2"/>
+          </a:fillRef>
+          <a:effectRef idx="2">
+            <a:schemeClr val="accent2"/>
+          </a:effectRef>
+          <a:fontRef idx="minor">
+            <a:schemeClr val="tx1"/>
+          </a:fontRef>
+        </p:style>
+      </p:cxnSp>
+      <p:cxnSp>
+        <p:nvCxnSpPr>
+          <p:cNvPr id="53" name="Straight Arrow Connector 52"/>
+          <p:cNvCxnSpPr/>
+          <p:nvPr/>
+        </p:nvCxnSpPr>
+        <p:spPr>
+          <a:xfrm flipV="1">
+            <a:off x="4611296" y="2117986"/>
+            <a:ext cx="3132000" cy="0"/>
+          </a:xfrm>
+          <a:prstGeom prst="straightConnector1">
+            <a:avLst/>
+          </a:prstGeom>
+          <a:ln>
+            <a:tailEnd type="triangle"/>
+          </a:ln>
+        </p:spPr>
+        <p:style>
+          <a:lnRef idx="3">
+            <a:schemeClr val="accent2"/>
+          </a:lnRef>
+          <a:fillRef idx="0">
+            <a:schemeClr val="accent2"/>
+          </a:fillRef>
+          <a:effectRef idx="2">
+            <a:schemeClr val="accent2"/>
+          </a:effectRef>
+          <a:fontRef idx="minor">
+            <a:schemeClr val="tx1"/>
+          </a:fontRef>
+        </p:style>
+      </p:cxnSp>
+      <p:sp>
+        <p:nvSpPr>
+          <p:cNvPr id="54" name="TextBox 53"/>
+          <p:cNvSpPr txBox="1"/>
+          <p:nvPr/>
+        </p:nvSpPr>
+        <p:spPr>
+          <a:xfrm>
+            <a:off x="4828610" y="4300104"/>
+            <a:ext cx="5116773" cy="253916"/>
+          </a:xfrm>
+          <a:prstGeom prst="rect">
+            <a:avLst/>
+          </a:prstGeom>
+          <a:noFill/>
+        </p:spPr>
+        <p:txBody>
+          <a:bodyPr wrap="square" rtlCol="0">
+            <a:spAutoFit/>
+          </a:bodyPr>
+          <a:lstStyle/>
+          <a:p>
+            <a:r>
+              <a:rPr lang="en-SG" sz="1050" dirty="0" err="1" smtClean="0">
+                <a:ln w="0"/>
+                <a:solidFill>
+                  <a:schemeClr val="accent2">
+                    <a:lumMod val="75000"/>
+                  </a:schemeClr>
+                </a:solidFill>
+                <a:effectLst>
+                  <a:outerShdw blurRad="38100" dist="25400" dir="5400000" algn="ctr" rotWithShape="0">
+                    <a:srgbClr val="6E747A">
+                      <a:alpha val="43000"/>
+                    </a:srgbClr>
+                  </a:outerShdw>
+                </a:effectLst>
+              </a:rPr>
+              <a:t>tester.vid</a:t>
+            </a:r>
+            <a:r>
+              <a:rPr lang="en-SG" sz="1050" b="1" dirty="0" smtClean="0">
+                <a:ln w="0"/>
+                <a:solidFill>
+                  <a:schemeClr val="accent2">
+                    <a:lumMod val="75000"/>
+                  </a:schemeClr>
+                </a:solidFill>
+                <a:effectLst>
+                  <a:outerShdw blurRad="38100" dist="25400" dir="5400000" algn="ctr" rotWithShape="0">
+                    <a:srgbClr val="6E747A">
+                      <a:alpha val="43000"/>
+                    </a:srgbClr>
+                  </a:outerShdw>
+                </a:effectLst>
+              </a:rPr>
+              <a:t>&lt;ID&gt;</a:t>
+            </a:r>
+            <a:r>
+              <a:rPr lang="en-SG" sz="1050" dirty="0" smtClean="0">
+                <a:ln w="0"/>
+                <a:solidFill>
+                  <a:schemeClr val="accent2">
+                    <a:lumMod val="75000"/>
+                  </a:schemeClr>
+                </a:solidFill>
+                <a:effectLst>
+                  <a:outerShdw blurRad="38100" dist="25400" dir="5400000" algn="ctr" rotWithShape="0">
+                    <a:srgbClr val="6E747A">
+                      <a:alpha val="43000"/>
+                    </a:srgbClr>
+                  </a:outerShdw>
+                </a:effectLst>
+              </a:rPr>
+              <a:t>.alert-response: {‘stage’: ‘</a:t>
+            </a:r>
+            <a:r>
+              <a:rPr lang="en-SG" sz="1050" dirty="0" err="1" smtClean="0">
+                <a:ln w="0"/>
+                <a:solidFill>
+                  <a:schemeClr val="accent2">
+                    <a:lumMod val="75000"/>
+                  </a:schemeClr>
+                </a:solidFill>
+                <a:effectLst>
+                  <a:outerShdw blurRad="38100" dist="25400" dir="5400000" algn="ctr" rotWithShape="0">
+                    <a:srgbClr val="6E747A">
+                      <a:alpha val="43000"/>
+                    </a:srgbClr>
+                  </a:outerShdw>
+                </a:effectLst>
+              </a:rPr>
+              <a:t>alert-msg|alert-switch</a:t>
+            </a:r>
+            <a:r>
+              <a:rPr lang="en-SG" sz="1050" dirty="0" smtClean="0">
+                <a:ln w="0"/>
+                <a:solidFill>
+                  <a:schemeClr val="accent2">
+                    <a:lumMod val="75000"/>
+                  </a:schemeClr>
+                </a:solidFill>
+                <a:effectLst>
+                  <a:outerShdw blurRad="38100" dist="25400" dir="5400000" algn="ctr" rotWithShape="0">
+                    <a:srgbClr val="6E747A">
+                      <a:alpha val="43000"/>
+                    </a:srgbClr>
+                  </a:outerShdw>
+                </a:effectLst>
+              </a:rPr>
+              <a:t>’, ‘status’: ‘</a:t>
+            </a:r>
+            <a:r>
+              <a:rPr lang="en-SG" sz="1050" dirty="0" err="1" smtClean="0">
+                <a:ln w="0"/>
+                <a:solidFill>
+                  <a:schemeClr val="accent2">
+                    <a:lumMod val="75000"/>
+                  </a:schemeClr>
+                </a:solidFill>
+                <a:effectLst>
+                  <a:outerShdw blurRad="38100" dist="25400" dir="5400000" algn="ctr" rotWithShape="0">
+                    <a:srgbClr val="6E747A">
+                      <a:alpha val="43000"/>
+                    </a:srgbClr>
+                  </a:outerShdw>
+                </a:effectLst>
+              </a:rPr>
+              <a:t>success|failed</a:t>
+            </a:r>
+            <a:r>
+              <a:rPr lang="en-SG" sz="1050" dirty="0" smtClean="0">
+                <a:ln w="0"/>
+                <a:solidFill>
+                  <a:schemeClr val="accent2">
+                    <a:lumMod val="75000"/>
+                  </a:schemeClr>
+                </a:solidFill>
+                <a:effectLst>
+                  <a:outerShdw blurRad="38100" dist="25400" dir="5400000" algn="ctr" rotWithShape="0">
+                    <a:srgbClr val="6E747A">
+                      <a:alpha val="43000"/>
+                    </a:srgbClr>
+                  </a:outerShdw>
+                </a:effectLst>
+              </a:rPr>
+              <a:t>}</a:t>
+            </a:r>
+            <a:endParaRPr lang="en-SG" sz="1050" dirty="0">
+              <a:ln w="0"/>
+              <a:solidFill>
+                <a:schemeClr val="accent2">
+                  <a:lumMod val="75000"/>
+                </a:schemeClr>
+              </a:solidFill>
+              <a:effectLst>
+                <a:outerShdw blurRad="38100" dist="25400" dir="5400000" algn="ctr" rotWithShape="0">
+                  <a:srgbClr val="6E747A">
+                    <a:alpha val="43000"/>
+                  </a:srgbClr>
+                </a:outerShdw>
+              </a:effectLst>
+            </a:endParaRPr>
+          </a:p>
+        </p:txBody>
+      </p:sp>
+      <p:sp>
+        <p:nvSpPr>
+          <p:cNvPr id="56" name="TextBox 55"/>
+          <p:cNvSpPr txBox="1"/>
+          <p:nvPr/>
+        </p:nvSpPr>
+        <p:spPr>
+          <a:xfrm>
+            <a:off x="7749683" y="2174768"/>
+            <a:ext cx="1672985" cy="1277273"/>
+          </a:xfrm>
+          <a:prstGeom prst="rect">
+            <a:avLst/>
+          </a:prstGeom>
+          <a:noFill/>
+        </p:spPr>
+        <p:txBody>
+          <a:bodyPr wrap="square" rtlCol="0">
+            <a:spAutoFit/>
+            <a:scene3d>
+              <a:camera prst="orthographicFront"/>
+              <a:lightRig rig="soft" dir="t">
+                <a:rot lat="0" lon="0" rev="15600000"/>
+              </a:lightRig>
+            </a:scene3d>
+            <a:sp3d extrusionH="57150" prstMaterial="softEdge">
+              <a:bevelT w="25400" h="38100"/>
+            </a:sp3d>
+          </a:bodyPr>
+          <a:lstStyle/>
+          <a:p>
+            <a:r>
+              <a:rPr lang="en-SG" sz="1100" b="1" dirty="0" smtClean="0">
+                <a:ln/>
+                <a:solidFill>
+                  <a:schemeClr val="accent4"/>
+                </a:solidFill>
+              </a:rPr>
+              <a:t>GPIO </a:t>
+            </a:r>
+            <a:r>
+              <a:rPr lang="en-SG" sz="1100" b="1" dirty="0" smtClean="0">
+                <a:ln/>
+                <a:solidFill>
+                  <a:schemeClr val="accent4"/>
+                </a:solidFill>
+              </a:rPr>
+              <a:t>24 set to High</a:t>
+            </a:r>
+          </a:p>
+          <a:p>
+            <a:r>
+              <a:rPr lang="en-SG" sz="1100" b="1" dirty="0" smtClean="0">
+                <a:ln/>
+                <a:solidFill>
+                  <a:schemeClr val="accent4"/>
+                </a:solidFill>
+              </a:rPr>
+              <a:t>Servo/push door bell</a:t>
+            </a:r>
+          </a:p>
+          <a:p>
+            <a:pPr marL="171450" indent="-171450">
+              <a:buFontTx/>
+              <a:buChar char="-"/>
+            </a:pPr>
+            <a:r>
+              <a:rPr lang="en-SG" sz="1100" b="1" dirty="0" smtClean="0">
+                <a:ln/>
+                <a:solidFill>
+                  <a:schemeClr val="accent4"/>
+                </a:solidFill>
+              </a:rPr>
+              <a:t>GPIO18 duty 97.5%</a:t>
+            </a:r>
+          </a:p>
+          <a:p>
+            <a:pPr marL="171450" indent="-171450">
+              <a:buFontTx/>
+              <a:buChar char="-"/>
+            </a:pPr>
+            <a:r>
+              <a:rPr lang="en-SG" sz="1100" b="1" dirty="0" smtClean="0">
+                <a:ln/>
+                <a:solidFill>
+                  <a:schemeClr val="accent4"/>
+                </a:solidFill>
+              </a:rPr>
+              <a:t>1s delay</a:t>
+            </a:r>
+          </a:p>
+          <a:p>
+            <a:pPr marL="171450" indent="-171450">
+              <a:buFontTx/>
+              <a:buChar char="-"/>
+            </a:pPr>
+            <a:r>
+              <a:rPr lang="en-SG" sz="1100" b="1" dirty="0" smtClean="0">
+                <a:ln/>
+                <a:solidFill>
+                  <a:schemeClr val="accent4"/>
+                </a:solidFill>
+              </a:rPr>
+              <a:t>GPIO18 duty 90.5%</a:t>
+            </a:r>
+          </a:p>
+          <a:p>
+            <a:pPr marL="171450" indent="-171450">
+              <a:buFontTx/>
+              <a:buChar char="-"/>
+            </a:pPr>
+            <a:r>
+              <a:rPr lang="en-SG" sz="1100" b="1" dirty="0" smtClean="0">
+                <a:ln/>
+                <a:solidFill>
+                  <a:schemeClr val="accent4"/>
+                </a:solidFill>
+              </a:rPr>
+              <a:t>1s delay</a:t>
+            </a:r>
+          </a:p>
+          <a:p>
+            <a:pPr marL="171450" indent="-171450">
+              <a:buFontTx/>
+              <a:buChar char="-"/>
+            </a:pPr>
+            <a:r>
+              <a:rPr lang="en-SG" sz="1100" b="1" dirty="0" smtClean="0">
+                <a:ln/>
+                <a:solidFill>
+                  <a:schemeClr val="accent4"/>
+                </a:solidFill>
+              </a:rPr>
+              <a:t>GPIO18 duty 97.5%</a:t>
+            </a:r>
+            <a:endParaRPr lang="en-SG" sz="1100" b="1" dirty="0">
+              <a:ln/>
+              <a:solidFill>
+                <a:schemeClr val="accent4"/>
+              </a:solidFill>
+            </a:endParaRPr>
+          </a:p>
+        </p:txBody>
+      </p:sp>
+      <p:cxnSp>
+        <p:nvCxnSpPr>
+          <p:cNvPr id="57" name="Straight Arrow Connector 56"/>
+          <p:cNvCxnSpPr/>
+          <p:nvPr/>
+        </p:nvCxnSpPr>
+        <p:spPr>
+          <a:xfrm flipH="1" flipV="1">
+            <a:off x="4619787" y="3528488"/>
+            <a:ext cx="3132000" cy="0"/>
+          </a:xfrm>
+          <a:prstGeom prst="straightConnector1">
+            <a:avLst/>
+          </a:prstGeom>
+          <a:ln>
+            <a:tailEnd type="triangle"/>
+          </a:ln>
+        </p:spPr>
+        <p:style>
+          <a:lnRef idx="3">
+            <a:schemeClr val="accent3"/>
+          </a:lnRef>
+          <a:fillRef idx="0">
+            <a:schemeClr val="accent3"/>
+          </a:fillRef>
+          <a:effectRef idx="2">
+            <a:schemeClr val="accent3"/>
+          </a:effectRef>
+          <a:fontRef idx="minor">
+            <a:schemeClr val="tx1"/>
+          </a:fontRef>
+        </p:style>
+      </p:cxnSp>
+      <p:sp>
+        <p:nvSpPr>
+          <p:cNvPr id="58" name="TextBox 57"/>
+          <p:cNvSpPr txBox="1"/>
+          <p:nvPr/>
+        </p:nvSpPr>
+        <p:spPr>
+          <a:xfrm>
+            <a:off x="4710100" y="3053838"/>
+            <a:ext cx="2952737" cy="415498"/>
+          </a:xfrm>
+          <a:prstGeom prst="rect">
+            <a:avLst/>
+          </a:prstGeom>
+          <a:noFill/>
+        </p:spPr>
+        <p:txBody>
+          <a:bodyPr wrap="square" rtlCol="0">
+            <a:spAutoFit/>
+          </a:bodyPr>
+          <a:lstStyle/>
+          <a:p>
+            <a:r>
+              <a:rPr lang="en-SG" sz="1050" dirty="0" err="1" smtClean="0">
+                <a:ln w="0"/>
+                <a:solidFill>
+                  <a:schemeClr val="bg1">
+                    <a:lumMod val="50000"/>
+                  </a:schemeClr>
+                </a:solidFill>
+                <a:effectLst>
+                  <a:outerShdw blurRad="38100" dist="25400" dir="5400000" algn="ctr" rotWithShape="0">
+                    <a:srgbClr val="6E747A">
+                      <a:alpha val="43000"/>
+                    </a:srgbClr>
+                  </a:outerShdw>
+                </a:effectLst>
+              </a:rPr>
+              <a:t>tester.vid</a:t>
+            </a:r>
+            <a:r>
+              <a:rPr lang="en-SG" sz="1050" b="1" dirty="0">
+                <a:ln w="0"/>
+                <a:solidFill>
+                  <a:schemeClr val="bg1">
+                    <a:lumMod val="50000"/>
+                  </a:schemeClr>
+                </a:solidFill>
+                <a:effectLst>
+                  <a:outerShdw blurRad="38100" dist="25400" dir="5400000" algn="ctr" rotWithShape="0">
+                    <a:srgbClr val="6E747A">
+                      <a:alpha val="43000"/>
+                    </a:srgbClr>
+                  </a:outerShdw>
+                </a:effectLst>
+              </a:rPr>
+              <a:t>&lt;ID</a:t>
+            </a:r>
+            <a:r>
+              <a:rPr lang="en-SG" sz="1050" b="1" dirty="0" smtClean="0">
+                <a:ln w="0"/>
+                <a:solidFill>
+                  <a:schemeClr val="bg1">
+                    <a:lumMod val="50000"/>
+                  </a:schemeClr>
+                </a:solidFill>
+                <a:effectLst>
+                  <a:outerShdw blurRad="38100" dist="25400" dir="5400000" algn="ctr" rotWithShape="0">
+                    <a:srgbClr val="6E747A">
+                      <a:alpha val="43000"/>
+                    </a:srgbClr>
+                  </a:outerShdw>
+                </a:effectLst>
+              </a:rPr>
+              <a:t>&gt;</a:t>
+            </a:r>
+            <a:r>
+              <a:rPr lang="en-SG" sz="1050" dirty="0" smtClean="0">
+                <a:ln w="0"/>
+                <a:solidFill>
+                  <a:schemeClr val="bg1">
+                    <a:lumMod val="50000"/>
+                  </a:schemeClr>
+                </a:solidFill>
+                <a:effectLst>
+                  <a:outerShdw blurRad="38100" dist="25400" dir="5400000" algn="ctr" rotWithShape="0">
+                    <a:srgbClr val="6E747A">
+                      <a:alpha val="43000"/>
+                    </a:srgbClr>
+                  </a:outerShdw>
+                </a:effectLst>
+              </a:rPr>
+              <a:t>.</a:t>
+            </a:r>
+            <a:r>
+              <a:rPr lang="en-SG" sz="1050" dirty="0" smtClean="0">
+                <a:ln w="0"/>
+                <a:solidFill>
+                  <a:schemeClr val="bg1">
+                    <a:lumMod val="50000"/>
+                  </a:schemeClr>
+                </a:solidFill>
+                <a:effectLst>
+                  <a:outerShdw blurRad="38100" dist="25400" dir="5400000" algn="ctr" rotWithShape="0">
+                    <a:srgbClr val="6E747A">
+                      <a:alpha val="43000"/>
+                    </a:srgbClr>
+                  </a:outerShdw>
+                </a:effectLst>
+              </a:rPr>
+              <a:t>alert-response</a:t>
+            </a:r>
+            <a:r>
+              <a:rPr lang="en-SG" sz="1050" dirty="0" smtClean="0">
+                <a:ln w="0"/>
+                <a:solidFill>
+                  <a:schemeClr val="bg1">
+                    <a:lumMod val="50000"/>
+                  </a:schemeClr>
+                </a:solidFill>
+                <a:effectLst>
+                  <a:outerShdw blurRad="38100" dist="25400" dir="5400000" algn="ctr" rotWithShape="0">
+                    <a:srgbClr val="6E747A">
+                      <a:alpha val="43000"/>
+                    </a:srgbClr>
+                  </a:outerShdw>
+                </a:effectLst>
+              </a:rPr>
+              <a:t>: </a:t>
+            </a:r>
+            <a:r>
+              <a:rPr lang="en-SG" sz="1050" dirty="0" smtClean="0">
+                <a:ln w="0"/>
+                <a:solidFill>
+                  <a:schemeClr val="bg1">
+                    <a:lumMod val="50000"/>
+                  </a:schemeClr>
+                </a:solidFill>
+                <a:effectLst>
+                  <a:outerShdw blurRad="38100" dist="25400" dir="5400000" algn="ctr" rotWithShape="0">
+                    <a:srgbClr val="6E747A">
+                      <a:alpha val="43000"/>
+                    </a:srgbClr>
+                  </a:outerShdw>
+                </a:effectLst>
+              </a:rPr>
+              <a:t>{‘</a:t>
+            </a:r>
+            <a:r>
+              <a:rPr lang="en-SG" sz="1050" dirty="0" smtClean="0">
+                <a:ln w="0"/>
+                <a:solidFill>
+                  <a:schemeClr val="bg1">
+                    <a:lumMod val="50000"/>
+                  </a:schemeClr>
+                </a:solidFill>
+                <a:effectLst>
+                  <a:outerShdw blurRad="38100" dist="25400" dir="5400000" algn="ctr" rotWithShape="0">
+                    <a:srgbClr val="6E747A">
+                      <a:alpha val="43000"/>
+                    </a:srgbClr>
+                  </a:outerShdw>
+                </a:effectLst>
+              </a:rPr>
+              <a:t>stage’: ‘</a:t>
+            </a:r>
+            <a:r>
+              <a:rPr lang="en-SG" sz="1050" dirty="0" err="1" smtClean="0">
+                <a:ln w="0"/>
+                <a:solidFill>
+                  <a:schemeClr val="bg1">
+                    <a:lumMod val="50000"/>
+                  </a:schemeClr>
+                </a:solidFill>
+                <a:effectLst>
+                  <a:outerShdw blurRad="38100" dist="25400" dir="5400000" algn="ctr" rotWithShape="0">
+                    <a:srgbClr val="6E747A">
+                      <a:alpha val="43000"/>
+                    </a:srgbClr>
+                  </a:outerShdw>
+                </a:effectLst>
+              </a:rPr>
+              <a:t>alert-msg</a:t>
+            </a:r>
+            <a:r>
+              <a:rPr lang="en-SG" sz="1050" dirty="0" err="1" smtClean="0">
+                <a:ln w="0"/>
+                <a:solidFill>
+                  <a:schemeClr val="bg1">
+                    <a:lumMod val="50000"/>
+                  </a:schemeClr>
+                </a:solidFill>
+                <a:effectLst>
+                  <a:outerShdw blurRad="38100" dist="25400" dir="5400000" algn="ctr" rotWithShape="0">
+                    <a:srgbClr val="6E747A">
+                      <a:alpha val="43000"/>
+                    </a:srgbClr>
+                  </a:outerShdw>
+                </a:effectLst>
+              </a:rPr>
+              <a:t>|alert-switch</a:t>
+            </a:r>
+            <a:r>
+              <a:rPr lang="en-SG" sz="1050" dirty="0" smtClean="0">
+                <a:ln w="0"/>
+                <a:solidFill>
+                  <a:schemeClr val="bg1">
+                    <a:lumMod val="50000"/>
+                  </a:schemeClr>
+                </a:solidFill>
+                <a:effectLst>
+                  <a:outerShdw blurRad="38100" dist="25400" dir="5400000" algn="ctr" rotWithShape="0">
+                    <a:srgbClr val="6E747A">
+                      <a:alpha val="43000"/>
+                    </a:srgbClr>
+                  </a:outerShdw>
+                </a:effectLst>
+              </a:rPr>
+              <a:t>’, ‘status’: ‘</a:t>
+            </a:r>
+            <a:r>
+              <a:rPr lang="en-SG" sz="1050" dirty="0" err="1" smtClean="0">
+                <a:ln w="0"/>
+                <a:solidFill>
+                  <a:schemeClr val="bg1">
+                    <a:lumMod val="50000"/>
+                  </a:schemeClr>
+                </a:solidFill>
+                <a:effectLst>
+                  <a:outerShdw blurRad="38100" dist="25400" dir="5400000" algn="ctr" rotWithShape="0">
+                    <a:srgbClr val="6E747A">
+                      <a:alpha val="43000"/>
+                    </a:srgbClr>
+                  </a:outerShdw>
+                </a:effectLst>
+              </a:rPr>
+              <a:t>success|failed</a:t>
+            </a:r>
+            <a:r>
+              <a:rPr lang="en-SG" sz="1050" dirty="0" smtClean="0">
+                <a:ln w="0"/>
+                <a:solidFill>
+                  <a:schemeClr val="bg1">
+                    <a:lumMod val="50000"/>
+                  </a:schemeClr>
+                </a:solidFill>
+                <a:effectLst>
+                  <a:outerShdw blurRad="38100" dist="25400" dir="5400000" algn="ctr" rotWithShape="0">
+                    <a:srgbClr val="6E747A">
+                      <a:alpha val="43000"/>
+                    </a:srgbClr>
+                  </a:outerShdw>
+                </a:effectLst>
+              </a:rPr>
+              <a:t>’}</a:t>
+            </a:r>
+          </a:p>
+        </p:txBody>
+      </p:sp>
+      <p:sp>
+        <p:nvSpPr>
+          <p:cNvPr id="59" name="TextBox 58"/>
+          <p:cNvSpPr txBox="1"/>
+          <p:nvPr/>
+        </p:nvSpPr>
+        <p:spPr>
+          <a:xfrm>
+            <a:off x="8003215" y="3925103"/>
+            <a:ext cx="2485479" cy="276999"/>
+          </a:xfrm>
+          <a:prstGeom prst="rect">
+            <a:avLst/>
+          </a:prstGeom>
+          <a:noFill/>
+        </p:spPr>
+        <p:txBody>
+          <a:bodyPr wrap="square" rtlCol="0">
+            <a:spAutoFit/>
+          </a:bodyPr>
+          <a:lstStyle/>
+          <a:p>
+            <a:pPr algn="ctr"/>
+            <a:r>
+              <a:rPr lang="en-SG" sz="1200" dirty="0" smtClean="0">
+                <a:solidFill>
+                  <a:srgbClr val="FF0000"/>
+                </a:solidFill>
+              </a:rPr>
+              <a:t>Log Error if failed to set GPIO</a:t>
+            </a:r>
+            <a:endParaRPr lang="en-SG" sz="1200" dirty="0">
+              <a:solidFill>
+                <a:srgbClr val="FF0000"/>
+              </a:solidFill>
+            </a:endParaRPr>
+          </a:p>
+        </p:txBody>
+      </p:sp>
+      <p:cxnSp>
+        <p:nvCxnSpPr>
+          <p:cNvPr id="60" name="Elbow Connector 59"/>
+          <p:cNvCxnSpPr>
+            <a:endCxn id="59" idx="0"/>
+          </p:cNvCxnSpPr>
+          <p:nvPr/>
+        </p:nvCxnSpPr>
+        <p:spPr>
+          <a:xfrm>
+            <a:off x="7749683" y="3673798"/>
+            <a:ext cx="1496272" cy="251305"/>
+          </a:xfrm>
+          <a:prstGeom prst="bentConnector2">
+            <a:avLst/>
+          </a:prstGeom>
+          <a:ln>
+            <a:solidFill>
+              <a:srgbClr val="FF0000"/>
+            </a:solidFill>
+            <a:prstDash val="sysDash"/>
+            <a:tailEnd type="triangle"/>
+          </a:ln>
+        </p:spPr>
+        <p:style>
+          <a:lnRef idx="3">
+            <a:schemeClr val="accent3"/>
+          </a:lnRef>
+          <a:fillRef idx="0">
+            <a:schemeClr val="accent3"/>
+          </a:fillRef>
+          <a:effectRef idx="2">
+            <a:schemeClr val="accent3"/>
+          </a:effectRef>
+          <a:fontRef idx="minor">
+            <a:schemeClr val="tx1"/>
+          </a:fontRef>
+        </p:style>
+      </p:cxnSp>
+      <p:sp>
+        <p:nvSpPr>
+          <p:cNvPr id="62" name="TextBox 61"/>
+          <p:cNvSpPr txBox="1"/>
+          <p:nvPr/>
+        </p:nvSpPr>
+        <p:spPr>
+          <a:xfrm>
+            <a:off x="4710100" y="1740191"/>
+            <a:ext cx="2979982" cy="415498"/>
+          </a:xfrm>
+          <a:prstGeom prst="rect">
+            <a:avLst/>
+          </a:prstGeom>
+          <a:noFill/>
+        </p:spPr>
+        <p:txBody>
+          <a:bodyPr wrap="square" rtlCol="0">
+            <a:spAutoFit/>
+          </a:bodyPr>
+          <a:lstStyle/>
+          <a:p>
+            <a:r>
+              <a:rPr lang="en-SG" sz="1050" dirty="0" err="1" smtClean="0">
+                <a:ln w="0"/>
+                <a:solidFill>
+                  <a:schemeClr val="accent2">
+                    <a:lumMod val="75000"/>
+                  </a:schemeClr>
+                </a:solidFill>
+                <a:effectLst>
+                  <a:outerShdw blurRad="38100" dist="25400" dir="5400000" algn="ctr" rotWithShape="0">
+                    <a:srgbClr val="6E747A">
+                      <a:alpha val="43000"/>
+                    </a:srgbClr>
+                  </a:outerShdw>
+                </a:effectLst>
+              </a:rPr>
+              <a:t>tester.vid</a:t>
+            </a:r>
+            <a:r>
+              <a:rPr lang="en-SG" sz="1050" b="1" dirty="0">
+                <a:ln w="0"/>
+                <a:solidFill>
+                  <a:schemeClr val="accent2">
+                    <a:lumMod val="75000"/>
+                  </a:schemeClr>
+                </a:solidFill>
+                <a:effectLst>
+                  <a:outerShdw blurRad="38100" dist="25400" dir="5400000" algn="ctr" rotWithShape="0">
+                    <a:srgbClr val="6E747A">
+                      <a:alpha val="43000"/>
+                    </a:srgbClr>
+                  </a:outerShdw>
+                </a:effectLst>
+              </a:rPr>
+              <a:t>&lt;ID</a:t>
+            </a:r>
+            <a:r>
+              <a:rPr lang="en-SG" sz="1050" b="1" dirty="0" smtClean="0">
+                <a:ln w="0"/>
+                <a:solidFill>
+                  <a:schemeClr val="accent2">
+                    <a:lumMod val="75000"/>
+                  </a:schemeClr>
+                </a:solidFill>
+                <a:effectLst>
+                  <a:outerShdw blurRad="38100" dist="25400" dir="5400000" algn="ctr" rotWithShape="0">
+                    <a:srgbClr val="6E747A">
+                      <a:alpha val="43000"/>
+                    </a:srgbClr>
+                  </a:outerShdw>
+                </a:effectLst>
+              </a:rPr>
+              <a:t>&gt;</a:t>
+            </a:r>
+            <a:r>
+              <a:rPr lang="en-SG" sz="1050" dirty="0" smtClean="0">
+                <a:ln w="0"/>
+                <a:solidFill>
+                  <a:schemeClr val="accent2">
+                    <a:lumMod val="75000"/>
+                  </a:schemeClr>
+                </a:solidFill>
+                <a:effectLst>
+                  <a:outerShdw blurRad="38100" dist="25400" dir="5400000" algn="ctr" rotWithShape="0">
+                    <a:srgbClr val="6E747A">
+                      <a:alpha val="43000"/>
+                    </a:srgbClr>
+                  </a:outerShdw>
+                </a:effectLst>
+              </a:rPr>
+              <a:t>.</a:t>
+            </a:r>
+            <a:r>
+              <a:rPr lang="en-SG" sz="1050" dirty="0" smtClean="0">
+                <a:ln w="0"/>
+                <a:solidFill>
+                  <a:schemeClr val="accent2">
+                    <a:lumMod val="75000"/>
+                  </a:schemeClr>
+                </a:solidFill>
+                <a:effectLst>
+                  <a:outerShdw blurRad="38100" dist="25400" dir="5400000" algn="ctr" rotWithShape="0">
+                    <a:srgbClr val="6E747A">
+                      <a:alpha val="43000"/>
+                    </a:srgbClr>
+                  </a:outerShdw>
+                </a:effectLst>
+              </a:rPr>
+              <a:t>alert</a:t>
+            </a:r>
+            <a:r>
+              <a:rPr lang="en-SG" sz="1050" dirty="0" smtClean="0">
+                <a:ln w="0"/>
+                <a:solidFill>
+                  <a:schemeClr val="accent2">
+                    <a:lumMod val="75000"/>
+                  </a:schemeClr>
+                </a:solidFill>
+                <a:effectLst>
+                  <a:outerShdw blurRad="38100" dist="25400" dir="5400000" algn="ctr" rotWithShape="0">
+                    <a:srgbClr val="6E747A">
+                      <a:alpha val="43000"/>
+                    </a:srgbClr>
+                  </a:outerShdw>
+                </a:effectLst>
+              </a:rPr>
+              <a:t>: {‘</a:t>
+            </a:r>
+            <a:r>
+              <a:rPr lang="en-SG" sz="1050" dirty="0" smtClean="0">
+                <a:ln w="0"/>
+                <a:solidFill>
+                  <a:schemeClr val="accent2">
+                    <a:lumMod val="75000"/>
+                  </a:schemeClr>
+                </a:solidFill>
+                <a:effectLst>
+                  <a:outerShdw blurRad="38100" dist="25400" dir="5400000" algn="ctr" rotWithShape="0">
+                    <a:srgbClr val="6E747A">
+                      <a:alpha val="43000"/>
+                    </a:srgbClr>
+                  </a:outerShdw>
+                </a:effectLst>
+              </a:rPr>
+              <a:t>stage</a:t>
+            </a:r>
+            <a:r>
+              <a:rPr lang="en-SG" sz="1050" dirty="0" smtClean="0">
+                <a:ln w="0"/>
+                <a:solidFill>
+                  <a:schemeClr val="accent2">
+                    <a:lumMod val="75000"/>
+                  </a:schemeClr>
+                </a:solidFill>
+                <a:effectLst>
+                  <a:outerShdw blurRad="38100" dist="25400" dir="5400000" algn="ctr" rotWithShape="0">
+                    <a:srgbClr val="6E747A">
+                      <a:alpha val="43000"/>
+                    </a:srgbClr>
+                  </a:outerShdw>
+                </a:effectLst>
+              </a:rPr>
+              <a:t>’: ‘alert’, ‘status’: ‘activated’&gt;</a:t>
+            </a:r>
+            <a:endParaRPr lang="en-SG" sz="1050" dirty="0">
+              <a:ln w="0"/>
+              <a:solidFill>
+                <a:schemeClr val="accent2">
+                  <a:lumMod val="75000"/>
+                </a:schemeClr>
+              </a:solidFill>
+              <a:effectLst>
+                <a:outerShdw blurRad="38100" dist="25400" dir="5400000" algn="ctr" rotWithShape="0">
+                  <a:srgbClr val="6E747A">
+                    <a:alpha val="43000"/>
+                  </a:srgbClr>
+                </a:outerShdw>
+              </a:effectLst>
+            </a:endParaRPr>
+          </a:p>
+        </p:txBody>
+      </p:sp>
+      <p:sp>
+        <p:nvSpPr>
+          <p:cNvPr id="65" name="TextBox 64"/>
+          <p:cNvSpPr txBox="1"/>
+          <p:nvPr/>
+        </p:nvSpPr>
+        <p:spPr>
+          <a:xfrm>
+            <a:off x="10853636" y="4634987"/>
+            <a:ext cx="1419140" cy="1277273"/>
+          </a:xfrm>
+          <a:prstGeom prst="rect">
+            <a:avLst/>
+          </a:prstGeom>
+          <a:noFill/>
+        </p:spPr>
+        <p:txBody>
+          <a:bodyPr wrap="square" rtlCol="0">
+            <a:spAutoFit/>
+            <a:scene3d>
+              <a:camera prst="orthographicFront"/>
+              <a:lightRig rig="soft" dir="t">
+                <a:rot lat="0" lon="0" rev="15600000"/>
+              </a:lightRig>
+            </a:scene3d>
+            <a:sp3d extrusionH="57150" prstMaterial="softEdge">
+              <a:bevelT w="25400" h="38100"/>
+            </a:sp3d>
+          </a:bodyPr>
+          <a:lstStyle/>
+          <a:p>
+            <a:r>
+              <a:rPr lang="en-SG" sz="1100" b="1" dirty="0" smtClean="0">
+                <a:ln/>
+                <a:solidFill>
+                  <a:schemeClr val="accent4"/>
+                </a:solidFill>
+              </a:rPr>
+              <a:t>Extract:</a:t>
+            </a:r>
+          </a:p>
+          <a:p>
+            <a:r>
+              <a:rPr lang="en-SG" sz="1100" b="1" dirty="0" smtClean="0">
+                <a:ln/>
+                <a:solidFill>
+                  <a:schemeClr val="accent4"/>
+                </a:solidFill>
+              </a:rPr>
+              <a:t>ID: id</a:t>
+            </a:r>
+          </a:p>
+          <a:p>
+            <a:r>
+              <a:rPr lang="en-SG" sz="1100" b="1" dirty="0" smtClean="0">
+                <a:ln/>
+                <a:solidFill>
+                  <a:schemeClr val="accent4"/>
+                </a:solidFill>
+              </a:rPr>
+              <a:t>stage: ‘alert’</a:t>
+            </a:r>
+          </a:p>
+          <a:p>
+            <a:r>
+              <a:rPr lang="en-SG" sz="1100" b="1" dirty="0" err="1" smtClean="0">
+                <a:ln/>
+                <a:solidFill>
+                  <a:schemeClr val="accent4"/>
+                </a:solidFill>
+              </a:rPr>
+              <a:t>ActivateBy</a:t>
+            </a:r>
+            <a:r>
+              <a:rPr lang="en-SG" sz="1100" b="1" dirty="0" smtClean="0">
+                <a:ln/>
+                <a:solidFill>
+                  <a:schemeClr val="accent4"/>
+                </a:solidFill>
+              </a:rPr>
+              <a:t>: ‘</a:t>
+            </a:r>
+            <a:r>
+              <a:rPr lang="en-SG" sz="1100" b="1" dirty="0" err="1" smtClean="0">
+                <a:ln/>
+                <a:solidFill>
+                  <a:schemeClr val="accent4"/>
+                </a:solidFill>
+              </a:rPr>
+              <a:t>msg|switch</a:t>
+            </a:r>
+            <a:r>
+              <a:rPr lang="en-SG" sz="1100" b="1" dirty="0" smtClean="0">
+                <a:ln/>
+                <a:solidFill>
+                  <a:schemeClr val="accent4"/>
+                </a:solidFill>
+              </a:rPr>
+              <a:t>’</a:t>
+            </a:r>
+            <a:endParaRPr lang="en-SG" sz="1100" b="1" dirty="0" smtClean="0">
+              <a:ln/>
+              <a:solidFill>
+                <a:schemeClr val="accent4"/>
+              </a:solidFill>
+            </a:endParaRPr>
+          </a:p>
+          <a:p>
+            <a:r>
+              <a:rPr lang="en-SG" sz="1100" b="1" dirty="0" smtClean="0">
+                <a:ln/>
+                <a:solidFill>
+                  <a:schemeClr val="accent4"/>
+                </a:solidFill>
+              </a:rPr>
+              <a:t>status: ‘</a:t>
+            </a:r>
+            <a:r>
+              <a:rPr lang="en-SG" sz="1100" b="1" dirty="0" err="1" smtClean="0">
+                <a:ln/>
+                <a:solidFill>
+                  <a:schemeClr val="accent4"/>
+                </a:solidFill>
+              </a:rPr>
+              <a:t>success|failed</a:t>
+            </a:r>
+            <a:r>
+              <a:rPr lang="en-SG" sz="1100" b="1" dirty="0" smtClean="0">
+                <a:ln/>
+                <a:solidFill>
+                  <a:schemeClr val="accent4"/>
+                </a:solidFill>
+              </a:rPr>
+              <a:t>’</a:t>
+            </a:r>
+            <a:endParaRPr lang="en-SG" sz="1100" b="1" dirty="0">
+              <a:ln/>
+              <a:solidFill>
+                <a:schemeClr val="accent4"/>
+              </a:solidFill>
+            </a:endParaRPr>
+          </a:p>
+        </p:txBody>
+      </p:sp>
+      <p:cxnSp>
+        <p:nvCxnSpPr>
+          <p:cNvPr id="68" name="Straight Arrow Connector 67"/>
+          <p:cNvCxnSpPr/>
+          <p:nvPr/>
+        </p:nvCxnSpPr>
+        <p:spPr>
+          <a:xfrm flipH="1" flipV="1">
+            <a:off x="1470042" y="3781267"/>
+            <a:ext cx="3168000" cy="0"/>
+          </a:xfrm>
+          <a:prstGeom prst="straightConnector1">
+            <a:avLst/>
+          </a:prstGeom>
+          <a:ln>
+            <a:tailEnd type="triangle"/>
+          </a:ln>
+        </p:spPr>
+        <p:style>
+          <a:lnRef idx="3">
+            <a:schemeClr val="accent2"/>
+          </a:lnRef>
+          <a:fillRef idx="0">
+            <a:schemeClr val="accent2"/>
+          </a:fillRef>
+          <a:effectRef idx="2">
+            <a:schemeClr val="accent2"/>
+          </a:effectRef>
+          <a:fontRef idx="minor">
+            <a:schemeClr val="tx1"/>
+          </a:fontRef>
+        </p:style>
+      </p:cxnSp>
+      <p:sp>
+        <p:nvSpPr>
+          <p:cNvPr id="69" name="TextBox 68"/>
+          <p:cNvSpPr txBox="1"/>
+          <p:nvPr/>
+        </p:nvSpPr>
+        <p:spPr>
+          <a:xfrm>
+            <a:off x="1844558" y="3165814"/>
+            <a:ext cx="2525323" cy="577081"/>
+          </a:xfrm>
+          <a:prstGeom prst="rect">
+            <a:avLst/>
+          </a:prstGeom>
+          <a:noFill/>
+        </p:spPr>
+        <p:txBody>
+          <a:bodyPr wrap="square" rtlCol="0">
+            <a:spAutoFit/>
+          </a:bodyPr>
+          <a:lstStyle/>
+          <a:p>
+            <a:r>
+              <a:rPr lang="en-SG" sz="1050" dirty="0" err="1" smtClean="0">
+                <a:ln w="0"/>
+                <a:solidFill>
+                  <a:schemeClr val="accent2">
+                    <a:lumMod val="75000"/>
+                  </a:schemeClr>
+                </a:solidFill>
+                <a:effectLst>
+                  <a:outerShdw blurRad="38100" dist="25400" dir="5400000" algn="ctr" rotWithShape="0">
+                    <a:srgbClr val="6E747A">
+                      <a:alpha val="43000"/>
+                    </a:srgbClr>
+                  </a:outerShdw>
+                </a:effectLst>
+              </a:rPr>
+              <a:t>tester.vid</a:t>
+            </a:r>
+            <a:r>
+              <a:rPr lang="en-SG" sz="1050" b="1" dirty="0" smtClean="0">
+                <a:ln w="0"/>
+                <a:solidFill>
+                  <a:schemeClr val="accent2">
+                    <a:lumMod val="75000"/>
+                  </a:schemeClr>
+                </a:solidFill>
+                <a:effectLst>
+                  <a:outerShdw blurRad="38100" dist="25400" dir="5400000" algn="ctr" rotWithShape="0">
+                    <a:srgbClr val="6E747A">
+                      <a:alpha val="43000"/>
+                    </a:srgbClr>
+                  </a:outerShdw>
+                </a:effectLst>
+              </a:rPr>
+              <a:t>&lt;ID&gt;</a:t>
+            </a:r>
+            <a:r>
+              <a:rPr lang="en-SG" sz="1050" dirty="0" smtClean="0">
+                <a:ln w="0"/>
+                <a:solidFill>
+                  <a:schemeClr val="accent2">
+                    <a:lumMod val="75000"/>
+                  </a:schemeClr>
+                </a:solidFill>
+                <a:effectLst>
+                  <a:outerShdw blurRad="38100" dist="25400" dir="5400000" algn="ctr" rotWithShape="0">
+                    <a:srgbClr val="6E747A">
+                      <a:alpha val="43000"/>
+                    </a:srgbClr>
+                  </a:outerShdw>
+                </a:effectLst>
+              </a:rPr>
+              <a:t>.alert-response: {‘stage’: ‘</a:t>
+            </a:r>
+            <a:r>
+              <a:rPr lang="en-SG" sz="1050" dirty="0" err="1" smtClean="0">
+                <a:ln w="0"/>
+                <a:solidFill>
+                  <a:schemeClr val="accent2">
+                    <a:lumMod val="75000"/>
+                  </a:schemeClr>
+                </a:solidFill>
+                <a:effectLst>
+                  <a:outerShdw blurRad="38100" dist="25400" dir="5400000" algn="ctr" rotWithShape="0">
+                    <a:srgbClr val="6E747A">
+                      <a:alpha val="43000"/>
+                    </a:srgbClr>
+                  </a:outerShdw>
+                </a:effectLst>
+              </a:rPr>
+              <a:t>alert-msg|alert-switch</a:t>
+            </a:r>
+            <a:r>
+              <a:rPr lang="en-SG" sz="1050" dirty="0" smtClean="0">
+                <a:ln w="0"/>
+                <a:solidFill>
+                  <a:schemeClr val="accent2">
+                    <a:lumMod val="75000"/>
+                  </a:schemeClr>
+                </a:solidFill>
+                <a:effectLst>
+                  <a:outerShdw blurRad="38100" dist="25400" dir="5400000" algn="ctr" rotWithShape="0">
+                    <a:srgbClr val="6E747A">
+                      <a:alpha val="43000"/>
+                    </a:srgbClr>
+                  </a:outerShdw>
+                </a:effectLst>
+              </a:rPr>
+              <a:t>’, ‘status’: ‘</a:t>
+            </a:r>
+            <a:r>
+              <a:rPr lang="en-SG" sz="1050" dirty="0" err="1" smtClean="0">
+                <a:ln w="0"/>
+                <a:solidFill>
+                  <a:schemeClr val="accent2">
+                    <a:lumMod val="75000"/>
+                  </a:schemeClr>
+                </a:solidFill>
+                <a:effectLst>
+                  <a:outerShdw blurRad="38100" dist="25400" dir="5400000" algn="ctr" rotWithShape="0">
+                    <a:srgbClr val="6E747A">
+                      <a:alpha val="43000"/>
+                    </a:srgbClr>
+                  </a:outerShdw>
+                </a:effectLst>
+              </a:rPr>
+              <a:t>success|failed</a:t>
+            </a:r>
+            <a:r>
+              <a:rPr lang="en-SG" sz="1050" dirty="0" smtClean="0">
+                <a:ln w="0"/>
+                <a:solidFill>
+                  <a:schemeClr val="accent2">
+                    <a:lumMod val="75000"/>
+                  </a:schemeClr>
+                </a:solidFill>
+                <a:effectLst>
+                  <a:outerShdw blurRad="38100" dist="25400" dir="5400000" algn="ctr" rotWithShape="0">
+                    <a:srgbClr val="6E747A">
+                      <a:alpha val="43000"/>
+                    </a:srgbClr>
+                  </a:outerShdw>
+                </a:effectLst>
+              </a:rPr>
+              <a:t>}</a:t>
+            </a:r>
+            <a:endParaRPr lang="en-SG" sz="1050" dirty="0">
+              <a:ln w="0"/>
+              <a:solidFill>
+                <a:schemeClr val="accent2">
+                  <a:lumMod val="75000"/>
+                </a:schemeClr>
+              </a:solidFill>
+              <a:effectLst>
+                <a:outerShdw blurRad="38100" dist="25400" dir="5400000" algn="ctr" rotWithShape="0">
+                  <a:srgbClr val="6E747A">
+                    <a:alpha val="43000"/>
+                  </a:srgbClr>
+                </a:outerShdw>
+              </a:effectLst>
+            </a:endParaRPr>
+          </a:p>
+        </p:txBody>
+      </p:sp>
+      <p:sp>
+        <p:nvSpPr>
+          <p:cNvPr id="70" name="TextBox 69"/>
+          <p:cNvSpPr txBox="1"/>
+          <p:nvPr/>
+        </p:nvSpPr>
+        <p:spPr>
+          <a:xfrm>
+            <a:off x="82577" y="4237104"/>
+            <a:ext cx="1095207" cy="646331"/>
+          </a:xfrm>
+          <a:prstGeom prst="rect">
+            <a:avLst/>
+          </a:prstGeom>
+          <a:noFill/>
+        </p:spPr>
+        <p:txBody>
+          <a:bodyPr wrap="square" rtlCol="0">
+            <a:spAutoFit/>
+          </a:bodyPr>
+          <a:lstStyle/>
+          <a:p>
+            <a:pPr algn="ctr"/>
+            <a:r>
+              <a:rPr lang="en-SG" sz="1200" dirty="0" smtClean="0">
+                <a:solidFill>
+                  <a:srgbClr val="FF0000"/>
+                </a:solidFill>
+              </a:rPr>
+              <a:t>Log error if </a:t>
+            </a:r>
+            <a:r>
+              <a:rPr lang="en-SG" sz="1200" dirty="0" err="1" smtClean="0">
+                <a:solidFill>
+                  <a:srgbClr val="FF0000"/>
+                </a:solidFill>
+              </a:rPr>
+              <a:t>testScreen</a:t>
+            </a:r>
+            <a:r>
+              <a:rPr lang="en-SG" sz="1200" dirty="0" smtClean="0">
+                <a:solidFill>
+                  <a:srgbClr val="FF0000"/>
+                </a:solidFill>
+              </a:rPr>
+              <a:t> failed initialize</a:t>
+            </a:r>
+            <a:endParaRPr lang="en-SG" sz="1200" dirty="0">
+              <a:solidFill>
+                <a:srgbClr val="FF0000"/>
+              </a:solidFill>
+            </a:endParaRPr>
+          </a:p>
+        </p:txBody>
+      </p:sp>
+      <p:cxnSp>
+        <p:nvCxnSpPr>
+          <p:cNvPr id="71" name="Elbow Connector 70"/>
+          <p:cNvCxnSpPr>
+            <a:endCxn id="70" idx="0"/>
+          </p:cNvCxnSpPr>
+          <p:nvPr/>
+        </p:nvCxnSpPr>
+        <p:spPr>
+          <a:xfrm rot="10800000" flipV="1">
+            <a:off x="630182" y="3995188"/>
+            <a:ext cx="827911" cy="241916"/>
+          </a:xfrm>
+          <a:prstGeom prst="bentConnector2">
+            <a:avLst/>
+          </a:prstGeom>
+          <a:ln>
+            <a:solidFill>
+              <a:srgbClr val="FF0000"/>
+            </a:solidFill>
+            <a:prstDash val="sysDash"/>
+            <a:tailEnd type="triangle"/>
+          </a:ln>
+        </p:spPr>
+        <p:style>
+          <a:lnRef idx="3">
+            <a:schemeClr val="accent1"/>
+          </a:lnRef>
+          <a:fillRef idx="0">
+            <a:schemeClr val="accent1"/>
+          </a:fillRef>
+          <a:effectRef idx="2">
+            <a:schemeClr val="accent1"/>
+          </a:effectRef>
+          <a:fontRef idx="minor">
+            <a:schemeClr val="tx1"/>
+          </a:fontRef>
+        </p:style>
+      </p:cxnSp>
+      <p:sp>
+        <p:nvSpPr>
+          <p:cNvPr id="72" name="TextBox 71"/>
+          <p:cNvSpPr txBox="1"/>
+          <p:nvPr/>
+        </p:nvSpPr>
+        <p:spPr>
+          <a:xfrm>
+            <a:off x="3104571" y="6089688"/>
+            <a:ext cx="5735322" cy="646331"/>
+          </a:xfrm>
+          <a:prstGeom prst="rect">
+            <a:avLst/>
+          </a:prstGeom>
+          <a:solidFill>
+            <a:schemeClr val="accent4"/>
+          </a:solidFill>
+          <a:ln>
+            <a:solidFill>
+              <a:schemeClr val="accent4">
+                <a:lumMod val="50000"/>
+              </a:schemeClr>
+            </a:solidFill>
+          </a:ln>
+        </p:spPr>
+        <p:txBody>
+          <a:bodyPr wrap="square" rtlCol="0">
+            <a:spAutoFit/>
+          </a:bodyPr>
+          <a:lstStyle/>
+          <a:p>
+            <a:pPr algn="ctr"/>
+            <a:r>
+              <a:rPr lang="en-SG" dirty="0" smtClean="0"/>
+              <a:t>Message flow for Output 4 or switch pressed when alarm not enabled</a:t>
+            </a:r>
+            <a:endParaRPr lang="en-SG" dirty="0"/>
+          </a:p>
+        </p:txBody>
+      </p:sp>
+      <p:sp>
+        <p:nvSpPr>
+          <p:cNvPr id="73" name="TextBox 72"/>
+          <p:cNvSpPr txBox="1"/>
+          <p:nvPr/>
+        </p:nvSpPr>
+        <p:spPr>
+          <a:xfrm>
+            <a:off x="7822860" y="960299"/>
+            <a:ext cx="1672985" cy="430887"/>
+          </a:xfrm>
+          <a:prstGeom prst="rect">
+            <a:avLst/>
+          </a:prstGeom>
+          <a:noFill/>
+        </p:spPr>
+        <p:txBody>
+          <a:bodyPr wrap="square" rtlCol="0">
+            <a:spAutoFit/>
+            <a:scene3d>
+              <a:camera prst="orthographicFront"/>
+              <a:lightRig rig="soft" dir="t">
+                <a:rot lat="0" lon="0" rev="15600000"/>
+              </a:lightRig>
+            </a:scene3d>
+            <a:sp3d extrusionH="57150" prstMaterial="softEdge">
+              <a:bevelT w="25400" h="38100"/>
+            </a:sp3d>
+          </a:bodyPr>
+          <a:lstStyle/>
+          <a:p>
+            <a:r>
+              <a:rPr lang="en-SG" sz="1100" b="1" dirty="0" smtClean="0">
+                <a:ln/>
+                <a:solidFill>
+                  <a:schemeClr val="accent4"/>
+                </a:solidFill>
+              </a:rPr>
+              <a:t>Reset switch pressed but Alarm not enabled </a:t>
+            </a:r>
+            <a:endParaRPr lang="en-SG" sz="1100" b="1" dirty="0">
+              <a:ln/>
+              <a:solidFill>
+                <a:schemeClr val="accent4"/>
+              </a:solidFill>
+            </a:endParaRPr>
+          </a:p>
+        </p:txBody>
+      </p:sp>
+    </p:spTree>
+    <p:extLst>
+      <p:ext uri="{BB962C8B-B14F-4D97-AF65-F5344CB8AC3E}">
+        <p14:creationId xmlns:p14="http://schemas.microsoft.com/office/powerpoint/2010/main" val="3705793486"/>
+      </p:ext>
+    </p:extLst>
+  </p:cSld>
+  <p:clrMapOvr>
+    <a:masterClrMapping/>
+  </p:clrMapOvr>
+</p:sld>
+</file>
+
+<file path=ppt/slides/slide7.xml><?xml version="1.0" encoding="utf-8"?>
+<p:sld xmlns:a="http://schemas.openxmlformats.org/drawingml/2006/main" xmlns:r="http://schemas.openxmlformats.org/officeDocument/2006/relationships" xmlns:p="http://schemas.openxmlformats.org/presentationml/2006/main">
+  <p:cSld>
+    <p:spTree>
+      <p:nvGrpSpPr>
+        <p:cNvPr id="1" name=""/>
+        <p:cNvGrpSpPr/>
+        <p:nvPr/>
+      </p:nvGrpSpPr>
+      <p:grpSpPr>
+        <a:xfrm>
+          <a:off x="0" y="0"/>
+          <a:ext cx="0" cy="0"/>
+          <a:chOff x="0" y="0"/>
+          <a:chExt cx="0" cy="0"/>
+        </a:xfrm>
+      </p:grpSpPr>
+      <p:sp>
+        <p:nvSpPr>
+          <p:cNvPr id="4" name="Rounded Rectangle 3"/>
+          <p:cNvSpPr/>
+          <p:nvPr/>
+        </p:nvSpPr>
+        <p:spPr>
+          <a:xfrm>
+            <a:off x="768553" y="366643"/>
+            <a:ext cx="1466574" cy="472661"/>
+          </a:xfrm>
+          <a:prstGeom prst="roundRect">
+            <a:avLst/>
+          </a:prstGeom>
+        </p:spPr>
+        <p:style>
+          <a:lnRef idx="0">
+            <a:schemeClr val="accent1"/>
+          </a:lnRef>
+          <a:fillRef idx="3">
+            <a:schemeClr val="accent1"/>
+          </a:fillRef>
+          <a:effectRef idx="3">
+            <a:schemeClr val="accent1"/>
+          </a:effectRef>
+          <a:fontRef idx="minor">
+            <a:schemeClr val="lt1"/>
+          </a:fontRef>
+        </p:style>
+        <p:txBody>
+          <a:bodyPr rtlCol="0" anchor="ctr"/>
+          <a:lstStyle/>
+          <a:p>
+            <a:pPr algn="ctr"/>
+            <a:r>
+              <a:rPr lang="en-SG" dirty="0" err="1" smtClean="0"/>
+              <a:t>Algo</a:t>
+            </a:r>
+            <a:endParaRPr lang="en-SG" dirty="0"/>
+          </a:p>
+        </p:txBody>
+      </p:sp>
+      <p:cxnSp>
+        <p:nvCxnSpPr>
+          <p:cNvPr id="5" name="Straight Arrow Connector 4"/>
+          <p:cNvCxnSpPr>
+            <a:stCxn id="4" idx="2"/>
+          </p:cNvCxnSpPr>
+          <p:nvPr/>
+        </p:nvCxnSpPr>
+        <p:spPr>
+          <a:xfrm flipH="1">
+            <a:off x="1464067" y="839304"/>
+            <a:ext cx="0" cy="5601253"/>
+          </a:xfrm>
+          <a:prstGeom prst="straightConnector1">
+            <a:avLst/>
+          </a:prstGeom>
+          <a:ln>
+            <a:tailEnd type="triangle"/>
+          </a:ln>
+        </p:spPr>
+        <p:style>
+          <a:lnRef idx="3">
+            <a:schemeClr val="accent1"/>
+          </a:lnRef>
+          <a:fillRef idx="0">
+            <a:schemeClr val="accent1"/>
+          </a:fillRef>
+          <a:effectRef idx="2">
+            <a:schemeClr val="accent1"/>
+          </a:effectRef>
+          <a:fontRef idx="minor">
+            <a:schemeClr val="tx1"/>
+          </a:fontRef>
+        </p:style>
+      </p:cxnSp>
+      <p:sp>
+        <p:nvSpPr>
+          <p:cNvPr id="6" name="Rounded Rectangle 5"/>
+          <p:cNvSpPr/>
+          <p:nvPr/>
+        </p:nvSpPr>
+        <p:spPr>
+          <a:xfrm>
+            <a:off x="3892475" y="366643"/>
+            <a:ext cx="1466574" cy="472661"/>
+          </a:xfrm>
+          <a:prstGeom prst="roundRect">
+            <a:avLst/>
+          </a:prstGeom>
+        </p:spPr>
+        <p:style>
+          <a:lnRef idx="0">
+            <a:schemeClr val="accent2"/>
+          </a:lnRef>
+          <a:fillRef idx="3">
+            <a:schemeClr val="accent2"/>
+          </a:fillRef>
+          <a:effectRef idx="3">
+            <a:schemeClr val="accent2"/>
+          </a:effectRef>
+          <a:fontRef idx="minor">
+            <a:schemeClr val="lt1"/>
+          </a:fontRef>
+        </p:style>
+        <p:txBody>
+          <a:bodyPr rtlCol="0" anchor="ctr"/>
+          <a:lstStyle/>
+          <a:p>
+            <a:pPr algn="ctr"/>
+            <a:r>
+              <a:rPr lang="en-SG" dirty="0" err="1" smtClean="0"/>
+              <a:t>Redis</a:t>
+            </a:r>
+            <a:endParaRPr lang="en-SG" dirty="0"/>
+          </a:p>
+        </p:txBody>
+      </p:sp>
+      <p:cxnSp>
+        <p:nvCxnSpPr>
+          <p:cNvPr id="7" name="Straight Arrow Connector 6"/>
+          <p:cNvCxnSpPr/>
+          <p:nvPr/>
+        </p:nvCxnSpPr>
+        <p:spPr>
+          <a:xfrm>
+            <a:off x="4625761" y="839304"/>
+            <a:ext cx="0" cy="5601253"/>
+          </a:xfrm>
+          <a:prstGeom prst="straightConnector1">
+            <a:avLst/>
+          </a:prstGeom>
+          <a:ln>
+            <a:tailEnd type="triangle"/>
+          </a:ln>
+        </p:spPr>
+        <p:style>
+          <a:lnRef idx="3">
+            <a:schemeClr val="accent2"/>
+          </a:lnRef>
+          <a:fillRef idx="0">
+            <a:schemeClr val="accent2"/>
+          </a:fillRef>
+          <a:effectRef idx="2">
+            <a:schemeClr val="accent2"/>
+          </a:effectRef>
+          <a:fontRef idx="minor">
+            <a:schemeClr val="tx1"/>
+          </a:fontRef>
+        </p:style>
+      </p:cxnSp>
+      <p:sp>
+        <p:nvSpPr>
+          <p:cNvPr id="8" name="Rounded Rectangle 7"/>
+          <p:cNvSpPr/>
+          <p:nvPr/>
+        </p:nvSpPr>
+        <p:spPr>
+          <a:xfrm>
+            <a:off x="10140319" y="366643"/>
+            <a:ext cx="1466574" cy="472661"/>
+          </a:xfrm>
+          <a:prstGeom prst="roundRect">
+            <a:avLst/>
+          </a:prstGeom>
+        </p:spPr>
+        <p:style>
+          <a:lnRef idx="0">
+            <a:schemeClr val="accent6"/>
+          </a:lnRef>
+          <a:fillRef idx="3">
+            <a:schemeClr val="accent6"/>
+          </a:fillRef>
+          <a:effectRef idx="3">
+            <a:schemeClr val="accent6"/>
+          </a:effectRef>
+          <a:fontRef idx="minor">
+            <a:schemeClr val="lt1"/>
+          </a:fontRef>
+        </p:style>
+        <p:txBody>
+          <a:bodyPr rtlCol="0" anchor="ctr"/>
+          <a:lstStyle/>
+          <a:p>
+            <a:pPr algn="ctr"/>
+            <a:r>
+              <a:rPr lang="en-SG" dirty="0" smtClean="0"/>
+              <a:t>MQTT</a:t>
+            </a:r>
+            <a:endParaRPr lang="en-SG" dirty="0"/>
+          </a:p>
+        </p:txBody>
+      </p:sp>
+      <p:cxnSp>
+        <p:nvCxnSpPr>
+          <p:cNvPr id="9" name="Straight Arrow Connector 8"/>
+          <p:cNvCxnSpPr>
+            <a:stCxn id="8" idx="2"/>
+          </p:cNvCxnSpPr>
+          <p:nvPr/>
+        </p:nvCxnSpPr>
+        <p:spPr>
+          <a:xfrm>
+            <a:off x="10873606" y="839304"/>
+            <a:ext cx="0" cy="5601253"/>
+          </a:xfrm>
+          <a:prstGeom prst="straightConnector1">
+            <a:avLst/>
+          </a:prstGeom>
+          <a:ln>
+            <a:tailEnd type="triangle"/>
+          </a:ln>
+        </p:spPr>
+        <p:style>
+          <a:lnRef idx="3">
+            <a:schemeClr val="accent6"/>
+          </a:lnRef>
+          <a:fillRef idx="0">
+            <a:schemeClr val="accent6"/>
+          </a:fillRef>
+          <a:effectRef idx="2">
+            <a:schemeClr val="accent6"/>
+          </a:effectRef>
+          <a:fontRef idx="minor">
+            <a:schemeClr val="tx1"/>
+          </a:fontRef>
+        </p:style>
+      </p:cxnSp>
+      <p:sp>
+        <p:nvSpPr>
+          <p:cNvPr id="10" name="Rounded Rectangle 9"/>
+          <p:cNvSpPr/>
+          <p:nvPr/>
+        </p:nvSpPr>
+        <p:spPr>
+          <a:xfrm>
+            <a:off x="7016396" y="366643"/>
+            <a:ext cx="1466574" cy="472661"/>
+          </a:xfrm>
+          <a:prstGeom prst="roundRect">
+            <a:avLst/>
+          </a:prstGeom>
+        </p:spPr>
+        <p:style>
+          <a:lnRef idx="0">
+            <a:schemeClr val="accent3"/>
+          </a:lnRef>
+          <a:fillRef idx="3">
+            <a:schemeClr val="accent3"/>
+          </a:fillRef>
+          <a:effectRef idx="3">
+            <a:schemeClr val="accent3"/>
+          </a:effectRef>
+          <a:fontRef idx="minor">
+            <a:schemeClr val="lt1"/>
+          </a:fontRef>
+        </p:style>
+        <p:txBody>
+          <a:bodyPr rtlCol="0" anchor="ctr"/>
+          <a:lstStyle/>
+          <a:p>
+            <a:pPr algn="ctr"/>
+            <a:r>
+              <a:rPr lang="en-SG" dirty="0" smtClean="0"/>
+              <a:t>GPIO</a:t>
+            </a:r>
+            <a:endParaRPr lang="en-SG" dirty="0"/>
+          </a:p>
+        </p:txBody>
+      </p:sp>
+      <p:cxnSp>
+        <p:nvCxnSpPr>
+          <p:cNvPr id="11" name="Straight Arrow Connector 10"/>
+          <p:cNvCxnSpPr>
+            <a:stCxn id="10" idx="2"/>
+          </p:cNvCxnSpPr>
+          <p:nvPr/>
+        </p:nvCxnSpPr>
+        <p:spPr>
+          <a:xfrm>
+            <a:off x="7749683" y="839304"/>
+            <a:ext cx="0" cy="5601253"/>
+          </a:xfrm>
+          <a:prstGeom prst="straightConnector1">
+            <a:avLst/>
+          </a:prstGeom>
+          <a:ln>
+            <a:tailEnd type="triangle"/>
+          </a:ln>
+        </p:spPr>
+        <p:style>
+          <a:lnRef idx="3">
+            <a:schemeClr val="accent3"/>
+          </a:lnRef>
+          <a:fillRef idx="0">
+            <a:schemeClr val="accent3"/>
+          </a:fillRef>
+          <a:effectRef idx="2">
+            <a:schemeClr val="accent3"/>
+          </a:effectRef>
+          <a:fontRef idx="minor">
+            <a:schemeClr val="tx1"/>
+          </a:fontRef>
+        </p:style>
+      </p:cxnSp>
+      <p:cxnSp>
+        <p:nvCxnSpPr>
+          <p:cNvPr id="52" name="Straight Arrow Connector 51"/>
+          <p:cNvCxnSpPr/>
+          <p:nvPr/>
+        </p:nvCxnSpPr>
+        <p:spPr>
+          <a:xfrm flipV="1">
+            <a:off x="4634175" y="3389487"/>
+            <a:ext cx="6235330" cy="0"/>
+          </a:xfrm>
+          <a:prstGeom prst="straightConnector1">
+            <a:avLst/>
+          </a:prstGeom>
+          <a:ln>
+            <a:tailEnd type="triangle"/>
+          </a:ln>
+        </p:spPr>
+        <p:style>
+          <a:lnRef idx="3">
+            <a:schemeClr val="accent2"/>
+          </a:lnRef>
+          <a:fillRef idx="0">
+            <a:schemeClr val="accent2"/>
+          </a:fillRef>
+          <a:effectRef idx="2">
+            <a:schemeClr val="accent2"/>
+          </a:effectRef>
+          <a:fontRef idx="minor">
+            <a:schemeClr val="tx1"/>
+          </a:fontRef>
+        </p:style>
+      </p:cxnSp>
+      <p:sp>
+        <p:nvSpPr>
+          <p:cNvPr id="54" name="TextBox 53"/>
+          <p:cNvSpPr txBox="1"/>
+          <p:nvPr/>
+        </p:nvSpPr>
+        <p:spPr>
+          <a:xfrm>
+            <a:off x="4822191" y="3113757"/>
+            <a:ext cx="4963943" cy="253916"/>
+          </a:xfrm>
+          <a:prstGeom prst="rect">
+            <a:avLst/>
+          </a:prstGeom>
+          <a:noFill/>
+        </p:spPr>
+        <p:txBody>
+          <a:bodyPr wrap="square" rtlCol="0">
+            <a:spAutoFit/>
+          </a:bodyPr>
+          <a:lstStyle/>
+          <a:p>
+            <a:r>
+              <a:rPr lang="en-SG" sz="1050" dirty="0" err="1" smtClean="0">
+                <a:ln w="0"/>
+                <a:solidFill>
+                  <a:schemeClr val="accent2">
+                    <a:lumMod val="75000"/>
+                  </a:schemeClr>
+                </a:solidFill>
+                <a:effectLst>
+                  <a:outerShdw blurRad="38100" dist="25400" dir="5400000" algn="ctr" rotWithShape="0">
+                    <a:srgbClr val="6E747A">
+                      <a:alpha val="43000"/>
+                    </a:srgbClr>
+                  </a:outerShdw>
+                </a:effectLst>
+              </a:rPr>
+              <a:t>tester.vid</a:t>
+            </a:r>
+            <a:r>
+              <a:rPr lang="en-SG" sz="1050" b="1" dirty="0" smtClean="0">
+                <a:ln w="0"/>
+                <a:solidFill>
+                  <a:schemeClr val="accent2">
+                    <a:lumMod val="75000"/>
+                  </a:schemeClr>
+                </a:solidFill>
+                <a:effectLst>
+                  <a:outerShdw blurRad="38100" dist="25400" dir="5400000" algn="ctr" rotWithShape="0">
+                    <a:srgbClr val="6E747A">
+                      <a:alpha val="43000"/>
+                    </a:srgbClr>
+                  </a:outerShdw>
+                </a:effectLst>
+              </a:rPr>
+              <a:t>&lt;ID&gt;</a:t>
+            </a:r>
+            <a:r>
+              <a:rPr lang="en-SG" sz="1050" dirty="0" smtClean="0">
+                <a:ln w="0"/>
+                <a:solidFill>
+                  <a:schemeClr val="accent2">
+                    <a:lumMod val="75000"/>
+                  </a:schemeClr>
+                </a:solidFill>
+                <a:effectLst>
+                  <a:outerShdw blurRad="38100" dist="25400" dir="5400000" algn="ctr" rotWithShape="0">
+                    <a:srgbClr val="6E747A">
+                      <a:alpha val="43000"/>
+                    </a:srgbClr>
+                  </a:outerShdw>
+                </a:effectLst>
+              </a:rPr>
+              <a:t>.alert-response: {‘stage’: ‘alert-reset’, ‘status’: ‘</a:t>
+            </a:r>
+            <a:r>
+              <a:rPr lang="en-SG" sz="1050" dirty="0" err="1" smtClean="0">
+                <a:ln w="0"/>
+                <a:solidFill>
+                  <a:schemeClr val="accent2">
+                    <a:lumMod val="75000"/>
+                  </a:schemeClr>
+                </a:solidFill>
+                <a:effectLst>
+                  <a:outerShdw blurRad="38100" dist="25400" dir="5400000" algn="ctr" rotWithShape="0">
+                    <a:srgbClr val="6E747A">
+                      <a:alpha val="43000"/>
+                    </a:srgbClr>
+                  </a:outerShdw>
+                </a:effectLst>
+              </a:rPr>
+              <a:t>success|failed</a:t>
+            </a:r>
+            <a:r>
+              <a:rPr lang="en-SG" sz="1050" dirty="0" smtClean="0">
+                <a:ln w="0"/>
+                <a:solidFill>
+                  <a:schemeClr val="accent2">
+                    <a:lumMod val="75000"/>
+                  </a:schemeClr>
+                </a:solidFill>
+                <a:effectLst>
+                  <a:outerShdw blurRad="38100" dist="25400" dir="5400000" algn="ctr" rotWithShape="0">
+                    <a:srgbClr val="6E747A">
+                      <a:alpha val="43000"/>
+                    </a:srgbClr>
+                  </a:outerShdw>
+                </a:effectLst>
+              </a:rPr>
+              <a:t>}</a:t>
+            </a:r>
+            <a:endParaRPr lang="en-SG" sz="1050" dirty="0">
+              <a:ln w="0"/>
+              <a:solidFill>
+                <a:schemeClr val="accent2">
+                  <a:lumMod val="75000"/>
+                </a:schemeClr>
+              </a:solidFill>
+              <a:effectLst>
+                <a:outerShdw blurRad="38100" dist="25400" dir="5400000" algn="ctr" rotWithShape="0">
+                  <a:srgbClr val="6E747A">
+                    <a:alpha val="43000"/>
+                  </a:srgbClr>
+                </a:outerShdw>
+              </a:effectLst>
+            </a:endParaRPr>
+          </a:p>
+        </p:txBody>
+      </p:sp>
+      <p:sp>
+        <p:nvSpPr>
+          <p:cNvPr id="56" name="TextBox 55"/>
+          <p:cNvSpPr txBox="1"/>
+          <p:nvPr/>
+        </p:nvSpPr>
+        <p:spPr>
+          <a:xfrm>
+            <a:off x="7822860" y="960299"/>
+            <a:ext cx="1672985" cy="430887"/>
+          </a:xfrm>
+          <a:prstGeom prst="rect">
+            <a:avLst/>
+          </a:prstGeom>
+          <a:noFill/>
+        </p:spPr>
+        <p:txBody>
+          <a:bodyPr wrap="square" rtlCol="0">
+            <a:spAutoFit/>
+            <a:scene3d>
+              <a:camera prst="orthographicFront"/>
+              <a:lightRig rig="soft" dir="t">
+                <a:rot lat="0" lon="0" rev="15600000"/>
+              </a:lightRig>
+            </a:scene3d>
+            <a:sp3d extrusionH="57150" prstMaterial="softEdge">
+              <a:bevelT w="25400" h="38100"/>
+            </a:sp3d>
+          </a:bodyPr>
+          <a:lstStyle/>
+          <a:p>
+            <a:r>
+              <a:rPr lang="en-SG" sz="1100" b="1" dirty="0" smtClean="0">
+                <a:ln/>
+                <a:solidFill>
+                  <a:schemeClr val="accent4"/>
+                </a:solidFill>
+              </a:rPr>
+              <a:t>Reset switch pressed when alarm enabled</a:t>
+            </a:r>
+            <a:endParaRPr lang="en-SG" sz="1100" b="1" dirty="0">
+              <a:ln/>
+              <a:solidFill>
+                <a:schemeClr val="accent4"/>
+              </a:solidFill>
+            </a:endParaRPr>
+          </a:p>
+        </p:txBody>
+      </p:sp>
+      <p:cxnSp>
+        <p:nvCxnSpPr>
+          <p:cNvPr id="57" name="Straight Arrow Connector 56"/>
+          <p:cNvCxnSpPr/>
+          <p:nvPr/>
+        </p:nvCxnSpPr>
+        <p:spPr>
+          <a:xfrm flipH="1" flipV="1">
+            <a:off x="4629293" y="2613675"/>
+            <a:ext cx="3132000" cy="0"/>
+          </a:xfrm>
+          <a:prstGeom prst="straightConnector1">
+            <a:avLst/>
+          </a:prstGeom>
+          <a:ln>
+            <a:tailEnd type="triangle"/>
+          </a:ln>
+        </p:spPr>
+        <p:style>
+          <a:lnRef idx="3">
+            <a:schemeClr val="accent3"/>
+          </a:lnRef>
+          <a:fillRef idx="0">
+            <a:schemeClr val="accent3"/>
+          </a:fillRef>
+          <a:effectRef idx="2">
+            <a:schemeClr val="accent3"/>
+          </a:effectRef>
+          <a:fontRef idx="minor">
+            <a:schemeClr val="tx1"/>
+          </a:fontRef>
+        </p:style>
+      </p:cxnSp>
+      <p:sp>
+        <p:nvSpPr>
+          <p:cNvPr id="58" name="TextBox 57"/>
+          <p:cNvSpPr txBox="1"/>
+          <p:nvPr/>
+        </p:nvSpPr>
+        <p:spPr>
+          <a:xfrm>
+            <a:off x="4820165" y="2192828"/>
+            <a:ext cx="2952737" cy="415498"/>
+          </a:xfrm>
+          <a:prstGeom prst="rect">
+            <a:avLst/>
+          </a:prstGeom>
+          <a:noFill/>
+        </p:spPr>
+        <p:txBody>
+          <a:bodyPr wrap="square" rtlCol="0">
+            <a:spAutoFit/>
+          </a:bodyPr>
+          <a:lstStyle/>
+          <a:p>
+            <a:r>
+              <a:rPr lang="en-SG" sz="1050" dirty="0" err="1" smtClean="0">
+                <a:ln w="0"/>
+                <a:solidFill>
+                  <a:schemeClr val="bg1">
+                    <a:lumMod val="50000"/>
+                  </a:schemeClr>
+                </a:solidFill>
+                <a:effectLst>
+                  <a:outerShdw blurRad="38100" dist="25400" dir="5400000" algn="ctr" rotWithShape="0">
+                    <a:srgbClr val="6E747A">
+                      <a:alpha val="43000"/>
+                    </a:srgbClr>
+                  </a:outerShdw>
+                </a:effectLst>
+              </a:rPr>
+              <a:t>tester.vid</a:t>
+            </a:r>
+            <a:r>
+              <a:rPr lang="en-SG" sz="1050" b="1" dirty="0">
+                <a:ln w="0"/>
+                <a:solidFill>
+                  <a:schemeClr val="bg1">
+                    <a:lumMod val="50000"/>
+                  </a:schemeClr>
+                </a:solidFill>
+                <a:effectLst>
+                  <a:outerShdw blurRad="38100" dist="25400" dir="5400000" algn="ctr" rotWithShape="0">
+                    <a:srgbClr val="6E747A">
+                      <a:alpha val="43000"/>
+                    </a:srgbClr>
+                  </a:outerShdw>
+                </a:effectLst>
+              </a:rPr>
+              <a:t>&lt;ID</a:t>
+            </a:r>
+            <a:r>
+              <a:rPr lang="en-SG" sz="1050" b="1" dirty="0" smtClean="0">
+                <a:ln w="0"/>
+                <a:solidFill>
+                  <a:schemeClr val="bg1">
+                    <a:lumMod val="50000"/>
+                  </a:schemeClr>
+                </a:solidFill>
+                <a:effectLst>
+                  <a:outerShdw blurRad="38100" dist="25400" dir="5400000" algn="ctr" rotWithShape="0">
+                    <a:srgbClr val="6E747A">
+                      <a:alpha val="43000"/>
+                    </a:srgbClr>
+                  </a:outerShdw>
+                </a:effectLst>
+              </a:rPr>
+              <a:t>&gt;</a:t>
+            </a:r>
+            <a:r>
+              <a:rPr lang="en-SG" sz="1050" dirty="0" smtClean="0">
+                <a:ln w="0"/>
+                <a:solidFill>
+                  <a:schemeClr val="bg1">
+                    <a:lumMod val="50000"/>
+                  </a:schemeClr>
+                </a:solidFill>
+                <a:effectLst>
+                  <a:outerShdw blurRad="38100" dist="25400" dir="5400000" algn="ctr" rotWithShape="0">
+                    <a:srgbClr val="6E747A">
+                      <a:alpha val="43000"/>
+                    </a:srgbClr>
+                  </a:outerShdw>
+                </a:effectLst>
+              </a:rPr>
+              <a:t>.</a:t>
+            </a:r>
+            <a:r>
+              <a:rPr lang="en-SG" sz="1050" dirty="0" smtClean="0">
+                <a:ln w="0"/>
+                <a:solidFill>
+                  <a:schemeClr val="bg1">
+                    <a:lumMod val="50000"/>
+                  </a:schemeClr>
+                </a:solidFill>
+                <a:effectLst>
+                  <a:outerShdw blurRad="38100" dist="25400" dir="5400000" algn="ctr" rotWithShape="0">
+                    <a:srgbClr val="6E747A">
+                      <a:alpha val="43000"/>
+                    </a:srgbClr>
+                  </a:outerShdw>
+                </a:effectLst>
+              </a:rPr>
+              <a:t>alert-response</a:t>
+            </a:r>
+            <a:r>
+              <a:rPr lang="en-SG" sz="1050" dirty="0" smtClean="0">
+                <a:ln w="0"/>
+                <a:solidFill>
+                  <a:schemeClr val="bg1">
+                    <a:lumMod val="50000"/>
+                  </a:schemeClr>
+                </a:solidFill>
+                <a:effectLst>
+                  <a:outerShdw blurRad="38100" dist="25400" dir="5400000" algn="ctr" rotWithShape="0">
+                    <a:srgbClr val="6E747A">
+                      <a:alpha val="43000"/>
+                    </a:srgbClr>
+                  </a:outerShdw>
+                </a:effectLst>
+              </a:rPr>
+              <a:t>: </a:t>
+            </a:r>
+            <a:r>
+              <a:rPr lang="en-SG" sz="1050" dirty="0" smtClean="0">
+                <a:ln w="0"/>
+                <a:solidFill>
+                  <a:schemeClr val="bg1">
+                    <a:lumMod val="50000"/>
+                  </a:schemeClr>
+                </a:solidFill>
+                <a:effectLst>
+                  <a:outerShdw blurRad="38100" dist="25400" dir="5400000" algn="ctr" rotWithShape="0">
+                    <a:srgbClr val="6E747A">
+                      <a:alpha val="43000"/>
+                    </a:srgbClr>
+                  </a:outerShdw>
+                </a:effectLst>
+              </a:rPr>
+              <a:t>{‘</a:t>
+            </a:r>
+            <a:r>
+              <a:rPr lang="en-SG" sz="1050" dirty="0" smtClean="0">
+                <a:ln w="0"/>
+                <a:solidFill>
+                  <a:schemeClr val="bg1">
+                    <a:lumMod val="50000"/>
+                  </a:schemeClr>
+                </a:solidFill>
+                <a:effectLst>
+                  <a:outerShdw blurRad="38100" dist="25400" dir="5400000" algn="ctr" rotWithShape="0">
+                    <a:srgbClr val="6E747A">
+                      <a:alpha val="43000"/>
+                    </a:srgbClr>
+                  </a:outerShdw>
+                </a:effectLst>
+              </a:rPr>
+              <a:t>stage’: ‘alert-reset’, ‘status’: ‘</a:t>
+            </a:r>
+            <a:r>
+              <a:rPr lang="en-SG" sz="1050" dirty="0" err="1" smtClean="0">
+                <a:ln w="0"/>
+                <a:solidFill>
+                  <a:schemeClr val="bg1">
+                    <a:lumMod val="50000"/>
+                  </a:schemeClr>
+                </a:solidFill>
+                <a:effectLst>
+                  <a:outerShdw blurRad="38100" dist="25400" dir="5400000" algn="ctr" rotWithShape="0">
+                    <a:srgbClr val="6E747A">
+                      <a:alpha val="43000"/>
+                    </a:srgbClr>
+                  </a:outerShdw>
+                </a:effectLst>
+              </a:rPr>
+              <a:t>success|failed</a:t>
+            </a:r>
+            <a:r>
+              <a:rPr lang="en-SG" sz="1050" dirty="0" smtClean="0">
+                <a:ln w="0"/>
+                <a:solidFill>
+                  <a:schemeClr val="bg1">
+                    <a:lumMod val="50000"/>
+                  </a:schemeClr>
+                </a:solidFill>
+                <a:effectLst>
+                  <a:outerShdw blurRad="38100" dist="25400" dir="5400000" algn="ctr" rotWithShape="0">
+                    <a:srgbClr val="6E747A">
+                      <a:alpha val="43000"/>
+                    </a:srgbClr>
+                  </a:outerShdw>
+                </a:effectLst>
+              </a:rPr>
+              <a:t>’}</a:t>
+            </a:r>
+            <a:endParaRPr lang="en-SG" sz="1050" dirty="0">
+              <a:ln w="0"/>
+              <a:solidFill>
+                <a:schemeClr val="bg1">
+                  <a:lumMod val="50000"/>
+                </a:schemeClr>
+              </a:solidFill>
+              <a:effectLst>
+                <a:outerShdw blurRad="38100" dist="25400" dir="5400000" algn="ctr" rotWithShape="0">
+                  <a:srgbClr val="6E747A">
+                    <a:alpha val="43000"/>
+                  </a:srgbClr>
+                </a:outerShdw>
+              </a:effectLst>
+            </a:endParaRPr>
+          </a:p>
+        </p:txBody>
+      </p:sp>
+      <p:sp>
+        <p:nvSpPr>
+          <p:cNvPr id="59" name="TextBox 58"/>
+          <p:cNvSpPr txBox="1"/>
+          <p:nvPr/>
+        </p:nvSpPr>
+        <p:spPr>
+          <a:xfrm>
+            <a:off x="8005372" y="2402252"/>
+            <a:ext cx="2485479" cy="276999"/>
+          </a:xfrm>
+          <a:prstGeom prst="rect">
+            <a:avLst/>
+          </a:prstGeom>
+          <a:noFill/>
+        </p:spPr>
+        <p:txBody>
+          <a:bodyPr wrap="square" rtlCol="0">
+            <a:spAutoFit/>
+          </a:bodyPr>
+          <a:lstStyle/>
+          <a:p>
+            <a:pPr algn="ctr"/>
+            <a:r>
+              <a:rPr lang="en-SG" sz="1200" dirty="0" smtClean="0">
+                <a:solidFill>
+                  <a:srgbClr val="FF0000"/>
+                </a:solidFill>
+              </a:rPr>
+              <a:t>Log Error if failed to set GPIO</a:t>
+            </a:r>
+            <a:endParaRPr lang="en-SG" sz="1200" dirty="0">
+              <a:solidFill>
+                <a:srgbClr val="FF0000"/>
+              </a:solidFill>
+            </a:endParaRPr>
+          </a:p>
+        </p:txBody>
+      </p:sp>
+      <p:cxnSp>
+        <p:nvCxnSpPr>
+          <p:cNvPr id="60" name="Elbow Connector 59"/>
+          <p:cNvCxnSpPr>
+            <a:endCxn id="59" idx="0"/>
+          </p:cNvCxnSpPr>
+          <p:nvPr/>
+        </p:nvCxnSpPr>
+        <p:spPr>
+          <a:xfrm>
+            <a:off x="7751840" y="2150947"/>
+            <a:ext cx="1496272" cy="251305"/>
+          </a:xfrm>
+          <a:prstGeom prst="bentConnector2">
+            <a:avLst/>
+          </a:prstGeom>
+          <a:ln>
+            <a:solidFill>
+              <a:srgbClr val="FF0000"/>
+            </a:solidFill>
+            <a:prstDash val="sysDash"/>
+            <a:tailEnd type="triangle"/>
+          </a:ln>
+        </p:spPr>
+        <p:style>
+          <a:lnRef idx="3">
+            <a:schemeClr val="accent3"/>
+          </a:lnRef>
+          <a:fillRef idx="0">
+            <a:schemeClr val="accent3"/>
+          </a:fillRef>
+          <a:effectRef idx="2">
+            <a:schemeClr val="accent3"/>
+          </a:effectRef>
+          <a:fontRef idx="minor">
+            <a:schemeClr val="tx1"/>
+          </a:fontRef>
+        </p:style>
+      </p:cxnSp>
+      <p:sp>
+        <p:nvSpPr>
+          <p:cNvPr id="65" name="TextBox 64"/>
+          <p:cNvSpPr txBox="1"/>
+          <p:nvPr/>
+        </p:nvSpPr>
+        <p:spPr>
+          <a:xfrm>
+            <a:off x="10853636" y="4116146"/>
+            <a:ext cx="1419140" cy="938719"/>
+          </a:xfrm>
+          <a:prstGeom prst="rect">
+            <a:avLst/>
+          </a:prstGeom>
+          <a:noFill/>
+        </p:spPr>
+        <p:txBody>
+          <a:bodyPr wrap="square" rtlCol="0">
+            <a:spAutoFit/>
+            <a:scene3d>
+              <a:camera prst="orthographicFront"/>
+              <a:lightRig rig="soft" dir="t">
+                <a:rot lat="0" lon="0" rev="15600000"/>
+              </a:lightRig>
+            </a:scene3d>
+            <a:sp3d extrusionH="57150" prstMaterial="softEdge">
+              <a:bevelT w="25400" h="38100"/>
+            </a:sp3d>
+          </a:bodyPr>
+          <a:lstStyle/>
+          <a:p>
+            <a:r>
+              <a:rPr lang="en-SG" sz="1100" b="1" dirty="0" smtClean="0">
+                <a:ln/>
+                <a:solidFill>
+                  <a:schemeClr val="accent4"/>
+                </a:solidFill>
+              </a:rPr>
+              <a:t>Extract:</a:t>
+            </a:r>
+          </a:p>
+          <a:p>
+            <a:r>
+              <a:rPr lang="en-SG" sz="1100" b="1" dirty="0" smtClean="0">
+                <a:ln/>
+                <a:solidFill>
+                  <a:schemeClr val="accent4"/>
+                </a:solidFill>
+              </a:rPr>
+              <a:t>ID: id</a:t>
+            </a:r>
+          </a:p>
+          <a:p>
+            <a:r>
+              <a:rPr lang="en-SG" sz="1100" b="1" dirty="0" smtClean="0">
+                <a:ln/>
+                <a:solidFill>
+                  <a:schemeClr val="accent4"/>
+                </a:solidFill>
+              </a:rPr>
+              <a:t>stage: ‘alert-reset’</a:t>
+            </a:r>
+          </a:p>
+          <a:p>
+            <a:r>
+              <a:rPr lang="en-SG" sz="1100" b="1" dirty="0" smtClean="0">
+                <a:ln/>
+                <a:solidFill>
+                  <a:schemeClr val="accent4"/>
+                </a:solidFill>
+              </a:rPr>
+              <a:t>status: ‘</a:t>
+            </a:r>
+            <a:r>
+              <a:rPr lang="en-SG" sz="1100" b="1" dirty="0" err="1" smtClean="0">
+                <a:ln/>
+                <a:solidFill>
+                  <a:schemeClr val="accent4"/>
+                </a:solidFill>
+              </a:rPr>
+              <a:t>success|failed</a:t>
+            </a:r>
+            <a:r>
+              <a:rPr lang="en-SG" sz="1100" b="1" dirty="0" smtClean="0">
+                <a:ln/>
+                <a:solidFill>
+                  <a:schemeClr val="accent4"/>
+                </a:solidFill>
+              </a:rPr>
+              <a:t>’</a:t>
+            </a:r>
+            <a:endParaRPr lang="en-SG" sz="1100" b="1" dirty="0">
+              <a:ln/>
+              <a:solidFill>
+                <a:schemeClr val="accent4"/>
+              </a:solidFill>
+            </a:endParaRPr>
+          </a:p>
+        </p:txBody>
+      </p:sp>
+      <p:cxnSp>
+        <p:nvCxnSpPr>
+          <p:cNvPr id="68" name="Straight Arrow Connector 67"/>
+          <p:cNvCxnSpPr/>
+          <p:nvPr/>
+        </p:nvCxnSpPr>
+        <p:spPr>
+          <a:xfrm flipH="1" flipV="1">
+            <a:off x="1456426" y="2969609"/>
+            <a:ext cx="3168000" cy="0"/>
+          </a:xfrm>
+          <a:prstGeom prst="straightConnector1">
+            <a:avLst/>
+          </a:prstGeom>
+          <a:ln>
+            <a:tailEnd type="triangle"/>
+          </a:ln>
+        </p:spPr>
+        <p:style>
+          <a:lnRef idx="3">
+            <a:schemeClr val="accent2"/>
+          </a:lnRef>
+          <a:fillRef idx="0">
+            <a:schemeClr val="accent2"/>
+          </a:fillRef>
+          <a:effectRef idx="2">
+            <a:schemeClr val="accent2"/>
+          </a:effectRef>
+          <a:fontRef idx="minor">
+            <a:schemeClr val="tx1"/>
+          </a:fontRef>
+        </p:style>
+      </p:cxnSp>
+      <p:sp>
+        <p:nvSpPr>
+          <p:cNvPr id="69" name="TextBox 68"/>
+          <p:cNvSpPr txBox="1"/>
+          <p:nvPr/>
+        </p:nvSpPr>
+        <p:spPr>
+          <a:xfrm>
+            <a:off x="1736723" y="2535049"/>
+            <a:ext cx="2525323" cy="415498"/>
+          </a:xfrm>
+          <a:prstGeom prst="rect">
+            <a:avLst/>
+          </a:prstGeom>
+          <a:noFill/>
+        </p:spPr>
+        <p:txBody>
+          <a:bodyPr wrap="square" rtlCol="0">
+            <a:spAutoFit/>
+          </a:bodyPr>
+          <a:lstStyle/>
+          <a:p>
+            <a:r>
+              <a:rPr lang="en-SG" sz="1050" dirty="0" err="1" smtClean="0">
+                <a:ln w="0"/>
+                <a:solidFill>
+                  <a:schemeClr val="accent2">
+                    <a:lumMod val="75000"/>
+                  </a:schemeClr>
+                </a:solidFill>
+                <a:effectLst>
+                  <a:outerShdw blurRad="38100" dist="25400" dir="5400000" algn="ctr" rotWithShape="0">
+                    <a:srgbClr val="6E747A">
+                      <a:alpha val="43000"/>
+                    </a:srgbClr>
+                  </a:outerShdw>
+                </a:effectLst>
+              </a:rPr>
+              <a:t>tester.vid</a:t>
+            </a:r>
+            <a:r>
+              <a:rPr lang="en-SG" sz="1050" b="1" dirty="0" smtClean="0">
+                <a:ln w="0"/>
+                <a:solidFill>
+                  <a:schemeClr val="accent2">
+                    <a:lumMod val="75000"/>
+                  </a:schemeClr>
+                </a:solidFill>
+                <a:effectLst>
+                  <a:outerShdw blurRad="38100" dist="25400" dir="5400000" algn="ctr" rotWithShape="0">
+                    <a:srgbClr val="6E747A">
+                      <a:alpha val="43000"/>
+                    </a:srgbClr>
+                  </a:outerShdw>
+                </a:effectLst>
+              </a:rPr>
+              <a:t>&lt;ID&gt;</a:t>
+            </a:r>
+            <a:r>
+              <a:rPr lang="en-SG" sz="1050" dirty="0" smtClean="0">
+                <a:ln w="0"/>
+                <a:solidFill>
+                  <a:schemeClr val="accent2">
+                    <a:lumMod val="75000"/>
+                  </a:schemeClr>
+                </a:solidFill>
+                <a:effectLst>
+                  <a:outerShdw blurRad="38100" dist="25400" dir="5400000" algn="ctr" rotWithShape="0">
+                    <a:srgbClr val="6E747A">
+                      <a:alpha val="43000"/>
+                    </a:srgbClr>
+                  </a:outerShdw>
+                </a:effectLst>
+              </a:rPr>
+              <a:t>.alert-response: {‘stage’: ‘alert’, ‘status’: ‘</a:t>
+            </a:r>
+            <a:r>
+              <a:rPr lang="en-SG" sz="1050" dirty="0" err="1" smtClean="0">
+                <a:ln w="0"/>
+                <a:solidFill>
+                  <a:schemeClr val="accent2">
+                    <a:lumMod val="75000"/>
+                  </a:schemeClr>
+                </a:solidFill>
+                <a:effectLst>
+                  <a:outerShdw blurRad="38100" dist="25400" dir="5400000" algn="ctr" rotWithShape="0">
+                    <a:srgbClr val="6E747A">
+                      <a:alpha val="43000"/>
+                    </a:srgbClr>
+                  </a:outerShdw>
+                </a:effectLst>
+              </a:rPr>
+              <a:t>success|failed</a:t>
+            </a:r>
+            <a:r>
+              <a:rPr lang="en-SG" sz="1050" dirty="0" smtClean="0">
+                <a:ln w="0"/>
+                <a:solidFill>
+                  <a:schemeClr val="accent2">
+                    <a:lumMod val="75000"/>
+                  </a:schemeClr>
+                </a:solidFill>
+                <a:effectLst>
+                  <a:outerShdw blurRad="38100" dist="25400" dir="5400000" algn="ctr" rotWithShape="0">
+                    <a:srgbClr val="6E747A">
+                      <a:alpha val="43000"/>
+                    </a:srgbClr>
+                  </a:outerShdw>
+                </a:effectLst>
+              </a:rPr>
+              <a:t>}</a:t>
+            </a:r>
+            <a:endParaRPr lang="en-SG" sz="1050" dirty="0">
+              <a:ln w="0"/>
+              <a:solidFill>
+                <a:schemeClr val="accent2">
+                  <a:lumMod val="75000"/>
+                </a:schemeClr>
+              </a:solidFill>
+              <a:effectLst>
+                <a:outerShdw blurRad="38100" dist="25400" dir="5400000" algn="ctr" rotWithShape="0">
+                  <a:srgbClr val="6E747A">
+                    <a:alpha val="43000"/>
+                  </a:srgbClr>
+                </a:outerShdw>
+              </a:effectLst>
+            </a:endParaRPr>
+          </a:p>
+        </p:txBody>
+      </p:sp>
+      <p:sp>
+        <p:nvSpPr>
+          <p:cNvPr id="70" name="TextBox 69"/>
+          <p:cNvSpPr txBox="1"/>
+          <p:nvPr/>
+        </p:nvSpPr>
+        <p:spPr>
+          <a:xfrm>
+            <a:off x="87216" y="3389487"/>
+            <a:ext cx="1095207" cy="646331"/>
+          </a:xfrm>
+          <a:prstGeom prst="rect">
+            <a:avLst/>
+          </a:prstGeom>
+          <a:noFill/>
+        </p:spPr>
+        <p:txBody>
+          <a:bodyPr wrap="square" rtlCol="0">
+            <a:spAutoFit/>
+          </a:bodyPr>
+          <a:lstStyle/>
+          <a:p>
+            <a:pPr algn="ctr"/>
+            <a:r>
+              <a:rPr lang="en-SG" sz="1200" dirty="0" smtClean="0">
+                <a:solidFill>
+                  <a:srgbClr val="FF0000"/>
+                </a:solidFill>
+              </a:rPr>
+              <a:t>Log error if alarm failed initialize</a:t>
+            </a:r>
+            <a:endParaRPr lang="en-SG" sz="1200" dirty="0">
+              <a:solidFill>
+                <a:srgbClr val="FF0000"/>
+              </a:solidFill>
+            </a:endParaRPr>
+          </a:p>
+        </p:txBody>
+      </p:sp>
+      <p:cxnSp>
+        <p:nvCxnSpPr>
+          <p:cNvPr id="71" name="Elbow Connector 70"/>
+          <p:cNvCxnSpPr>
+            <a:endCxn id="70" idx="0"/>
+          </p:cNvCxnSpPr>
+          <p:nvPr/>
+        </p:nvCxnSpPr>
+        <p:spPr>
+          <a:xfrm rot="10800000" flipV="1">
+            <a:off x="634821" y="3147571"/>
+            <a:ext cx="827915" cy="241916"/>
+          </a:xfrm>
+          <a:prstGeom prst="bentConnector2">
+            <a:avLst/>
+          </a:prstGeom>
+          <a:ln>
+            <a:solidFill>
+              <a:srgbClr val="FF0000"/>
+            </a:solidFill>
+            <a:prstDash val="sysDash"/>
+            <a:tailEnd type="triangle"/>
+          </a:ln>
+        </p:spPr>
+        <p:style>
+          <a:lnRef idx="3">
+            <a:schemeClr val="accent1"/>
+          </a:lnRef>
+          <a:fillRef idx="0">
+            <a:schemeClr val="accent1"/>
+          </a:fillRef>
+          <a:effectRef idx="2">
+            <a:schemeClr val="accent1"/>
+          </a:effectRef>
+          <a:fontRef idx="minor">
+            <a:schemeClr val="tx1"/>
+          </a:fontRef>
+        </p:style>
+      </p:cxnSp>
+      <p:sp>
+        <p:nvSpPr>
+          <p:cNvPr id="72" name="TextBox 71"/>
+          <p:cNvSpPr txBox="1"/>
+          <p:nvPr/>
+        </p:nvSpPr>
+        <p:spPr>
+          <a:xfrm>
+            <a:off x="3098337" y="6265422"/>
+            <a:ext cx="5735322" cy="369332"/>
+          </a:xfrm>
+          <a:prstGeom prst="rect">
+            <a:avLst/>
+          </a:prstGeom>
+          <a:solidFill>
+            <a:schemeClr val="accent4"/>
+          </a:solidFill>
+          <a:ln>
+            <a:solidFill>
+              <a:schemeClr val="accent4">
+                <a:lumMod val="50000"/>
+              </a:schemeClr>
+            </a:solidFill>
+          </a:ln>
+        </p:spPr>
+        <p:txBody>
+          <a:bodyPr wrap="square" rtlCol="0">
+            <a:spAutoFit/>
+          </a:bodyPr>
+          <a:lstStyle/>
+          <a:p>
+            <a:pPr algn="ctr"/>
+            <a:r>
+              <a:rPr lang="en-SG" dirty="0" smtClean="0"/>
+              <a:t>Message flow for Alert Reset</a:t>
+            </a:r>
+            <a:endParaRPr lang="en-SG" dirty="0"/>
+          </a:p>
+        </p:txBody>
+      </p:sp>
+      <p:sp>
+        <p:nvSpPr>
+          <p:cNvPr id="29" name="TextBox 28"/>
+          <p:cNvSpPr txBox="1"/>
+          <p:nvPr/>
+        </p:nvSpPr>
+        <p:spPr>
+          <a:xfrm>
+            <a:off x="7822860" y="1621932"/>
+            <a:ext cx="1672985" cy="261610"/>
+          </a:xfrm>
+          <a:prstGeom prst="rect">
+            <a:avLst/>
+          </a:prstGeom>
+          <a:noFill/>
+        </p:spPr>
+        <p:txBody>
+          <a:bodyPr wrap="square" rtlCol="0">
+            <a:spAutoFit/>
+            <a:scene3d>
+              <a:camera prst="orthographicFront"/>
+              <a:lightRig rig="soft" dir="t">
+                <a:rot lat="0" lon="0" rev="15600000"/>
+              </a:lightRig>
+            </a:scene3d>
+            <a:sp3d extrusionH="57150" prstMaterial="softEdge">
+              <a:bevelT w="25400" h="38100"/>
+            </a:sp3d>
+          </a:bodyPr>
+          <a:lstStyle/>
+          <a:p>
+            <a:r>
+              <a:rPr lang="en-SG" sz="1100" b="1" dirty="0" smtClean="0">
+                <a:ln/>
+                <a:solidFill>
+                  <a:schemeClr val="accent4"/>
+                </a:solidFill>
+              </a:rPr>
+              <a:t>GPIO </a:t>
+            </a:r>
+            <a:r>
+              <a:rPr lang="en-SG" sz="1100" b="1" dirty="0" smtClean="0">
+                <a:ln/>
+                <a:solidFill>
+                  <a:schemeClr val="accent4"/>
+                </a:solidFill>
+              </a:rPr>
+              <a:t>24 set to low</a:t>
+            </a:r>
+          </a:p>
+        </p:txBody>
+      </p:sp>
+    </p:spTree>
+    <p:extLst>
+      <p:ext uri="{BB962C8B-B14F-4D97-AF65-F5344CB8AC3E}">
+        <p14:creationId xmlns:p14="http://schemas.microsoft.com/office/powerpoint/2010/main" val="3466913241"/>
       </p:ext>
     </p:extLst>
   </p:cSld>

--- a/documents/SystemFlow.pptx
+++ b/documents/SystemFlow.pptx
@@ -249,7 +249,7 @@
           <a:p>
             <a:fld id="{03BF23B9-0273-4B87-80E3-205D9060DC01}" type="datetimeFigureOut">
               <a:rPr lang="en-SG" smtClean="0"/>
-              <a:t>5 Mar 2024</a:t>
+              <a:t>7 Mar 2024</a:t>
             </a:fld>
             <a:endParaRPr lang="en-SG"/>
           </a:p>
@@ -419,7 +419,7 @@
           <a:p>
             <a:fld id="{03BF23B9-0273-4B87-80E3-205D9060DC01}" type="datetimeFigureOut">
               <a:rPr lang="en-SG" smtClean="0"/>
-              <a:t>5 Mar 2024</a:t>
+              <a:t>7 Mar 2024</a:t>
             </a:fld>
             <a:endParaRPr lang="en-SG"/>
           </a:p>
@@ -599,7 +599,7 @@
           <a:p>
             <a:fld id="{03BF23B9-0273-4B87-80E3-205D9060DC01}" type="datetimeFigureOut">
               <a:rPr lang="en-SG" smtClean="0"/>
-              <a:t>5 Mar 2024</a:t>
+              <a:t>7 Mar 2024</a:t>
             </a:fld>
             <a:endParaRPr lang="en-SG"/>
           </a:p>
@@ -769,7 +769,7 @@
           <a:p>
             <a:fld id="{03BF23B9-0273-4B87-80E3-205D9060DC01}" type="datetimeFigureOut">
               <a:rPr lang="en-SG" smtClean="0"/>
-              <a:t>5 Mar 2024</a:t>
+              <a:t>7 Mar 2024</a:t>
             </a:fld>
             <a:endParaRPr lang="en-SG"/>
           </a:p>
@@ -1015,7 +1015,7 @@
           <a:p>
             <a:fld id="{03BF23B9-0273-4B87-80E3-205D9060DC01}" type="datetimeFigureOut">
               <a:rPr lang="en-SG" smtClean="0"/>
-              <a:t>5 Mar 2024</a:t>
+              <a:t>7 Mar 2024</a:t>
             </a:fld>
             <a:endParaRPr lang="en-SG"/>
           </a:p>
@@ -1247,7 +1247,7 @@
           <a:p>
             <a:fld id="{03BF23B9-0273-4B87-80E3-205D9060DC01}" type="datetimeFigureOut">
               <a:rPr lang="en-SG" smtClean="0"/>
-              <a:t>5 Mar 2024</a:t>
+              <a:t>7 Mar 2024</a:t>
             </a:fld>
             <a:endParaRPr lang="en-SG"/>
           </a:p>
@@ -1614,7 +1614,7 @@
           <a:p>
             <a:fld id="{03BF23B9-0273-4B87-80E3-205D9060DC01}" type="datetimeFigureOut">
               <a:rPr lang="en-SG" smtClean="0"/>
-              <a:t>5 Mar 2024</a:t>
+              <a:t>7 Mar 2024</a:t>
             </a:fld>
             <a:endParaRPr lang="en-SG"/>
           </a:p>
@@ -1732,7 +1732,7 @@
           <a:p>
             <a:fld id="{03BF23B9-0273-4B87-80E3-205D9060DC01}" type="datetimeFigureOut">
               <a:rPr lang="en-SG" smtClean="0"/>
-              <a:t>5 Mar 2024</a:t>
+              <a:t>7 Mar 2024</a:t>
             </a:fld>
             <a:endParaRPr lang="en-SG"/>
           </a:p>
@@ -1827,7 +1827,7 @@
           <a:p>
             <a:fld id="{03BF23B9-0273-4B87-80E3-205D9060DC01}" type="datetimeFigureOut">
               <a:rPr lang="en-SG" smtClean="0"/>
-              <a:t>5 Mar 2024</a:t>
+              <a:t>7 Mar 2024</a:t>
             </a:fld>
             <a:endParaRPr lang="en-SG"/>
           </a:p>
@@ -2104,7 +2104,7 @@
           <a:p>
             <a:fld id="{03BF23B9-0273-4B87-80E3-205D9060DC01}" type="datetimeFigureOut">
               <a:rPr lang="en-SG" smtClean="0"/>
-              <a:t>5 Mar 2024</a:t>
+              <a:t>7 Mar 2024</a:t>
             </a:fld>
             <a:endParaRPr lang="en-SG"/>
           </a:p>
@@ -2357,7 +2357,7 @@
           <a:p>
             <a:fld id="{03BF23B9-0273-4B87-80E3-205D9060DC01}" type="datetimeFigureOut">
               <a:rPr lang="en-SG" smtClean="0"/>
-              <a:t>5 Mar 2024</a:t>
+              <a:t>7 Mar 2024</a:t>
             </a:fld>
             <a:endParaRPr lang="en-SG"/>
           </a:p>
@@ -2570,7 +2570,7 @@
           <a:p>
             <a:fld id="{03BF23B9-0273-4B87-80E3-205D9060DC01}" type="datetimeFigureOut">
               <a:rPr lang="en-SG" smtClean="0"/>
-              <a:t>5 Mar 2024</a:t>
+              <a:t>7 Mar 2024</a:t>
             </a:fld>
             <a:endParaRPr lang="en-SG"/>
           </a:p>
@@ -5540,10 +5540,10 @@
                   </a:outerShdw>
                 </a:effectLst>
               </a:rPr>
-              <a:t>&lt;ID</a:t>
-            </a:r>
-            <a:r>
-              <a:rPr lang="en-SG" sz="1050" b="1" dirty="0" smtClean="0">
+              <a:t>&lt;ID&gt;</a:t>
+            </a:r>
+            <a:r>
+              <a:rPr lang="en-SG" sz="1050" dirty="0" smtClean="0">
                 <a:ln w="0"/>
                 <a:solidFill>
                   <a:schemeClr val="accent2">
@@ -5558,43 +5558,7 @@
                   </a:outerShdw>
                 </a:effectLst>
               </a:rPr>
-              <a:t>&gt;</a:t>
-            </a:r>
-            <a:r>
-              <a:rPr lang="en-SG" sz="1050" dirty="0" smtClean="0">
-                <a:ln w="0"/>
-                <a:solidFill>
-                  <a:schemeClr val="accent2">
-                    <a:lumMod val="75000"/>
-                  </a:schemeClr>
-                </a:solidFill>
-                <a:effectLst>
-                  <a:outerShdw blurRad="38100" dist="25400" dir="5400000" algn="ctr" rotWithShape="0">
-                    <a:srgbClr val="6E747A">
-                      <a:alpha val="43000"/>
-                    </a:srgbClr>
-                  </a:outerShdw>
-                </a:effectLst>
-              </a:rPr>
-              <a:t>.</a:t>
-            </a:r>
-            <a:r>
-              <a:rPr lang="en-SG" sz="1050" dirty="0" smtClean="0">
-                <a:ln w="0"/>
-                <a:solidFill>
-                  <a:schemeClr val="accent2">
-                    <a:lumMod val="75000"/>
-                  </a:schemeClr>
-                </a:solidFill>
-                <a:effectLst>
-                  <a:outerShdw blurRad="38100" dist="25400" dir="5400000" algn="ctr" rotWithShape="0">
-                    <a:srgbClr val="6E747A">
-                      <a:alpha val="43000"/>
-                    </a:srgbClr>
-                  </a:outerShdw>
-                </a:effectLst>
-              </a:rPr>
-              <a:t>response: {‘stage’: ‘</a:t>
+              <a:t>.response: {‘stage’: ‘</a:t>
             </a:r>
             <a:r>
               <a:rPr lang="en-SG" sz="1050" dirty="0" err="1" smtClean="0">
@@ -5793,61 +5757,7 @@
                   </a:outerShdw>
                 </a:effectLst>
               </a:rPr>
-              <a:t>.result: </a:t>
-            </a:r>
-            <a:r>
-              <a:rPr lang="en-SG" sz="1050" dirty="0" smtClean="0">
-                <a:ln w="0"/>
-                <a:solidFill>
-                  <a:schemeClr val="accent1">
-                    <a:lumMod val="75000"/>
-                  </a:schemeClr>
-                </a:solidFill>
-                <a:effectLst>
-                  <a:outerShdw blurRad="38100" dist="25400" dir="5400000" algn="ctr" rotWithShape="0">
-                    <a:srgbClr val="6E747A">
-                      <a:alpha val="43000"/>
-                    </a:srgbClr>
-                  </a:outerShdw>
-                </a:effectLst>
-              </a:rPr>
-              <a:t>{‘</a:t>
-            </a:r>
-            <a:r>
-              <a:rPr lang="en-SG" sz="1050" dirty="0" smtClean="0">
-                <a:ln w="0"/>
-                <a:solidFill>
-                  <a:schemeClr val="accent1">
-                    <a:lumMod val="75000"/>
-                  </a:schemeClr>
-                </a:solidFill>
-                <a:effectLst>
-                  <a:outerShdw blurRad="38100" dist="25400" dir="5400000" algn="ctr" rotWithShape="0">
-                    <a:srgbClr val="6E747A">
-                      <a:alpha val="43000"/>
-                    </a:srgbClr>
-                  </a:outerShdw>
-                </a:effectLst>
-              </a:rPr>
-              <a:t>stage</a:t>
-            </a:r>
-            <a:r>
-              <a:rPr lang="en-SG" sz="1050" dirty="0" smtClean="0">
-                <a:ln w="0"/>
-                <a:solidFill>
-                  <a:schemeClr val="accent1">
-                    <a:lumMod val="75000"/>
-                  </a:schemeClr>
-                </a:solidFill>
-                <a:effectLst>
-                  <a:outerShdw blurRad="38100" dist="25400" dir="5400000" algn="ctr" rotWithShape="0">
-                    <a:srgbClr val="6E747A">
-                      <a:alpha val="43000"/>
-                    </a:srgbClr>
-                  </a:outerShdw>
-                </a:effectLst>
-              </a:rPr>
-              <a:t>’: ‘</a:t>
+              <a:t>.result: {‘stage’: ‘</a:t>
             </a:r>
             <a:r>
               <a:rPr lang="en-SG" sz="1050" dirty="0" err="1" smtClean="0">
@@ -6092,25 +6002,7 @@
                   </a:outerShdw>
                 </a:effectLst>
               </a:rPr>
-              <a:t>.response: </a:t>
-            </a:r>
-            <a:r>
-              <a:rPr lang="en-SG" sz="1050" dirty="0" smtClean="0">
-                <a:ln w="0"/>
-                <a:solidFill>
-                  <a:schemeClr val="bg1">
-                    <a:lumMod val="50000"/>
-                  </a:schemeClr>
-                </a:solidFill>
-                <a:effectLst>
-                  <a:outerShdw blurRad="38100" dist="25400" dir="5400000" algn="ctr" rotWithShape="0">
-                    <a:srgbClr val="6E747A">
-                      <a:alpha val="43000"/>
-                    </a:srgbClr>
-                  </a:outerShdw>
-                </a:effectLst>
-              </a:rPr>
-              <a:t>{‘stage’: ‘</a:t>
+              <a:t>.response: {‘stage’: ‘</a:t>
             </a:r>
             <a:r>
               <a:rPr lang="en-SG" sz="1050" dirty="0" err="1" smtClean="0">
@@ -6647,61 +6539,7 @@
                   </a:outerShdw>
                 </a:effectLst>
               </a:rPr>
-              <a:t>.result: </a:t>
-            </a:r>
-            <a:r>
-              <a:rPr lang="en-SG" sz="1050" dirty="0" smtClean="0">
-                <a:ln w="0"/>
-                <a:solidFill>
-                  <a:schemeClr val="accent2">
-                    <a:lumMod val="75000"/>
-                  </a:schemeClr>
-                </a:solidFill>
-                <a:effectLst>
-                  <a:outerShdw blurRad="38100" dist="25400" dir="5400000" algn="ctr" rotWithShape="0">
-                    <a:srgbClr val="6E747A">
-                      <a:alpha val="43000"/>
-                    </a:srgbClr>
-                  </a:outerShdw>
-                </a:effectLst>
-              </a:rPr>
-              <a:t>{‘</a:t>
-            </a:r>
-            <a:r>
-              <a:rPr lang="en-SG" sz="1050" dirty="0" smtClean="0">
-                <a:ln w="0"/>
-                <a:solidFill>
-                  <a:schemeClr val="accent2">
-                    <a:lumMod val="75000"/>
-                  </a:schemeClr>
-                </a:solidFill>
-                <a:effectLst>
-                  <a:outerShdw blurRad="38100" dist="25400" dir="5400000" algn="ctr" rotWithShape="0">
-                    <a:srgbClr val="6E747A">
-                      <a:alpha val="43000"/>
-                    </a:srgbClr>
-                  </a:outerShdw>
-                </a:effectLst>
-              </a:rPr>
-              <a:t>stage</a:t>
-            </a:r>
-            <a:r>
-              <a:rPr lang="en-SG" sz="1050" dirty="0" smtClean="0">
-                <a:ln w="0"/>
-                <a:solidFill>
-                  <a:schemeClr val="accent2">
-                    <a:lumMod val="75000"/>
-                  </a:schemeClr>
-                </a:solidFill>
-                <a:effectLst>
-                  <a:outerShdw blurRad="38100" dist="25400" dir="5400000" algn="ctr" rotWithShape="0">
-                    <a:srgbClr val="6E747A">
-                      <a:alpha val="43000"/>
-                    </a:srgbClr>
-                  </a:outerShdw>
-                </a:effectLst>
-              </a:rPr>
-              <a:t>’: ‘</a:t>
+              <a:t>.result: {‘stage’: ‘</a:t>
             </a:r>
             <a:r>
               <a:rPr lang="en-SG" sz="1050" dirty="0" err="1" smtClean="0">
@@ -6795,16 +6633,7 @@
                   <a:schemeClr val="accent4"/>
                 </a:solidFill>
               </a:rPr>
-              <a:t>GPIO </a:t>
-            </a:r>
-            <a:r>
-              <a:rPr lang="en-SG" sz="1100" b="1" dirty="0" smtClean="0">
-                <a:ln/>
-                <a:solidFill>
-                  <a:schemeClr val="accent4"/>
-                </a:solidFill>
-              </a:rPr>
-              <a:t>26 set to Low, GPIO23, 24, 25 to High</a:t>
+              <a:t>GPIO 26 set to Low, GPIO23, 24, 25 to High</a:t>
             </a:r>
             <a:endParaRPr lang="en-SG" sz="1100" b="1" dirty="0">
               <a:ln/>
@@ -6922,25 +6751,7 @@
                   </a:outerShdw>
                 </a:effectLst>
               </a:rPr>
-              <a:t>.response: {‘</a:t>
-            </a:r>
-            <a:r>
-              <a:rPr lang="en-SG" sz="1050" dirty="0" smtClean="0">
-                <a:ln w="0"/>
-                <a:solidFill>
-                  <a:schemeClr val="bg1">
-                    <a:lumMod val="50000"/>
-                  </a:schemeClr>
-                </a:solidFill>
-                <a:effectLst>
-                  <a:outerShdw blurRad="38100" dist="25400" dir="5400000" algn="ctr" rotWithShape="0">
-                    <a:srgbClr val="6E747A">
-                      <a:alpha val="43000"/>
-                    </a:srgbClr>
-                  </a:outerShdw>
-                </a:effectLst>
-              </a:rPr>
-              <a:t>stage’: ‘</a:t>
+              <a:t>.response: {‘stage’: ‘</a:t>
             </a:r>
             <a:r>
               <a:rPr lang="en-SG" sz="1050" dirty="0" err="1" smtClean="0">
@@ -7356,10 +7167,10 @@
                   </a:outerShdw>
                 </a:effectLst>
               </a:rPr>
-              <a:t>&lt;ID</a:t>
-            </a:r>
-            <a:r>
-              <a:rPr lang="en-SG" sz="1050" b="1" dirty="0" smtClean="0">
+              <a:t>&lt;ID&gt;</a:t>
+            </a:r>
+            <a:r>
+              <a:rPr lang="en-SG" sz="1050" dirty="0" smtClean="0">
                 <a:ln w="0"/>
                 <a:solidFill>
                   <a:schemeClr val="accent2">
@@ -7374,43 +7185,7 @@
                   </a:outerShdw>
                 </a:effectLst>
               </a:rPr>
-              <a:t>&gt;</a:t>
-            </a:r>
-            <a:r>
-              <a:rPr lang="en-SG" sz="1050" dirty="0" smtClean="0">
-                <a:ln w="0"/>
-                <a:solidFill>
-                  <a:schemeClr val="accent2">
-                    <a:lumMod val="75000"/>
-                  </a:schemeClr>
-                </a:solidFill>
-                <a:effectLst>
-                  <a:outerShdw blurRad="38100" dist="25400" dir="5400000" algn="ctr" rotWithShape="0">
-                    <a:srgbClr val="6E747A">
-                      <a:alpha val="43000"/>
-                    </a:srgbClr>
-                  </a:outerShdw>
-                </a:effectLst>
-              </a:rPr>
-              <a:t>.</a:t>
-            </a:r>
-            <a:r>
-              <a:rPr lang="en-SG" sz="1050" dirty="0" smtClean="0">
-                <a:ln w="0"/>
-                <a:solidFill>
-                  <a:schemeClr val="accent2">
-                    <a:lumMod val="75000"/>
-                  </a:schemeClr>
-                </a:solidFill>
-                <a:effectLst>
-                  <a:outerShdw blurRad="38100" dist="25400" dir="5400000" algn="ctr" rotWithShape="0">
-                    <a:srgbClr val="6E747A">
-                      <a:alpha val="43000"/>
-                    </a:srgbClr>
-                  </a:outerShdw>
-                </a:effectLst>
-              </a:rPr>
-              <a:t>response: {‘stage’: ‘</a:t>
+              <a:t>.response: {‘stage’: ‘</a:t>
             </a:r>
             <a:r>
               <a:rPr lang="en-SG" sz="1050" dirty="0" err="1" smtClean="0">
@@ -8393,61 +8168,7 @@
                   </a:outerShdw>
                 </a:effectLst>
               </a:rPr>
-              <a:t>.result: </a:t>
-            </a:r>
-            <a:r>
-              <a:rPr lang="en-SG" sz="1050" dirty="0" smtClean="0">
-                <a:ln w="0"/>
-                <a:solidFill>
-                  <a:schemeClr val="accent1">
-                    <a:lumMod val="75000"/>
-                  </a:schemeClr>
-                </a:solidFill>
-                <a:effectLst>
-                  <a:outerShdw blurRad="38100" dist="25400" dir="5400000" algn="ctr" rotWithShape="0">
-                    <a:srgbClr val="6E747A">
-                      <a:alpha val="43000"/>
-                    </a:srgbClr>
-                  </a:outerShdw>
-                </a:effectLst>
-              </a:rPr>
-              <a:t>{‘</a:t>
-            </a:r>
-            <a:r>
-              <a:rPr lang="en-SG" sz="1050" dirty="0" smtClean="0">
-                <a:ln w="0"/>
-                <a:solidFill>
-                  <a:schemeClr val="accent1">
-                    <a:lumMod val="75000"/>
-                  </a:schemeClr>
-                </a:solidFill>
-                <a:effectLst>
-                  <a:outerShdw blurRad="38100" dist="25400" dir="5400000" algn="ctr" rotWithShape="0">
-                    <a:srgbClr val="6E747A">
-                      <a:alpha val="43000"/>
-                    </a:srgbClr>
-                  </a:outerShdw>
-                </a:effectLst>
-              </a:rPr>
-              <a:t>stage</a:t>
-            </a:r>
-            <a:r>
-              <a:rPr lang="en-SG" sz="1050" dirty="0" smtClean="0">
-                <a:ln w="0"/>
-                <a:solidFill>
-                  <a:schemeClr val="accent1">
-                    <a:lumMod val="75000"/>
-                  </a:schemeClr>
-                </a:solidFill>
-                <a:effectLst>
-                  <a:outerShdw blurRad="38100" dist="25400" dir="5400000" algn="ctr" rotWithShape="0">
-                    <a:srgbClr val="6E747A">
-                      <a:alpha val="43000"/>
-                    </a:srgbClr>
-                  </a:outerShdw>
-                </a:effectLst>
-              </a:rPr>
-              <a:t>’: ‘</a:t>
+              <a:t>.result: {‘stage’: ‘</a:t>
             </a:r>
             <a:r>
               <a:rPr lang="en-SG" sz="1050" dirty="0" err="1" smtClean="0">
@@ -8625,10 +8346,10 @@
                   </a:outerShdw>
                 </a:effectLst>
               </a:rPr>
-              <a:t>&lt;ID</a:t>
-            </a:r>
-            <a:r>
-              <a:rPr lang="en-SG" sz="1050" b="1" dirty="0" smtClean="0">
+              <a:t>&lt;ID&gt;</a:t>
+            </a:r>
+            <a:r>
+              <a:rPr lang="en-SG" sz="1050" dirty="0" smtClean="0">
                 <a:ln w="0"/>
                 <a:solidFill>
                   <a:schemeClr val="accent2">
@@ -8643,43 +8364,7 @@
                   </a:outerShdw>
                 </a:effectLst>
               </a:rPr>
-              <a:t>&gt;</a:t>
-            </a:r>
-            <a:r>
-              <a:rPr lang="en-SG" sz="1050" dirty="0" smtClean="0">
-                <a:ln w="0"/>
-                <a:solidFill>
-                  <a:schemeClr val="accent2">
-                    <a:lumMod val="75000"/>
-                  </a:schemeClr>
-                </a:solidFill>
-                <a:effectLst>
-                  <a:outerShdw blurRad="38100" dist="25400" dir="5400000" algn="ctr" rotWithShape="0">
-                    <a:srgbClr val="6E747A">
-                      <a:alpha val="43000"/>
-                    </a:srgbClr>
-                  </a:outerShdw>
-                </a:effectLst>
-              </a:rPr>
-              <a:t>.</a:t>
-            </a:r>
-            <a:r>
-              <a:rPr lang="en-SG" sz="1050" dirty="0" smtClean="0">
-                <a:ln w="0"/>
-                <a:solidFill>
-                  <a:schemeClr val="accent2">
-                    <a:lumMod val="75000"/>
-                  </a:schemeClr>
-                </a:solidFill>
-                <a:effectLst>
-                  <a:outerShdw blurRad="38100" dist="25400" dir="5400000" algn="ctr" rotWithShape="0">
-                    <a:srgbClr val="6E747A">
-                      <a:alpha val="43000"/>
-                    </a:srgbClr>
-                  </a:outerShdw>
-                </a:effectLst>
-              </a:rPr>
-              <a:t>response: {‘stage’: ‘</a:t>
+              <a:t>.response: {‘stage’: ‘</a:t>
             </a:r>
             <a:r>
               <a:rPr lang="en-SG" sz="1050" dirty="0" err="1" smtClean="0">
@@ -8809,16 +8494,7 @@
                   <a:schemeClr val="accent4"/>
                 </a:solidFill>
               </a:rPr>
-              <a:t>GPIO </a:t>
-            </a:r>
-            <a:r>
-              <a:rPr lang="en-SG" sz="1100" b="1" dirty="0" smtClean="0">
-                <a:ln/>
-                <a:solidFill>
-                  <a:schemeClr val="accent4"/>
-                </a:solidFill>
-              </a:rPr>
-              <a:t>23 set to High</a:t>
+              <a:t>GPIO 23 set to High</a:t>
             </a:r>
             <a:endParaRPr lang="en-SG" sz="1100" b="1" dirty="0">
               <a:ln/>
@@ -8936,25 +8612,7 @@
                   </a:outerShdw>
                 </a:effectLst>
               </a:rPr>
-              <a:t>.response: {‘</a:t>
-            </a:r>
-            <a:r>
-              <a:rPr lang="en-SG" sz="1050" dirty="0" smtClean="0">
-                <a:ln w="0"/>
-                <a:solidFill>
-                  <a:schemeClr val="bg1">
-                    <a:lumMod val="50000"/>
-                  </a:schemeClr>
-                </a:solidFill>
-                <a:effectLst>
-                  <a:outerShdw blurRad="38100" dist="25400" dir="5400000" algn="ctr" rotWithShape="0">
-                    <a:srgbClr val="6E747A">
-                      <a:alpha val="43000"/>
-                    </a:srgbClr>
-                  </a:outerShdw>
-                </a:effectLst>
-              </a:rPr>
-              <a:t>stage’: ‘</a:t>
+              <a:t>.response: {‘stage’: ‘</a:t>
             </a:r>
             <a:r>
               <a:rPr lang="en-SG" sz="1050" dirty="0" err="1" smtClean="0">
@@ -9135,10 +8793,10 @@
                   </a:outerShdw>
                 </a:effectLst>
               </a:rPr>
-              <a:t>&lt;ID</a:t>
-            </a:r>
-            <a:r>
-              <a:rPr lang="en-SG" sz="1050" b="1" dirty="0" smtClean="0">
+              <a:t>&lt;ID&gt;</a:t>
+            </a:r>
+            <a:r>
+              <a:rPr lang="en-SG" sz="1050" dirty="0" smtClean="0">
                 <a:ln w="0"/>
                 <a:solidFill>
                   <a:schemeClr val="accent2">
@@ -9153,7 +8811,7 @@
                   </a:outerShdw>
                 </a:effectLst>
               </a:rPr>
-              <a:t>&gt;</a:t>
+              <a:t>.</a:t>
             </a:r>
             <a:r>
               <a:rPr lang="en-SG" sz="1050" dirty="0" smtClean="0">
@@ -9171,7 +8829,7 @@
                   </a:outerShdw>
                 </a:effectLst>
               </a:rPr>
-              <a:t>.</a:t>
+              <a:t>response: </a:t>
             </a:r>
             <a:r>
               <a:rPr lang="en-SG" sz="1050" dirty="0" smtClean="0">
@@ -9189,7 +8847,7 @@
                   </a:outerShdw>
                 </a:effectLst>
               </a:rPr>
-              <a:t>result: {‘stage’: ‘</a:t>
+              <a:t>{‘stage’: ‘</a:t>
             </a:r>
             <a:r>
               <a:rPr lang="en-SG" sz="1050" dirty="0" err="1" smtClean="0">
@@ -9527,61 +9185,7 @@
                   </a:outerShdw>
                 </a:effectLst>
               </a:rPr>
-              <a:t>.result: </a:t>
-            </a:r>
-            <a:r>
-              <a:rPr lang="en-SG" sz="1050" dirty="0" smtClean="0">
-                <a:ln w="0"/>
-                <a:solidFill>
-                  <a:schemeClr val="accent2">
-                    <a:lumMod val="75000"/>
-                  </a:schemeClr>
-                </a:solidFill>
-                <a:effectLst>
-                  <a:outerShdw blurRad="38100" dist="25400" dir="5400000" algn="ctr" rotWithShape="0">
-                    <a:srgbClr val="6E747A">
-                      <a:alpha val="43000"/>
-                    </a:srgbClr>
-                  </a:outerShdw>
-                </a:effectLst>
-              </a:rPr>
-              <a:t>{‘</a:t>
-            </a:r>
-            <a:r>
-              <a:rPr lang="en-SG" sz="1050" dirty="0" smtClean="0">
-                <a:ln w="0"/>
-                <a:solidFill>
-                  <a:schemeClr val="accent2">
-                    <a:lumMod val="75000"/>
-                  </a:schemeClr>
-                </a:solidFill>
-                <a:effectLst>
-                  <a:outerShdw blurRad="38100" dist="25400" dir="5400000" algn="ctr" rotWithShape="0">
-                    <a:srgbClr val="6E747A">
-                      <a:alpha val="43000"/>
-                    </a:srgbClr>
-                  </a:outerShdw>
-                </a:effectLst>
-              </a:rPr>
-              <a:t>stage</a:t>
-            </a:r>
-            <a:r>
-              <a:rPr lang="en-SG" sz="1050" dirty="0" smtClean="0">
-                <a:ln w="0"/>
-                <a:solidFill>
-                  <a:schemeClr val="accent2">
-                    <a:lumMod val="75000"/>
-                  </a:schemeClr>
-                </a:solidFill>
-                <a:effectLst>
-                  <a:outerShdw blurRad="38100" dist="25400" dir="5400000" algn="ctr" rotWithShape="0">
-                    <a:srgbClr val="6E747A">
-                      <a:alpha val="43000"/>
-                    </a:srgbClr>
-                  </a:outerShdw>
-                </a:effectLst>
-              </a:rPr>
-              <a:t>’: ‘</a:t>
+              <a:t>.result: {‘stage’: ‘</a:t>
             </a:r>
             <a:r>
               <a:rPr lang="en-SG" sz="1050" dirty="0" err="1" smtClean="0">
@@ -9842,61 +9446,7 @@
                   </a:outerShdw>
                 </a:effectLst>
               </a:rPr>
-              <a:t>.result: </a:t>
-            </a:r>
-            <a:r>
-              <a:rPr lang="en-SG" sz="1050" dirty="0" smtClean="0">
-                <a:ln w="0"/>
-                <a:solidFill>
-                  <a:schemeClr val="accent1">
-                    <a:lumMod val="75000"/>
-                  </a:schemeClr>
-                </a:solidFill>
-                <a:effectLst>
-                  <a:outerShdw blurRad="38100" dist="25400" dir="5400000" algn="ctr" rotWithShape="0">
-                    <a:srgbClr val="6E747A">
-                      <a:alpha val="43000"/>
-                    </a:srgbClr>
-                  </a:outerShdw>
-                </a:effectLst>
-              </a:rPr>
-              <a:t>{‘</a:t>
-            </a:r>
-            <a:r>
-              <a:rPr lang="en-SG" sz="1050" dirty="0" smtClean="0">
-                <a:ln w="0"/>
-                <a:solidFill>
-                  <a:schemeClr val="accent1">
-                    <a:lumMod val="75000"/>
-                  </a:schemeClr>
-                </a:solidFill>
-                <a:effectLst>
-                  <a:outerShdw blurRad="38100" dist="25400" dir="5400000" algn="ctr" rotWithShape="0">
-                    <a:srgbClr val="6E747A">
-                      <a:alpha val="43000"/>
-                    </a:srgbClr>
-                  </a:outerShdw>
-                </a:effectLst>
-              </a:rPr>
-              <a:t>stage</a:t>
-            </a:r>
-            <a:r>
-              <a:rPr lang="en-SG" sz="1050" dirty="0" smtClean="0">
-                <a:ln w="0"/>
-                <a:solidFill>
-                  <a:schemeClr val="accent1">
-                    <a:lumMod val="75000"/>
-                  </a:schemeClr>
-                </a:solidFill>
-                <a:effectLst>
-                  <a:outerShdw blurRad="38100" dist="25400" dir="5400000" algn="ctr" rotWithShape="0">
-                    <a:srgbClr val="6E747A">
-                      <a:alpha val="43000"/>
-                    </a:srgbClr>
-                  </a:outerShdw>
-                </a:effectLst>
-              </a:rPr>
-              <a:t>’: ‘</a:t>
+              <a:t>.result: {‘stage’: ‘</a:t>
             </a:r>
             <a:r>
               <a:rPr lang="en-SG" sz="1050" dirty="0" err="1" smtClean="0">
@@ -10074,10 +9624,10 @@
                   </a:outerShdw>
                 </a:effectLst>
               </a:rPr>
-              <a:t>&lt;ID</a:t>
-            </a:r>
-            <a:r>
-              <a:rPr lang="en-SG" sz="1050" b="1" dirty="0" smtClean="0">
+              <a:t>&lt;ID&gt;</a:t>
+            </a:r>
+            <a:r>
+              <a:rPr lang="en-SG" sz="1050" dirty="0" smtClean="0">
                 <a:ln w="0"/>
                 <a:solidFill>
                   <a:schemeClr val="accent2">
@@ -10092,43 +9642,7 @@
                   </a:outerShdw>
                 </a:effectLst>
               </a:rPr>
-              <a:t>&gt;</a:t>
-            </a:r>
-            <a:r>
-              <a:rPr lang="en-SG" sz="1050" dirty="0" smtClean="0">
-                <a:ln w="0"/>
-                <a:solidFill>
-                  <a:schemeClr val="accent2">
-                    <a:lumMod val="75000"/>
-                  </a:schemeClr>
-                </a:solidFill>
-                <a:effectLst>
-                  <a:outerShdw blurRad="38100" dist="25400" dir="5400000" algn="ctr" rotWithShape="0">
-                    <a:srgbClr val="6E747A">
-                      <a:alpha val="43000"/>
-                    </a:srgbClr>
-                  </a:outerShdw>
-                </a:effectLst>
-              </a:rPr>
-              <a:t>.</a:t>
-            </a:r>
-            <a:r>
-              <a:rPr lang="en-SG" sz="1050" dirty="0" smtClean="0">
-                <a:ln w="0"/>
-                <a:solidFill>
-                  <a:schemeClr val="accent2">
-                    <a:lumMod val="75000"/>
-                  </a:schemeClr>
-                </a:solidFill>
-                <a:effectLst>
-                  <a:outerShdw blurRad="38100" dist="25400" dir="5400000" algn="ctr" rotWithShape="0">
-                    <a:srgbClr val="6E747A">
-                      <a:alpha val="43000"/>
-                    </a:srgbClr>
-                  </a:outerShdw>
-                </a:effectLst>
-              </a:rPr>
-              <a:t>response: {‘stage’: ‘</a:t>
+              <a:t>.response: {‘stage’: ‘</a:t>
             </a:r>
             <a:r>
               <a:rPr lang="en-SG" sz="1050" dirty="0" err="1" smtClean="0">
@@ -10258,16 +9772,7 @@
                   <a:schemeClr val="accent4"/>
                 </a:solidFill>
               </a:rPr>
-              <a:t>GPIO </a:t>
-            </a:r>
-            <a:r>
-              <a:rPr lang="en-SG" sz="1100" b="1" dirty="0" smtClean="0">
-                <a:ln/>
-                <a:solidFill>
-                  <a:schemeClr val="accent4"/>
-                </a:solidFill>
-              </a:rPr>
-              <a:t>25 set to High</a:t>
+              <a:t>GPIO 25 set to High</a:t>
             </a:r>
             <a:endParaRPr lang="en-SG" sz="1100" b="1" dirty="0">
               <a:ln/>
@@ -10385,25 +9890,7 @@
                   </a:outerShdw>
                 </a:effectLst>
               </a:rPr>
-              <a:t>.response: {‘</a:t>
-            </a:r>
-            <a:r>
-              <a:rPr lang="en-SG" sz="1050" dirty="0" smtClean="0">
-                <a:ln w="0"/>
-                <a:solidFill>
-                  <a:schemeClr val="bg1">
-                    <a:lumMod val="50000"/>
-                  </a:schemeClr>
-                </a:solidFill>
-                <a:effectLst>
-                  <a:outerShdw blurRad="38100" dist="25400" dir="5400000" algn="ctr" rotWithShape="0">
-                    <a:srgbClr val="6E747A">
-                      <a:alpha val="43000"/>
-                    </a:srgbClr>
-                  </a:outerShdw>
-                </a:effectLst>
-              </a:rPr>
-              <a:t>stage’: ‘</a:t>
+              <a:t>.response: {‘stage’: ‘</a:t>
             </a:r>
             <a:r>
               <a:rPr lang="en-SG" sz="1050" dirty="0" err="1" smtClean="0">
@@ -10647,61 +10134,7 @@
                   </a:outerShdw>
                 </a:effectLst>
               </a:rPr>
-              <a:t>.result: </a:t>
-            </a:r>
-            <a:r>
-              <a:rPr lang="en-SG" sz="1050" dirty="0" smtClean="0">
-                <a:ln w="0"/>
-                <a:solidFill>
-                  <a:schemeClr val="accent2">
-                    <a:lumMod val="75000"/>
-                  </a:schemeClr>
-                </a:solidFill>
-                <a:effectLst>
-                  <a:outerShdw blurRad="38100" dist="25400" dir="5400000" algn="ctr" rotWithShape="0">
-                    <a:srgbClr val="6E747A">
-                      <a:alpha val="43000"/>
-                    </a:srgbClr>
-                  </a:outerShdw>
-                </a:effectLst>
-              </a:rPr>
-              <a:t>{‘</a:t>
-            </a:r>
-            <a:r>
-              <a:rPr lang="en-SG" sz="1050" dirty="0" smtClean="0">
-                <a:ln w="0"/>
-                <a:solidFill>
-                  <a:schemeClr val="accent2">
-                    <a:lumMod val="75000"/>
-                  </a:schemeClr>
-                </a:solidFill>
-                <a:effectLst>
-                  <a:outerShdw blurRad="38100" dist="25400" dir="5400000" algn="ctr" rotWithShape="0">
-                    <a:srgbClr val="6E747A">
-                      <a:alpha val="43000"/>
-                    </a:srgbClr>
-                  </a:outerShdw>
-                </a:effectLst>
-              </a:rPr>
-              <a:t>stage</a:t>
-            </a:r>
-            <a:r>
-              <a:rPr lang="en-SG" sz="1050" dirty="0" smtClean="0">
-                <a:ln w="0"/>
-                <a:solidFill>
-                  <a:schemeClr val="accent2">
-                    <a:lumMod val="75000"/>
-                  </a:schemeClr>
-                </a:solidFill>
-                <a:effectLst>
-                  <a:outerShdw blurRad="38100" dist="25400" dir="5400000" algn="ctr" rotWithShape="0">
-                    <a:srgbClr val="6E747A">
-                      <a:alpha val="43000"/>
-                    </a:srgbClr>
-                  </a:outerShdw>
-                </a:effectLst>
-              </a:rPr>
-              <a:t>’: ‘</a:t>
+              <a:t>.result: {‘stage’: ‘</a:t>
             </a:r>
             <a:r>
               <a:rPr lang="en-SG" sz="1050" dirty="0" err="1" smtClean="0">
@@ -11543,79 +10976,7 @@
                   </a:outerShdw>
                 </a:effectLst>
               </a:rPr>
-              <a:t>.</a:t>
-            </a:r>
-            <a:r>
-              <a:rPr lang="en-SG" sz="1050" dirty="0" smtClean="0">
-                <a:ln w="0"/>
-                <a:solidFill>
-                  <a:schemeClr val="accent1">
-                    <a:lumMod val="75000"/>
-                  </a:schemeClr>
-                </a:solidFill>
-                <a:effectLst>
-                  <a:outerShdw blurRad="38100" dist="25400" dir="5400000" algn="ctr" rotWithShape="0">
-                    <a:srgbClr val="6E747A">
-                      <a:alpha val="43000"/>
-                    </a:srgbClr>
-                  </a:outerShdw>
-                </a:effectLst>
-              </a:rPr>
-              <a:t>alert</a:t>
-            </a:r>
-            <a:r>
-              <a:rPr lang="en-SG" sz="1050" dirty="0" smtClean="0">
-                <a:ln w="0"/>
-                <a:solidFill>
-                  <a:schemeClr val="accent1">
-                    <a:lumMod val="75000"/>
-                  </a:schemeClr>
-                </a:solidFill>
-                <a:effectLst>
-                  <a:outerShdw blurRad="38100" dist="25400" dir="5400000" algn="ctr" rotWithShape="0">
-                    <a:srgbClr val="6E747A">
-                      <a:alpha val="43000"/>
-                    </a:srgbClr>
-                  </a:outerShdw>
-                </a:effectLst>
-              </a:rPr>
-              <a:t>: {‘</a:t>
-            </a:r>
-            <a:r>
-              <a:rPr lang="en-SG" sz="1050" dirty="0" smtClean="0">
-                <a:ln w="0"/>
-                <a:solidFill>
-                  <a:schemeClr val="accent1">
-                    <a:lumMod val="75000"/>
-                  </a:schemeClr>
-                </a:solidFill>
-                <a:effectLst>
-                  <a:outerShdw blurRad="38100" dist="25400" dir="5400000" algn="ctr" rotWithShape="0">
-                    <a:srgbClr val="6E747A">
-                      <a:alpha val="43000"/>
-                    </a:srgbClr>
-                  </a:outerShdw>
-                </a:effectLst>
-              </a:rPr>
-              <a:t>stage</a:t>
-            </a:r>
-            <a:r>
-              <a:rPr lang="en-SG" sz="1050" dirty="0" smtClean="0">
-                <a:ln w="0"/>
-                <a:solidFill>
-                  <a:schemeClr val="accent1">
-                    <a:lumMod val="75000"/>
-                  </a:schemeClr>
-                </a:solidFill>
-                <a:effectLst>
-                  <a:outerShdw blurRad="38100" dist="25400" dir="5400000" algn="ctr" rotWithShape="0">
-                    <a:srgbClr val="6E747A">
-                      <a:alpha val="43000"/>
-                    </a:srgbClr>
-                  </a:outerShdw>
-                </a:effectLst>
-              </a:rPr>
-              <a:t>’: ‘alert’, ‘status’: ‘activated’&gt;</a:t>
+              <a:t>.alert: {‘stage’: ‘alert’, ‘status’: ‘activated’&gt;</a:t>
             </a:r>
             <a:endParaRPr lang="en-SG" sz="1050" dirty="0">
               <a:ln w="0"/>
@@ -11905,16 +11266,7 @@
                   <a:schemeClr val="accent4"/>
                 </a:solidFill>
               </a:rPr>
-              <a:t>GPIO </a:t>
-            </a:r>
-            <a:r>
-              <a:rPr lang="en-SG" sz="1100" b="1" dirty="0" smtClean="0">
-                <a:ln/>
-                <a:solidFill>
-                  <a:schemeClr val="accent4"/>
-                </a:solidFill>
-              </a:rPr>
-              <a:t>24 set to High</a:t>
+              <a:t>GPIO 24 set to High</a:t>
             </a:r>
           </a:p>
           <a:p>
@@ -12136,10 +11488,10 @@
                   </a:outerShdw>
                 </a:effectLst>
               </a:rPr>
-              <a:t>.</a:t>
-            </a:r>
-            <a:r>
-              <a:rPr lang="en-SG" sz="1050" dirty="0" smtClean="0">
+              <a:t>.alert-response: {‘stage’: ‘</a:t>
+            </a:r>
+            <a:r>
+              <a:rPr lang="en-SG" sz="1050" dirty="0" err="1" smtClean="0">
                 <a:ln w="0"/>
                 <a:solidFill>
                   <a:schemeClr val="bg1">
@@ -12154,97 +11506,7 @@
                   </a:outerShdw>
                 </a:effectLst>
               </a:rPr>
-              <a:t>alert-response</a:t>
-            </a:r>
-            <a:r>
-              <a:rPr lang="en-SG" sz="1050" dirty="0" smtClean="0">
-                <a:ln w="0"/>
-                <a:solidFill>
-                  <a:schemeClr val="bg1">
-                    <a:lumMod val="50000"/>
-                  </a:schemeClr>
-                </a:solidFill>
-                <a:effectLst>
-                  <a:outerShdw blurRad="38100" dist="25400" dir="5400000" algn="ctr" rotWithShape="0">
-                    <a:srgbClr val="6E747A">
-                      <a:alpha val="43000"/>
-                    </a:srgbClr>
-                  </a:outerShdw>
-                </a:effectLst>
-              </a:rPr>
-              <a:t>: </a:t>
-            </a:r>
-            <a:r>
-              <a:rPr lang="en-SG" sz="1050" dirty="0" smtClean="0">
-                <a:ln w="0"/>
-                <a:solidFill>
-                  <a:schemeClr val="bg1">
-                    <a:lumMod val="50000"/>
-                  </a:schemeClr>
-                </a:solidFill>
-                <a:effectLst>
-                  <a:outerShdw blurRad="38100" dist="25400" dir="5400000" algn="ctr" rotWithShape="0">
-                    <a:srgbClr val="6E747A">
-                      <a:alpha val="43000"/>
-                    </a:srgbClr>
-                  </a:outerShdw>
-                </a:effectLst>
-              </a:rPr>
-              <a:t>{‘</a:t>
-            </a:r>
-            <a:r>
-              <a:rPr lang="en-SG" sz="1050" dirty="0" smtClean="0">
-                <a:ln w="0"/>
-                <a:solidFill>
-                  <a:schemeClr val="bg1">
-                    <a:lumMod val="50000"/>
-                  </a:schemeClr>
-                </a:solidFill>
-                <a:effectLst>
-                  <a:outerShdw blurRad="38100" dist="25400" dir="5400000" algn="ctr" rotWithShape="0">
-                    <a:srgbClr val="6E747A">
-                      <a:alpha val="43000"/>
-                    </a:srgbClr>
-                  </a:outerShdw>
-                </a:effectLst>
-              </a:rPr>
-              <a:t>stage’: ‘</a:t>
-            </a:r>
-            <a:r>
-              <a:rPr lang="en-SG" sz="1050" dirty="0" err="1" smtClean="0">
-                <a:ln w="0"/>
-                <a:solidFill>
-                  <a:schemeClr val="bg1">
-                    <a:lumMod val="50000"/>
-                  </a:schemeClr>
-                </a:solidFill>
-                <a:effectLst>
-                  <a:outerShdw blurRad="38100" dist="25400" dir="5400000" algn="ctr" rotWithShape="0">
-                    <a:srgbClr val="6E747A">
-                      <a:alpha val="43000"/>
-                    </a:srgbClr>
-                  </a:outerShdw>
-                </a:effectLst>
-              </a:rPr>
-              <a:t>alert-msg</a:t>
-            </a:r>
-            <a:r>
-              <a:rPr lang="en-SG" sz="1050" dirty="0" err="1" smtClean="0">
-                <a:ln w="0"/>
-                <a:solidFill>
-                  <a:schemeClr val="bg1">
-                    <a:lumMod val="50000"/>
-                  </a:schemeClr>
-                </a:solidFill>
-                <a:effectLst>
-                  <a:outerShdw blurRad="38100" dist="25400" dir="5400000" algn="ctr" rotWithShape="0">
-                    <a:srgbClr val="6E747A">
-                      <a:alpha val="43000"/>
-                    </a:srgbClr>
-                  </a:outerShdw>
-                </a:effectLst>
-              </a:rPr>
-              <a:t>|alert-switch</a:t>
+              <a:t>alert-msg|alert-switch</a:t>
             </a:r>
             <a:r>
               <a:rPr lang="en-SG" sz="1050" dirty="0" smtClean="0">
@@ -12473,79 +11735,7 @@
                   </a:outerShdw>
                 </a:effectLst>
               </a:rPr>
-              <a:t>.</a:t>
-            </a:r>
-            <a:r>
-              <a:rPr lang="en-SG" sz="1050" dirty="0" smtClean="0">
-                <a:ln w="0"/>
-                <a:solidFill>
-                  <a:schemeClr val="accent2">
-                    <a:lumMod val="75000"/>
-                  </a:schemeClr>
-                </a:solidFill>
-                <a:effectLst>
-                  <a:outerShdw blurRad="38100" dist="25400" dir="5400000" algn="ctr" rotWithShape="0">
-                    <a:srgbClr val="6E747A">
-                      <a:alpha val="43000"/>
-                    </a:srgbClr>
-                  </a:outerShdw>
-                </a:effectLst>
-              </a:rPr>
-              <a:t>alert</a:t>
-            </a:r>
-            <a:r>
-              <a:rPr lang="en-SG" sz="1050" dirty="0" smtClean="0">
-                <a:ln w="0"/>
-                <a:solidFill>
-                  <a:schemeClr val="accent2">
-                    <a:lumMod val="75000"/>
-                  </a:schemeClr>
-                </a:solidFill>
-                <a:effectLst>
-                  <a:outerShdw blurRad="38100" dist="25400" dir="5400000" algn="ctr" rotWithShape="0">
-                    <a:srgbClr val="6E747A">
-                      <a:alpha val="43000"/>
-                    </a:srgbClr>
-                  </a:outerShdw>
-                </a:effectLst>
-              </a:rPr>
-              <a:t>: {‘</a:t>
-            </a:r>
-            <a:r>
-              <a:rPr lang="en-SG" sz="1050" dirty="0" smtClean="0">
-                <a:ln w="0"/>
-                <a:solidFill>
-                  <a:schemeClr val="accent2">
-                    <a:lumMod val="75000"/>
-                  </a:schemeClr>
-                </a:solidFill>
-                <a:effectLst>
-                  <a:outerShdw blurRad="38100" dist="25400" dir="5400000" algn="ctr" rotWithShape="0">
-                    <a:srgbClr val="6E747A">
-                      <a:alpha val="43000"/>
-                    </a:srgbClr>
-                  </a:outerShdw>
-                </a:effectLst>
-              </a:rPr>
-              <a:t>stage</a:t>
-            </a:r>
-            <a:r>
-              <a:rPr lang="en-SG" sz="1050" dirty="0" smtClean="0">
-                <a:ln w="0"/>
-                <a:solidFill>
-                  <a:schemeClr val="accent2">
-                    <a:lumMod val="75000"/>
-                  </a:schemeClr>
-                </a:solidFill>
-                <a:effectLst>
-                  <a:outerShdw blurRad="38100" dist="25400" dir="5400000" algn="ctr" rotWithShape="0">
-                    <a:srgbClr val="6E747A">
-                      <a:alpha val="43000"/>
-                    </a:srgbClr>
-                  </a:outerShdw>
-                </a:effectLst>
-              </a:rPr>
-              <a:t>’: ‘alert’, ‘status’: ‘activated’&gt;</a:t>
+              <a:t>.alert: {‘stage’: ‘alert’, ‘status’: ‘activated’&gt;</a:t>
             </a:r>
             <a:endParaRPr lang="en-SG" sz="1050" dirty="0">
               <a:ln w="0"/>
@@ -12665,12 +11855,6 @@
               </a:rPr>
               <a:t>’</a:t>
             </a:r>
-            <a:endParaRPr lang="en-SG" sz="1100" b="1" dirty="0" smtClean="0">
-              <a:ln/>
-              <a:solidFill>
-                <a:schemeClr val="accent4"/>
-              </a:solidFill>
-            </a:endParaRPr>
           </a:p>
           <a:p>
             <a:r>
@@ -13764,79 +12948,7 @@
                   </a:outerShdw>
                 </a:effectLst>
               </a:rPr>
-              <a:t>.</a:t>
-            </a:r>
-            <a:r>
-              <a:rPr lang="en-SG" sz="1050" dirty="0" smtClean="0">
-                <a:ln w="0"/>
-                <a:solidFill>
-                  <a:schemeClr val="bg1">
-                    <a:lumMod val="50000"/>
-                  </a:schemeClr>
-                </a:solidFill>
-                <a:effectLst>
-                  <a:outerShdw blurRad="38100" dist="25400" dir="5400000" algn="ctr" rotWithShape="0">
-                    <a:srgbClr val="6E747A">
-                      <a:alpha val="43000"/>
-                    </a:srgbClr>
-                  </a:outerShdw>
-                </a:effectLst>
-              </a:rPr>
-              <a:t>alert-response</a:t>
-            </a:r>
-            <a:r>
-              <a:rPr lang="en-SG" sz="1050" dirty="0" smtClean="0">
-                <a:ln w="0"/>
-                <a:solidFill>
-                  <a:schemeClr val="bg1">
-                    <a:lumMod val="50000"/>
-                  </a:schemeClr>
-                </a:solidFill>
-                <a:effectLst>
-                  <a:outerShdw blurRad="38100" dist="25400" dir="5400000" algn="ctr" rotWithShape="0">
-                    <a:srgbClr val="6E747A">
-                      <a:alpha val="43000"/>
-                    </a:srgbClr>
-                  </a:outerShdw>
-                </a:effectLst>
-              </a:rPr>
-              <a:t>: </a:t>
-            </a:r>
-            <a:r>
-              <a:rPr lang="en-SG" sz="1050" dirty="0" smtClean="0">
-                <a:ln w="0"/>
-                <a:solidFill>
-                  <a:schemeClr val="bg1">
-                    <a:lumMod val="50000"/>
-                  </a:schemeClr>
-                </a:solidFill>
-                <a:effectLst>
-                  <a:outerShdw blurRad="38100" dist="25400" dir="5400000" algn="ctr" rotWithShape="0">
-                    <a:srgbClr val="6E747A">
-                      <a:alpha val="43000"/>
-                    </a:srgbClr>
-                  </a:outerShdw>
-                </a:effectLst>
-              </a:rPr>
-              <a:t>{‘</a:t>
-            </a:r>
-            <a:r>
-              <a:rPr lang="en-SG" sz="1050" dirty="0" smtClean="0">
-                <a:ln w="0"/>
-                <a:solidFill>
-                  <a:schemeClr val="bg1">
-                    <a:lumMod val="50000"/>
-                  </a:schemeClr>
-                </a:solidFill>
-                <a:effectLst>
-                  <a:outerShdw blurRad="38100" dist="25400" dir="5400000" algn="ctr" rotWithShape="0">
-                    <a:srgbClr val="6E747A">
-                      <a:alpha val="43000"/>
-                    </a:srgbClr>
-                  </a:outerShdw>
-                </a:effectLst>
-              </a:rPr>
-              <a:t>stage’: ‘alert-reset’, ‘status’: ‘</a:t>
+              <a:t>.alert-response: {‘stage’: ‘alert-reset’, ‘status’: ‘</a:t>
             </a:r>
             <a:r>
               <a:rPr lang="en-SG" sz="1050" dirty="0" err="1" smtClean="0">
@@ -14177,7 +13289,43 @@
                   </a:outerShdw>
                 </a:effectLst>
               </a:rPr>
-              <a:t>.alert-response: {‘stage’: ‘alert’, ‘status’: ‘</a:t>
+              <a:t>.alert-response: {‘stage’: ‘</a:t>
+            </a:r>
+            <a:r>
+              <a:rPr lang="en-SG" sz="1050" dirty="0" smtClean="0">
+                <a:ln w="0"/>
+                <a:solidFill>
+                  <a:schemeClr val="accent2">
+                    <a:lumMod val="75000"/>
+                  </a:schemeClr>
+                </a:solidFill>
+                <a:effectLst>
+                  <a:outerShdw blurRad="38100" dist="25400" dir="5400000" algn="ctr" rotWithShape="0">
+                    <a:srgbClr val="6E747A">
+                      <a:alpha val="43000"/>
+                    </a:srgbClr>
+                  </a:outerShdw>
+                </a:effectLst>
+              </a:rPr>
+              <a:t>alert-reset’, </a:t>
+            </a:r>
+            <a:r>
+              <a:rPr lang="en-SG" sz="1050" dirty="0" smtClean="0">
+                <a:ln w="0"/>
+                <a:solidFill>
+                  <a:schemeClr val="accent2">
+                    <a:lumMod val="75000"/>
+                  </a:schemeClr>
+                </a:solidFill>
+                <a:effectLst>
+                  <a:outerShdw blurRad="38100" dist="25400" dir="5400000" algn="ctr" rotWithShape="0">
+                    <a:srgbClr val="6E747A">
+                      <a:alpha val="43000"/>
+                    </a:srgbClr>
+                  </a:outerShdw>
+                </a:effectLst>
+              </a:rPr>
+              <a:t>‘status’: ‘</a:t>
             </a:r>
             <a:r>
               <a:rPr lang="en-SG" sz="1050" dirty="0" err="1" smtClean="0">
@@ -14389,16 +13537,7 @@
                   <a:schemeClr val="accent4"/>
                 </a:solidFill>
               </a:rPr>
-              <a:t>GPIO </a:t>
-            </a:r>
-            <a:r>
-              <a:rPr lang="en-SG" sz="1100" b="1" dirty="0" smtClean="0">
-                <a:ln/>
-                <a:solidFill>
-                  <a:schemeClr val="accent4"/>
-                </a:solidFill>
-              </a:rPr>
-              <a:t>24 set to low</a:t>
+              <a:t>GPIO 24 set to low</a:t>
             </a:r>
           </a:p>
         </p:txBody>
